--- a/docs/순서도.pptx
+++ b/docs/순서도.pptx
@@ -5,11 +5,12 @@
     <p:sldMasterId id="2147483648" r:id="rId1"/>
   </p:sldMasterIdLst>
   <p:notesMasterIdLst>
-    <p:notesMasterId r:id="rId4"/>
+    <p:notesMasterId r:id="rId5"/>
   </p:notesMasterIdLst>
   <p:sldIdLst>
     <p:sldId id="256" r:id="rId2"/>
     <p:sldId id="258" r:id="rId3"/>
+    <p:sldId id="259" r:id="rId4"/>
   </p:sldIdLst>
   <p:sldSz cx="12192000" cy="6858000"/>
   <p:notesSz cx="6858000" cy="9144000"/>
@@ -110,7 +111,23 @@
   </p:defaultTextStyle>
   <p:extLst>
     <p:ext uri="{EFAFB233-063F-42B5-8137-9DF3F51BA10A}">
-      <p15:sldGuideLst xmlns:p15="http://schemas.microsoft.com/office/powerpoint/2012/main"/>
+      <p15:sldGuideLst xmlns:p15="http://schemas.microsoft.com/office/powerpoint/2012/main">
+        <p15:guide id="1" orient="horz" pos="2160" userDrawn="1">
+          <p15:clr>
+            <a:srgbClr val="A4A3A4"/>
+          </p15:clr>
+        </p15:guide>
+        <p15:guide id="2" pos="3840" userDrawn="1">
+          <p15:clr>
+            <a:srgbClr val="A4A3A4"/>
+          </p15:clr>
+        </p15:guide>
+        <p15:guide id="3" orient="horz" pos="2260" userDrawn="1">
+          <p15:clr>
+            <a:srgbClr val="A4A3A4"/>
+          </p15:clr>
+        </p15:guide>
+      </p15:sldGuideLst>
     </p:ext>
   </p:extLst>
 </p:presentation>
@@ -198,7 +215,7 @@
           <a:p>
             <a:fld id="{FEBB53FF-EA0C-4AD8-8B3F-CE90C6A3C06E}" type="datetimeFigureOut">
               <a:rPr lang="ko-KR" altLang="en-US" smtClean="0"/>
-              <a:t>2022-07-04</a:t>
+              <a:t>2022-07-07</a:t>
             </a:fld>
             <a:endParaRPr lang="ko-KR" altLang="en-US"/>
           </a:p>
@@ -597,7 +614,7 @@
           <a:p>
             <a:fld id="{89A65DAD-E989-4FB0-8D33-7FCDDB457EB5}" type="datetimeFigureOut">
               <a:rPr lang="ko-KR" altLang="en-US" smtClean="0"/>
-              <a:t>2022-07-04</a:t>
+              <a:t>2022-07-07</a:t>
             </a:fld>
             <a:endParaRPr lang="ko-KR" altLang="en-US"/>
           </a:p>
@@ -767,7 +784,7 @@
           <a:p>
             <a:fld id="{89A65DAD-E989-4FB0-8D33-7FCDDB457EB5}" type="datetimeFigureOut">
               <a:rPr lang="ko-KR" altLang="en-US" smtClean="0"/>
-              <a:t>2022-07-04</a:t>
+              <a:t>2022-07-07</a:t>
             </a:fld>
             <a:endParaRPr lang="ko-KR" altLang="en-US"/>
           </a:p>
@@ -947,7 +964,7 @@
           <a:p>
             <a:fld id="{89A65DAD-E989-4FB0-8D33-7FCDDB457EB5}" type="datetimeFigureOut">
               <a:rPr lang="ko-KR" altLang="en-US" smtClean="0"/>
-              <a:t>2022-07-04</a:t>
+              <a:t>2022-07-07</a:t>
             </a:fld>
             <a:endParaRPr lang="ko-KR" altLang="en-US"/>
           </a:p>
@@ -1117,7 +1134,7 @@
           <a:p>
             <a:fld id="{89A65DAD-E989-4FB0-8D33-7FCDDB457EB5}" type="datetimeFigureOut">
               <a:rPr lang="ko-KR" altLang="en-US" smtClean="0"/>
-              <a:t>2022-07-04</a:t>
+              <a:t>2022-07-07</a:t>
             </a:fld>
             <a:endParaRPr lang="ko-KR" altLang="en-US"/>
           </a:p>
@@ -1363,7 +1380,7 @@
           <a:p>
             <a:fld id="{89A65DAD-E989-4FB0-8D33-7FCDDB457EB5}" type="datetimeFigureOut">
               <a:rPr lang="ko-KR" altLang="en-US" smtClean="0"/>
-              <a:t>2022-07-04</a:t>
+              <a:t>2022-07-07</a:t>
             </a:fld>
             <a:endParaRPr lang="ko-KR" altLang="en-US"/>
           </a:p>
@@ -1595,7 +1612,7 @@
           <a:p>
             <a:fld id="{89A65DAD-E989-4FB0-8D33-7FCDDB457EB5}" type="datetimeFigureOut">
               <a:rPr lang="ko-KR" altLang="en-US" smtClean="0"/>
-              <a:t>2022-07-04</a:t>
+              <a:t>2022-07-07</a:t>
             </a:fld>
             <a:endParaRPr lang="ko-KR" altLang="en-US"/>
           </a:p>
@@ -1962,7 +1979,7 @@
           <a:p>
             <a:fld id="{89A65DAD-E989-4FB0-8D33-7FCDDB457EB5}" type="datetimeFigureOut">
               <a:rPr lang="ko-KR" altLang="en-US" smtClean="0"/>
-              <a:t>2022-07-04</a:t>
+              <a:t>2022-07-07</a:t>
             </a:fld>
             <a:endParaRPr lang="ko-KR" altLang="en-US"/>
           </a:p>
@@ -2080,7 +2097,7 @@
           <a:p>
             <a:fld id="{89A65DAD-E989-4FB0-8D33-7FCDDB457EB5}" type="datetimeFigureOut">
               <a:rPr lang="ko-KR" altLang="en-US" smtClean="0"/>
-              <a:t>2022-07-04</a:t>
+              <a:t>2022-07-07</a:t>
             </a:fld>
             <a:endParaRPr lang="ko-KR" altLang="en-US"/>
           </a:p>
@@ -2175,7 +2192,7 @@
           <a:p>
             <a:fld id="{89A65DAD-E989-4FB0-8D33-7FCDDB457EB5}" type="datetimeFigureOut">
               <a:rPr lang="ko-KR" altLang="en-US" smtClean="0"/>
-              <a:t>2022-07-04</a:t>
+              <a:t>2022-07-07</a:t>
             </a:fld>
             <a:endParaRPr lang="ko-KR" altLang="en-US"/>
           </a:p>
@@ -2452,7 +2469,7 @@
           <a:p>
             <a:fld id="{89A65DAD-E989-4FB0-8D33-7FCDDB457EB5}" type="datetimeFigureOut">
               <a:rPr lang="ko-KR" altLang="en-US" smtClean="0"/>
-              <a:t>2022-07-04</a:t>
+              <a:t>2022-07-07</a:t>
             </a:fld>
             <a:endParaRPr lang="ko-KR" altLang="en-US"/>
           </a:p>
@@ -2705,7 +2722,7 @@
           <a:p>
             <a:fld id="{89A65DAD-E989-4FB0-8D33-7FCDDB457EB5}" type="datetimeFigureOut">
               <a:rPr lang="ko-KR" altLang="en-US" smtClean="0"/>
-              <a:t>2022-07-04</a:t>
+              <a:t>2022-07-07</a:t>
             </a:fld>
             <a:endParaRPr lang="ko-KR" altLang="en-US"/>
           </a:p>
@@ -2918,7 +2935,7 @@
           <a:p>
             <a:fld id="{89A65DAD-E989-4FB0-8D33-7FCDDB457EB5}" type="datetimeFigureOut">
               <a:rPr lang="ko-KR" altLang="en-US" smtClean="0"/>
-              <a:t>2022-07-04</a:t>
+              <a:t>2022-07-07</a:t>
             </a:fld>
             <a:endParaRPr lang="ko-KR" altLang="en-US"/>
           </a:p>
@@ -3331,8 +3348,8 @@
         </p:nvSpPr>
         <p:spPr>
           <a:xfrm>
-            <a:off x="1113905" y="1255222"/>
-            <a:ext cx="8013470" cy="369332"/>
+            <a:off x="591129" y="553270"/>
+            <a:ext cx="5208780" cy="369332"/>
           </a:xfrm>
           <a:prstGeom prst="rect">
             <a:avLst/>
@@ -3351,11 +3368,482 @@
             </a:r>
             <a:r>
               <a:rPr lang="en-US" altLang="ko-KR" dirty="0" smtClean="0"/>
-              <a:t>: D:\toy-output\</a:t>
-            </a:r>
-          </a:p>
-        </p:txBody>
-      </p:sp>
+              <a:t>: D:/toy-output</a:t>
+            </a:r>
+          </a:p>
+        </p:txBody>
+      </p:sp>
+      <p:graphicFrame>
+        <p:nvGraphicFramePr>
+          <p:cNvPr id="4" name="표 3"/>
+          <p:cNvGraphicFramePr>
+            <a:graphicFrameLocks noGrp="1"/>
+          </p:cNvGraphicFramePr>
+          <p:nvPr>
+            <p:extLst>
+              <p:ext uri="{D42A27DB-BD31-4B8C-83A1-F6EECF244321}">
+                <p14:modId xmlns:p14="http://schemas.microsoft.com/office/powerpoint/2010/main" val="892821820"/>
+              </p:ext>
+            </p:extLst>
+          </p:nvPr>
+        </p:nvGraphicFramePr>
+        <p:xfrm>
+          <a:off x="591129" y="1026236"/>
+          <a:ext cx="10954328" cy="1980233"/>
+        </p:xfrm>
+        <a:graphic>
+          <a:graphicData uri="http://schemas.openxmlformats.org/drawingml/2006/table">
+            <a:tbl>
+              <a:tblPr firstRow="1" bandRow="1">
+                <a:tableStyleId>{5C22544A-7EE6-4342-B048-85BDC9FD1C3A}</a:tableStyleId>
+              </a:tblPr>
+              <a:tblGrid>
+                <a:gridCol w="2175015">
+                  <a:extLst>
+                    <a:ext uri="{9D8B030D-6E8A-4147-A177-3AD203B41FA5}">
+                      <a16:colId xmlns:a16="http://schemas.microsoft.com/office/drawing/2014/main" val="1743751497"/>
+                    </a:ext>
+                  </a:extLst>
+                </a:gridCol>
+                <a:gridCol w="4138693">
+                  <a:extLst>
+                    <a:ext uri="{9D8B030D-6E8A-4147-A177-3AD203B41FA5}">
+                      <a16:colId xmlns:a16="http://schemas.microsoft.com/office/drawing/2014/main" val="810755831"/>
+                    </a:ext>
+                  </a:extLst>
+                </a:gridCol>
+                <a:gridCol w="4640620">
+                  <a:extLst>
+                    <a:ext uri="{9D8B030D-6E8A-4147-A177-3AD203B41FA5}">
+                      <a16:colId xmlns:a16="http://schemas.microsoft.com/office/drawing/2014/main" val="4294028658"/>
+                    </a:ext>
+                  </a:extLst>
+                </a:gridCol>
+              </a:tblGrid>
+              <a:tr h="364390">
+                <a:tc>
+                  <a:txBody>
+                    <a:bodyPr/>
+                    <a:lstStyle/>
+                    <a:p>
+                      <a:pPr algn="ctr" latinLnBrk="1"/>
+                      <a:endParaRPr lang="ko-KR" altLang="en-US" dirty="0"/>
+                    </a:p>
+                  </a:txBody>
+                  <a:tcPr/>
+                </a:tc>
+                <a:tc>
+                  <a:txBody>
+                    <a:bodyPr/>
+                    <a:lstStyle/>
+                    <a:p>
+                      <a:pPr algn="ctr" latinLnBrk="1"/>
+                      <a:r>
+                        <a:rPr lang="ko-KR" altLang="en-US" dirty="0" smtClean="0"/>
+                        <a:t>이미지</a:t>
+                      </a:r>
+                      <a:endParaRPr lang="ko-KR" altLang="en-US" dirty="0"/>
+                    </a:p>
+                  </a:txBody>
+                  <a:tcPr/>
+                </a:tc>
+                <a:tc>
+                  <a:txBody>
+                    <a:bodyPr/>
+                    <a:lstStyle/>
+                    <a:p>
+                      <a:pPr algn="ctr" latinLnBrk="1"/>
+                      <a:r>
+                        <a:rPr lang="ko-KR" altLang="en-US" dirty="0" smtClean="0"/>
+                        <a:t>영상</a:t>
+                      </a:r>
+                      <a:endParaRPr lang="ko-KR" altLang="en-US" dirty="0"/>
+                    </a:p>
+                  </a:txBody>
+                  <a:tcPr/>
+                </a:tc>
+                <a:extLst>
+                  <a:ext uri="{0D108BD9-81ED-4DB2-BD59-A6C34878D82A}">
+                    <a16:rowId xmlns:a16="http://schemas.microsoft.com/office/drawing/2014/main" val="2265883726"/>
+                  </a:ext>
+                </a:extLst>
+              </a:tr>
+              <a:tr h="608633">
+                <a:tc>
+                  <a:txBody>
+                    <a:bodyPr/>
+                    <a:lstStyle/>
+                    <a:p>
+                      <a:pPr algn="ctr" latinLnBrk="1"/>
+                      <a:r>
+                        <a:rPr lang="ko-KR" altLang="en-US" dirty="0" smtClean="0"/>
+                        <a:t>원본</a:t>
+                      </a:r>
+                      <a:r>
+                        <a:rPr lang="ko-KR" altLang="en-US" baseline="0" dirty="0" smtClean="0"/>
+                        <a:t> 저장 디렉토리</a:t>
+                      </a:r>
+                      <a:endParaRPr lang="ko-KR" altLang="en-US" dirty="0"/>
+                    </a:p>
+                  </a:txBody>
+                  <a:tcPr/>
+                </a:tc>
+                <a:tc>
+                  <a:txBody>
+                    <a:bodyPr/>
+                    <a:lstStyle/>
+                    <a:p>
+                      <a:pPr latinLnBrk="1"/>
+                      <a:r>
+                        <a:rPr lang="en-US" altLang="ko-KR" dirty="0" smtClean="0"/>
+                        <a:t>/image/original/{</a:t>
+                      </a:r>
+                      <a:r>
+                        <a:rPr lang="en-US" altLang="ko-KR" sz="1800" kern="1200" dirty="0" smtClean="0">
+                          <a:solidFill>
+                            <a:schemeClr val="dk1"/>
+                          </a:solidFill>
+                          <a:effectLst/>
+                          <a:latin typeface="+mn-lt"/>
+                          <a:ea typeface="+mn-ea"/>
+                          <a:cs typeface="+mn-cs"/>
+                        </a:rPr>
+                        <a:t>%</a:t>
+                      </a:r>
+                      <a:r>
+                        <a:rPr lang="en-US" altLang="ko-KR" sz="1800" kern="1200" dirty="0" err="1" smtClean="0">
+                          <a:solidFill>
+                            <a:schemeClr val="dk1"/>
+                          </a:solidFill>
+                          <a:effectLst/>
+                          <a:latin typeface="+mn-lt"/>
+                          <a:ea typeface="+mn-ea"/>
+                          <a:cs typeface="+mn-cs"/>
+                        </a:rPr>
+                        <a:t>Y%m%d</a:t>
+                      </a:r>
+                      <a:r>
+                        <a:rPr lang="en-US" altLang="ko-KR" sz="1800" kern="1200" dirty="0" smtClean="0">
+                          <a:solidFill>
+                            <a:schemeClr val="dk1"/>
+                          </a:solidFill>
+                          <a:effectLst/>
+                          <a:latin typeface="+mn-lt"/>
+                          <a:ea typeface="+mn-ea"/>
+                          <a:cs typeface="+mn-cs"/>
+                        </a:rPr>
+                        <a:t>}</a:t>
+                      </a:r>
+                      <a:endParaRPr lang="ko-KR" altLang="en-US" dirty="0"/>
+                    </a:p>
+                  </a:txBody>
+                  <a:tcPr/>
+                </a:tc>
+                <a:tc>
+                  <a:txBody>
+                    <a:bodyPr/>
+                    <a:lstStyle/>
+                    <a:p>
+                      <a:pPr marL="0" marR="0" indent="0" algn="l" defTabSz="914400" rtl="0" eaLnBrk="1" fontAlgn="auto" latinLnBrk="1" hangingPunct="1">
+                        <a:lnSpc>
+                          <a:spcPct val="100000"/>
+                        </a:lnSpc>
+                        <a:spcBef>
+                          <a:spcPts val="0"/>
+                        </a:spcBef>
+                        <a:spcAft>
+                          <a:spcPts val="0"/>
+                        </a:spcAft>
+                        <a:buClrTx/>
+                        <a:buSzTx/>
+                        <a:buFontTx/>
+                        <a:buNone/>
+                        <a:tabLst/>
+                        <a:defRPr/>
+                      </a:pPr>
+                      <a:r>
+                        <a:rPr lang="en-US" altLang="ko-KR" dirty="0" smtClean="0"/>
+                        <a:t>/video/original/{</a:t>
+                      </a:r>
+                      <a:r>
+                        <a:rPr lang="en-US" altLang="ko-KR" sz="1800" kern="1200" dirty="0" smtClean="0">
+                          <a:solidFill>
+                            <a:schemeClr val="dk1"/>
+                          </a:solidFill>
+                          <a:effectLst/>
+                          <a:latin typeface="+mn-lt"/>
+                          <a:ea typeface="+mn-ea"/>
+                          <a:cs typeface="+mn-cs"/>
+                        </a:rPr>
+                        <a:t>%</a:t>
+                      </a:r>
+                      <a:r>
+                        <a:rPr lang="en-US" altLang="ko-KR" sz="1800" kern="1200" dirty="0" err="1" smtClean="0">
+                          <a:solidFill>
+                            <a:schemeClr val="dk1"/>
+                          </a:solidFill>
+                          <a:effectLst/>
+                          <a:latin typeface="+mn-lt"/>
+                          <a:ea typeface="+mn-ea"/>
+                          <a:cs typeface="+mn-cs"/>
+                        </a:rPr>
+                        <a:t>Y%m%d</a:t>
+                      </a:r>
+                      <a:r>
+                        <a:rPr lang="en-US" altLang="ko-KR" sz="1800" kern="1200" dirty="0" smtClean="0">
+                          <a:solidFill>
+                            <a:schemeClr val="dk1"/>
+                          </a:solidFill>
+                          <a:effectLst/>
+                          <a:latin typeface="+mn-lt"/>
+                          <a:ea typeface="+mn-ea"/>
+                          <a:cs typeface="+mn-cs"/>
+                        </a:rPr>
+                        <a:t>}</a:t>
+                      </a:r>
+                      <a:endParaRPr lang="ko-KR" altLang="en-US" dirty="0" smtClean="0"/>
+                    </a:p>
+                  </a:txBody>
+                  <a:tcPr/>
+                </a:tc>
+                <a:extLst>
+                  <a:ext uri="{0D108BD9-81ED-4DB2-BD59-A6C34878D82A}">
+                    <a16:rowId xmlns:a16="http://schemas.microsoft.com/office/drawing/2014/main" val="2031216518"/>
+                  </a:ext>
+                </a:extLst>
+              </a:tr>
+              <a:tr h="628948">
+                <a:tc>
+                  <a:txBody>
+                    <a:bodyPr/>
+                    <a:lstStyle/>
+                    <a:p>
+                      <a:pPr algn="ctr" latinLnBrk="1"/>
+                      <a:r>
+                        <a:rPr lang="ko-KR" altLang="en-US" dirty="0" smtClean="0"/>
+                        <a:t>객체 검출 디렉토리</a:t>
+                      </a:r>
+                      <a:endParaRPr lang="ko-KR" altLang="en-US" dirty="0"/>
+                    </a:p>
+                  </a:txBody>
+                  <a:tcPr/>
+                </a:tc>
+                <a:tc>
+                  <a:txBody>
+                    <a:bodyPr/>
+                    <a:lstStyle/>
+                    <a:p>
+                      <a:pPr marL="0" marR="0" indent="0" algn="l" defTabSz="914400" rtl="0" eaLnBrk="1" fontAlgn="auto" latinLnBrk="1" hangingPunct="1">
+                        <a:lnSpc>
+                          <a:spcPct val="100000"/>
+                        </a:lnSpc>
+                        <a:spcBef>
+                          <a:spcPts val="0"/>
+                        </a:spcBef>
+                        <a:spcAft>
+                          <a:spcPts val="0"/>
+                        </a:spcAft>
+                        <a:buClrTx/>
+                        <a:buSzTx/>
+                        <a:buFontTx/>
+                        <a:buNone/>
+                        <a:tabLst/>
+                        <a:defRPr/>
+                      </a:pPr>
+                      <a:r>
+                        <a:rPr lang="en-US" altLang="ko-KR" dirty="0" smtClean="0"/>
+                        <a:t>/image/object-detection/{</a:t>
+                      </a:r>
+                      <a:r>
+                        <a:rPr lang="en-US" altLang="ko-KR" sz="1800" kern="1200" dirty="0" smtClean="0">
+                          <a:solidFill>
+                            <a:schemeClr val="dk1"/>
+                          </a:solidFill>
+                          <a:effectLst/>
+                          <a:latin typeface="+mn-lt"/>
+                          <a:ea typeface="+mn-ea"/>
+                          <a:cs typeface="+mn-cs"/>
+                        </a:rPr>
+                        <a:t>%</a:t>
+                      </a:r>
+                      <a:r>
+                        <a:rPr lang="en-US" altLang="ko-KR" sz="1800" kern="1200" dirty="0" err="1" smtClean="0">
+                          <a:solidFill>
+                            <a:schemeClr val="dk1"/>
+                          </a:solidFill>
+                          <a:effectLst/>
+                          <a:latin typeface="+mn-lt"/>
+                          <a:ea typeface="+mn-ea"/>
+                          <a:cs typeface="+mn-cs"/>
+                        </a:rPr>
+                        <a:t>Y%m%d</a:t>
+                      </a:r>
+                      <a:r>
+                        <a:rPr lang="en-US" altLang="ko-KR" sz="1800" kern="1200" dirty="0" smtClean="0">
+                          <a:solidFill>
+                            <a:schemeClr val="dk1"/>
+                          </a:solidFill>
+                          <a:effectLst/>
+                          <a:latin typeface="+mn-lt"/>
+                          <a:ea typeface="+mn-ea"/>
+                          <a:cs typeface="+mn-cs"/>
+                        </a:rPr>
+                        <a:t>}/{</a:t>
+                      </a:r>
+                      <a:r>
+                        <a:rPr lang="en-US" altLang="ko-KR" sz="1800" kern="1200" dirty="0" err="1" smtClean="0">
+                          <a:solidFill>
+                            <a:schemeClr val="dk1"/>
+                          </a:solidFill>
+                          <a:effectLst/>
+                          <a:latin typeface="+mn-lt"/>
+                          <a:ea typeface="+mn-ea"/>
+                          <a:cs typeface="+mn-cs"/>
+                        </a:rPr>
+                        <a:t>file_name</a:t>
+                      </a:r>
+                      <a:r>
+                        <a:rPr lang="en-US" altLang="ko-KR" sz="1800" kern="1200" dirty="0" smtClean="0">
+                          <a:solidFill>
+                            <a:schemeClr val="dk1"/>
+                          </a:solidFill>
+                          <a:effectLst/>
+                          <a:latin typeface="+mn-lt"/>
+                          <a:ea typeface="+mn-ea"/>
+                          <a:cs typeface="+mn-cs"/>
+                        </a:rPr>
+                        <a:t>}</a:t>
+                      </a:r>
+                      <a:endParaRPr lang="ko-KR" altLang="en-US" dirty="0" smtClean="0"/>
+                    </a:p>
+                  </a:txBody>
+                  <a:tcPr/>
+                </a:tc>
+                <a:tc>
+                  <a:txBody>
+                    <a:bodyPr/>
+                    <a:lstStyle/>
+                    <a:p>
+                      <a:pPr latinLnBrk="1"/>
+                      <a:r>
+                        <a:rPr lang="en-US" altLang="ko-KR" dirty="0" smtClean="0"/>
+                        <a:t>/video/object-detection/{</a:t>
+                      </a:r>
+                      <a:r>
+                        <a:rPr lang="en-US" altLang="ko-KR" sz="1800" kern="1200" dirty="0" smtClean="0">
+                          <a:solidFill>
+                            <a:schemeClr val="dk1"/>
+                          </a:solidFill>
+                          <a:effectLst/>
+                          <a:latin typeface="+mn-lt"/>
+                          <a:ea typeface="+mn-ea"/>
+                          <a:cs typeface="+mn-cs"/>
+                        </a:rPr>
+                        <a:t>%</a:t>
+                      </a:r>
+                      <a:r>
+                        <a:rPr lang="en-US" altLang="ko-KR" sz="1800" kern="1200" dirty="0" err="1" smtClean="0">
+                          <a:solidFill>
+                            <a:schemeClr val="dk1"/>
+                          </a:solidFill>
+                          <a:effectLst/>
+                          <a:latin typeface="+mn-lt"/>
+                          <a:ea typeface="+mn-ea"/>
+                          <a:cs typeface="+mn-cs"/>
+                        </a:rPr>
+                        <a:t>Y%m%d</a:t>
+                      </a:r>
+                      <a:r>
+                        <a:rPr lang="en-US" altLang="ko-KR" sz="1800" kern="1200" dirty="0" smtClean="0">
+                          <a:solidFill>
+                            <a:schemeClr val="dk1"/>
+                          </a:solidFill>
+                          <a:effectLst/>
+                          <a:latin typeface="+mn-lt"/>
+                          <a:ea typeface="+mn-ea"/>
+                          <a:cs typeface="+mn-cs"/>
+                        </a:rPr>
+                        <a:t>}/{</a:t>
+                      </a:r>
+                      <a:r>
+                        <a:rPr lang="en-US" altLang="ko-KR" sz="1800" kern="1200" dirty="0" err="1" smtClean="0">
+                          <a:solidFill>
+                            <a:schemeClr val="dk1"/>
+                          </a:solidFill>
+                          <a:effectLst/>
+                          <a:latin typeface="+mn-lt"/>
+                          <a:ea typeface="+mn-ea"/>
+                          <a:cs typeface="+mn-cs"/>
+                        </a:rPr>
+                        <a:t>file_name</a:t>
+                      </a:r>
+                      <a:r>
+                        <a:rPr lang="en-US" altLang="ko-KR" sz="1800" kern="1200" dirty="0" smtClean="0">
+                          <a:solidFill>
+                            <a:schemeClr val="dk1"/>
+                          </a:solidFill>
+                          <a:effectLst/>
+                          <a:latin typeface="+mn-lt"/>
+                          <a:ea typeface="+mn-ea"/>
+                          <a:cs typeface="+mn-cs"/>
+                        </a:rPr>
+                        <a:t>}</a:t>
+                      </a:r>
+                      <a:endParaRPr lang="ko-KR" altLang="en-US" dirty="0"/>
+                    </a:p>
+                  </a:txBody>
+                  <a:tcPr/>
+                </a:tc>
+                <a:extLst>
+                  <a:ext uri="{0D108BD9-81ED-4DB2-BD59-A6C34878D82A}">
+                    <a16:rowId xmlns:a16="http://schemas.microsoft.com/office/drawing/2014/main" val="3175459798"/>
+                  </a:ext>
+                </a:extLst>
+              </a:tr>
+              <a:tr h="364390">
+                <a:tc>
+                  <a:txBody>
+                    <a:bodyPr/>
+                    <a:lstStyle/>
+                    <a:p>
+                      <a:pPr algn="ctr" latinLnBrk="1"/>
+                      <a:endParaRPr lang="ko-KR" altLang="en-US" dirty="0"/>
+                    </a:p>
+                  </a:txBody>
+                  <a:tcPr/>
+                </a:tc>
+                <a:tc>
+                  <a:txBody>
+                    <a:bodyPr/>
+                    <a:lstStyle/>
+                    <a:p>
+                      <a:pPr latinLnBrk="1"/>
+                      <a:endParaRPr lang="ko-KR" altLang="en-US"/>
+                    </a:p>
+                  </a:txBody>
+                  <a:tcPr/>
+                </a:tc>
+                <a:tc>
+                  <a:txBody>
+                    <a:bodyPr/>
+                    <a:lstStyle/>
+                    <a:p>
+                      <a:pPr latinLnBrk="1"/>
+                      <a:endParaRPr lang="ko-KR" altLang="en-US" dirty="0"/>
+                    </a:p>
+                  </a:txBody>
+                  <a:tcPr/>
+                </a:tc>
+                <a:extLst>
+                  <a:ext uri="{0D108BD9-81ED-4DB2-BD59-A6C34878D82A}">
+                    <a16:rowId xmlns:a16="http://schemas.microsoft.com/office/drawing/2014/main" val="4291496189"/>
+                  </a:ext>
+                </a:extLst>
+              </a:tr>
+            </a:tbl>
+          </a:graphicData>
+        </a:graphic>
+      </p:graphicFrame>
     </p:spTree>
     <p:extLst>
       <p:ext uri="{BB962C8B-B14F-4D97-AF65-F5344CB8AC3E}">
@@ -3401,7 +3889,7 @@
         </p:nvSpPr>
         <p:spPr>
           <a:xfrm>
-            <a:off x="61871" y="99468"/>
+            <a:off x="119021" y="90351"/>
             <a:ext cx="2487368" cy="369332"/>
           </a:xfrm>
           <a:prstGeom prst="rect">
@@ -3421,11 +3909,7 @@
             </a:r>
             <a:r>
               <a:rPr lang="ko-KR" altLang="en-US" dirty="0" smtClean="0"/>
-              <a:t>이미지 </a:t>
-            </a:r>
-            <a:r>
-              <a:rPr lang="ko-KR" altLang="en-US" dirty="0" smtClean="0"/>
-              <a:t>업로드</a:t>
+              <a:t>이미지 업로드</a:t>
             </a:r>
             <a:endParaRPr lang="ko-KR" altLang="en-US" dirty="0"/>
           </a:p>
@@ -3439,7 +3923,7 @@
         </p:nvSpPr>
         <p:spPr>
           <a:xfrm>
-            <a:off x="2183807" y="1003582"/>
+            <a:off x="3181927" y="292013"/>
             <a:ext cx="1917700" cy="647700"/>
           </a:xfrm>
           <a:prstGeom prst="flowChartTerminator">
@@ -3477,16 +3961,16 @@
       </p:sp>
       <p:sp>
         <p:nvSpPr>
-          <p:cNvPr id="7" name="순서도: 준비 6"/>
+          <p:cNvPr id="8" name="순서도: 판단 7"/>
           <p:cNvSpPr/>
           <p:nvPr/>
         </p:nvSpPr>
         <p:spPr>
           <a:xfrm>
-            <a:off x="1909773" y="2067653"/>
-            <a:ext cx="2528302" cy="943395"/>
-          </a:xfrm>
-          <a:prstGeom prst="flowChartPreparation">
+            <a:off x="5822910" y="3172048"/>
+            <a:ext cx="2580334" cy="1236936"/>
+          </a:xfrm>
+          <a:prstGeom prst="flowChartDecision">
             <a:avLst/>
           </a:prstGeom>
         </p:spPr>
@@ -3507,32 +3991,49 @@
           </a:fontRef>
         </p:style>
         <p:txBody>
-          <a:bodyPr lIns="0" tIns="0" rIns="0" bIns="0" rtlCol="0" anchor="ctr" anchorCtr="0"/>
+          <a:bodyPr rtlCol="0" anchor="ctr"/>
           <a:lstStyle/>
           <a:p>
             <a:pPr algn="ctr"/>
             <a:r>
+              <a:rPr lang="ko-KR" altLang="en-US" sz="1400" dirty="0"/>
+              <a:t>원본 </a:t>
+            </a:r>
+            <a:r>
+              <a:rPr lang="ko-KR" altLang="en-US" sz="1400" dirty="0" smtClean="0"/>
+              <a:t>저장 </a:t>
+            </a:r>
+            <a:endParaRPr lang="en-US" altLang="ko-KR" sz="1400" dirty="0" smtClean="0"/>
+          </a:p>
+          <a:p>
+            <a:pPr algn="ctr"/>
+            <a:r>
+              <a:rPr lang="ko-KR" altLang="en-US" sz="1400" dirty="0" smtClean="0"/>
+              <a:t>디렉토리 내</a:t>
+            </a:r>
+            <a:endParaRPr lang="en-US" altLang="ko-KR" sz="1400" dirty="0" smtClean="0"/>
+          </a:p>
+          <a:p>
+            <a:pPr algn="ctr"/>
+            <a:r>
               <a:rPr lang="en-US" altLang="ko-KR" sz="1400" dirty="0" smtClean="0"/>
-              <a:t>String </a:t>
-            </a:r>
-            <a:r>
-              <a:rPr lang="en-US" altLang="ko-KR" sz="1400" dirty="0" err="1" smtClean="0"/>
-              <a:t>file_name</a:t>
+              <a:t>file </a:t>
             </a:r>
             <a:r>
               <a:rPr lang="en-US" altLang="ko-KR" sz="1400" dirty="0"/>
-              <a:t> </a:t>
+              <a:t>name</a:t>
+            </a:r>
+            <a:r>
+              <a:rPr lang="ko-KR" altLang="en-US" sz="1400" dirty="0"/>
+              <a:t>이 </a:t>
+            </a:r>
+            <a:r>
+              <a:rPr lang="ko-KR" altLang="en-US" sz="1400" dirty="0" smtClean="0"/>
+              <a:t>존재하는가</a:t>
             </a:r>
             <a:r>
               <a:rPr lang="en-US" altLang="ko-KR" sz="1400" dirty="0" smtClean="0"/>
-              <a:t>= </a:t>
-            </a:r>
-          </a:p>
-          <a:p>
-            <a:pPr algn="ctr"/>
-            <a:r>
-              <a:rPr lang="en-US" altLang="ko-KR" sz="1400" dirty="0" smtClean="0"/>
-              <a:t>{ random number }</a:t>
+              <a:t>?</a:t>
             </a:r>
             <a:endParaRPr lang="ko-KR" altLang="en-US" sz="1400" dirty="0"/>
           </a:p>
@@ -3540,13 +4041,13 @@
       </p:sp>
       <p:sp>
         <p:nvSpPr>
-          <p:cNvPr id="8" name="순서도: 판단 7"/>
+          <p:cNvPr id="9" name="순서도: 판단 8"/>
           <p:cNvSpPr/>
           <p:nvPr/>
         </p:nvSpPr>
         <p:spPr>
           <a:xfrm>
-            <a:off x="1860361" y="5072741"/>
+            <a:off x="2903229" y="5226183"/>
             <a:ext cx="2580334" cy="1236936"/>
           </a:xfrm>
           <a:prstGeom prst="flowChartDecision">
@@ -3570,32 +4071,40 @@
           </a:fontRef>
         </p:style>
         <p:txBody>
-          <a:bodyPr rtlCol="0" anchor="ctr"/>
+          <a:bodyPr rtlCol="0" anchor="ctr" anchorCtr="0"/>
           <a:lstStyle/>
           <a:p>
             <a:pPr algn="ctr"/>
             <a:r>
+              <a:rPr lang="ko-KR" altLang="en-US" sz="1400" dirty="0"/>
+              <a:t>파일 형식이 </a:t>
+            </a:r>
+            <a:r>
+              <a:rPr lang="en-US" altLang="ko-KR" sz="1400" dirty="0"/>
+              <a:t>jpg, jpeg, </a:t>
+            </a:r>
+            <a:r>
+              <a:rPr lang="en-US" altLang="ko-KR" sz="1400" dirty="0" err="1"/>
+              <a:t>png</a:t>
+            </a:r>
+            <a:r>
+              <a:rPr lang="en-US" altLang="ko-KR" sz="1400" dirty="0"/>
+              <a:t> </a:t>
+            </a:r>
+            <a:r>
+              <a:rPr lang="ko-KR" altLang="en-US" sz="1400" dirty="0"/>
+              <a:t>중 </a:t>
+            </a:r>
+            <a:endParaRPr lang="en-US" altLang="ko-KR" sz="1400" dirty="0" smtClean="0"/>
+          </a:p>
+          <a:p>
+            <a:pPr algn="ctr"/>
+            <a:r>
               <a:rPr lang="ko-KR" altLang="en-US" sz="1400" dirty="0" smtClean="0"/>
-              <a:t>파일 형식이 </a:t>
+              <a:t>하나인가</a:t>
             </a:r>
             <a:r>
               <a:rPr lang="en-US" altLang="ko-KR" sz="1400" dirty="0" smtClean="0"/>
-              <a:t>jpg, jpeg, </a:t>
-            </a:r>
-            <a:r>
-              <a:rPr lang="en-US" altLang="ko-KR" sz="1400" dirty="0" err="1" smtClean="0"/>
-              <a:t>png</a:t>
-            </a:r>
-            <a:r>
-              <a:rPr lang="en-US" altLang="ko-KR" sz="1400" dirty="0" smtClean="0"/>
-              <a:t> </a:t>
-            </a:r>
-            <a:r>
-              <a:rPr lang="ko-KR" altLang="en-US" sz="1400" dirty="0" smtClean="0"/>
-              <a:t>중 하나인가</a:t>
-            </a:r>
-            <a:r>
-              <a:rPr lang="en-US" altLang="ko-KR" sz="1400" dirty="0"/>
               <a:t>?</a:t>
             </a:r>
             <a:endParaRPr lang="ko-KR" altLang="en-US" sz="1400" dirty="0"/>
@@ -3604,16 +4113,16 @@
       </p:sp>
       <p:sp>
         <p:nvSpPr>
-          <p:cNvPr id="9" name="순서도: 판단 8"/>
+          <p:cNvPr id="10" name="순서도: 처리 9"/>
           <p:cNvSpPr/>
           <p:nvPr/>
         </p:nvSpPr>
         <p:spPr>
           <a:xfrm>
-            <a:off x="6605884" y="934126"/>
-            <a:ext cx="2580334" cy="1236936"/>
-          </a:xfrm>
-          <a:prstGeom prst="flowChartDecision">
+            <a:off x="6355586" y="4745386"/>
+            <a:ext cx="1597891" cy="561394"/>
+          </a:xfrm>
+          <a:prstGeom prst="flowChartProcess">
             <a:avLst/>
           </a:prstGeom>
         </p:spPr>
@@ -3640,19 +4149,7 @@
             <a:pPr algn="ctr"/>
             <a:r>
               <a:rPr lang="ko-KR" altLang="en-US" sz="1400" dirty="0" smtClean="0"/>
-              <a:t>파일 저장 </a:t>
-            </a:r>
-            <a:endParaRPr lang="en-US" altLang="ko-KR" sz="1400" dirty="0" smtClean="0"/>
-          </a:p>
-          <a:p>
-            <a:pPr algn="ctr"/>
-            <a:r>
-              <a:rPr lang="ko-KR" altLang="en-US" sz="1400" dirty="0" smtClean="0"/>
-              <a:t>디렉토리가 존재하는가</a:t>
-            </a:r>
-            <a:r>
-              <a:rPr lang="en-US" altLang="ko-KR" sz="1400" dirty="0"/>
-              <a:t>?</a:t>
+              <a:t>파일명 할당</a:t>
             </a:r>
             <a:endParaRPr lang="ko-KR" altLang="en-US" sz="1400" dirty="0"/>
           </a:p>
@@ -3660,16 +4157,16 @@
       </p:sp>
       <p:sp>
         <p:nvSpPr>
-          <p:cNvPr id="10" name="순서도: 처리 9"/>
+          <p:cNvPr id="13" name="순서도: 수행의 시작/종료 12"/>
           <p:cNvSpPr/>
           <p:nvPr/>
         </p:nvSpPr>
         <p:spPr>
           <a:xfrm>
-            <a:off x="7121808" y="2613239"/>
-            <a:ext cx="1597891" cy="561394"/>
-          </a:xfrm>
-          <a:prstGeom prst="flowChartProcess">
+            <a:off x="8202643" y="5698845"/>
+            <a:ext cx="1917700" cy="647700"/>
+          </a:xfrm>
+          <a:prstGeom prst="flowChartTerminator">
             <a:avLst/>
           </a:prstGeom>
         </p:spPr>
@@ -3696,50 +4193,6 @@
             <a:pPr algn="ctr"/>
             <a:r>
               <a:rPr lang="ko-KR" altLang="en-US" sz="1400" dirty="0" smtClean="0"/>
-              <a:t>파일명 할당</a:t>
-            </a:r>
-            <a:endParaRPr lang="ko-KR" altLang="en-US" sz="1400" dirty="0"/>
-          </a:p>
-        </p:txBody>
-      </p:sp>
-      <p:sp>
-        <p:nvSpPr>
-          <p:cNvPr id="13" name="순서도: 수행의 시작/종료 12"/>
-          <p:cNvSpPr/>
-          <p:nvPr/>
-        </p:nvSpPr>
-        <p:spPr>
-          <a:xfrm>
-            <a:off x="6989611" y="4571350"/>
-            <a:ext cx="1917700" cy="647700"/>
-          </a:xfrm>
-          <a:prstGeom prst="flowChartTerminator">
-            <a:avLst/>
-          </a:prstGeom>
-        </p:spPr>
-        <p:style>
-          <a:lnRef idx="2">
-            <a:schemeClr val="accent1">
-              <a:shade val="50000"/>
-            </a:schemeClr>
-          </a:lnRef>
-          <a:fillRef idx="1">
-            <a:schemeClr val="accent1"/>
-          </a:fillRef>
-          <a:effectRef idx="0">
-            <a:schemeClr val="accent1"/>
-          </a:effectRef>
-          <a:fontRef idx="minor">
-            <a:schemeClr val="lt1"/>
-          </a:fontRef>
-        </p:style>
-        <p:txBody>
-          <a:bodyPr rtlCol="0" anchor="ctr"/>
-          <a:lstStyle/>
-          <a:p>
-            <a:pPr algn="ctr"/>
-            <a:r>
-              <a:rPr lang="ko-KR" altLang="en-US" sz="1400" dirty="0" smtClean="0"/>
               <a:t>이미지 업로드 종료</a:t>
             </a:r>
             <a:endParaRPr lang="ko-KR" altLang="en-US" sz="1400" dirty="0"/>
@@ -3754,41 +4207,8 @@
         </p:nvCxnSpPr>
         <p:spPr>
           <a:xfrm>
-            <a:off x="3158374" y="1656268"/>
-            <a:ext cx="0" cy="432000"/>
-          </a:xfrm>
-          <a:prstGeom prst="straightConnector1">
-            <a:avLst/>
-          </a:prstGeom>
-          <a:ln w="38100">
-            <a:tailEnd type="triangle"/>
-          </a:ln>
-        </p:spPr>
-        <p:style>
-          <a:lnRef idx="1">
-            <a:schemeClr val="accent1"/>
-          </a:lnRef>
-          <a:fillRef idx="0">
-            <a:schemeClr val="accent1"/>
-          </a:fillRef>
-          <a:effectRef idx="0">
-            <a:schemeClr val="accent1"/>
-          </a:effectRef>
-          <a:fontRef idx="minor">
-            <a:schemeClr val="tx1"/>
-          </a:fontRef>
-        </p:style>
-      </p:cxnSp>
-      <p:cxnSp>
-        <p:nvCxnSpPr>
-          <p:cNvPr id="17" name="직선 화살표 연결선 16"/>
-          <p:cNvCxnSpPr/>
-          <p:nvPr/>
-        </p:nvCxnSpPr>
-        <p:spPr>
-          <a:xfrm>
-            <a:off x="3162991" y="3009400"/>
-            <a:ext cx="0" cy="432000"/>
+            <a:off x="4168024" y="1894393"/>
+            <a:ext cx="0" cy="360000"/>
           </a:xfrm>
           <a:prstGeom prst="straightConnector1">
             <a:avLst/>
@@ -3820,8 +4240,8 @@
         </p:nvCxnSpPr>
         <p:spPr>
           <a:xfrm>
-            <a:off x="7903094" y="2116652"/>
-            <a:ext cx="0" cy="504000"/>
+            <a:off x="7126983" y="4404436"/>
+            <a:ext cx="0" cy="360000"/>
           </a:xfrm>
           <a:prstGeom prst="straightConnector1">
             <a:avLst/>
@@ -3853,14 +4273,14 @@
         </p:nvCxnSpPr>
         <p:spPr>
           <a:xfrm rot="5400000" flipH="1" flipV="1">
-            <a:off x="2863094" y="1269677"/>
-            <a:ext cx="5328000" cy="4752000"/>
+            <a:off x="2733797" y="2070505"/>
+            <a:ext cx="5832000" cy="2880000"/>
           </a:xfrm>
           <a:prstGeom prst="bentConnector5">
             <a:avLst>
               <a:gd name="adj1" fmla="val -3739"/>
-              <a:gd name="adj2" fmla="val 67774"/>
-              <a:gd name="adj3" fmla="val 104442"/>
+              <a:gd name="adj2" fmla="val 49891"/>
+              <a:gd name="adj3" fmla="val 103939"/>
             </a:avLst>
           </a:prstGeom>
           <a:ln w="38100">
@@ -3890,8 +4310,8 @@
         </p:nvCxnSpPr>
         <p:spPr>
           <a:xfrm>
-            <a:off x="7920753" y="3174633"/>
-            <a:ext cx="0" cy="432000"/>
+            <a:off x="7135208" y="5306780"/>
+            <a:ext cx="0" cy="360000"/>
           </a:xfrm>
           <a:prstGeom prst="straightConnector1">
             <a:avLst/>
@@ -3923,8 +4343,8 @@
         </p:nvCxnSpPr>
         <p:spPr>
           <a:xfrm>
-            <a:off x="7925374" y="4158309"/>
-            <a:ext cx="0" cy="432000"/>
+            <a:off x="7113077" y="2842626"/>
+            <a:ext cx="0" cy="360000"/>
           </a:xfrm>
           <a:prstGeom prst="straightConnector1">
             <a:avLst/>
@@ -3948,50 +4368,16 @@
           </a:fontRef>
         </p:style>
       </p:cxnSp>
-      <p:cxnSp>
-        <p:nvCxnSpPr>
-          <p:cNvPr id="26" name="직선 화살표 연결선 25"/>
-          <p:cNvCxnSpPr/>
-          <p:nvPr/>
-        </p:nvCxnSpPr>
-        <p:spPr>
-          <a:xfrm rot="-5400000">
-            <a:off x="3878035" y="4153721"/>
-            <a:ext cx="0" cy="1404000"/>
-          </a:xfrm>
-          <a:prstGeom prst="straightConnector1">
-            <a:avLst/>
-          </a:prstGeom>
-          <a:ln w="38100">
-            <a:headEnd type="triangle"/>
-            <a:tailEnd type="none"/>
-          </a:ln>
-        </p:spPr>
-        <p:style>
-          <a:lnRef idx="1">
-            <a:schemeClr val="accent1"/>
-          </a:lnRef>
-          <a:fillRef idx="0">
-            <a:schemeClr val="accent1"/>
-          </a:fillRef>
-          <a:effectRef idx="0">
-            <a:schemeClr val="accent1"/>
-          </a:effectRef>
-          <a:fontRef idx="minor">
-            <a:schemeClr val="tx1"/>
-          </a:fontRef>
-        </p:style>
-      </p:cxnSp>
-      <p:sp>
-        <p:nvSpPr>
-          <p:cNvPr id="27" name="순서도: 처리 26"/>
+      <p:sp>
+        <p:nvSpPr>
+          <p:cNvPr id="31" name="순서도: 처리 30"/>
           <p:cNvSpPr/>
           <p:nvPr/>
         </p:nvSpPr>
         <p:spPr>
           <a:xfrm>
-            <a:off x="4550756" y="4643340"/>
-            <a:ext cx="1597891" cy="561394"/>
+            <a:off x="8729244" y="875711"/>
+            <a:ext cx="1436100" cy="561394"/>
           </a:xfrm>
           <a:prstGeom prst="flowChartProcess">
             <a:avLst/>
@@ -4019,34 +4405,33 @@
           <a:p>
             <a:pPr algn="ctr"/>
             <a:r>
-              <a:rPr lang="en-US" altLang="ko-KR" sz="1400" dirty="0" smtClean="0"/>
-              <a:t>.jpg </a:t>
-            </a:r>
-            <a:r>
               <a:rPr lang="ko-KR" altLang="en-US" sz="1400" dirty="0" smtClean="0"/>
-              <a:t>파일로 변환</a:t>
-            </a:r>
-            <a:endParaRPr lang="ko-KR" altLang="en-US" sz="1400" dirty="0"/>
+              <a:t>디렉토리 </a:t>
+            </a:r>
+            <a:r>
+              <a:rPr lang="ko-KR" altLang="en-US" sz="1400" b="1" dirty="0" smtClean="0"/>
+              <a:t>생성</a:t>
+            </a:r>
+            <a:endParaRPr lang="ko-KR" altLang="en-US" sz="1400" b="1" dirty="0"/>
           </a:p>
         </p:txBody>
       </p:sp>
       <p:cxnSp>
         <p:nvCxnSpPr>
-          <p:cNvPr id="30" name="꺾인 연결선 29"/>
+          <p:cNvPr id="33" name="꺾인 연결선 32"/>
           <p:cNvCxnSpPr/>
           <p:nvPr/>
         </p:nvCxnSpPr>
         <p:spPr>
           <a:xfrm rot="5400000">
-            <a:off x="4622064" y="5007209"/>
-            <a:ext cx="468000" cy="900000"/>
+            <a:off x="7982270" y="556385"/>
+            <a:ext cx="450308" cy="2196000"/>
           </a:xfrm>
           <a:prstGeom prst="bentConnector2">
             <a:avLst/>
           </a:prstGeom>
           <a:ln w="38100">
-            <a:headEnd type="triangle"/>
-            <a:tailEnd type="none"/>
+            <a:tailEnd type="triangle"/>
           </a:ln>
         </p:spPr>
         <p:style>
@@ -4066,16 +4451,16 @@
       </p:cxnSp>
       <p:sp>
         <p:nvSpPr>
-          <p:cNvPr id="31" name="순서도: 처리 30"/>
+          <p:cNvPr id="25" name="순서도: 판단 24"/>
           <p:cNvSpPr/>
           <p:nvPr/>
         </p:nvSpPr>
         <p:spPr>
           <a:xfrm>
-            <a:off x="9684483" y="1322961"/>
-            <a:ext cx="1436100" cy="561394"/>
-          </a:xfrm>
-          <a:prstGeom prst="flowChartProcess">
+            <a:off x="5812671" y="556739"/>
+            <a:ext cx="2580334" cy="1236936"/>
+          </a:xfrm>
+          <a:prstGeom prst="flowChartDecision">
             <a:avLst/>
           </a:prstGeom>
         </p:spPr>
@@ -4101,93 +4486,16 @@
           <a:p>
             <a:pPr algn="ctr"/>
             <a:r>
-              <a:rPr lang="ko-KR" altLang="en-US" sz="1400" dirty="0" smtClean="0"/>
-              <a:t>디렉토리 </a:t>
-            </a:r>
-            <a:r>
-              <a:rPr lang="ko-KR" altLang="en-US" sz="1400" b="1" dirty="0" smtClean="0"/>
-              <a:t>생성</a:t>
-            </a:r>
-            <a:endParaRPr lang="ko-KR" altLang="en-US" sz="1400" b="1" dirty="0"/>
-          </a:p>
-        </p:txBody>
-      </p:sp>
-      <p:cxnSp>
-        <p:nvCxnSpPr>
-          <p:cNvPr id="33" name="꺾인 연결선 32"/>
-          <p:cNvCxnSpPr/>
-          <p:nvPr/>
-        </p:nvCxnSpPr>
-        <p:spPr>
-          <a:xfrm rot="5400000">
-            <a:off x="8908073" y="879376"/>
-            <a:ext cx="450308" cy="2460266"/>
-          </a:xfrm>
-          <a:prstGeom prst="bentConnector2">
-            <a:avLst/>
-          </a:prstGeom>
-          <a:ln w="38100">
-            <a:tailEnd type="triangle"/>
-          </a:ln>
-        </p:spPr>
-        <p:style>
-          <a:lnRef idx="1">
-            <a:schemeClr val="accent1"/>
-          </a:lnRef>
-          <a:fillRef idx="0">
-            <a:schemeClr val="accent1"/>
-          </a:fillRef>
-          <a:effectRef idx="0">
-            <a:schemeClr val="accent1"/>
-          </a:effectRef>
-          <a:fontRef idx="minor">
-            <a:schemeClr val="tx1"/>
-          </a:fontRef>
-        </p:style>
-      </p:cxnSp>
-      <p:sp>
-        <p:nvSpPr>
-          <p:cNvPr id="25" name="순서도: 판단 24"/>
-          <p:cNvSpPr/>
-          <p:nvPr/>
-        </p:nvSpPr>
-        <p:spPr>
-          <a:xfrm>
-            <a:off x="1868207" y="3445895"/>
-            <a:ext cx="2580334" cy="1236936"/>
-          </a:xfrm>
-          <a:prstGeom prst="flowChartDecision">
-            <a:avLst/>
-          </a:prstGeom>
-        </p:spPr>
-        <p:style>
-          <a:lnRef idx="2">
-            <a:schemeClr val="accent1">
-              <a:shade val="50000"/>
-            </a:schemeClr>
-          </a:lnRef>
-          <a:fillRef idx="1">
-            <a:schemeClr val="accent1"/>
-          </a:fillRef>
-          <a:effectRef idx="0">
-            <a:schemeClr val="accent1"/>
-          </a:effectRef>
-          <a:fontRef idx="minor">
-            <a:schemeClr val="lt1"/>
-          </a:fontRef>
-        </p:style>
-        <p:txBody>
-          <a:bodyPr rtlCol="0" anchor="ctr"/>
-          <a:lstStyle/>
+              <a:rPr lang="ko-KR" altLang="en-US" sz="1400" dirty="0"/>
+              <a:t>원본 저장 </a:t>
+            </a:r>
+            <a:endParaRPr lang="en-US" altLang="ko-KR" sz="1400" dirty="0"/>
+          </a:p>
           <a:p>
             <a:pPr algn="ctr"/>
             <a:r>
-              <a:rPr lang="en-US" altLang="ko-KR" sz="1400" dirty="0" err="1" smtClean="0"/>
-              <a:t>file_name</a:t>
-            </a:r>
-            <a:r>
-              <a:rPr lang="ko-KR" altLang="en-US" sz="1400" dirty="0" smtClean="0"/>
-              <a:t>이 중복인가</a:t>
+              <a:rPr lang="ko-KR" altLang="en-US" sz="1400" dirty="0"/>
+              <a:t>디렉토리가 존재하는가</a:t>
             </a:r>
             <a:r>
               <a:rPr lang="en-US" altLang="ko-KR" sz="1400" dirty="0" smtClean="0"/>
@@ -4205,8 +4513,8 @@
         </p:nvCxnSpPr>
         <p:spPr>
           <a:xfrm>
-            <a:off x="3158374" y="4661786"/>
-            <a:ext cx="0" cy="432000"/>
+            <a:off x="7113077" y="1762027"/>
+            <a:ext cx="0" cy="468000"/>
           </a:xfrm>
           <a:prstGeom prst="straightConnector1">
             <a:avLst/>
@@ -4233,20 +4541,17 @@
       <p:cxnSp>
         <p:nvCxnSpPr>
           <p:cNvPr id="32" name="꺾인 연결선 31"/>
-          <p:cNvCxnSpPr>
-            <a:stCxn id="25" idx="3"/>
-            <a:endCxn id="7" idx="3"/>
-          </p:cNvCxnSpPr>
+          <p:cNvCxnSpPr/>
           <p:nvPr/>
         </p:nvCxnSpPr>
         <p:spPr>
-          <a:xfrm flipH="1" flipV="1">
-            <a:off x="4438075" y="2539351"/>
-            <a:ext cx="10466" cy="1525012"/>
+          <a:xfrm rot="10800000" flipH="1">
+            <a:off x="2915077" y="1598981"/>
+            <a:ext cx="324000" cy="2736000"/>
           </a:xfrm>
           <a:prstGeom prst="bentConnector3">
             <a:avLst>
-              <a:gd name="adj1" fmla="val -7567533"/>
+              <a:gd name="adj1" fmla="val -104335"/>
             </a:avLst>
           </a:prstGeom>
           <a:ln w="38100">
@@ -4276,8 +4581,8 @@
         </p:nvCxnSpPr>
         <p:spPr>
           <a:xfrm rot="-5340000">
-            <a:off x="9437467" y="1289002"/>
-            <a:ext cx="0" cy="540000"/>
+            <a:off x="8568981" y="989075"/>
+            <a:ext cx="0" cy="360000"/>
           </a:xfrm>
           <a:prstGeom prst="straightConnector1">
             <a:avLst/>
@@ -4309,7 +4614,7 @@
         </p:nvSpPr>
         <p:spPr>
           <a:xfrm>
-            <a:off x="7320387" y="3573572"/>
+            <a:off x="6481350" y="5641372"/>
             <a:ext cx="1256147" cy="762648"/>
           </a:xfrm>
           <a:prstGeom prst="flowChartDocument">
@@ -4339,9 +4644,849 @@
             <a:pPr algn="ctr"/>
             <a:r>
               <a:rPr lang="ko-KR" altLang="en-US" sz="1400" dirty="0" smtClean="0"/>
-              <a:t> 이미지 저장</a:t>
+              <a:t> </a:t>
+            </a:r>
+            <a:r>
+              <a:rPr lang="en-US" altLang="ko-KR" sz="1400" dirty="0" smtClean="0"/>
+              <a:t>jpg </a:t>
+            </a:r>
+          </a:p>
+          <a:p>
+            <a:pPr algn="ctr"/>
+            <a:r>
+              <a:rPr lang="ko-KR" altLang="en-US" sz="1400" dirty="0" smtClean="0"/>
+              <a:t>이미지 </a:t>
+            </a:r>
+            <a:r>
+              <a:rPr lang="ko-KR" altLang="en-US" sz="1400" dirty="0" smtClean="0"/>
+              <a:t>저장</a:t>
             </a:r>
             <a:endParaRPr lang="ko-KR" altLang="en-US" dirty="0"/>
+          </a:p>
+        </p:txBody>
+      </p:sp>
+      <p:sp>
+        <p:nvSpPr>
+          <p:cNvPr id="34" name="TextBox 33"/>
+          <p:cNvSpPr txBox="1"/>
+          <p:nvPr/>
+        </p:nvSpPr>
+        <p:spPr>
+          <a:xfrm>
+            <a:off x="8144934" y="772517"/>
+            <a:ext cx="806335" cy="369332"/>
+          </a:xfrm>
+          <a:prstGeom prst="rect">
+            <a:avLst/>
+          </a:prstGeom>
+          <a:noFill/>
+        </p:spPr>
+        <p:txBody>
+          <a:bodyPr wrap="square" rtlCol="0">
+            <a:spAutoFit/>
+          </a:bodyPr>
+          <a:lstStyle/>
+          <a:p>
+            <a:r>
+              <a:rPr lang="en-US" altLang="ko-KR" b="1" dirty="0" smtClean="0"/>
+              <a:t>NO</a:t>
+            </a:r>
+            <a:endParaRPr lang="ko-KR" altLang="en-US" b="1" dirty="0"/>
+          </a:p>
+        </p:txBody>
+      </p:sp>
+      <p:sp>
+        <p:nvSpPr>
+          <p:cNvPr id="39" name="TextBox 38"/>
+          <p:cNvSpPr txBox="1"/>
+          <p:nvPr/>
+        </p:nvSpPr>
+        <p:spPr>
+          <a:xfrm>
+            <a:off x="6509641" y="1655145"/>
+            <a:ext cx="644891" cy="369332"/>
+          </a:xfrm>
+          <a:prstGeom prst="rect">
+            <a:avLst/>
+          </a:prstGeom>
+          <a:noFill/>
+        </p:spPr>
+        <p:txBody>
+          <a:bodyPr wrap="square" rtlCol="0">
+            <a:spAutoFit/>
+          </a:bodyPr>
+          <a:lstStyle/>
+          <a:p>
+            <a:r>
+              <a:rPr lang="en-US" altLang="ko-KR" b="1" dirty="0" smtClean="0"/>
+              <a:t>YES</a:t>
+            </a:r>
+            <a:endParaRPr lang="ko-KR" altLang="en-US" b="1" dirty="0"/>
+          </a:p>
+        </p:txBody>
+      </p:sp>
+      <p:sp>
+        <p:nvSpPr>
+          <p:cNvPr id="43" name="순서도: 처리 42"/>
+          <p:cNvSpPr/>
+          <p:nvPr/>
+        </p:nvSpPr>
+        <p:spPr>
+          <a:xfrm>
+            <a:off x="6254461" y="2208897"/>
+            <a:ext cx="1863206" cy="626749"/>
+          </a:xfrm>
+          <a:prstGeom prst="flowChartProcess">
+            <a:avLst/>
+          </a:prstGeom>
+        </p:spPr>
+        <p:style>
+          <a:lnRef idx="2">
+            <a:schemeClr val="accent1">
+              <a:shade val="50000"/>
+            </a:schemeClr>
+          </a:lnRef>
+          <a:fillRef idx="1">
+            <a:schemeClr val="accent1"/>
+          </a:fillRef>
+          <a:effectRef idx="0">
+            <a:schemeClr val="accent1"/>
+          </a:effectRef>
+          <a:fontRef idx="minor">
+            <a:schemeClr val="lt1"/>
+          </a:fontRef>
+        </p:style>
+        <p:txBody>
+          <a:bodyPr rtlCol="0" anchor="ctr"/>
+          <a:lstStyle/>
+          <a:p>
+            <a:pPr algn="ctr"/>
+            <a:r>
+              <a:rPr lang="en-US" altLang="ko-KR" sz="1400" dirty="0"/>
+              <a:t>String file name = </a:t>
+            </a:r>
+          </a:p>
+          <a:p>
+            <a:pPr algn="ctr"/>
+            <a:r>
+              <a:rPr lang="en-US" altLang="ko-KR" sz="1400" dirty="0"/>
+              <a:t>{ random number }</a:t>
+            </a:r>
+            <a:endParaRPr lang="ko-KR" altLang="en-US" sz="1400" dirty="0"/>
+          </a:p>
+        </p:txBody>
+      </p:sp>
+      <p:sp>
+        <p:nvSpPr>
+          <p:cNvPr id="44" name="순서도: 판단 43"/>
+          <p:cNvSpPr/>
+          <p:nvPr/>
+        </p:nvSpPr>
+        <p:spPr>
+          <a:xfrm>
+            <a:off x="2884023" y="2208897"/>
+            <a:ext cx="2580334" cy="1236936"/>
+          </a:xfrm>
+          <a:prstGeom prst="flowChartDecision">
+            <a:avLst/>
+          </a:prstGeom>
+        </p:spPr>
+        <p:style>
+          <a:lnRef idx="2">
+            <a:schemeClr val="accent1">
+              <a:shade val="50000"/>
+            </a:schemeClr>
+          </a:lnRef>
+          <a:fillRef idx="1">
+            <a:schemeClr val="accent1"/>
+          </a:fillRef>
+          <a:effectRef idx="0">
+            <a:schemeClr val="accent1"/>
+          </a:effectRef>
+          <a:fontRef idx="minor">
+            <a:schemeClr val="lt1"/>
+          </a:fontRef>
+        </p:style>
+        <p:txBody>
+          <a:bodyPr rtlCol="0" anchor="ctr"/>
+          <a:lstStyle/>
+          <a:p>
+            <a:pPr algn="ctr"/>
+            <a:r>
+              <a:rPr lang="en-US" altLang="ko-KR" sz="1400" dirty="0" smtClean="0"/>
+              <a:t>Request</a:t>
+            </a:r>
+            <a:r>
+              <a:rPr lang="ko-KR" altLang="en-US" sz="1400" dirty="0"/>
+              <a:t> </a:t>
+            </a:r>
+            <a:r>
+              <a:rPr lang="ko-KR" altLang="en-US" sz="1400" dirty="0" smtClean="0"/>
+              <a:t> </a:t>
+            </a:r>
+            <a:endParaRPr lang="en-US" altLang="ko-KR" sz="1400" dirty="0" smtClean="0"/>
+          </a:p>
+          <a:p>
+            <a:pPr algn="ctr"/>
+            <a:r>
+              <a:rPr lang="ko-KR" altLang="en-US" sz="1400" dirty="0" smtClean="0"/>
+              <a:t>데이터에 </a:t>
+            </a:r>
+            <a:endParaRPr lang="en-US" altLang="ko-KR" sz="1400" dirty="0" smtClean="0"/>
+          </a:p>
+          <a:p>
+            <a:pPr algn="ctr"/>
+            <a:r>
+              <a:rPr lang="en-US" altLang="ko-KR" sz="1400" dirty="0" smtClean="0"/>
+              <a:t>Files</a:t>
+            </a:r>
+            <a:r>
+              <a:rPr lang="ko-KR" altLang="en-US" sz="1400" dirty="0" smtClean="0"/>
+              <a:t>이 존재하는가</a:t>
+            </a:r>
+            <a:r>
+              <a:rPr lang="en-US" altLang="ko-KR" sz="1400" dirty="0" smtClean="0"/>
+              <a:t>?</a:t>
+            </a:r>
+            <a:endParaRPr lang="ko-KR" altLang="en-US" sz="1400" dirty="0"/>
+          </a:p>
+        </p:txBody>
+      </p:sp>
+      <p:sp>
+        <p:nvSpPr>
+          <p:cNvPr id="47" name="순서도: 판단 46"/>
+          <p:cNvSpPr/>
+          <p:nvPr/>
+        </p:nvSpPr>
+        <p:spPr>
+          <a:xfrm>
+            <a:off x="2895725" y="3726038"/>
+            <a:ext cx="2580334" cy="1236936"/>
+          </a:xfrm>
+          <a:prstGeom prst="flowChartDecision">
+            <a:avLst/>
+          </a:prstGeom>
+        </p:spPr>
+        <p:style>
+          <a:lnRef idx="2">
+            <a:schemeClr val="accent1">
+              <a:shade val="50000"/>
+            </a:schemeClr>
+          </a:lnRef>
+          <a:fillRef idx="1">
+            <a:schemeClr val="accent1"/>
+          </a:fillRef>
+          <a:effectRef idx="0">
+            <a:schemeClr val="accent1"/>
+          </a:effectRef>
+          <a:fontRef idx="minor">
+            <a:schemeClr val="lt1"/>
+          </a:fontRef>
+        </p:style>
+        <p:txBody>
+          <a:bodyPr rtlCol="0" anchor="ctr"/>
+          <a:lstStyle/>
+          <a:p>
+            <a:pPr algn="ctr"/>
+            <a:r>
+              <a:rPr lang="en-US" altLang="ko-KR" sz="1400" dirty="0" smtClean="0"/>
+              <a:t>Request</a:t>
+            </a:r>
+            <a:r>
+              <a:rPr lang="ko-KR" altLang="en-US" sz="1400" dirty="0" smtClean="0"/>
+              <a:t>  </a:t>
+            </a:r>
+            <a:endParaRPr lang="en-US" altLang="ko-KR" sz="1400" dirty="0"/>
+          </a:p>
+          <a:p>
+            <a:pPr algn="ctr"/>
+            <a:r>
+              <a:rPr lang="ko-KR" altLang="en-US" sz="1400" dirty="0"/>
+              <a:t>데이터에 </a:t>
+            </a:r>
+            <a:endParaRPr lang="en-US" altLang="ko-KR" sz="1400" dirty="0"/>
+          </a:p>
+          <a:p>
+            <a:pPr algn="ctr"/>
+            <a:r>
+              <a:rPr lang="en-US" altLang="ko-KR" sz="1400" dirty="0" smtClean="0"/>
+              <a:t> file name</a:t>
+            </a:r>
+            <a:r>
+              <a:rPr lang="ko-KR" altLang="en-US" sz="1400" dirty="0" smtClean="0"/>
+              <a:t>이 존재하는가</a:t>
+            </a:r>
+            <a:r>
+              <a:rPr lang="en-US" altLang="ko-KR" sz="1400" dirty="0" smtClean="0"/>
+              <a:t>?</a:t>
+            </a:r>
+            <a:endParaRPr lang="ko-KR" altLang="en-US" sz="1400" dirty="0"/>
+          </a:p>
+        </p:txBody>
+      </p:sp>
+      <p:cxnSp>
+        <p:nvCxnSpPr>
+          <p:cNvPr id="48" name="직선 화살표 연결선 47"/>
+          <p:cNvCxnSpPr/>
+          <p:nvPr/>
+        </p:nvCxnSpPr>
+        <p:spPr>
+          <a:xfrm>
+            <a:off x="4181631" y="3460586"/>
+            <a:ext cx="0" cy="288000"/>
+          </a:xfrm>
+          <a:prstGeom prst="straightConnector1">
+            <a:avLst/>
+          </a:prstGeom>
+          <a:ln w="38100">
+            <a:tailEnd type="triangle"/>
+          </a:ln>
+        </p:spPr>
+        <p:style>
+          <a:lnRef idx="1">
+            <a:schemeClr val="accent1"/>
+          </a:lnRef>
+          <a:fillRef idx="0">
+            <a:schemeClr val="accent1"/>
+          </a:fillRef>
+          <a:effectRef idx="0">
+            <a:schemeClr val="accent1"/>
+          </a:effectRef>
+          <a:fontRef idx="minor">
+            <a:schemeClr val="tx1"/>
+          </a:fontRef>
+        </p:style>
+      </p:cxnSp>
+      <p:cxnSp>
+        <p:nvCxnSpPr>
+          <p:cNvPr id="51" name="직선 화살표 연결선 50"/>
+          <p:cNvCxnSpPr/>
+          <p:nvPr/>
+        </p:nvCxnSpPr>
+        <p:spPr>
+          <a:xfrm>
+            <a:off x="4196755" y="4962974"/>
+            <a:ext cx="0" cy="288000"/>
+          </a:xfrm>
+          <a:prstGeom prst="straightConnector1">
+            <a:avLst/>
+          </a:prstGeom>
+          <a:ln w="38100">
+            <a:tailEnd type="triangle"/>
+          </a:ln>
+        </p:spPr>
+        <p:style>
+          <a:lnRef idx="1">
+            <a:schemeClr val="accent1"/>
+          </a:lnRef>
+          <a:fillRef idx="0">
+            <a:schemeClr val="accent1"/>
+          </a:fillRef>
+          <a:effectRef idx="0">
+            <a:schemeClr val="accent1"/>
+          </a:effectRef>
+          <a:fontRef idx="minor">
+            <a:schemeClr val="tx1"/>
+          </a:fontRef>
+        </p:style>
+      </p:cxnSp>
+      <p:cxnSp>
+        <p:nvCxnSpPr>
+          <p:cNvPr id="57" name="꺾인 연결선 56"/>
+          <p:cNvCxnSpPr/>
+          <p:nvPr/>
+        </p:nvCxnSpPr>
+        <p:spPr>
+          <a:xfrm rot="10800000" flipH="1">
+            <a:off x="2955059" y="1717523"/>
+            <a:ext cx="288000" cy="1116000"/>
+          </a:xfrm>
+          <a:prstGeom prst="bentConnector3">
+            <a:avLst>
+              <a:gd name="adj1" fmla="val -73877"/>
+            </a:avLst>
+          </a:prstGeom>
+          <a:ln w="38100">
+            <a:tailEnd type="triangle"/>
+          </a:ln>
+        </p:spPr>
+        <p:style>
+          <a:lnRef idx="1">
+            <a:schemeClr val="accent1"/>
+          </a:lnRef>
+          <a:fillRef idx="0">
+            <a:schemeClr val="accent1"/>
+          </a:fillRef>
+          <a:effectRef idx="0">
+            <a:schemeClr val="accent1"/>
+          </a:effectRef>
+          <a:fontRef idx="minor">
+            <a:schemeClr val="tx1"/>
+          </a:fontRef>
+        </p:style>
+      </p:cxnSp>
+      <p:sp>
+        <p:nvSpPr>
+          <p:cNvPr id="58" name="순서도: 처리 57"/>
+          <p:cNvSpPr/>
+          <p:nvPr/>
+        </p:nvSpPr>
+        <p:spPr>
+          <a:xfrm>
+            <a:off x="3236421" y="1255094"/>
+            <a:ext cx="1863206" cy="626749"/>
+          </a:xfrm>
+          <a:prstGeom prst="flowChartProcess">
+            <a:avLst/>
+          </a:prstGeom>
+        </p:spPr>
+        <p:style>
+          <a:lnRef idx="2">
+            <a:schemeClr val="accent1">
+              <a:shade val="50000"/>
+            </a:schemeClr>
+          </a:lnRef>
+          <a:fillRef idx="1">
+            <a:schemeClr val="accent1"/>
+          </a:fillRef>
+          <a:effectRef idx="0">
+            <a:schemeClr val="accent1"/>
+          </a:effectRef>
+          <a:fontRef idx="minor">
+            <a:schemeClr val="lt1"/>
+          </a:fontRef>
+        </p:style>
+        <p:txBody>
+          <a:bodyPr rtlCol="0" anchor="ctr"/>
+          <a:lstStyle/>
+          <a:p>
+            <a:pPr algn="ctr"/>
+            <a:r>
+              <a:rPr lang="ko-KR" altLang="en-US" sz="1400" dirty="0" smtClean="0"/>
+              <a:t>이미지 업로드 </a:t>
+            </a:r>
+            <a:endParaRPr lang="en-US" altLang="ko-KR" sz="1400" dirty="0" smtClean="0"/>
+          </a:p>
+          <a:p>
+            <a:pPr algn="ctr"/>
+            <a:r>
+              <a:rPr lang="ko-KR" altLang="en-US" sz="1400" dirty="0" smtClean="0"/>
+              <a:t>요청 대기</a:t>
+            </a:r>
+            <a:r>
+              <a:rPr lang="en-US" altLang="ko-KR" sz="1400" dirty="0" smtClean="0"/>
+              <a:t> </a:t>
+            </a:r>
+            <a:endParaRPr lang="ko-KR" altLang="en-US" sz="1400" dirty="0"/>
+          </a:p>
+        </p:txBody>
+      </p:sp>
+      <p:cxnSp>
+        <p:nvCxnSpPr>
+          <p:cNvPr id="60" name="직선 화살표 연결선 59"/>
+          <p:cNvCxnSpPr/>
+          <p:nvPr/>
+        </p:nvCxnSpPr>
+        <p:spPr>
+          <a:xfrm>
+            <a:off x="4184632" y="916769"/>
+            <a:ext cx="0" cy="360000"/>
+          </a:xfrm>
+          <a:prstGeom prst="straightConnector1">
+            <a:avLst/>
+          </a:prstGeom>
+          <a:ln w="38100">
+            <a:tailEnd type="triangle"/>
+          </a:ln>
+        </p:spPr>
+        <p:style>
+          <a:lnRef idx="1">
+            <a:schemeClr val="accent1"/>
+          </a:lnRef>
+          <a:fillRef idx="0">
+            <a:schemeClr val="accent1"/>
+          </a:fillRef>
+          <a:effectRef idx="0">
+            <a:schemeClr val="accent1"/>
+          </a:effectRef>
+          <a:fontRef idx="minor">
+            <a:schemeClr val="tx1"/>
+          </a:fontRef>
+        </p:style>
+      </p:cxnSp>
+      <p:cxnSp>
+        <p:nvCxnSpPr>
+          <p:cNvPr id="64" name="꺾인 연결선 63"/>
+          <p:cNvCxnSpPr/>
+          <p:nvPr/>
+        </p:nvCxnSpPr>
+        <p:spPr>
+          <a:xfrm rot="10800000" flipH="1">
+            <a:off x="2948421" y="1498176"/>
+            <a:ext cx="288000" cy="4356000"/>
+          </a:xfrm>
+          <a:prstGeom prst="bentConnector3">
+            <a:avLst>
+              <a:gd name="adj1" fmla="val -204876"/>
+            </a:avLst>
+          </a:prstGeom>
+          <a:ln w="38100">
+            <a:tailEnd type="triangle"/>
+          </a:ln>
+        </p:spPr>
+        <p:style>
+          <a:lnRef idx="1">
+            <a:schemeClr val="accent1"/>
+          </a:lnRef>
+          <a:fillRef idx="0">
+            <a:schemeClr val="accent1"/>
+          </a:fillRef>
+          <a:effectRef idx="0">
+            <a:schemeClr val="accent1"/>
+          </a:effectRef>
+          <a:fontRef idx="minor">
+            <a:schemeClr val="tx1"/>
+          </a:fontRef>
+        </p:style>
+      </p:cxnSp>
+      <p:sp>
+        <p:nvSpPr>
+          <p:cNvPr id="82" name="TextBox 81"/>
+          <p:cNvSpPr txBox="1"/>
+          <p:nvPr/>
+        </p:nvSpPr>
+        <p:spPr>
+          <a:xfrm>
+            <a:off x="6554300" y="2788766"/>
+            <a:ext cx="644891" cy="369332"/>
+          </a:xfrm>
+          <a:prstGeom prst="rect">
+            <a:avLst/>
+          </a:prstGeom>
+          <a:noFill/>
+        </p:spPr>
+        <p:txBody>
+          <a:bodyPr wrap="square" rtlCol="0">
+            <a:spAutoFit/>
+          </a:bodyPr>
+          <a:lstStyle/>
+          <a:p>
+            <a:r>
+              <a:rPr lang="en-US" altLang="ko-KR" b="1" dirty="0" smtClean="0"/>
+              <a:t>YES</a:t>
+            </a:r>
+            <a:endParaRPr lang="ko-KR" altLang="en-US" b="1" dirty="0"/>
+          </a:p>
+        </p:txBody>
+      </p:sp>
+      <p:cxnSp>
+        <p:nvCxnSpPr>
+          <p:cNvPr id="83" name="꺾인 연결선 82"/>
+          <p:cNvCxnSpPr>
+            <a:stCxn id="8" idx="3"/>
+            <a:endCxn id="43" idx="3"/>
+          </p:cNvCxnSpPr>
+          <p:nvPr/>
+        </p:nvCxnSpPr>
+        <p:spPr>
+          <a:xfrm flipH="1" flipV="1">
+            <a:off x="8117667" y="2522272"/>
+            <a:ext cx="285577" cy="1268244"/>
+          </a:xfrm>
+          <a:prstGeom prst="bentConnector3">
+            <a:avLst>
+              <a:gd name="adj1" fmla="val -143420"/>
+            </a:avLst>
+          </a:prstGeom>
+          <a:ln w="38100">
+            <a:tailEnd type="triangle"/>
+          </a:ln>
+        </p:spPr>
+        <p:style>
+          <a:lnRef idx="1">
+            <a:schemeClr val="accent1"/>
+          </a:lnRef>
+          <a:fillRef idx="0">
+            <a:schemeClr val="accent1"/>
+          </a:fillRef>
+          <a:effectRef idx="0">
+            <a:schemeClr val="accent1"/>
+          </a:effectRef>
+          <a:fontRef idx="minor">
+            <a:schemeClr val="tx1"/>
+          </a:fontRef>
+        </p:style>
+      </p:cxnSp>
+      <p:sp>
+        <p:nvSpPr>
+          <p:cNvPr id="90" name="TextBox 89"/>
+          <p:cNvSpPr txBox="1"/>
+          <p:nvPr/>
+        </p:nvSpPr>
+        <p:spPr>
+          <a:xfrm>
+            <a:off x="8247644" y="3405061"/>
+            <a:ext cx="806335" cy="369332"/>
+          </a:xfrm>
+          <a:prstGeom prst="rect">
+            <a:avLst/>
+          </a:prstGeom>
+          <a:noFill/>
+        </p:spPr>
+        <p:txBody>
+          <a:bodyPr wrap="square" rtlCol="0">
+            <a:spAutoFit/>
+          </a:bodyPr>
+          <a:lstStyle/>
+          <a:p>
+            <a:r>
+              <a:rPr lang="en-US" altLang="ko-KR" b="1" smtClean="0"/>
+              <a:t>YES</a:t>
+            </a:r>
+            <a:endParaRPr lang="ko-KR" altLang="en-US" b="1" dirty="0"/>
+          </a:p>
+        </p:txBody>
+      </p:sp>
+      <p:sp>
+        <p:nvSpPr>
+          <p:cNvPr id="91" name="TextBox 90"/>
+          <p:cNvSpPr txBox="1"/>
+          <p:nvPr/>
+        </p:nvSpPr>
+        <p:spPr>
+          <a:xfrm>
+            <a:off x="6607312" y="4310824"/>
+            <a:ext cx="806335" cy="369332"/>
+          </a:xfrm>
+          <a:prstGeom prst="rect">
+            <a:avLst/>
+          </a:prstGeom>
+          <a:noFill/>
+        </p:spPr>
+        <p:txBody>
+          <a:bodyPr wrap="square" rtlCol="0">
+            <a:spAutoFit/>
+          </a:bodyPr>
+          <a:lstStyle/>
+          <a:p>
+            <a:r>
+              <a:rPr lang="en-US" altLang="ko-KR" b="1" dirty="0" smtClean="0"/>
+              <a:t>NO</a:t>
+            </a:r>
+            <a:endParaRPr lang="ko-KR" altLang="en-US" b="1" dirty="0"/>
+          </a:p>
+        </p:txBody>
+      </p:sp>
+      <p:cxnSp>
+        <p:nvCxnSpPr>
+          <p:cNvPr id="92" name="직선 화살표 연결선 91"/>
+          <p:cNvCxnSpPr/>
+          <p:nvPr/>
+        </p:nvCxnSpPr>
+        <p:spPr>
+          <a:xfrm rot="16200000">
+            <a:off x="7968643" y="5788696"/>
+            <a:ext cx="0" cy="468000"/>
+          </a:xfrm>
+          <a:prstGeom prst="straightConnector1">
+            <a:avLst/>
+          </a:prstGeom>
+          <a:ln w="38100">
+            <a:tailEnd type="triangle"/>
+          </a:ln>
+        </p:spPr>
+        <p:style>
+          <a:lnRef idx="1">
+            <a:schemeClr val="accent1"/>
+          </a:lnRef>
+          <a:fillRef idx="0">
+            <a:schemeClr val="accent1"/>
+          </a:fillRef>
+          <a:effectRef idx="0">
+            <a:schemeClr val="accent1"/>
+          </a:effectRef>
+          <a:fontRef idx="minor">
+            <a:schemeClr val="tx1"/>
+          </a:fontRef>
+        </p:style>
+      </p:cxnSp>
+      <p:sp>
+        <p:nvSpPr>
+          <p:cNvPr id="93" name="TextBox 92"/>
+          <p:cNvSpPr txBox="1"/>
+          <p:nvPr/>
+        </p:nvSpPr>
+        <p:spPr>
+          <a:xfrm>
+            <a:off x="2716686" y="2437813"/>
+            <a:ext cx="806335" cy="369332"/>
+          </a:xfrm>
+          <a:prstGeom prst="rect">
+            <a:avLst/>
+          </a:prstGeom>
+          <a:noFill/>
+        </p:spPr>
+        <p:txBody>
+          <a:bodyPr wrap="square" rtlCol="0">
+            <a:spAutoFit/>
+          </a:bodyPr>
+          <a:lstStyle/>
+          <a:p>
+            <a:r>
+              <a:rPr lang="en-US" altLang="ko-KR" b="1" dirty="0" smtClean="0"/>
+              <a:t>NO</a:t>
+            </a:r>
+            <a:endParaRPr lang="ko-KR" altLang="en-US" b="1" dirty="0"/>
+          </a:p>
+        </p:txBody>
+      </p:sp>
+      <p:sp>
+        <p:nvSpPr>
+          <p:cNvPr id="94" name="TextBox 93"/>
+          <p:cNvSpPr txBox="1"/>
+          <p:nvPr/>
+        </p:nvSpPr>
+        <p:spPr>
+          <a:xfrm>
+            <a:off x="2507418" y="5514179"/>
+            <a:ext cx="806335" cy="369332"/>
+          </a:xfrm>
+          <a:prstGeom prst="rect">
+            <a:avLst/>
+          </a:prstGeom>
+          <a:noFill/>
+        </p:spPr>
+        <p:txBody>
+          <a:bodyPr wrap="square" rtlCol="0">
+            <a:spAutoFit/>
+          </a:bodyPr>
+          <a:lstStyle/>
+          <a:p>
+            <a:r>
+              <a:rPr lang="en-US" altLang="ko-KR" b="1" dirty="0" smtClean="0"/>
+              <a:t>NO</a:t>
+            </a:r>
+            <a:endParaRPr lang="ko-KR" altLang="en-US" b="1" dirty="0"/>
+          </a:p>
+        </p:txBody>
+      </p:sp>
+      <p:sp>
+        <p:nvSpPr>
+          <p:cNvPr id="95" name="TextBox 94"/>
+          <p:cNvSpPr txBox="1"/>
+          <p:nvPr/>
+        </p:nvSpPr>
+        <p:spPr>
+          <a:xfrm>
+            <a:off x="2623272" y="3996975"/>
+            <a:ext cx="806335" cy="369332"/>
+          </a:xfrm>
+          <a:prstGeom prst="rect">
+            <a:avLst/>
+          </a:prstGeom>
+          <a:noFill/>
+        </p:spPr>
+        <p:txBody>
+          <a:bodyPr wrap="square" rtlCol="0">
+            <a:spAutoFit/>
+          </a:bodyPr>
+          <a:lstStyle/>
+          <a:p>
+            <a:r>
+              <a:rPr lang="en-US" altLang="ko-KR" b="1" dirty="0" smtClean="0"/>
+              <a:t>NO</a:t>
+            </a:r>
+            <a:endParaRPr lang="ko-KR" altLang="en-US" b="1" dirty="0"/>
+          </a:p>
+        </p:txBody>
+      </p:sp>
+      <p:sp>
+        <p:nvSpPr>
+          <p:cNvPr id="96" name="TextBox 95"/>
+          <p:cNvSpPr txBox="1"/>
+          <p:nvPr/>
+        </p:nvSpPr>
+        <p:spPr>
+          <a:xfrm>
+            <a:off x="4157639" y="3405061"/>
+            <a:ext cx="806335" cy="369332"/>
+          </a:xfrm>
+          <a:prstGeom prst="rect">
+            <a:avLst/>
+          </a:prstGeom>
+          <a:noFill/>
+        </p:spPr>
+        <p:txBody>
+          <a:bodyPr wrap="square" rtlCol="0">
+            <a:spAutoFit/>
+          </a:bodyPr>
+          <a:lstStyle/>
+          <a:p>
+            <a:r>
+              <a:rPr lang="en-US" altLang="ko-KR" b="1" dirty="0" smtClean="0"/>
+              <a:t>YES</a:t>
+            </a:r>
+            <a:endParaRPr lang="ko-KR" altLang="en-US" b="1" dirty="0"/>
+          </a:p>
+        </p:txBody>
+      </p:sp>
+      <p:sp>
+        <p:nvSpPr>
+          <p:cNvPr id="97" name="TextBox 96"/>
+          <p:cNvSpPr txBox="1"/>
+          <p:nvPr/>
+        </p:nvSpPr>
+        <p:spPr>
+          <a:xfrm>
+            <a:off x="4183193" y="4922308"/>
+            <a:ext cx="806335" cy="369332"/>
+          </a:xfrm>
+          <a:prstGeom prst="rect">
+            <a:avLst/>
+          </a:prstGeom>
+          <a:noFill/>
+        </p:spPr>
+        <p:txBody>
+          <a:bodyPr wrap="square" rtlCol="0">
+            <a:spAutoFit/>
+          </a:bodyPr>
+          <a:lstStyle/>
+          <a:p>
+            <a:r>
+              <a:rPr lang="en-US" altLang="ko-KR" b="1" dirty="0" smtClean="0"/>
+              <a:t>YES</a:t>
+            </a:r>
+            <a:endParaRPr lang="ko-KR" altLang="en-US" b="1" dirty="0"/>
+          </a:p>
+        </p:txBody>
+      </p:sp>
+      <p:sp>
+        <p:nvSpPr>
+          <p:cNvPr id="98" name="TextBox 97"/>
+          <p:cNvSpPr txBox="1"/>
+          <p:nvPr/>
+        </p:nvSpPr>
+        <p:spPr>
+          <a:xfrm>
+            <a:off x="3628772" y="6346545"/>
+            <a:ext cx="806335" cy="369332"/>
+          </a:xfrm>
+          <a:prstGeom prst="rect">
+            <a:avLst/>
+          </a:prstGeom>
+          <a:noFill/>
+        </p:spPr>
+        <p:txBody>
+          <a:bodyPr wrap="square" rtlCol="0">
+            <a:spAutoFit/>
+          </a:bodyPr>
+          <a:lstStyle/>
+          <a:p>
+            <a:r>
+              <a:rPr lang="en-US" altLang="ko-KR" b="1" dirty="0" smtClean="0"/>
+              <a:t>YES</a:t>
+            </a:r>
+            <a:endParaRPr lang="ko-KR" altLang="en-US" b="1" dirty="0"/>
           </a:p>
         </p:txBody>
       </p:sp>
@@ -4349,6 +5494,1709 @@
     <p:extLst>
       <p:ext uri="{BB962C8B-B14F-4D97-AF65-F5344CB8AC3E}">
         <p14:creationId xmlns:p14="http://schemas.microsoft.com/office/powerpoint/2010/main" val="835218754"/>
+      </p:ext>
+    </p:extLst>
+  </p:cSld>
+  <p:clrMapOvr>
+    <a:masterClrMapping/>
+  </p:clrMapOvr>
+  <p:timing>
+    <p:tnLst>
+      <p:par>
+        <p:cTn id="1" dur="indefinite" restart="never" nodeType="tmRoot"/>
+      </p:par>
+    </p:tnLst>
+  </p:timing>
+</p:sld>
+</file>
+
+<file path=ppt/slides/slide3.xml><?xml version="1.0" encoding="utf-8"?>
+<p:sld xmlns:a="http://schemas.openxmlformats.org/drawingml/2006/main" xmlns:r="http://schemas.openxmlformats.org/officeDocument/2006/relationships" xmlns:p="http://schemas.openxmlformats.org/presentationml/2006/main">
+  <p:cSld>
+    <p:spTree>
+      <p:nvGrpSpPr>
+        <p:cNvPr id="1" name=""/>
+        <p:cNvGrpSpPr/>
+        <p:nvPr/>
+      </p:nvGrpSpPr>
+      <p:grpSpPr>
+        <a:xfrm>
+          <a:off x="0" y="0"/>
+          <a:ext cx="0" cy="0"/>
+          <a:chOff x="0" y="0"/>
+          <a:chExt cx="0" cy="0"/>
+        </a:xfrm>
+      </p:grpSpPr>
+      <p:sp>
+        <p:nvSpPr>
+          <p:cNvPr id="4" name="TextBox 3"/>
+          <p:cNvSpPr txBox="1"/>
+          <p:nvPr/>
+        </p:nvSpPr>
+        <p:spPr>
+          <a:xfrm>
+            <a:off x="119021" y="90351"/>
+            <a:ext cx="2487368" cy="369332"/>
+          </a:xfrm>
+          <a:prstGeom prst="rect">
+            <a:avLst/>
+          </a:prstGeom>
+          <a:noFill/>
+        </p:spPr>
+        <p:txBody>
+          <a:bodyPr wrap="square" rtlCol="0">
+            <a:spAutoFit/>
+          </a:bodyPr>
+          <a:lstStyle/>
+          <a:p>
+            <a:r>
+              <a:rPr lang="en-US" altLang="ko-KR" dirty="0">
+                <a:solidFill>
+                  <a:srgbClr val="FF0000"/>
+                </a:solidFill>
+              </a:rPr>
+              <a:t>2</a:t>
+            </a:r>
+            <a:r>
+              <a:rPr lang="en-US" altLang="ko-KR" dirty="0" smtClean="0">
+                <a:solidFill>
+                  <a:srgbClr val="FF0000"/>
+                </a:solidFill>
+              </a:rPr>
+              <a:t>. </a:t>
+            </a:r>
+            <a:r>
+              <a:rPr lang="ko-KR" altLang="en-US" dirty="0" smtClean="0">
+                <a:solidFill>
+                  <a:srgbClr val="FF0000"/>
+                </a:solidFill>
+              </a:rPr>
+              <a:t>영상 </a:t>
+            </a:r>
+            <a:r>
+              <a:rPr lang="ko-KR" altLang="en-US" dirty="0" smtClean="0">
+                <a:solidFill>
+                  <a:srgbClr val="FF0000"/>
+                </a:solidFill>
+              </a:rPr>
+              <a:t>업로드</a:t>
+            </a:r>
+            <a:endParaRPr lang="ko-KR" altLang="en-US" dirty="0">
+              <a:solidFill>
+                <a:srgbClr val="FF0000"/>
+              </a:solidFill>
+            </a:endParaRPr>
+          </a:p>
+        </p:txBody>
+      </p:sp>
+      <p:sp>
+        <p:nvSpPr>
+          <p:cNvPr id="6" name="순서도: 수행의 시작/종료 5"/>
+          <p:cNvSpPr/>
+          <p:nvPr/>
+        </p:nvSpPr>
+        <p:spPr>
+          <a:xfrm>
+            <a:off x="3181927" y="292013"/>
+            <a:ext cx="1917700" cy="647700"/>
+          </a:xfrm>
+          <a:prstGeom prst="flowChartTerminator">
+            <a:avLst/>
+          </a:prstGeom>
+        </p:spPr>
+        <p:style>
+          <a:lnRef idx="2">
+            <a:schemeClr val="accent1">
+              <a:shade val="50000"/>
+            </a:schemeClr>
+          </a:lnRef>
+          <a:fillRef idx="1">
+            <a:schemeClr val="accent1"/>
+          </a:fillRef>
+          <a:effectRef idx="0">
+            <a:schemeClr val="accent1"/>
+          </a:effectRef>
+          <a:fontRef idx="minor">
+            <a:schemeClr val="lt1"/>
+          </a:fontRef>
+        </p:style>
+        <p:txBody>
+          <a:bodyPr rtlCol="0" anchor="ctr"/>
+          <a:lstStyle/>
+          <a:p>
+            <a:pPr algn="ctr"/>
+            <a:r>
+              <a:rPr lang="ko-KR" altLang="en-US" sz="1400" dirty="0" smtClean="0"/>
+              <a:t>영상</a:t>
+            </a:r>
+            <a:r>
+              <a:rPr lang="ko-KR" altLang="en-US" sz="1400" dirty="0" smtClean="0"/>
+              <a:t> </a:t>
+            </a:r>
+            <a:r>
+              <a:rPr lang="ko-KR" altLang="en-US" sz="1400" dirty="0" smtClean="0"/>
+              <a:t>업로드</a:t>
+            </a:r>
+            <a:endParaRPr lang="ko-KR" altLang="en-US" sz="1400" dirty="0"/>
+          </a:p>
+        </p:txBody>
+      </p:sp>
+      <p:sp>
+        <p:nvSpPr>
+          <p:cNvPr id="8" name="순서도: 판단 7"/>
+          <p:cNvSpPr/>
+          <p:nvPr/>
+        </p:nvSpPr>
+        <p:spPr>
+          <a:xfrm>
+            <a:off x="5822910" y="3213610"/>
+            <a:ext cx="2580334" cy="1236936"/>
+          </a:xfrm>
+          <a:prstGeom prst="flowChartDecision">
+            <a:avLst/>
+          </a:prstGeom>
+        </p:spPr>
+        <p:style>
+          <a:lnRef idx="2">
+            <a:schemeClr val="accent1">
+              <a:shade val="50000"/>
+            </a:schemeClr>
+          </a:lnRef>
+          <a:fillRef idx="1">
+            <a:schemeClr val="accent1"/>
+          </a:fillRef>
+          <a:effectRef idx="0">
+            <a:schemeClr val="accent1"/>
+          </a:effectRef>
+          <a:fontRef idx="minor">
+            <a:schemeClr val="lt1"/>
+          </a:fontRef>
+        </p:style>
+        <p:txBody>
+          <a:bodyPr rtlCol="0" anchor="ctr"/>
+          <a:lstStyle/>
+          <a:p>
+            <a:pPr algn="ctr"/>
+            <a:r>
+              <a:rPr lang="ko-KR" altLang="en-US" sz="1400" dirty="0"/>
+              <a:t>원본 </a:t>
+            </a:r>
+            <a:r>
+              <a:rPr lang="ko-KR" altLang="en-US" sz="1400" dirty="0" smtClean="0"/>
+              <a:t>저장 </a:t>
+            </a:r>
+            <a:endParaRPr lang="en-US" altLang="ko-KR" sz="1400" dirty="0" smtClean="0"/>
+          </a:p>
+          <a:p>
+            <a:pPr algn="ctr"/>
+            <a:r>
+              <a:rPr lang="ko-KR" altLang="en-US" sz="1400" dirty="0" smtClean="0"/>
+              <a:t>디렉토리 내</a:t>
+            </a:r>
+            <a:endParaRPr lang="en-US" altLang="ko-KR" sz="1400" dirty="0" smtClean="0"/>
+          </a:p>
+          <a:p>
+            <a:pPr algn="ctr"/>
+            <a:r>
+              <a:rPr lang="en-US" altLang="ko-KR" sz="1400" dirty="0" smtClean="0"/>
+              <a:t>file </a:t>
+            </a:r>
+            <a:r>
+              <a:rPr lang="en-US" altLang="ko-KR" sz="1400" dirty="0"/>
+              <a:t>name</a:t>
+            </a:r>
+            <a:r>
+              <a:rPr lang="ko-KR" altLang="en-US" sz="1400" dirty="0"/>
+              <a:t>이 </a:t>
+            </a:r>
+            <a:r>
+              <a:rPr lang="ko-KR" altLang="en-US" sz="1400" dirty="0" smtClean="0"/>
+              <a:t>존재하는가</a:t>
+            </a:r>
+            <a:r>
+              <a:rPr lang="en-US" altLang="ko-KR" sz="1400" dirty="0" smtClean="0"/>
+              <a:t>?</a:t>
+            </a:r>
+            <a:endParaRPr lang="ko-KR" altLang="en-US" sz="1400" dirty="0"/>
+          </a:p>
+        </p:txBody>
+      </p:sp>
+      <p:sp>
+        <p:nvSpPr>
+          <p:cNvPr id="9" name="순서도: 판단 8"/>
+          <p:cNvSpPr/>
+          <p:nvPr/>
+        </p:nvSpPr>
+        <p:spPr>
+          <a:xfrm>
+            <a:off x="2903229" y="5226183"/>
+            <a:ext cx="2580334" cy="1236936"/>
+          </a:xfrm>
+          <a:prstGeom prst="flowChartDecision">
+            <a:avLst/>
+          </a:prstGeom>
+        </p:spPr>
+        <p:style>
+          <a:lnRef idx="2">
+            <a:schemeClr val="accent1">
+              <a:shade val="50000"/>
+            </a:schemeClr>
+          </a:lnRef>
+          <a:fillRef idx="1">
+            <a:schemeClr val="accent1"/>
+          </a:fillRef>
+          <a:effectRef idx="0">
+            <a:schemeClr val="accent1"/>
+          </a:effectRef>
+          <a:fontRef idx="minor">
+            <a:schemeClr val="lt1"/>
+          </a:fontRef>
+        </p:style>
+        <p:txBody>
+          <a:bodyPr rtlCol="0" anchor="ctr" anchorCtr="0"/>
+          <a:lstStyle/>
+          <a:p>
+            <a:pPr algn="ctr"/>
+            <a:r>
+              <a:rPr lang="ko-KR" altLang="en-US" sz="1400" dirty="0"/>
+              <a:t>파일 형식이 </a:t>
+            </a:r>
+            <a:r>
+              <a:rPr lang="en-US" altLang="ko-KR" sz="1400" dirty="0" smtClean="0"/>
+              <a:t>mp4, </a:t>
+            </a:r>
+            <a:r>
+              <a:rPr lang="en-US" altLang="ko-KR" sz="1400" dirty="0" err="1" smtClean="0"/>
+              <a:t>avi</a:t>
+            </a:r>
+            <a:r>
+              <a:rPr lang="en-US" altLang="ko-KR" sz="1400" dirty="0" smtClean="0"/>
+              <a:t>, av1 </a:t>
+            </a:r>
+            <a:r>
+              <a:rPr lang="ko-KR" altLang="en-US" sz="1400" dirty="0" smtClean="0"/>
+              <a:t>중 하나인가</a:t>
+            </a:r>
+            <a:r>
+              <a:rPr lang="en-US" altLang="ko-KR" sz="1400" dirty="0" smtClean="0"/>
+              <a:t>?</a:t>
+            </a:r>
+            <a:endParaRPr lang="ko-KR" altLang="en-US" sz="1400" dirty="0"/>
+          </a:p>
+        </p:txBody>
+      </p:sp>
+      <p:sp>
+        <p:nvSpPr>
+          <p:cNvPr id="10" name="순서도: 처리 9"/>
+          <p:cNvSpPr/>
+          <p:nvPr/>
+        </p:nvSpPr>
+        <p:spPr>
+          <a:xfrm>
+            <a:off x="6355586" y="4786948"/>
+            <a:ext cx="1597891" cy="561394"/>
+          </a:xfrm>
+          <a:prstGeom prst="flowChartProcess">
+            <a:avLst/>
+          </a:prstGeom>
+        </p:spPr>
+        <p:style>
+          <a:lnRef idx="2">
+            <a:schemeClr val="accent1">
+              <a:shade val="50000"/>
+            </a:schemeClr>
+          </a:lnRef>
+          <a:fillRef idx="1">
+            <a:schemeClr val="accent1"/>
+          </a:fillRef>
+          <a:effectRef idx="0">
+            <a:schemeClr val="accent1"/>
+          </a:effectRef>
+          <a:fontRef idx="minor">
+            <a:schemeClr val="lt1"/>
+          </a:fontRef>
+        </p:style>
+        <p:txBody>
+          <a:bodyPr rtlCol="0" anchor="ctr"/>
+          <a:lstStyle/>
+          <a:p>
+            <a:pPr algn="ctr"/>
+            <a:r>
+              <a:rPr lang="ko-KR" altLang="en-US" sz="1400" dirty="0" smtClean="0"/>
+              <a:t>파일명 할당</a:t>
+            </a:r>
+            <a:endParaRPr lang="ko-KR" altLang="en-US" sz="1400" dirty="0"/>
+          </a:p>
+        </p:txBody>
+      </p:sp>
+      <p:sp>
+        <p:nvSpPr>
+          <p:cNvPr id="13" name="순서도: 수행의 시작/종료 12"/>
+          <p:cNvSpPr/>
+          <p:nvPr/>
+        </p:nvSpPr>
+        <p:spPr>
+          <a:xfrm>
+            <a:off x="8506630" y="5684350"/>
+            <a:ext cx="1917700" cy="647700"/>
+          </a:xfrm>
+          <a:prstGeom prst="flowChartTerminator">
+            <a:avLst/>
+          </a:prstGeom>
+        </p:spPr>
+        <p:style>
+          <a:lnRef idx="2">
+            <a:schemeClr val="accent1">
+              <a:shade val="50000"/>
+            </a:schemeClr>
+          </a:lnRef>
+          <a:fillRef idx="1">
+            <a:schemeClr val="accent1"/>
+          </a:fillRef>
+          <a:effectRef idx="0">
+            <a:schemeClr val="accent1"/>
+          </a:effectRef>
+          <a:fontRef idx="minor">
+            <a:schemeClr val="lt1"/>
+          </a:fontRef>
+        </p:style>
+        <p:txBody>
+          <a:bodyPr rtlCol="0" anchor="ctr"/>
+          <a:lstStyle/>
+          <a:p>
+            <a:pPr algn="ctr"/>
+            <a:r>
+              <a:rPr lang="ko-KR" altLang="en-US" sz="1400" dirty="0" smtClean="0"/>
+              <a:t>영상 </a:t>
+            </a:r>
+            <a:r>
+              <a:rPr lang="ko-KR" altLang="en-US" sz="1400" dirty="0" smtClean="0"/>
+              <a:t>업로드 종료</a:t>
+            </a:r>
+            <a:endParaRPr lang="ko-KR" altLang="en-US" sz="1400" dirty="0"/>
+          </a:p>
+        </p:txBody>
+      </p:sp>
+      <p:cxnSp>
+        <p:nvCxnSpPr>
+          <p:cNvPr id="15" name="직선 화살표 연결선 14"/>
+          <p:cNvCxnSpPr/>
+          <p:nvPr/>
+        </p:nvCxnSpPr>
+        <p:spPr>
+          <a:xfrm>
+            <a:off x="4168024" y="1894393"/>
+            <a:ext cx="0" cy="360000"/>
+          </a:xfrm>
+          <a:prstGeom prst="straightConnector1">
+            <a:avLst/>
+          </a:prstGeom>
+          <a:ln w="38100">
+            <a:tailEnd type="triangle"/>
+          </a:ln>
+        </p:spPr>
+        <p:style>
+          <a:lnRef idx="1">
+            <a:schemeClr val="accent1"/>
+          </a:lnRef>
+          <a:fillRef idx="0">
+            <a:schemeClr val="accent1"/>
+          </a:fillRef>
+          <a:effectRef idx="0">
+            <a:schemeClr val="accent1"/>
+          </a:effectRef>
+          <a:fontRef idx="minor">
+            <a:schemeClr val="tx1"/>
+          </a:fontRef>
+        </p:style>
+      </p:cxnSp>
+      <p:cxnSp>
+        <p:nvCxnSpPr>
+          <p:cNvPr id="18" name="직선 화살표 연결선 17"/>
+          <p:cNvCxnSpPr/>
+          <p:nvPr/>
+        </p:nvCxnSpPr>
+        <p:spPr>
+          <a:xfrm>
+            <a:off x="7126983" y="4445998"/>
+            <a:ext cx="0" cy="360000"/>
+          </a:xfrm>
+          <a:prstGeom prst="straightConnector1">
+            <a:avLst/>
+          </a:prstGeom>
+          <a:ln w="38100">
+            <a:tailEnd type="triangle"/>
+          </a:ln>
+        </p:spPr>
+        <p:style>
+          <a:lnRef idx="1">
+            <a:schemeClr val="accent1"/>
+          </a:lnRef>
+          <a:fillRef idx="0">
+            <a:schemeClr val="accent1"/>
+          </a:fillRef>
+          <a:effectRef idx="0">
+            <a:schemeClr val="accent1"/>
+          </a:effectRef>
+          <a:fontRef idx="minor">
+            <a:schemeClr val="tx1"/>
+          </a:fontRef>
+        </p:style>
+      </p:cxnSp>
+      <p:cxnSp>
+        <p:nvCxnSpPr>
+          <p:cNvPr id="20" name="꺾인 연결선 19"/>
+          <p:cNvCxnSpPr/>
+          <p:nvPr/>
+        </p:nvCxnSpPr>
+        <p:spPr>
+          <a:xfrm rot="5400000" flipH="1" flipV="1">
+            <a:off x="2733797" y="2070505"/>
+            <a:ext cx="5832000" cy="2880000"/>
+          </a:xfrm>
+          <a:prstGeom prst="bentConnector5">
+            <a:avLst>
+              <a:gd name="adj1" fmla="val -3739"/>
+              <a:gd name="adj2" fmla="val 49891"/>
+              <a:gd name="adj3" fmla="val 103939"/>
+            </a:avLst>
+          </a:prstGeom>
+          <a:ln w="38100">
+            <a:tailEnd type="triangle"/>
+          </a:ln>
+        </p:spPr>
+        <p:style>
+          <a:lnRef idx="1">
+            <a:schemeClr val="accent1"/>
+          </a:lnRef>
+          <a:fillRef idx="0">
+            <a:schemeClr val="accent1"/>
+          </a:fillRef>
+          <a:effectRef idx="0">
+            <a:schemeClr val="accent1"/>
+          </a:effectRef>
+          <a:fontRef idx="minor">
+            <a:schemeClr val="tx1"/>
+          </a:fontRef>
+        </p:style>
+      </p:cxnSp>
+      <p:cxnSp>
+        <p:nvCxnSpPr>
+          <p:cNvPr id="22" name="직선 화살표 연결선 21"/>
+          <p:cNvCxnSpPr/>
+          <p:nvPr/>
+        </p:nvCxnSpPr>
+        <p:spPr>
+          <a:xfrm>
+            <a:off x="7135208" y="5348342"/>
+            <a:ext cx="0" cy="360000"/>
+          </a:xfrm>
+          <a:prstGeom prst="straightConnector1">
+            <a:avLst/>
+          </a:prstGeom>
+          <a:ln w="38100">
+            <a:tailEnd type="triangle"/>
+          </a:ln>
+        </p:spPr>
+        <p:style>
+          <a:lnRef idx="1">
+            <a:schemeClr val="accent1"/>
+          </a:lnRef>
+          <a:fillRef idx="0">
+            <a:schemeClr val="accent1"/>
+          </a:fillRef>
+          <a:effectRef idx="0">
+            <a:schemeClr val="accent1"/>
+          </a:effectRef>
+          <a:fontRef idx="minor">
+            <a:schemeClr val="tx1"/>
+          </a:fontRef>
+        </p:style>
+      </p:cxnSp>
+      <p:cxnSp>
+        <p:nvCxnSpPr>
+          <p:cNvPr id="23" name="직선 화살표 연결선 22"/>
+          <p:cNvCxnSpPr/>
+          <p:nvPr/>
+        </p:nvCxnSpPr>
+        <p:spPr>
+          <a:xfrm>
+            <a:off x="7113077" y="2884188"/>
+            <a:ext cx="0" cy="360000"/>
+          </a:xfrm>
+          <a:prstGeom prst="straightConnector1">
+            <a:avLst/>
+          </a:prstGeom>
+          <a:ln w="38100">
+            <a:tailEnd type="triangle"/>
+          </a:ln>
+        </p:spPr>
+        <p:style>
+          <a:lnRef idx="1">
+            <a:schemeClr val="accent1"/>
+          </a:lnRef>
+          <a:fillRef idx="0">
+            <a:schemeClr val="accent1"/>
+          </a:fillRef>
+          <a:effectRef idx="0">
+            <a:schemeClr val="accent1"/>
+          </a:effectRef>
+          <a:fontRef idx="minor">
+            <a:schemeClr val="tx1"/>
+          </a:fontRef>
+        </p:style>
+      </p:cxnSp>
+      <p:sp>
+        <p:nvSpPr>
+          <p:cNvPr id="31" name="순서도: 처리 30"/>
+          <p:cNvSpPr/>
+          <p:nvPr/>
+        </p:nvSpPr>
+        <p:spPr>
+          <a:xfrm>
+            <a:off x="8729244" y="917273"/>
+            <a:ext cx="1436100" cy="561394"/>
+          </a:xfrm>
+          <a:prstGeom prst="flowChartProcess">
+            <a:avLst/>
+          </a:prstGeom>
+        </p:spPr>
+        <p:style>
+          <a:lnRef idx="2">
+            <a:schemeClr val="accent1">
+              <a:shade val="50000"/>
+            </a:schemeClr>
+          </a:lnRef>
+          <a:fillRef idx="1">
+            <a:schemeClr val="accent1"/>
+          </a:fillRef>
+          <a:effectRef idx="0">
+            <a:schemeClr val="accent1"/>
+          </a:effectRef>
+          <a:fontRef idx="minor">
+            <a:schemeClr val="lt1"/>
+          </a:fontRef>
+        </p:style>
+        <p:txBody>
+          <a:bodyPr rtlCol="0" anchor="ctr"/>
+          <a:lstStyle/>
+          <a:p>
+            <a:pPr algn="ctr"/>
+            <a:r>
+              <a:rPr lang="ko-KR" altLang="en-US" sz="1400" dirty="0" smtClean="0"/>
+              <a:t>디렉토리 </a:t>
+            </a:r>
+            <a:r>
+              <a:rPr lang="ko-KR" altLang="en-US" sz="1400" b="1" dirty="0" smtClean="0"/>
+              <a:t>생성</a:t>
+            </a:r>
+            <a:endParaRPr lang="ko-KR" altLang="en-US" sz="1400" b="1" dirty="0"/>
+          </a:p>
+        </p:txBody>
+      </p:sp>
+      <p:cxnSp>
+        <p:nvCxnSpPr>
+          <p:cNvPr id="33" name="꺾인 연결선 32"/>
+          <p:cNvCxnSpPr/>
+          <p:nvPr/>
+        </p:nvCxnSpPr>
+        <p:spPr>
+          <a:xfrm rot="5400000">
+            <a:off x="7982270" y="597947"/>
+            <a:ext cx="450308" cy="2196000"/>
+          </a:xfrm>
+          <a:prstGeom prst="bentConnector2">
+            <a:avLst/>
+          </a:prstGeom>
+          <a:ln w="38100">
+            <a:tailEnd type="triangle"/>
+          </a:ln>
+        </p:spPr>
+        <p:style>
+          <a:lnRef idx="1">
+            <a:schemeClr val="accent1"/>
+          </a:lnRef>
+          <a:fillRef idx="0">
+            <a:schemeClr val="accent1"/>
+          </a:fillRef>
+          <a:effectRef idx="0">
+            <a:schemeClr val="accent1"/>
+          </a:effectRef>
+          <a:fontRef idx="minor">
+            <a:schemeClr val="tx1"/>
+          </a:fontRef>
+        </p:style>
+      </p:cxnSp>
+      <p:sp>
+        <p:nvSpPr>
+          <p:cNvPr id="25" name="순서도: 판단 24"/>
+          <p:cNvSpPr/>
+          <p:nvPr/>
+        </p:nvSpPr>
+        <p:spPr>
+          <a:xfrm>
+            <a:off x="5812671" y="598301"/>
+            <a:ext cx="2580334" cy="1236936"/>
+          </a:xfrm>
+          <a:prstGeom prst="flowChartDecision">
+            <a:avLst/>
+          </a:prstGeom>
+        </p:spPr>
+        <p:style>
+          <a:lnRef idx="2">
+            <a:schemeClr val="accent1">
+              <a:shade val="50000"/>
+            </a:schemeClr>
+          </a:lnRef>
+          <a:fillRef idx="1">
+            <a:schemeClr val="accent1"/>
+          </a:fillRef>
+          <a:effectRef idx="0">
+            <a:schemeClr val="accent1"/>
+          </a:effectRef>
+          <a:fontRef idx="minor">
+            <a:schemeClr val="lt1"/>
+          </a:fontRef>
+        </p:style>
+        <p:txBody>
+          <a:bodyPr rtlCol="0" anchor="ctr"/>
+          <a:lstStyle/>
+          <a:p>
+            <a:pPr algn="ctr"/>
+            <a:r>
+              <a:rPr lang="ko-KR" altLang="en-US" sz="1400" dirty="0"/>
+              <a:t>원본 저장 </a:t>
+            </a:r>
+            <a:endParaRPr lang="en-US" altLang="ko-KR" sz="1400" dirty="0"/>
+          </a:p>
+          <a:p>
+            <a:pPr algn="ctr"/>
+            <a:r>
+              <a:rPr lang="ko-KR" altLang="en-US" sz="1400" dirty="0"/>
+              <a:t>디렉토리가 존재하는가</a:t>
+            </a:r>
+            <a:r>
+              <a:rPr lang="en-US" altLang="ko-KR" sz="1400" dirty="0" smtClean="0"/>
+              <a:t>?</a:t>
+            </a:r>
+            <a:endParaRPr lang="ko-KR" altLang="en-US" sz="1400" dirty="0"/>
+          </a:p>
+        </p:txBody>
+      </p:sp>
+      <p:cxnSp>
+        <p:nvCxnSpPr>
+          <p:cNvPr id="28" name="직선 화살표 연결선 27"/>
+          <p:cNvCxnSpPr/>
+          <p:nvPr/>
+        </p:nvCxnSpPr>
+        <p:spPr>
+          <a:xfrm>
+            <a:off x="7113077" y="1803589"/>
+            <a:ext cx="0" cy="468000"/>
+          </a:xfrm>
+          <a:prstGeom prst="straightConnector1">
+            <a:avLst/>
+          </a:prstGeom>
+          <a:ln w="38100">
+            <a:tailEnd type="triangle"/>
+          </a:ln>
+        </p:spPr>
+        <p:style>
+          <a:lnRef idx="1">
+            <a:schemeClr val="accent1"/>
+          </a:lnRef>
+          <a:fillRef idx="0">
+            <a:schemeClr val="accent1"/>
+          </a:fillRef>
+          <a:effectRef idx="0">
+            <a:schemeClr val="accent1"/>
+          </a:effectRef>
+          <a:fontRef idx="minor">
+            <a:schemeClr val="tx1"/>
+          </a:fontRef>
+        </p:style>
+      </p:cxnSp>
+      <p:cxnSp>
+        <p:nvCxnSpPr>
+          <p:cNvPr id="32" name="꺾인 연결선 31"/>
+          <p:cNvCxnSpPr/>
+          <p:nvPr/>
+        </p:nvCxnSpPr>
+        <p:spPr>
+          <a:xfrm rot="10800000" flipH="1">
+            <a:off x="2915077" y="1598981"/>
+            <a:ext cx="324000" cy="2736000"/>
+          </a:xfrm>
+          <a:prstGeom prst="bentConnector3">
+            <a:avLst>
+              <a:gd name="adj1" fmla="val -104335"/>
+            </a:avLst>
+          </a:prstGeom>
+          <a:ln w="38100">
+            <a:tailEnd type="triangle"/>
+          </a:ln>
+        </p:spPr>
+        <p:style>
+          <a:lnRef idx="1">
+            <a:schemeClr val="accent1"/>
+          </a:lnRef>
+          <a:fillRef idx="0">
+            <a:schemeClr val="accent1"/>
+          </a:fillRef>
+          <a:effectRef idx="0">
+            <a:schemeClr val="accent1"/>
+          </a:effectRef>
+          <a:fontRef idx="minor">
+            <a:schemeClr val="tx1"/>
+          </a:fontRef>
+        </p:style>
+      </p:cxnSp>
+      <p:cxnSp>
+        <p:nvCxnSpPr>
+          <p:cNvPr id="35" name="직선 화살표 연결선 34"/>
+          <p:cNvCxnSpPr/>
+          <p:nvPr/>
+        </p:nvCxnSpPr>
+        <p:spPr>
+          <a:xfrm rot="-5340000">
+            <a:off x="8568981" y="1030637"/>
+            <a:ext cx="0" cy="360000"/>
+          </a:xfrm>
+          <a:prstGeom prst="straightConnector1">
+            <a:avLst/>
+          </a:prstGeom>
+          <a:ln w="38100">
+            <a:tailEnd type="triangle"/>
+          </a:ln>
+        </p:spPr>
+        <p:style>
+          <a:lnRef idx="1">
+            <a:schemeClr val="accent1"/>
+          </a:lnRef>
+          <a:fillRef idx="0">
+            <a:schemeClr val="accent1"/>
+          </a:fillRef>
+          <a:effectRef idx="0">
+            <a:schemeClr val="accent1"/>
+          </a:effectRef>
+          <a:fontRef idx="minor">
+            <a:schemeClr val="tx1"/>
+          </a:fontRef>
+        </p:style>
+      </p:cxnSp>
+      <p:sp>
+        <p:nvSpPr>
+          <p:cNvPr id="36" name="순서도: 문서 35"/>
+          <p:cNvSpPr/>
+          <p:nvPr/>
+        </p:nvSpPr>
+        <p:spPr>
+          <a:xfrm>
+            <a:off x="6263753" y="5705136"/>
+            <a:ext cx="1799420" cy="757983"/>
+          </a:xfrm>
+          <a:prstGeom prst="flowChartDocument">
+            <a:avLst/>
+          </a:prstGeom>
+        </p:spPr>
+        <p:style>
+          <a:lnRef idx="2">
+            <a:schemeClr val="accent1">
+              <a:shade val="50000"/>
+            </a:schemeClr>
+          </a:lnRef>
+          <a:fillRef idx="1">
+            <a:schemeClr val="accent1"/>
+          </a:fillRef>
+          <a:effectRef idx="0">
+            <a:schemeClr val="accent1"/>
+          </a:effectRef>
+          <a:fontRef idx="minor">
+            <a:schemeClr val="lt1"/>
+          </a:fontRef>
+        </p:style>
+        <p:txBody>
+          <a:bodyPr rtlCol="0" anchor="ctr"/>
+          <a:lstStyle/>
+          <a:p>
+            <a:pPr algn="ctr"/>
+            <a:r>
+              <a:rPr lang="ko-KR" altLang="en-US" sz="1400" dirty="0" smtClean="0"/>
+              <a:t> </a:t>
+            </a:r>
+            <a:r>
+              <a:rPr lang="en-US" altLang="ko-KR" sz="1400" dirty="0"/>
+              <a:t>h</a:t>
+            </a:r>
+            <a:r>
+              <a:rPr lang="en-US" altLang="ko-KR" sz="1400" dirty="0" smtClean="0"/>
+              <a:t>264 codec</a:t>
+            </a:r>
+            <a:r>
+              <a:rPr lang="ko-KR" altLang="en-US" sz="1400" dirty="0" smtClean="0"/>
+              <a:t>인 </a:t>
+            </a:r>
+            <a:endParaRPr lang="en-US" altLang="ko-KR" sz="1400" dirty="0" smtClean="0"/>
+          </a:p>
+          <a:p>
+            <a:pPr algn="ctr"/>
+            <a:r>
+              <a:rPr lang="en-US" altLang="ko-KR" sz="1400" dirty="0" smtClean="0"/>
+              <a:t>mp4 </a:t>
+            </a:r>
+            <a:r>
+              <a:rPr lang="ko-KR" altLang="en-US" sz="1400" dirty="0" smtClean="0"/>
+              <a:t>영상</a:t>
+            </a:r>
+            <a:r>
+              <a:rPr lang="ko-KR" altLang="en-US" sz="1400" dirty="0" smtClean="0"/>
+              <a:t> </a:t>
+            </a:r>
+            <a:r>
+              <a:rPr lang="ko-KR" altLang="en-US" sz="1400" dirty="0" smtClean="0"/>
+              <a:t>저장</a:t>
+            </a:r>
+            <a:endParaRPr lang="ko-KR" altLang="en-US" dirty="0"/>
+          </a:p>
+        </p:txBody>
+      </p:sp>
+      <p:sp>
+        <p:nvSpPr>
+          <p:cNvPr id="34" name="TextBox 33"/>
+          <p:cNvSpPr txBox="1"/>
+          <p:nvPr/>
+        </p:nvSpPr>
+        <p:spPr>
+          <a:xfrm>
+            <a:off x="8144934" y="814079"/>
+            <a:ext cx="806335" cy="369332"/>
+          </a:xfrm>
+          <a:prstGeom prst="rect">
+            <a:avLst/>
+          </a:prstGeom>
+          <a:noFill/>
+        </p:spPr>
+        <p:txBody>
+          <a:bodyPr wrap="square" rtlCol="0">
+            <a:spAutoFit/>
+          </a:bodyPr>
+          <a:lstStyle/>
+          <a:p>
+            <a:r>
+              <a:rPr lang="en-US" altLang="ko-KR" b="1" dirty="0" smtClean="0"/>
+              <a:t>NO</a:t>
+            </a:r>
+            <a:endParaRPr lang="ko-KR" altLang="en-US" b="1" dirty="0"/>
+          </a:p>
+        </p:txBody>
+      </p:sp>
+      <p:sp>
+        <p:nvSpPr>
+          <p:cNvPr id="39" name="TextBox 38"/>
+          <p:cNvSpPr txBox="1"/>
+          <p:nvPr/>
+        </p:nvSpPr>
+        <p:spPr>
+          <a:xfrm>
+            <a:off x="6509641" y="1696707"/>
+            <a:ext cx="644891" cy="369332"/>
+          </a:xfrm>
+          <a:prstGeom prst="rect">
+            <a:avLst/>
+          </a:prstGeom>
+          <a:noFill/>
+        </p:spPr>
+        <p:txBody>
+          <a:bodyPr wrap="square" rtlCol="0">
+            <a:spAutoFit/>
+          </a:bodyPr>
+          <a:lstStyle/>
+          <a:p>
+            <a:r>
+              <a:rPr lang="en-US" altLang="ko-KR" b="1" dirty="0" smtClean="0"/>
+              <a:t>YES</a:t>
+            </a:r>
+            <a:endParaRPr lang="ko-KR" altLang="en-US" b="1" dirty="0"/>
+          </a:p>
+        </p:txBody>
+      </p:sp>
+      <p:sp>
+        <p:nvSpPr>
+          <p:cNvPr id="43" name="순서도: 처리 42"/>
+          <p:cNvSpPr/>
+          <p:nvPr/>
+        </p:nvSpPr>
+        <p:spPr>
+          <a:xfrm>
+            <a:off x="6254461" y="2250459"/>
+            <a:ext cx="1863206" cy="626749"/>
+          </a:xfrm>
+          <a:prstGeom prst="flowChartProcess">
+            <a:avLst/>
+          </a:prstGeom>
+        </p:spPr>
+        <p:style>
+          <a:lnRef idx="2">
+            <a:schemeClr val="accent1">
+              <a:shade val="50000"/>
+            </a:schemeClr>
+          </a:lnRef>
+          <a:fillRef idx="1">
+            <a:schemeClr val="accent1"/>
+          </a:fillRef>
+          <a:effectRef idx="0">
+            <a:schemeClr val="accent1"/>
+          </a:effectRef>
+          <a:fontRef idx="minor">
+            <a:schemeClr val="lt1"/>
+          </a:fontRef>
+        </p:style>
+        <p:txBody>
+          <a:bodyPr rtlCol="0" anchor="ctr"/>
+          <a:lstStyle/>
+          <a:p>
+            <a:pPr algn="ctr"/>
+            <a:r>
+              <a:rPr lang="en-US" altLang="ko-KR" sz="1400" dirty="0"/>
+              <a:t>String file name = </a:t>
+            </a:r>
+          </a:p>
+          <a:p>
+            <a:pPr algn="ctr"/>
+            <a:r>
+              <a:rPr lang="en-US" altLang="ko-KR" sz="1400" dirty="0"/>
+              <a:t>{ random number }</a:t>
+            </a:r>
+            <a:endParaRPr lang="ko-KR" altLang="en-US" sz="1400" dirty="0"/>
+          </a:p>
+        </p:txBody>
+      </p:sp>
+      <p:sp>
+        <p:nvSpPr>
+          <p:cNvPr id="44" name="순서도: 판단 43"/>
+          <p:cNvSpPr/>
+          <p:nvPr/>
+        </p:nvSpPr>
+        <p:spPr>
+          <a:xfrm>
+            <a:off x="2884023" y="2208897"/>
+            <a:ext cx="2580334" cy="1236936"/>
+          </a:xfrm>
+          <a:prstGeom prst="flowChartDecision">
+            <a:avLst/>
+          </a:prstGeom>
+        </p:spPr>
+        <p:style>
+          <a:lnRef idx="2">
+            <a:schemeClr val="accent1">
+              <a:shade val="50000"/>
+            </a:schemeClr>
+          </a:lnRef>
+          <a:fillRef idx="1">
+            <a:schemeClr val="accent1"/>
+          </a:fillRef>
+          <a:effectRef idx="0">
+            <a:schemeClr val="accent1"/>
+          </a:effectRef>
+          <a:fontRef idx="minor">
+            <a:schemeClr val="lt1"/>
+          </a:fontRef>
+        </p:style>
+        <p:txBody>
+          <a:bodyPr rtlCol="0" anchor="ctr"/>
+          <a:lstStyle/>
+          <a:p>
+            <a:pPr algn="ctr"/>
+            <a:r>
+              <a:rPr lang="en-US" altLang="ko-KR" sz="1400" dirty="0" smtClean="0"/>
+              <a:t>Request</a:t>
+            </a:r>
+            <a:r>
+              <a:rPr lang="ko-KR" altLang="en-US" sz="1400" dirty="0"/>
+              <a:t> </a:t>
+            </a:r>
+            <a:r>
+              <a:rPr lang="ko-KR" altLang="en-US" sz="1400" dirty="0" smtClean="0"/>
+              <a:t> </a:t>
+            </a:r>
+            <a:endParaRPr lang="en-US" altLang="ko-KR" sz="1400" dirty="0" smtClean="0"/>
+          </a:p>
+          <a:p>
+            <a:pPr algn="ctr"/>
+            <a:r>
+              <a:rPr lang="ko-KR" altLang="en-US" sz="1400" dirty="0" smtClean="0"/>
+              <a:t>데이터에 </a:t>
+            </a:r>
+            <a:endParaRPr lang="en-US" altLang="ko-KR" sz="1400" dirty="0" smtClean="0"/>
+          </a:p>
+          <a:p>
+            <a:pPr algn="ctr"/>
+            <a:r>
+              <a:rPr lang="en-US" altLang="ko-KR" sz="1400" dirty="0" smtClean="0"/>
+              <a:t>Files</a:t>
+            </a:r>
+            <a:r>
+              <a:rPr lang="ko-KR" altLang="en-US" sz="1400" dirty="0" smtClean="0"/>
+              <a:t>이 존재하는가</a:t>
+            </a:r>
+            <a:r>
+              <a:rPr lang="en-US" altLang="ko-KR" sz="1400" dirty="0" smtClean="0"/>
+              <a:t>?</a:t>
+            </a:r>
+            <a:endParaRPr lang="ko-KR" altLang="en-US" sz="1400" dirty="0"/>
+          </a:p>
+        </p:txBody>
+      </p:sp>
+      <p:sp>
+        <p:nvSpPr>
+          <p:cNvPr id="47" name="순서도: 판단 46"/>
+          <p:cNvSpPr/>
+          <p:nvPr/>
+        </p:nvSpPr>
+        <p:spPr>
+          <a:xfrm>
+            <a:off x="2895725" y="3726038"/>
+            <a:ext cx="2580334" cy="1236936"/>
+          </a:xfrm>
+          <a:prstGeom prst="flowChartDecision">
+            <a:avLst/>
+          </a:prstGeom>
+        </p:spPr>
+        <p:style>
+          <a:lnRef idx="2">
+            <a:schemeClr val="accent1">
+              <a:shade val="50000"/>
+            </a:schemeClr>
+          </a:lnRef>
+          <a:fillRef idx="1">
+            <a:schemeClr val="accent1"/>
+          </a:fillRef>
+          <a:effectRef idx="0">
+            <a:schemeClr val="accent1"/>
+          </a:effectRef>
+          <a:fontRef idx="minor">
+            <a:schemeClr val="lt1"/>
+          </a:fontRef>
+        </p:style>
+        <p:txBody>
+          <a:bodyPr rtlCol="0" anchor="ctr"/>
+          <a:lstStyle/>
+          <a:p>
+            <a:pPr algn="ctr"/>
+            <a:r>
+              <a:rPr lang="en-US" altLang="ko-KR" sz="1400" dirty="0" smtClean="0"/>
+              <a:t>Request</a:t>
+            </a:r>
+            <a:r>
+              <a:rPr lang="ko-KR" altLang="en-US" sz="1400" dirty="0" smtClean="0"/>
+              <a:t>  </a:t>
+            </a:r>
+            <a:endParaRPr lang="en-US" altLang="ko-KR" sz="1400" dirty="0"/>
+          </a:p>
+          <a:p>
+            <a:pPr algn="ctr"/>
+            <a:r>
+              <a:rPr lang="ko-KR" altLang="en-US" sz="1400" dirty="0"/>
+              <a:t>데이터에 </a:t>
+            </a:r>
+            <a:endParaRPr lang="en-US" altLang="ko-KR" sz="1400" dirty="0"/>
+          </a:p>
+          <a:p>
+            <a:pPr algn="ctr"/>
+            <a:r>
+              <a:rPr lang="en-US" altLang="ko-KR" sz="1400" dirty="0" smtClean="0"/>
+              <a:t> file name</a:t>
+            </a:r>
+            <a:r>
+              <a:rPr lang="ko-KR" altLang="en-US" sz="1400" dirty="0" smtClean="0"/>
+              <a:t>이 존재하는가</a:t>
+            </a:r>
+            <a:r>
+              <a:rPr lang="en-US" altLang="ko-KR" sz="1400" dirty="0" smtClean="0"/>
+              <a:t>?</a:t>
+            </a:r>
+            <a:endParaRPr lang="ko-KR" altLang="en-US" sz="1400" dirty="0"/>
+          </a:p>
+        </p:txBody>
+      </p:sp>
+      <p:cxnSp>
+        <p:nvCxnSpPr>
+          <p:cNvPr id="48" name="직선 화살표 연결선 47"/>
+          <p:cNvCxnSpPr/>
+          <p:nvPr/>
+        </p:nvCxnSpPr>
+        <p:spPr>
+          <a:xfrm>
+            <a:off x="4181631" y="3460586"/>
+            <a:ext cx="0" cy="288000"/>
+          </a:xfrm>
+          <a:prstGeom prst="straightConnector1">
+            <a:avLst/>
+          </a:prstGeom>
+          <a:ln w="38100">
+            <a:tailEnd type="triangle"/>
+          </a:ln>
+        </p:spPr>
+        <p:style>
+          <a:lnRef idx="1">
+            <a:schemeClr val="accent1"/>
+          </a:lnRef>
+          <a:fillRef idx="0">
+            <a:schemeClr val="accent1"/>
+          </a:fillRef>
+          <a:effectRef idx="0">
+            <a:schemeClr val="accent1"/>
+          </a:effectRef>
+          <a:fontRef idx="minor">
+            <a:schemeClr val="tx1"/>
+          </a:fontRef>
+        </p:style>
+      </p:cxnSp>
+      <p:cxnSp>
+        <p:nvCxnSpPr>
+          <p:cNvPr id="51" name="직선 화살표 연결선 50"/>
+          <p:cNvCxnSpPr/>
+          <p:nvPr/>
+        </p:nvCxnSpPr>
+        <p:spPr>
+          <a:xfrm>
+            <a:off x="4196755" y="4962974"/>
+            <a:ext cx="0" cy="288000"/>
+          </a:xfrm>
+          <a:prstGeom prst="straightConnector1">
+            <a:avLst/>
+          </a:prstGeom>
+          <a:ln w="38100">
+            <a:tailEnd type="triangle"/>
+          </a:ln>
+        </p:spPr>
+        <p:style>
+          <a:lnRef idx="1">
+            <a:schemeClr val="accent1"/>
+          </a:lnRef>
+          <a:fillRef idx="0">
+            <a:schemeClr val="accent1"/>
+          </a:fillRef>
+          <a:effectRef idx="0">
+            <a:schemeClr val="accent1"/>
+          </a:effectRef>
+          <a:fontRef idx="minor">
+            <a:schemeClr val="tx1"/>
+          </a:fontRef>
+        </p:style>
+      </p:cxnSp>
+      <p:cxnSp>
+        <p:nvCxnSpPr>
+          <p:cNvPr id="57" name="꺾인 연결선 56"/>
+          <p:cNvCxnSpPr/>
+          <p:nvPr/>
+        </p:nvCxnSpPr>
+        <p:spPr>
+          <a:xfrm rot="10800000" flipH="1">
+            <a:off x="2955059" y="1717523"/>
+            <a:ext cx="288000" cy="1116000"/>
+          </a:xfrm>
+          <a:prstGeom prst="bentConnector3">
+            <a:avLst>
+              <a:gd name="adj1" fmla="val -73877"/>
+            </a:avLst>
+          </a:prstGeom>
+          <a:ln w="38100">
+            <a:tailEnd type="triangle"/>
+          </a:ln>
+        </p:spPr>
+        <p:style>
+          <a:lnRef idx="1">
+            <a:schemeClr val="accent1"/>
+          </a:lnRef>
+          <a:fillRef idx="0">
+            <a:schemeClr val="accent1"/>
+          </a:fillRef>
+          <a:effectRef idx="0">
+            <a:schemeClr val="accent1"/>
+          </a:effectRef>
+          <a:fontRef idx="minor">
+            <a:schemeClr val="tx1"/>
+          </a:fontRef>
+        </p:style>
+      </p:cxnSp>
+      <p:sp>
+        <p:nvSpPr>
+          <p:cNvPr id="58" name="순서도: 처리 57"/>
+          <p:cNvSpPr/>
+          <p:nvPr/>
+        </p:nvSpPr>
+        <p:spPr>
+          <a:xfrm>
+            <a:off x="3236421" y="1255094"/>
+            <a:ext cx="1863206" cy="626749"/>
+          </a:xfrm>
+          <a:prstGeom prst="flowChartProcess">
+            <a:avLst/>
+          </a:prstGeom>
+        </p:spPr>
+        <p:style>
+          <a:lnRef idx="2">
+            <a:schemeClr val="accent1">
+              <a:shade val="50000"/>
+            </a:schemeClr>
+          </a:lnRef>
+          <a:fillRef idx="1">
+            <a:schemeClr val="accent1"/>
+          </a:fillRef>
+          <a:effectRef idx="0">
+            <a:schemeClr val="accent1"/>
+          </a:effectRef>
+          <a:fontRef idx="minor">
+            <a:schemeClr val="lt1"/>
+          </a:fontRef>
+        </p:style>
+        <p:txBody>
+          <a:bodyPr rtlCol="0" anchor="ctr"/>
+          <a:lstStyle/>
+          <a:p>
+            <a:pPr algn="ctr"/>
+            <a:r>
+              <a:rPr lang="ko-KR" altLang="en-US" sz="1400" dirty="0" smtClean="0"/>
+              <a:t>영상</a:t>
+            </a:r>
+            <a:r>
+              <a:rPr lang="ko-KR" altLang="en-US" sz="1400" dirty="0" smtClean="0"/>
+              <a:t> </a:t>
+            </a:r>
+            <a:r>
+              <a:rPr lang="ko-KR" altLang="en-US" sz="1400" dirty="0" smtClean="0"/>
+              <a:t>업로드 </a:t>
+            </a:r>
+            <a:endParaRPr lang="en-US" altLang="ko-KR" sz="1400" dirty="0" smtClean="0"/>
+          </a:p>
+          <a:p>
+            <a:pPr algn="ctr"/>
+            <a:r>
+              <a:rPr lang="ko-KR" altLang="en-US" sz="1400" dirty="0" smtClean="0"/>
+              <a:t>요청 대기</a:t>
+            </a:r>
+            <a:r>
+              <a:rPr lang="en-US" altLang="ko-KR" sz="1400" dirty="0" smtClean="0"/>
+              <a:t> </a:t>
+            </a:r>
+            <a:endParaRPr lang="ko-KR" altLang="en-US" sz="1400" dirty="0"/>
+          </a:p>
+        </p:txBody>
+      </p:sp>
+      <p:cxnSp>
+        <p:nvCxnSpPr>
+          <p:cNvPr id="60" name="직선 화살표 연결선 59"/>
+          <p:cNvCxnSpPr/>
+          <p:nvPr/>
+        </p:nvCxnSpPr>
+        <p:spPr>
+          <a:xfrm>
+            <a:off x="4184632" y="916769"/>
+            <a:ext cx="0" cy="360000"/>
+          </a:xfrm>
+          <a:prstGeom prst="straightConnector1">
+            <a:avLst/>
+          </a:prstGeom>
+          <a:ln w="38100">
+            <a:tailEnd type="triangle"/>
+          </a:ln>
+        </p:spPr>
+        <p:style>
+          <a:lnRef idx="1">
+            <a:schemeClr val="accent1"/>
+          </a:lnRef>
+          <a:fillRef idx="0">
+            <a:schemeClr val="accent1"/>
+          </a:fillRef>
+          <a:effectRef idx="0">
+            <a:schemeClr val="accent1"/>
+          </a:effectRef>
+          <a:fontRef idx="minor">
+            <a:schemeClr val="tx1"/>
+          </a:fontRef>
+        </p:style>
+      </p:cxnSp>
+      <p:cxnSp>
+        <p:nvCxnSpPr>
+          <p:cNvPr id="64" name="꺾인 연결선 63"/>
+          <p:cNvCxnSpPr/>
+          <p:nvPr/>
+        </p:nvCxnSpPr>
+        <p:spPr>
+          <a:xfrm rot="10800000" flipH="1">
+            <a:off x="2948421" y="1498176"/>
+            <a:ext cx="288000" cy="4356000"/>
+          </a:xfrm>
+          <a:prstGeom prst="bentConnector3">
+            <a:avLst>
+              <a:gd name="adj1" fmla="val -204876"/>
+            </a:avLst>
+          </a:prstGeom>
+          <a:ln w="38100">
+            <a:tailEnd type="triangle"/>
+          </a:ln>
+        </p:spPr>
+        <p:style>
+          <a:lnRef idx="1">
+            <a:schemeClr val="accent1"/>
+          </a:lnRef>
+          <a:fillRef idx="0">
+            <a:schemeClr val="accent1"/>
+          </a:fillRef>
+          <a:effectRef idx="0">
+            <a:schemeClr val="accent1"/>
+          </a:effectRef>
+          <a:fontRef idx="minor">
+            <a:schemeClr val="tx1"/>
+          </a:fontRef>
+        </p:style>
+      </p:cxnSp>
+      <p:sp>
+        <p:nvSpPr>
+          <p:cNvPr id="82" name="TextBox 81"/>
+          <p:cNvSpPr txBox="1"/>
+          <p:nvPr/>
+        </p:nvSpPr>
+        <p:spPr>
+          <a:xfrm>
+            <a:off x="6554300" y="2830328"/>
+            <a:ext cx="644891" cy="369332"/>
+          </a:xfrm>
+          <a:prstGeom prst="rect">
+            <a:avLst/>
+          </a:prstGeom>
+          <a:noFill/>
+        </p:spPr>
+        <p:txBody>
+          <a:bodyPr wrap="square" rtlCol="0">
+            <a:spAutoFit/>
+          </a:bodyPr>
+          <a:lstStyle/>
+          <a:p>
+            <a:r>
+              <a:rPr lang="en-US" altLang="ko-KR" b="1" dirty="0" smtClean="0"/>
+              <a:t>YES</a:t>
+            </a:r>
+            <a:endParaRPr lang="ko-KR" altLang="en-US" b="1" dirty="0"/>
+          </a:p>
+        </p:txBody>
+      </p:sp>
+      <p:cxnSp>
+        <p:nvCxnSpPr>
+          <p:cNvPr id="83" name="꺾인 연결선 82"/>
+          <p:cNvCxnSpPr>
+            <a:stCxn id="8" idx="3"/>
+            <a:endCxn id="43" idx="3"/>
+          </p:cNvCxnSpPr>
+          <p:nvPr/>
+        </p:nvCxnSpPr>
+        <p:spPr>
+          <a:xfrm flipH="1" flipV="1">
+            <a:off x="8117667" y="2563834"/>
+            <a:ext cx="285577" cy="1268244"/>
+          </a:xfrm>
+          <a:prstGeom prst="bentConnector3">
+            <a:avLst>
+              <a:gd name="adj1" fmla="val -143420"/>
+            </a:avLst>
+          </a:prstGeom>
+          <a:ln w="38100">
+            <a:tailEnd type="triangle"/>
+          </a:ln>
+        </p:spPr>
+        <p:style>
+          <a:lnRef idx="1">
+            <a:schemeClr val="accent1"/>
+          </a:lnRef>
+          <a:fillRef idx="0">
+            <a:schemeClr val="accent1"/>
+          </a:fillRef>
+          <a:effectRef idx="0">
+            <a:schemeClr val="accent1"/>
+          </a:effectRef>
+          <a:fontRef idx="minor">
+            <a:schemeClr val="tx1"/>
+          </a:fontRef>
+        </p:style>
+      </p:cxnSp>
+      <p:sp>
+        <p:nvSpPr>
+          <p:cNvPr id="90" name="TextBox 89"/>
+          <p:cNvSpPr txBox="1"/>
+          <p:nvPr/>
+        </p:nvSpPr>
+        <p:spPr>
+          <a:xfrm>
+            <a:off x="8247644" y="3446623"/>
+            <a:ext cx="806335" cy="369332"/>
+          </a:xfrm>
+          <a:prstGeom prst="rect">
+            <a:avLst/>
+          </a:prstGeom>
+          <a:noFill/>
+        </p:spPr>
+        <p:txBody>
+          <a:bodyPr wrap="square" rtlCol="0">
+            <a:spAutoFit/>
+          </a:bodyPr>
+          <a:lstStyle/>
+          <a:p>
+            <a:r>
+              <a:rPr lang="en-US" altLang="ko-KR" b="1" smtClean="0"/>
+              <a:t>YES</a:t>
+            </a:r>
+            <a:endParaRPr lang="ko-KR" altLang="en-US" b="1" dirty="0"/>
+          </a:p>
+        </p:txBody>
+      </p:sp>
+      <p:sp>
+        <p:nvSpPr>
+          <p:cNvPr id="91" name="TextBox 90"/>
+          <p:cNvSpPr txBox="1"/>
+          <p:nvPr/>
+        </p:nvSpPr>
+        <p:spPr>
+          <a:xfrm>
+            <a:off x="6607312" y="4352386"/>
+            <a:ext cx="806335" cy="369332"/>
+          </a:xfrm>
+          <a:prstGeom prst="rect">
+            <a:avLst/>
+          </a:prstGeom>
+          <a:noFill/>
+        </p:spPr>
+        <p:txBody>
+          <a:bodyPr wrap="square" rtlCol="0">
+            <a:spAutoFit/>
+          </a:bodyPr>
+          <a:lstStyle/>
+          <a:p>
+            <a:r>
+              <a:rPr lang="en-US" altLang="ko-KR" b="1" dirty="0" smtClean="0"/>
+              <a:t>NO</a:t>
+            </a:r>
+            <a:endParaRPr lang="ko-KR" altLang="en-US" b="1" dirty="0"/>
+          </a:p>
+        </p:txBody>
+      </p:sp>
+      <p:cxnSp>
+        <p:nvCxnSpPr>
+          <p:cNvPr id="92" name="직선 화살표 연결선 91"/>
+          <p:cNvCxnSpPr/>
+          <p:nvPr/>
+        </p:nvCxnSpPr>
+        <p:spPr>
+          <a:xfrm rot="16200000">
+            <a:off x="8280943" y="5761491"/>
+            <a:ext cx="0" cy="468000"/>
+          </a:xfrm>
+          <a:prstGeom prst="straightConnector1">
+            <a:avLst/>
+          </a:prstGeom>
+          <a:ln w="38100">
+            <a:tailEnd type="triangle"/>
+          </a:ln>
+        </p:spPr>
+        <p:style>
+          <a:lnRef idx="1">
+            <a:schemeClr val="accent1"/>
+          </a:lnRef>
+          <a:fillRef idx="0">
+            <a:schemeClr val="accent1"/>
+          </a:fillRef>
+          <a:effectRef idx="0">
+            <a:schemeClr val="accent1"/>
+          </a:effectRef>
+          <a:fontRef idx="minor">
+            <a:schemeClr val="tx1"/>
+          </a:fontRef>
+        </p:style>
+      </p:cxnSp>
+      <p:sp>
+        <p:nvSpPr>
+          <p:cNvPr id="93" name="TextBox 92"/>
+          <p:cNvSpPr txBox="1"/>
+          <p:nvPr/>
+        </p:nvSpPr>
+        <p:spPr>
+          <a:xfrm>
+            <a:off x="2716686" y="2437813"/>
+            <a:ext cx="806335" cy="369332"/>
+          </a:xfrm>
+          <a:prstGeom prst="rect">
+            <a:avLst/>
+          </a:prstGeom>
+          <a:noFill/>
+        </p:spPr>
+        <p:txBody>
+          <a:bodyPr wrap="square" rtlCol="0">
+            <a:spAutoFit/>
+          </a:bodyPr>
+          <a:lstStyle/>
+          <a:p>
+            <a:r>
+              <a:rPr lang="en-US" altLang="ko-KR" b="1" dirty="0" smtClean="0"/>
+              <a:t>NO</a:t>
+            </a:r>
+            <a:endParaRPr lang="ko-KR" altLang="en-US" b="1" dirty="0"/>
+          </a:p>
+        </p:txBody>
+      </p:sp>
+      <p:sp>
+        <p:nvSpPr>
+          <p:cNvPr id="94" name="TextBox 93"/>
+          <p:cNvSpPr txBox="1"/>
+          <p:nvPr/>
+        </p:nvSpPr>
+        <p:spPr>
+          <a:xfrm>
+            <a:off x="2507418" y="5514179"/>
+            <a:ext cx="806335" cy="369332"/>
+          </a:xfrm>
+          <a:prstGeom prst="rect">
+            <a:avLst/>
+          </a:prstGeom>
+          <a:noFill/>
+        </p:spPr>
+        <p:txBody>
+          <a:bodyPr wrap="square" rtlCol="0">
+            <a:spAutoFit/>
+          </a:bodyPr>
+          <a:lstStyle/>
+          <a:p>
+            <a:r>
+              <a:rPr lang="en-US" altLang="ko-KR" b="1" dirty="0" smtClean="0"/>
+              <a:t>NO</a:t>
+            </a:r>
+            <a:endParaRPr lang="ko-KR" altLang="en-US" b="1" dirty="0"/>
+          </a:p>
+        </p:txBody>
+      </p:sp>
+      <p:sp>
+        <p:nvSpPr>
+          <p:cNvPr id="95" name="TextBox 94"/>
+          <p:cNvSpPr txBox="1"/>
+          <p:nvPr/>
+        </p:nvSpPr>
+        <p:spPr>
+          <a:xfrm>
+            <a:off x="2623272" y="3996975"/>
+            <a:ext cx="806335" cy="369332"/>
+          </a:xfrm>
+          <a:prstGeom prst="rect">
+            <a:avLst/>
+          </a:prstGeom>
+          <a:noFill/>
+        </p:spPr>
+        <p:txBody>
+          <a:bodyPr wrap="square" rtlCol="0">
+            <a:spAutoFit/>
+          </a:bodyPr>
+          <a:lstStyle/>
+          <a:p>
+            <a:r>
+              <a:rPr lang="en-US" altLang="ko-KR" b="1" dirty="0" smtClean="0"/>
+              <a:t>NO</a:t>
+            </a:r>
+            <a:endParaRPr lang="ko-KR" altLang="en-US" b="1" dirty="0"/>
+          </a:p>
+        </p:txBody>
+      </p:sp>
+      <p:sp>
+        <p:nvSpPr>
+          <p:cNvPr id="96" name="TextBox 95"/>
+          <p:cNvSpPr txBox="1"/>
+          <p:nvPr/>
+        </p:nvSpPr>
+        <p:spPr>
+          <a:xfrm>
+            <a:off x="4157639" y="3405061"/>
+            <a:ext cx="806335" cy="369332"/>
+          </a:xfrm>
+          <a:prstGeom prst="rect">
+            <a:avLst/>
+          </a:prstGeom>
+          <a:noFill/>
+        </p:spPr>
+        <p:txBody>
+          <a:bodyPr wrap="square" rtlCol="0">
+            <a:spAutoFit/>
+          </a:bodyPr>
+          <a:lstStyle/>
+          <a:p>
+            <a:r>
+              <a:rPr lang="en-US" altLang="ko-KR" b="1" dirty="0" smtClean="0"/>
+              <a:t>YES</a:t>
+            </a:r>
+            <a:endParaRPr lang="ko-KR" altLang="en-US" b="1" dirty="0"/>
+          </a:p>
+        </p:txBody>
+      </p:sp>
+      <p:sp>
+        <p:nvSpPr>
+          <p:cNvPr id="97" name="TextBox 96"/>
+          <p:cNvSpPr txBox="1"/>
+          <p:nvPr/>
+        </p:nvSpPr>
+        <p:spPr>
+          <a:xfrm>
+            <a:off x="4183193" y="4922308"/>
+            <a:ext cx="806335" cy="369332"/>
+          </a:xfrm>
+          <a:prstGeom prst="rect">
+            <a:avLst/>
+          </a:prstGeom>
+          <a:noFill/>
+        </p:spPr>
+        <p:txBody>
+          <a:bodyPr wrap="square" rtlCol="0">
+            <a:spAutoFit/>
+          </a:bodyPr>
+          <a:lstStyle/>
+          <a:p>
+            <a:r>
+              <a:rPr lang="en-US" altLang="ko-KR" b="1" dirty="0" smtClean="0"/>
+              <a:t>YES</a:t>
+            </a:r>
+            <a:endParaRPr lang="ko-KR" altLang="en-US" b="1" dirty="0"/>
+          </a:p>
+        </p:txBody>
+      </p:sp>
+      <p:sp>
+        <p:nvSpPr>
+          <p:cNvPr id="98" name="TextBox 97"/>
+          <p:cNvSpPr txBox="1"/>
+          <p:nvPr/>
+        </p:nvSpPr>
+        <p:spPr>
+          <a:xfrm>
+            <a:off x="3628772" y="6346545"/>
+            <a:ext cx="806335" cy="369332"/>
+          </a:xfrm>
+          <a:prstGeom prst="rect">
+            <a:avLst/>
+          </a:prstGeom>
+          <a:noFill/>
+        </p:spPr>
+        <p:txBody>
+          <a:bodyPr wrap="square" rtlCol="0">
+            <a:spAutoFit/>
+          </a:bodyPr>
+          <a:lstStyle/>
+          <a:p>
+            <a:r>
+              <a:rPr lang="en-US" altLang="ko-KR" b="1" dirty="0" smtClean="0"/>
+              <a:t>YES</a:t>
+            </a:r>
+            <a:endParaRPr lang="ko-KR" altLang="en-US" b="1" dirty="0"/>
+          </a:p>
+        </p:txBody>
+      </p:sp>
+    </p:spTree>
+    <p:extLst>
+      <p:ext uri="{BB962C8B-B14F-4D97-AF65-F5344CB8AC3E}">
+        <p14:creationId xmlns:p14="http://schemas.microsoft.com/office/powerpoint/2010/main" val="556550433"/>
       </p:ext>
     </p:extLst>
   </p:cSld>

--- a/docs/순서도.pptx
+++ b/docs/순서도.pptx
@@ -215,7 +215,7 @@
           <a:p>
             <a:fld id="{FEBB53FF-EA0C-4AD8-8B3F-CE90C6A3C06E}" type="datetimeFigureOut">
               <a:rPr lang="ko-KR" altLang="en-US" smtClean="0"/>
-              <a:t>2022-07-07</a:t>
+              <a:t>2022-07-08</a:t>
             </a:fld>
             <a:endParaRPr lang="ko-KR" altLang="en-US"/>
           </a:p>
@@ -614,7 +614,7 @@
           <a:p>
             <a:fld id="{89A65DAD-E989-4FB0-8D33-7FCDDB457EB5}" type="datetimeFigureOut">
               <a:rPr lang="ko-KR" altLang="en-US" smtClean="0"/>
-              <a:t>2022-07-07</a:t>
+              <a:t>2022-07-08</a:t>
             </a:fld>
             <a:endParaRPr lang="ko-KR" altLang="en-US"/>
           </a:p>
@@ -784,7 +784,7 @@
           <a:p>
             <a:fld id="{89A65DAD-E989-4FB0-8D33-7FCDDB457EB5}" type="datetimeFigureOut">
               <a:rPr lang="ko-KR" altLang="en-US" smtClean="0"/>
-              <a:t>2022-07-07</a:t>
+              <a:t>2022-07-08</a:t>
             </a:fld>
             <a:endParaRPr lang="ko-KR" altLang="en-US"/>
           </a:p>
@@ -964,7 +964,7 @@
           <a:p>
             <a:fld id="{89A65DAD-E989-4FB0-8D33-7FCDDB457EB5}" type="datetimeFigureOut">
               <a:rPr lang="ko-KR" altLang="en-US" smtClean="0"/>
-              <a:t>2022-07-07</a:t>
+              <a:t>2022-07-08</a:t>
             </a:fld>
             <a:endParaRPr lang="ko-KR" altLang="en-US"/>
           </a:p>
@@ -1134,7 +1134,7 @@
           <a:p>
             <a:fld id="{89A65DAD-E989-4FB0-8D33-7FCDDB457EB5}" type="datetimeFigureOut">
               <a:rPr lang="ko-KR" altLang="en-US" smtClean="0"/>
-              <a:t>2022-07-07</a:t>
+              <a:t>2022-07-08</a:t>
             </a:fld>
             <a:endParaRPr lang="ko-KR" altLang="en-US"/>
           </a:p>
@@ -1380,7 +1380,7 @@
           <a:p>
             <a:fld id="{89A65DAD-E989-4FB0-8D33-7FCDDB457EB5}" type="datetimeFigureOut">
               <a:rPr lang="ko-KR" altLang="en-US" smtClean="0"/>
-              <a:t>2022-07-07</a:t>
+              <a:t>2022-07-08</a:t>
             </a:fld>
             <a:endParaRPr lang="ko-KR" altLang="en-US"/>
           </a:p>
@@ -1612,7 +1612,7 @@
           <a:p>
             <a:fld id="{89A65DAD-E989-4FB0-8D33-7FCDDB457EB5}" type="datetimeFigureOut">
               <a:rPr lang="ko-KR" altLang="en-US" smtClean="0"/>
-              <a:t>2022-07-07</a:t>
+              <a:t>2022-07-08</a:t>
             </a:fld>
             <a:endParaRPr lang="ko-KR" altLang="en-US"/>
           </a:p>
@@ -1979,7 +1979,7 @@
           <a:p>
             <a:fld id="{89A65DAD-E989-4FB0-8D33-7FCDDB457EB5}" type="datetimeFigureOut">
               <a:rPr lang="ko-KR" altLang="en-US" smtClean="0"/>
-              <a:t>2022-07-07</a:t>
+              <a:t>2022-07-08</a:t>
             </a:fld>
             <a:endParaRPr lang="ko-KR" altLang="en-US"/>
           </a:p>
@@ -2097,7 +2097,7 @@
           <a:p>
             <a:fld id="{89A65DAD-E989-4FB0-8D33-7FCDDB457EB5}" type="datetimeFigureOut">
               <a:rPr lang="ko-KR" altLang="en-US" smtClean="0"/>
-              <a:t>2022-07-07</a:t>
+              <a:t>2022-07-08</a:t>
             </a:fld>
             <a:endParaRPr lang="ko-KR" altLang="en-US"/>
           </a:p>
@@ -2192,7 +2192,7 @@
           <a:p>
             <a:fld id="{89A65DAD-E989-4FB0-8D33-7FCDDB457EB5}" type="datetimeFigureOut">
               <a:rPr lang="ko-KR" altLang="en-US" smtClean="0"/>
-              <a:t>2022-07-07</a:t>
+              <a:t>2022-07-08</a:t>
             </a:fld>
             <a:endParaRPr lang="ko-KR" altLang="en-US"/>
           </a:p>
@@ -2469,7 +2469,7 @@
           <a:p>
             <a:fld id="{89A65DAD-E989-4FB0-8D33-7FCDDB457EB5}" type="datetimeFigureOut">
               <a:rPr lang="ko-KR" altLang="en-US" smtClean="0"/>
-              <a:t>2022-07-07</a:t>
+              <a:t>2022-07-08</a:t>
             </a:fld>
             <a:endParaRPr lang="ko-KR" altLang="en-US"/>
           </a:p>
@@ -2722,7 +2722,7 @@
           <a:p>
             <a:fld id="{89A65DAD-E989-4FB0-8D33-7FCDDB457EB5}" type="datetimeFigureOut">
               <a:rPr lang="ko-KR" altLang="en-US" smtClean="0"/>
-              <a:t>2022-07-07</a:t>
+              <a:t>2022-07-08</a:t>
             </a:fld>
             <a:endParaRPr lang="ko-KR" altLang="en-US"/>
           </a:p>
@@ -2935,7 +2935,7 @@
           <a:p>
             <a:fld id="{89A65DAD-E989-4FB0-8D33-7FCDDB457EB5}" type="datetimeFigureOut">
               <a:rPr lang="ko-KR" altLang="en-US" smtClean="0"/>
-              <a:t>2022-07-07</a:t>
+              <a:t>2022-07-08</a:t>
             </a:fld>
             <a:endParaRPr lang="ko-KR" altLang="en-US"/>
           </a:p>
@@ -3348,7 +3348,7 @@
         </p:nvSpPr>
         <p:spPr>
           <a:xfrm>
-            <a:off x="591129" y="553270"/>
+            <a:off x="591129" y="184303"/>
             <a:ext cx="5208780" cy="369332"/>
           </a:xfrm>
           <a:prstGeom prst="rect">
@@ -3382,14 +3382,14 @@
           <p:nvPr>
             <p:extLst>
               <p:ext uri="{D42A27DB-BD31-4B8C-83A1-F6EECF244321}">
-                <p14:modId xmlns:p14="http://schemas.microsoft.com/office/powerpoint/2010/main" val="892821820"/>
+                <p14:modId xmlns:p14="http://schemas.microsoft.com/office/powerpoint/2010/main" val="3393476118"/>
               </p:ext>
             </p:extLst>
           </p:nvPr>
         </p:nvGraphicFramePr>
         <p:xfrm>
-          <a:off x="591129" y="1026236"/>
-          <a:ext cx="10954328" cy="1980233"/>
+          <a:off x="591129" y="553636"/>
+          <a:ext cx="10954328" cy="1640649"/>
         </p:xfrm>
         <a:graphic>
           <a:graphicData uri="http://schemas.openxmlformats.org/drawingml/2006/table">
@@ -3398,21 +3398,21 @@
                 <a:tableStyleId>{5C22544A-7EE6-4342-B048-85BDC9FD1C3A}</a:tableStyleId>
               </a:tblPr>
               <a:tblGrid>
-                <a:gridCol w="2175015">
+                <a:gridCol w="2826326">
                   <a:extLst>
                     <a:ext uri="{9D8B030D-6E8A-4147-A177-3AD203B41FA5}">
                       <a16:colId xmlns:a16="http://schemas.microsoft.com/office/drawing/2014/main" val="1743751497"/>
                     </a:ext>
                   </a:extLst>
                 </a:gridCol>
-                <a:gridCol w="4138693">
+                <a:gridCol w="3676072">
                   <a:extLst>
                     <a:ext uri="{9D8B030D-6E8A-4147-A177-3AD203B41FA5}">
                       <a16:colId xmlns:a16="http://schemas.microsoft.com/office/drawing/2014/main" val="810755831"/>
                     </a:ext>
                   </a:extLst>
                 </a:gridCol>
-                <a:gridCol w="4640620">
+                <a:gridCol w="4451930">
                   <a:extLst>
                     <a:ext uri="{9D8B030D-6E8A-4147-A177-3AD203B41FA5}">
                       <a16:colId xmlns:a16="http://schemas.microsoft.com/office/drawing/2014/main" val="4294028658"/>
@@ -3420,7 +3420,7 @@
                   </a:extLst>
                 </a:gridCol>
               </a:tblGrid>
-              <a:tr h="364390">
+              <a:tr h="325356">
                 <a:tc>
                   <a:txBody>
                     <a:bodyPr/>
@@ -3468,7 +3468,7 @@
                   </a:ext>
                 </a:extLst>
               </a:tr>
-              <a:tr h="608633">
+              <a:tr h="632313">
                 <a:tc>
                   <a:txBody>
                     <a:bodyPr/>
@@ -3612,7 +3612,7 @@
                   </a:ext>
                 </a:extLst>
               </a:tr>
-              <a:tr h="628948">
+              <a:tr h="642576">
                 <a:tc>
                   <a:txBody>
                     <a:bodyPr/>
@@ -3800,6 +3800,87 @@
                   </a:ext>
                 </a:extLst>
               </a:tr>
+            </a:tbl>
+          </a:graphicData>
+        </a:graphic>
+      </p:graphicFrame>
+      <p:sp>
+        <p:nvSpPr>
+          <p:cNvPr id="5" name="TextBox 4"/>
+          <p:cNvSpPr txBox="1"/>
+          <p:nvPr/>
+        </p:nvSpPr>
+        <p:spPr>
+          <a:xfrm>
+            <a:off x="567067" y="3031777"/>
+            <a:ext cx="5208780" cy="369332"/>
+          </a:xfrm>
+          <a:prstGeom prst="rect">
+            <a:avLst/>
+          </a:prstGeom>
+          <a:noFill/>
+        </p:spPr>
+        <p:txBody>
+          <a:bodyPr wrap="square" rtlCol="0">
+            <a:spAutoFit/>
+          </a:bodyPr>
+          <a:lstStyle/>
+          <a:p>
+            <a:r>
+              <a:rPr lang="ko-KR" altLang="en-US" dirty="0" smtClean="0"/>
+              <a:t>지원 형식</a:t>
+            </a:r>
+            <a:endParaRPr lang="en-US" altLang="ko-KR" dirty="0" smtClean="0"/>
+          </a:p>
+        </p:txBody>
+      </p:sp>
+      <p:graphicFrame>
+        <p:nvGraphicFramePr>
+          <p:cNvPr id="6" name="표 5"/>
+          <p:cNvGraphicFramePr>
+            <a:graphicFrameLocks noGrp="1"/>
+          </p:cNvGraphicFramePr>
+          <p:nvPr>
+            <p:extLst>
+              <p:ext uri="{D42A27DB-BD31-4B8C-83A1-F6EECF244321}">
+                <p14:modId xmlns:p14="http://schemas.microsoft.com/office/powerpoint/2010/main" val="841954654"/>
+              </p:ext>
+            </p:extLst>
+          </p:nvPr>
+        </p:nvGraphicFramePr>
+        <p:xfrm>
+          <a:off x="567067" y="3403147"/>
+          <a:ext cx="10954328" cy="1996431"/>
+        </p:xfrm>
+        <a:graphic>
+          <a:graphicData uri="http://schemas.openxmlformats.org/drawingml/2006/table">
+            <a:tbl>
+              <a:tblPr firstRow="1" bandRow="1">
+                <a:tableStyleId>{5C22544A-7EE6-4342-B048-85BDC9FD1C3A}</a:tableStyleId>
+              </a:tblPr>
+              <a:tblGrid>
+                <a:gridCol w="2859624">
+                  <a:extLst>
+                    <a:ext uri="{9D8B030D-6E8A-4147-A177-3AD203B41FA5}">
+                      <a16:colId xmlns:a16="http://schemas.microsoft.com/office/drawing/2014/main" val="1743751497"/>
+                    </a:ext>
+                  </a:extLst>
+                </a:gridCol>
+                <a:gridCol w="3620654">
+                  <a:extLst>
+                    <a:ext uri="{9D8B030D-6E8A-4147-A177-3AD203B41FA5}">
+                      <a16:colId xmlns:a16="http://schemas.microsoft.com/office/drawing/2014/main" val="810755831"/>
+                    </a:ext>
+                  </a:extLst>
+                </a:gridCol>
+                <a:gridCol w="4474050">
+                  <a:extLst>
+                    <a:ext uri="{9D8B030D-6E8A-4147-A177-3AD203B41FA5}">
+                      <a16:colId xmlns:a16="http://schemas.microsoft.com/office/drawing/2014/main" val="4294028658"/>
+                    </a:ext>
+                  </a:extLst>
+                </a:gridCol>
+              </a:tblGrid>
               <a:tr h="364390">
                 <a:tc>
                   <a:txBody>
@@ -3817,8 +3898,49 @@
                     <a:bodyPr/>
                     <a:lstStyle/>
                     <a:p>
-                      <a:pPr latinLnBrk="1"/>
-                      <a:endParaRPr lang="ko-KR" altLang="en-US"/>
+                      <a:pPr algn="ctr" latinLnBrk="1"/>
+                      <a:r>
+                        <a:rPr lang="ko-KR" altLang="en-US" dirty="0" smtClean="0"/>
+                        <a:t>이미지</a:t>
+                      </a:r>
+                      <a:endParaRPr lang="ko-KR" altLang="en-US" dirty="0"/>
+                    </a:p>
+                  </a:txBody>
+                  <a:tcPr/>
+                </a:tc>
+                <a:tc>
+                  <a:txBody>
+                    <a:bodyPr/>
+                    <a:lstStyle/>
+                    <a:p>
+                      <a:pPr algn="ctr" latinLnBrk="1"/>
+                      <a:r>
+                        <a:rPr lang="ko-KR" altLang="en-US" dirty="0" smtClean="0"/>
+                        <a:t>영상</a:t>
+                      </a:r>
+                      <a:endParaRPr lang="ko-KR" altLang="en-US" dirty="0"/>
+                    </a:p>
+                  </a:txBody>
+                  <a:tcPr/>
+                </a:tc>
+                <a:extLst>
+                  <a:ext uri="{0D108BD9-81ED-4DB2-BD59-A6C34878D82A}">
+                    <a16:rowId xmlns:a16="http://schemas.microsoft.com/office/drawing/2014/main" val="2265883726"/>
+                  </a:ext>
+                </a:extLst>
+              </a:tr>
+              <a:tr h="433638">
+                <a:tc>
+                  <a:txBody>
+                    <a:bodyPr/>
+                    <a:lstStyle/>
+                    <a:p>
+                      <a:pPr algn="ctr" latinLnBrk="1"/>
+                      <a:r>
+                        <a:rPr lang="ko-KR" altLang="en-US" dirty="0" smtClean="0"/>
+                        <a:t>업로드 가능한 포맷</a:t>
+                      </a:r>
+                      <a:endParaRPr lang="ko-KR" altLang="en-US" dirty="0"/>
                     </a:p>
                   </a:txBody>
                   <a:tcPr/>
@@ -3829,6 +3951,189 @@
                     <a:lstStyle/>
                     <a:p>
                       <a:pPr latinLnBrk="1"/>
+                      <a:r>
+                        <a:rPr lang="en-US" altLang="ko-KR" dirty="0" smtClean="0"/>
+                        <a:t>jpg, jpeg, </a:t>
+                      </a:r>
+                      <a:r>
+                        <a:rPr lang="en-US" altLang="ko-KR" dirty="0" err="1" smtClean="0"/>
+                        <a:t>png</a:t>
+                      </a:r>
+                      <a:endParaRPr lang="ko-KR" altLang="en-US" dirty="0"/>
+                    </a:p>
+                  </a:txBody>
+                  <a:tcPr/>
+                </a:tc>
+                <a:tc>
+                  <a:txBody>
+                    <a:bodyPr/>
+                    <a:lstStyle/>
+                    <a:p>
+                      <a:pPr marL="0" marR="0" indent="0" algn="l" defTabSz="914400" rtl="0" eaLnBrk="1" fontAlgn="auto" latinLnBrk="1" hangingPunct="1">
+                        <a:lnSpc>
+                          <a:spcPct val="100000"/>
+                        </a:lnSpc>
+                        <a:spcBef>
+                          <a:spcPts val="0"/>
+                        </a:spcBef>
+                        <a:spcAft>
+                          <a:spcPts val="0"/>
+                        </a:spcAft>
+                        <a:buClrTx/>
+                        <a:buSzTx/>
+                        <a:buFontTx/>
+                        <a:buNone/>
+                        <a:tabLst/>
+                        <a:defRPr/>
+                      </a:pPr>
+                      <a:r>
+                        <a:rPr lang="en-US" altLang="ko-KR" dirty="0" smtClean="0"/>
+                        <a:t>mp4, </a:t>
+                      </a:r>
+                      <a:r>
+                        <a:rPr lang="en-US" altLang="ko-KR" dirty="0" err="1" smtClean="0"/>
+                        <a:t>avi</a:t>
+                      </a:r>
+                      <a:r>
+                        <a:rPr lang="en-US" altLang="ko-KR" dirty="0" smtClean="0"/>
+                        <a:t>, </a:t>
+                      </a:r>
+                      <a:r>
+                        <a:rPr lang="en-US" altLang="ko-KR" dirty="0" err="1" smtClean="0"/>
+                        <a:t>mkv</a:t>
+                      </a:r>
+                      <a:r>
+                        <a:rPr lang="en-US" altLang="ko-KR" dirty="0" smtClean="0"/>
+                        <a:t>, </a:t>
+                      </a:r>
+                      <a:r>
+                        <a:rPr lang="en-US" altLang="ko-KR" dirty="0" err="1" smtClean="0"/>
+                        <a:t>webm</a:t>
+                      </a:r>
+                      <a:endParaRPr lang="ko-KR" altLang="en-US" dirty="0" smtClean="0"/>
+                    </a:p>
+                  </a:txBody>
+                  <a:tcPr/>
+                </a:tc>
+                <a:extLst>
+                  <a:ext uri="{0D108BD9-81ED-4DB2-BD59-A6C34878D82A}">
+                    <a16:rowId xmlns:a16="http://schemas.microsoft.com/office/drawing/2014/main" val="2031216518"/>
+                  </a:ext>
+                </a:extLst>
+              </a:tr>
+              <a:tr h="387928">
+                <a:tc>
+                  <a:txBody>
+                    <a:bodyPr/>
+                    <a:lstStyle/>
+                    <a:p>
+                      <a:pPr algn="ctr" latinLnBrk="1"/>
+                      <a:r>
+                        <a:rPr lang="ko-KR" altLang="en-US" dirty="0" smtClean="0"/>
+                        <a:t>업로드 가능한 </a:t>
+                      </a:r>
+                      <a:r>
+                        <a:rPr lang="ko-KR" altLang="en-US" dirty="0" err="1" smtClean="0"/>
+                        <a:t>코덱</a:t>
+                      </a:r>
+                      <a:endParaRPr lang="ko-KR" altLang="en-US" dirty="0"/>
+                    </a:p>
+                  </a:txBody>
+                  <a:tcPr/>
+                </a:tc>
+                <a:tc>
+                  <a:txBody>
+                    <a:bodyPr/>
+                    <a:lstStyle/>
+                    <a:p>
+                      <a:pPr marL="0" marR="0" indent="0" algn="l" defTabSz="914400" rtl="0" eaLnBrk="1" fontAlgn="auto" latinLnBrk="1" hangingPunct="1">
+                        <a:lnSpc>
+                          <a:spcPct val="100000"/>
+                        </a:lnSpc>
+                        <a:spcBef>
+                          <a:spcPts val="0"/>
+                        </a:spcBef>
+                        <a:spcAft>
+                          <a:spcPts val="0"/>
+                        </a:spcAft>
+                        <a:buClrTx/>
+                        <a:buSzTx/>
+                        <a:buFontTx/>
+                        <a:buNone/>
+                        <a:tabLst/>
+                        <a:defRPr/>
+                      </a:pPr>
+                      <a:r>
+                        <a:rPr lang="en-US" altLang="ko-KR" dirty="0" smtClean="0"/>
+                        <a:t>-</a:t>
+                      </a:r>
+                      <a:endParaRPr lang="ko-KR" altLang="en-US" dirty="0" smtClean="0"/>
+                    </a:p>
+                  </a:txBody>
+                  <a:tcPr/>
+                </a:tc>
+                <a:tc>
+                  <a:txBody>
+                    <a:bodyPr/>
+                    <a:lstStyle/>
+                    <a:p>
+                      <a:pPr latinLnBrk="1"/>
+                      <a:r>
+                        <a:rPr lang="en-US" altLang="ko-KR" dirty="0" smtClean="0"/>
+                        <a:t>h264, h265, av1, mpeg, vp8</a:t>
+                      </a:r>
+                      <a:endParaRPr lang="ko-KR" altLang="en-US" dirty="0"/>
+                    </a:p>
+                  </a:txBody>
+                  <a:tcPr/>
+                </a:tc>
+                <a:extLst>
+                  <a:ext uri="{0D108BD9-81ED-4DB2-BD59-A6C34878D82A}">
+                    <a16:rowId xmlns:a16="http://schemas.microsoft.com/office/drawing/2014/main" val="3175459798"/>
+                  </a:ext>
+                </a:extLst>
+              </a:tr>
+              <a:tr h="443345">
+                <a:tc>
+                  <a:txBody>
+                    <a:bodyPr/>
+                    <a:lstStyle/>
+                    <a:p>
+                      <a:pPr algn="ctr" latinLnBrk="1"/>
+                      <a:r>
+                        <a:rPr lang="ko-KR" altLang="en-US" dirty="0" smtClean="0"/>
+                        <a:t>서버에 저장되는 포맷</a:t>
+                      </a:r>
+                      <a:endParaRPr lang="ko-KR" altLang="en-US" dirty="0"/>
+                    </a:p>
+                  </a:txBody>
+                  <a:tcPr/>
+                </a:tc>
+                <a:tc>
+                  <a:txBody>
+                    <a:bodyPr/>
+                    <a:lstStyle/>
+                    <a:p>
+                      <a:pPr latinLnBrk="1"/>
+                      <a:r>
+                        <a:rPr lang="en-US" altLang="ko-KR" dirty="0" smtClean="0"/>
+                        <a:t>jpg</a:t>
+                      </a:r>
+                      <a:endParaRPr lang="ko-KR" altLang="en-US" dirty="0"/>
+                    </a:p>
+                  </a:txBody>
+                  <a:tcPr/>
+                </a:tc>
+                <a:tc>
+                  <a:txBody>
+                    <a:bodyPr/>
+                    <a:lstStyle/>
+                    <a:p>
+                      <a:pPr latinLnBrk="1"/>
+                      <a:r>
+                        <a:rPr lang="en-US" altLang="ko-KR" dirty="0" smtClean="0"/>
+                        <a:t>h264</a:t>
+                      </a:r>
                       <a:endParaRPr lang="ko-KR" altLang="en-US" dirty="0"/>
                     </a:p>
                   </a:txBody>
@@ -3837,6 +4142,62 @@
                 <a:extLst>
                   <a:ext uri="{0D108BD9-81ED-4DB2-BD59-A6C34878D82A}">
                     <a16:rowId xmlns:a16="http://schemas.microsoft.com/office/drawing/2014/main" val="4291496189"/>
+                  </a:ext>
+                </a:extLst>
+              </a:tr>
+              <a:tr h="182880">
+                <a:tc>
+                  <a:txBody>
+                    <a:bodyPr/>
+                    <a:lstStyle/>
+                    <a:p>
+                      <a:pPr algn="ctr" latinLnBrk="1"/>
+                      <a:r>
+                        <a:rPr lang="ko-KR" altLang="en-US" dirty="0" smtClean="0"/>
+                        <a:t>서버에 저장되는 </a:t>
+                      </a:r>
+                      <a:r>
+                        <a:rPr lang="ko-KR" altLang="en-US" dirty="0" err="1" smtClean="0"/>
+                        <a:t>코덱</a:t>
+                      </a:r>
+                      <a:endParaRPr lang="ko-KR" altLang="en-US" dirty="0"/>
+                    </a:p>
+                  </a:txBody>
+                  <a:tcPr/>
+                </a:tc>
+                <a:tc>
+                  <a:txBody>
+                    <a:bodyPr/>
+                    <a:lstStyle/>
+                    <a:p>
+                      <a:pPr latinLnBrk="1"/>
+                      <a:r>
+                        <a:rPr lang="en-US" altLang="ko-KR" dirty="0" smtClean="0"/>
+                        <a:t>-</a:t>
+                      </a:r>
+                      <a:endParaRPr lang="ko-KR" altLang="en-US" dirty="0"/>
+                    </a:p>
+                  </a:txBody>
+                  <a:tcPr/>
+                </a:tc>
+                <a:tc>
+                  <a:txBody>
+                    <a:bodyPr/>
+                    <a:lstStyle/>
+                    <a:p>
+                      <a:pPr latinLnBrk="1"/>
+                      <a:r>
+                        <a:rPr lang="en-US" altLang="ko-KR" dirty="0" smtClean="0"/>
+                        <a:t>mp4</a:t>
+                      </a:r>
+                      <a:endParaRPr lang="ko-KR" altLang="en-US" dirty="0"/>
+                    </a:p>
+                  </a:txBody>
+                  <a:tcPr/>
+                </a:tc>
+                <a:extLst>
+                  <a:ext uri="{0D108BD9-81ED-4DB2-BD59-A6C34878D82A}">
+                    <a16:rowId xmlns:a16="http://schemas.microsoft.com/office/drawing/2014/main" val="2046560962"/>
                   </a:ext>
                 </a:extLst>
               </a:tr>
@@ -4655,11 +5016,7 @@
             <a:pPr algn="ctr"/>
             <a:r>
               <a:rPr lang="ko-KR" altLang="en-US" sz="1400" dirty="0" smtClean="0"/>
-              <a:t>이미지 </a:t>
-            </a:r>
-            <a:r>
-              <a:rPr lang="ko-KR" altLang="en-US" sz="1400" dirty="0" smtClean="0"/>
-              <a:t>저장</a:t>
+              <a:t>이미지 저장</a:t>
             </a:r>
             <a:endParaRPr lang="ko-KR" altLang="en-US" dirty="0"/>
           </a:p>
@@ -5571,15 +5928,7 @@
                   <a:srgbClr val="FF0000"/>
                 </a:solidFill>
               </a:rPr>
-              <a:t>영상 </a:t>
-            </a:r>
-            <a:r>
-              <a:rPr lang="ko-KR" altLang="en-US" dirty="0" smtClean="0">
-                <a:solidFill>
-                  <a:srgbClr val="FF0000"/>
-                </a:solidFill>
-              </a:rPr>
-              <a:t>업로드</a:t>
+              <a:t>영상 업로드</a:t>
             </a:r>
             <a:endParaRPr lang="ko-KR" altLang="en-US" dirty="0">
               <a:solidFill>
@@ -5627,15 +5976,7 @@
             <a:pPr algn="ctr"/>
             <a:r>
               <a:rPr lang="ko-KR" altLang="en-US" sz="1400" dirty="0" smtClean="0"/>
-              <a:t>영상</a:t>
-            </a:r>
-            <a:r>
-              <a:rPr lang="ko-KR" altLang="en-US" sz="1400" dirty="0" smtClean="0"/>
-              <a:t> </a:t>
-            </a:r>
-            <a:r>
-              <a:rPr lang="ko-KR" altLang="en-US" sz="1400" dirty="0" smtClean="0"/>
-              <a:t>업로드</a:t>
+              <a:t>영상 업로드</a:t>
             </a:r>
             <a:endParaRPr lang="ko-KR" altLang="en-US" sz="1400" dirty="0"/>
           </a:p>
@@ -5762,20 +6103,40 @@
               <a:t>파일 형식이 </a:t>
             </a:r>
             <a:r>
-              <a:rPr lang="en-US" altLang="ko-KR" sz="1400" dirty="0" smtClean="0"/>
+              <a:rPr lang="en-US" altLang="ko-KR" sz="1400" dirty="0"/>
               <a:t>mp4, </a:t>
             </a:r>
             <a:r>
-              <a:rPr lang="en-US" altLang="ko-KR" sz="1400" dirty="0" err="1" smtClean="0"/>
+              <a:rPr lang="en-US" altLang="ko-KR" sz="1400" dirty="0" err="1"/>
               <a:t>avi</a:t>
             </a:r>
             <a:r>
-              <a:rPr lang="en-US" altLang="ko-KR" sz="1400" dirty="0" smtClean="0"/>
-              <a:t>, av1 </a:t>
-            </a:r>
+              <a:rPr lang="en-US" altLang="ko-KR" sz="1400" dirty="0"/>
+              <a:t>, </a:t>
+            </a:r>
+            <a:r>
+              <a:rPr lang="en-US" altLang="ko-KR" sz="1400" dirty="0" err="1"/>
+              <a:t>mkv</a:t>
+            </a:r>
+            <a:r>
+              <a:rPr lang="en-US" altLang="ko-KR" sz="1400" dirty="0"/>
+              <a:t>, </a:t>
+            </a:r>
+            <a:r>
+              <a:rPr lang="en-US" altLang="ko-KR" sz="1400" dirty="0" err="1"/>
+              <a:t>webm</a:t>
+            </a:r>
+            <a:endParaRPr lang="ko-KR" altLang="en-US" sz="1400" dirty="0"/>
+          </a:p>
+          <a:p>
+            <a:pPr algn="ctr"/>
             <a:r>
               <a:rPr lang="ko-KR" altLang="en-US" sz="1400" dirty="0" smtClean="0"/>
-              <a:t>중 하나인가</a:t>
+              <a:t>중 </a:t>
+            </a:r>
+            <a:r>
+              <a:rPr lang="ko-KR" altLang="en-US" sz="1400" dirty="0" smtClean="0"/>
+              <a:t>하나인가</a:t>
             </a:r>
             <a:r>
               <a:rPr lang="en-US" altLang="ko-KR" sz="1400" dirty="0" smtClean="0"/>
@@ -5867,11 +6228,7 @@
             <a:pPr algn="ctr"/>
             <a:r>
               <a:rPr lang="ko-KR" altLang="en-US" sz="1400" dirty="0" smtClean="0"/>
-              <a:t>영상 </a:t>
-            </a:r>
-            <a:r>
-              <a:rPr lang="ko-KR" altLang="en-US" sz="1400" dirty="0" smtClean="0"/>
-              <a:t>업로드 종료</a:t>
+              <a:t>영상 업로드 종료</a:t>
             </a:r>
             <a:endParaRPr lang="ko-KR" altLang="en-US" sz="1400" dirty="0"/>
           </a:p>
@@ -6325,36 +6682,12 @@
               <a:t> </a:t>
             </a:r>
             <a:r>
-              <a:rPr lang="en-US" altLang="ko-KR" sz="1400" dirty="0"/>
-              <a:t>h</a:t>
-            </a:r>
-            <a:r>
               <a:rPr lang="en-US" altLang="ko-KR" sz="1400" dirty="0" smtClean="0"/>
-              <a:t>264 codec</a:t>
+              <a:t>h264, mp4 </a:t>
             </a:r>
             <a:r>
               <a:rPr lang="ko-KR" altLang="en-US" sz="1400" dirty="0" smtClean="0"/>
-              <a:t>인 </a:t>
-            </a:r>
-            <a:endParaRPr lang="en-US" altLang="ko-KR" sz="1400" dirty="0" smtClean="0"/>
-          </a:p>
-          <a:p>
-            <a:pPr algn="ctr"/>
-            <a:r>
-              <a:rPr lang="en-US" altLang="ko-KR" sz="1400" dirty="0" smtClean="0"/>
-              <a:t>mp4 </a:t>
-            </a:r>
-            <a:r>
-              <a:rPr lang="ko-KR" altLang="en-US" sz="1400" dirty="0" smtClean="0"/>
-              <a:t>영상</a:t>
-            </a:r>
-            <a:r>
-              <a:rPr lang="ko-KR" altLang="en-US" sz="1400" dirty="0" smtClean="0"/>
-              <a:t> </a:t>
-            </a:r>
-            <a:r>
-              <a:rPr lang="ko-KR" altLang="en-US" sz="1400" dirty="0" smtClean="0"/>
-              <a:t>저장</a:t>
+              <a:t>영상 저장</a:t>
             </a:r>
             <a:endParaRPr lang="ko-KR" altLang="en-US" dirty="0"/>
           </a:p>
@@ -6758,15 +7091,7 @@
             <a:pPr algn="ctr"/>
             <a:r>
               <a:rPr lang="ko-KR" altLang="en-US" sz="1400" dirty="0" smtClean="0"/>
-              <a:t>영상</a:t>
-            </a:r>
-            <a:r>
-              <a:rPr lang="ko-KR" altLang="en-US" sz="1400" dirty="0" smtClean="0"/>
-              <a:t> </a:t>
-            </a:r>
-            <a:r>
-              <a:rPr lang="ko-KR" altLang="en-US" sz="1400" dirty="0" smtClean="0"/>
-              <a:t>업로드 </a:t>
+              <a:t>영상 업로드 </a:t>
             </a:r>
             <a:endParaRPr lang="en-US" altLang="ko-KR" sz="1400" dirty="0" smtClean="0"/>
           </a:p>

--- a/docs/순서도.pptx
+++ b/docs/순서도.pptx
@@ -215,7 +215,7 @@
           <a:p>
             <a:fld id="{FEBB53FF-EA0C-4AD8-8B3F-CE90C6A3C06E}" type="datetimeFigureOut">
               <a:rPr lang="ko-KR" altLang="en-US" smtClean="0"/>
-              <a:t>2022-07-08</a:t>
+              <a:t>2022-07-12</a:t>
             </a:fld>
             <a:endParaRPr lang="ko-KR" altLang="en-US"/>
           </a:p>
@@ -614,7 +614,7 @@
           <a:p>
             <a:fld id="{89A65DAD-E989-4FB0-8D33-7FCDDB457EB5}" type="datetimeFigureOut">
               <a:rPr lang="ko-KR" altLang="en-US" smtClean="0"/>
-              <a:t>2022-07-08</a:t>
+              <a:t>2022-07-12</a:t>
             </a:fld>
             <a:endParaRPr lang="ko-KR" altLang="en-US"/>
           </a:p>
@@ -784,7 +784,7 @@
           <a:p>
             <a:fld id="{89A65DAD-E989-4FB0-8D33-7FCDDB457EB5}" type="datetimeFigureOut">
               <a:rPr lang="ko-KR" altLang="en-US" smtClean="0"/>
-              <a:t>2022-07-08</a:t>
+              <a:t>2022-07-12</a:t>
             </a:fld>
             <a:endParaRPr lang="ko-KR" altLang="en-US"/>
           </a:p>
@@ -964,7 +964,7 @@
           <a:p>
             <a:fld id="{89A65DAD-E989-4FB0-8D33-7FCDDB457EB5}" type="datetimeFigureOut">
               <a:rPr lang="ko-KR" altLang="en-US" smtClean="0"/>
-              <a:t>2022-07-08</a:t>
+              <a:t>2022-07-12</a:t>
             </a:fld>
             <a:endParaRPr lang="ko-KR" altLang="en-US"/>
           </a:p>
@@ -1134,7 +1134,7 @@
           <a:p>
             <a:fld id="{89A65DAD-E989-4FB0-8D33-7FCDDB457EB5}" type="datetimeFigureOut">
               <a:rPr lang="ko-KR" altLang="en-US" smtClean="0"/>
-              <a:t>2022-07-08</a:t>
+              <a:t>2022-07-12</a:t>
             </a:fld>
             <a:endParaRPr lang="ko-KR" altLang="en-US"/>
           </a:p>
@@ -1380,7 +1380,7 @@
           <a:p>
             <a:fld id="{89A65DAD-E989-4FB0-8D33-7FCDDB457EB5}" type="datetimeFigureOut">
               <a:rPr lang="ko-KR" altLang="en-US" smtClean="0"/>
-              <a:t>2022-07-08</a:t>
+              <a:t>2022-07-12</a:t>
             </a:fld>
             <a:endParaRPr lang="ko-KR" altLang="en-US"/>
           </a:p>
@@ -1612,7 +1612,7 @@
           <a:p>
             <a:fld id="{89A65DAD-E989-4FB0-8D33-7FCDDB457EB5}" type="datetimeFigureOut">
               <a:rPr lang="ko-KR" altLang="en-US" smtClean="0"/>
-              <a:t>2022-07-08</a:t>
+              <a:t>2022-07-12</a:t>
             </a:fld>
             <a:endParaRPr lang="ko-KR" altLang="en-US"/>
           </a:p>
@@ -1979,7 +1979,7 @@
           <a:p>
             <a:fld id="{89A65DAD-E989-4FB0-8D33-7FCDDB457EB5}" type="datetimeFigureOut">
               <a:rPr lang="ko-KR" altLang="en-US" smtClean="0"/>
-              <a:t>2022-07-08</a:t>
+              <a:t>2022-07-12</a:t>
             </a:fld>
             <a:endParaRPr lang="ko-KR" altLang="en-US"/>
           </a:p>
@@ -2097,7 +2097,7 @@
           <a:p>
             <a:fld id="{89A65DAD-E989-4FB0-8D33-7FCDDB457EB5}" type="datetimeFigureOut">
               <a:rPr lang="ko-KR" altLang="en-US" smtClean="0"/>
-              <a:t>2022-07-08</a:t>
+              <a:t>2022-07-12</a:t>
             </a:fld>
             <a:endParaRPr lang="ko-KR" altLang="en-US"/>
           </a:p>
@@ -2192,7 +2192,7 @@
           <a:p>
             <a:fld id="{89A65DAD-E989-4FB0-8D33-7FCDDB457EB5}" type="datetimeFigureOut">
               <a:rPr lang="ko-KR" altLang="en-US" smtClean="0"/>
-              <a:t>2022-07-08</a:t>
+              <a:t>2022-07-12</a:t>
             </a:fld>
             <a:endParaRPr lang="ko-KR" altLang="en-US"/>
           </a:p>
@@ -2469,7 +2469,7 @@
           <a:p>
             <a:fld id="{89A65DAD-E989-4FB0-8D33-7FCDDB457EB5}" type="datetimeFigureOut">
               <a:rPr lang="ko-KR" altLang="en-US" smtClean="0"/>
-              <a:t>2022-07-08</a:t>
+              <a:t>2022-07-12</a:t>
             </a:fld>
             <a:endParaRPr lang="ko-KR" altLang="en-US"/>
           </a:p>
@@ -2722,7 +2722,7 @@
           <a:p>
             <a:fld id="{89A65DAD-E989-4FB0-8D33-7FCDDB457EB5}" type="datetimeFigureOut">
               <a:rPr lang="ko-KR" altLang="en-US" smtClean="0"/>
-              <a:t>2022-07-08</a:t>
+              <a:t>2022-07-12</a:t>
             </a:fld>
             <a:endParaRPr lang="ko-KR" altLang="en-US"/>
           </a:p>
@@ -2935,7 +2935,7 @@
           <a:p>
             <a:fld id="{89A65DAD-E989-4FB0-8D33-7FCDDB457EB5}" type="datetimeFigureOut">
               <a:rPr lang="ko-KR" altLang="en-US" smtClean="0"/>
-              <a:t>2022-07-08</a:t>
+              <a:t>2022-07-12</a:t>
             </a:fld>
             <a:endParaRPr lang="ko-KR" altLang="en-US"/>
           </a:p>
@@ -4524,7 +4524,7 @@
         </p:nvSpPr>
         <p:spPr>
           <a:xfrm>
-            <a:off x="8202643" y="5698845"/>
+            <a:off x="8598323" y="4703776"/>
             <a:ext cx="1917700" cy="647700"/>
           </a:xfrm>
           <a:prstGeom prst="flowChartTerminator">
@@ -5637,13 +5637,15 @@
       <p:cxnSp>
         <p:nvCxnSpPr>
           <p:cNvPr id="92" name="직선 화살표 연결선 91"/>
-          <p:cNvCxnSpPr/>
+          <p:cNvCxnSpPr>
+            <a:endCxn id="42" idx="1"/>
+          </p:cNvCxnSpPr>
           <p:nvPr/>
         </p:nvCxnSpPr>
         <p:spPr>
-          <a:xfrm rot="16200000">
-            <a:off x="7968643" y="5788696"/>
-            <a:ext cx="0" cy="468000"/>
+          <a:xfrm flipV="1">
+            <a:off x="7734643" y="6009955"/>
+            <a:ext cx="1023585" cy="12741"/>
           </a:xfrm>
           <a:prstGeom prst="straightConnector1">
             <a:avLst/>
@@ -5847,6 +5849,92 @@
           </a:p>
         </p:txBody>
       </p:sp>
+      <p:sp>
+        <p:nvSpPr>
+          <p:cNvPr id="42" name="순서도: 처리 41"/>
+          <p:cNvSpPr/>
+          <p:nvPr/>
+        </p:nvSpPr>
+        <p:spPr>
+          <a:xfrm>
+            <a:off x="8758228" y="5729258"/>
+            <a:ext cx="1597891" cy="561394"/>
+          </a:xfrm>
+          <a:prstGeom prst="flowChartProcess">
+            <a:avLst/>
+          </a:prstGeom>
+        </p:spPr>
+        <p:style>
+          <a:lnRef idx="2">
+            <a:schemeClr val="accent1">
+              <a:shade val="50000"/>
+            </a:schemeClr>
+          </a:lnRef>
+          <a:fillRef idx="1">
+            <a:schemeClr val="accent1"/>
+          </a:fillRef>
+          <a:effectRef idx="0">
+            <a:schemeClr val="accent1"/>
+          </a:effectRef>
+          <a:fontRef idx="minor">
+            <a:schemeClr val="lt1"/>
+          </a:fontRef>
+        </p:style>
+        <p:txBody>
+          <a:bodyPr rtlCol="0" anchor="ctr"/>
+          <a:lstStyle/>
+          <a:p>
+            <a:pPr algn="ctr"/>
+            <a:r>
+              <a:rPr lang="ko-KR" altLang="en-US" sz="1400" dirty="0" smtClean="0"/>
+              <a:t>이미지 </a:t>
+            </a:r>
+            <a:endParaRPr lang="en-US" altLang="ko-KR" sz="1400" dirty="0" smtClean="0"/>
+          </a:p>
+          <a:p>
+            <a:pPr algn="ctr"/>
+            <a:r>
+              <a:rPr lang="ko-KR" altLang="en-US" sz="1400" dirty="0" smtClean="0"/>
+              <a:t>저장 경로 전달</a:t>
+            </a:r>
+            <a:endParaRPr lang="ko-KR" altLang="en-US" sz="1400" dirty="0"/>
+          </a:p>
+        </p:txBody>
+      </p:sp>
+      <p:cxnSp>
+        <p:nvCxnSpPr>
+          <p:cNvPr id="45" name="직선 화살표 연결선 44"/>
+          <p:cNvCxnSpPr/>
+          <p:nvPr/>
+        </p:nvCxnSpPr>
+        <p:spPr>
+          <a:xfrm>
+            <a:off x="9573608" y="5369258"/>
+            <a:ext cx="0" cy="360000"/>
+          </a:xfrm>
+          <a:prstGeom prst="straightConnector1">
+            <a:avLst/>
+          </a:prstGeom>
+          <a:ln w="38100">
+            <a:headEnd type="triangle"/>
+            <a:tailEnd type="none"/>
+          </a:ln>
+        </p:spPr>
+        <p:style>
+          <a:lnRef idx="1">
+            <a:schemeClr val="accent1"/>
+          </a:lnRef>
+          <a:fillRef idx="0">
+            <a:schemeClr val="accent1"/>
+          </a:fillRef>
+          <a:effectRef idx="0">
+            <a:schemeClr val="accent1"/>
+          </a:effectRef>
+          <a:fontRef idx="minor">
+            <a:schemeClr val="tx1"/>
+          </a:fontRef>
+        </p:style>
+      </p:cxnSp>
     </p:spTree>
     <p:extLst>
       <p:ext uri="{BB962C8B-B14F-4D97-AF65-F5344CB8AC3E}">
@@ -6132,11 +6220,7 @@
             <a:pPr algn="ctr"/>
             <a:r>
               <a:rPr lang="ko-KR" altLang="en-US" sz="1400" dirty="0" smtClean="0"/>
-              <a:t>중 </a:t>
-            </a:r>
-            <a:r>
-              <a:rPr lang="ko-KR" altLang="en-US" sz="1400" dirty="0" smtClean="0"/>
-              <a:t>하나인가</a:t>
+              <a:t>중 하나인가</a:t>
             </a:r>
             <a:r>
               <a:rPr lang="en-US" altLang="ko-KR" sz="1400" dirty="0" smtClean="0"/>
@@ -6198,7 +6282,7 @@
         </p:nvSpPr>
         <p:spPr>
           <a:xfrm>
-            <a:off x="8506630" y="5684350"/>
+            <a:off x="8598323" y="4723803"/>
             <a:ext cx="1917700" cy="647700"/>
           </a:xfrm>
           <a:prstGeom prst="flowChartTerminator">
@@ -7313,8 +7397,8 @@
         </p:nvCxnSpPr>
         <p:spPr>
           <a:xfrm rot="16200000">
-            <a:off x="8280943" y="5761491"/>
-            <a:ext cx="0" cy="468000"/>
+            <a:off x="8406943" y="5635491"/>
+            <a:ext cx="0" cy="720000"/>
           </a:xfrm>
           <a:prstGeom prst="straightConnector1">
             <a:avLst/>
@@ -7518,6 +7602,92 @@
           </a:p>
         </p:txBody>
       </p:sp>
+      <p:sp>
+        <p:nvSpPr>
+          <p:cNvPr id="42" name="순서도: 처리 41"/>
+          <p:cNvSpPr/>
+          <p:nvPr/>
+        </p:nvSpPr>
+        <p:spPr>
+          <a:xfrm>
+            <a:off x="8758228" y="5729258"/>
+            <a:ext cx="1597891" cy="561394"/>
+          </a:xfrm>
+          <a:prstGeom prst="flowChartProcess">
+            <a:avLst/>
+          </a:prstGeom>
+        </p:spPr>
+        <p:style>
+          <a:lnRef idx="2">
+            <a:schemeClr val="accent1">
+              <a:shade val="50000"/>
+            </a:schemeClr>
+          </a:lnRef>
+          <a:fillRef idx="1">
+            <a:schemeClr val="accent1"/>
+          </a:fillRef>
+          <a:effectRef idx="0">
+            <a:schemeClr val="accent1"/>
+          </a:effectRef>
+          <a:fontRef idx="minor">
+            <a:schemeClr val="lt1"/>
+          </a:fontRef>
+        </p:style>
+        <p:txBody>
+          <a:bodyPr rtlCol="0" anchor="ctr"/>
+          <a:lstStyle/>
+          <a:p>
+            <a:pPr algn="ctr"/>
+            <a:r>
+              <a:rPr lang="ko-KR" altLang="en-US" sz="1400" dirty="0" smtClean="0"/>
+              <a:t>영상 </a:t>
+            </a:r>
+            <a:endParaRPr lang="en-US" altLang="ko-KR" sz="1400" dirty="0" smtClean="0"/>
+          </a:p>
+          <a:p>
+            <a:pPr algn="ctr"/>
+            <a:r>
+              <a:rPr lang="ko-KR" altLang="en-US" sz="1400" dirty="0" smtClean="0"/>
+              <a:t>저장 경로 전달</a:t>
+            </a:r>
+            <a:endParaRPr lang="ko-KR" altLang="en-US" sz="1400" dirty="0"/>
+          </a:p>
+        </p:txBody>
+      </p:sp>
+      <p:cxnSp>
+        <p:nvCxnSpPr>
+          <p:cNvPr id="45" name="직선 화살표 연결선 44"/>
+          <p:cNvCxnSpPr/>
+          <p:nvPr/>
+        </p:nvCxnSpPr>
+        <p:spPr>
+          <a:xfrm>
+            <a:off x="9522808" y="5371503"/>
+            <a:ext cx="0" cy="360000"/>
+          </a:xfrm>
+          <a:prstGeom prst="straightConnector1">
+            <a:avLst/>
+          </a:prstGeom>
+          <a:ln w="38100">
+            <a:headEnd type="triangle"/>
+            <a:tailEnd type="none"/>
+          </a:ln>
+        </p:spPr>
+        <p:style>
+          <a:lnRef idx="1">
+            <a:schemeClr val="accent1"/>
+          </a:lnRef>
+          <a:fillRef idx="0">
+            <a:schemeClr val="accent1"/>
+          </a:fillRef>
+          <a:effectRef idx="0">
+            <a:schemeClr val="accent1"/>
+          </a:effectRef>
+          <a:fontRef idx="minor">
+            <a:schemeClr val="tx1"/>
+          </a:fontRef>
+        </p:style>
+      </p:cxnSp>
     </p:spTree>
     <p:extLst>
       <p:ext uri="{BB962C8B-B14F-4D97-AF65-F5344CB8AC3E}">

--- a/docs/순서도.pptx
+++ b/docs/순서도.pptx
@@ -5,12 +5,14 @@
     <p:sldMasterId id="2147483648" r:id="rId1"/>
   </p:sldMasterIdLst>
   <p:notesMasterIdLst>
-    <p:notesMasterId r:id="rId5"/>
+    <p:notesMasterId r:id="rId7"/>
   </p:notesMasterIdLst>
   <p:sldIdLst>
     <p:sldId id="256" r:id="rId2"/>
     <p:sldId id="258" r:id="rId3"/>
     <p:sldId id="259" r:id="rId4"/>
+    <p:sldId id="260" r:id="rId5"/>
+    <p:sldId id="261" r:id="rId6"/>
   </p:sldIdLst>
   <p:sldSz cx="12192000" cy="6858000"/>
   <p:notesSz cx="6858000" cy="9144000"/>
@@ -215,7 +217,7 @@
           <a:p>
             <a:fld id="{FEBB53FF-EA0C-4AD8-8B3F-CE90C6A3C06E}" type="datetimeFigureOut">
               <a:rPr lang="ko-KR" altLang="en-US" smtClean="0"/>
-              <a:t>2022-07-12</a:t>
+              <a:t>2022-07-13</a:t>
             </a:fld>
             <a:endParaRPr lang="ko-KR" altLang="en-US"/>
           </a:p>
@@ -614,7 +616,7 @@
           <a:p>
             <a:fld id="{89A65DAD-E989-4FB0-8D33-7FCDDB457EB5}" type="datetimeFigureOut">
               <a:rPr lang="ko-KR" altLang="en-US" smtClean="0"/>
-              <a:t>2022-07-12</a:t>
+              <a:t>2022-07-13</a:t>
             </a:fld>
             <a:endParaRPr lang="ko-KR" altLang="en-US"/>
           </a:p>
@@ -784,7 +786,7 @@
           <a:p>
             <a:fld id="{89A65DAD-E989-4FB0-8D33-7FCDDB457EB5}" type="datetimeFigureOut">
               <a:rPr lang="ko-KR" altLang="en-US" smtClean="0"/>
-              <a:t>2022-07-12</a:t>
+              <a:t>2022-07-13</a:t>
             </a:fld>
             <a:endParaRPr lang="ko-KR" altLang="en-US"/>
           </a:p>
@@ -964,7 +966,7 @@
           <a:p>
             <a:fld id="{89A65DAD-E989-4FB0-8D33-7FCDDB457EB5}" type="datetimeFigureOut">
               <a:rPr lang="ko-KR" altLang="en-US" smtClean="0"/>
-              <a:t>2022-07-12</a:t>
+              <a:t>2022-07-13</a:t>
             </a:fld>
             <a:endParaRPr lang="ko-KR" altLang="en-US"/>
           </a:p>
@@ -1134,7 +1136,7 @@
           <a:p>
             <a:fld id="{89A65DAD-E989-4FB0-8D33-7FCDDB457EB5}" type="datetimeFigureOut">
               <a:rPr lang="ko-KR" altLang="en-US" smtClean="0"/>
-              <a:t>2022-07-12</a:t>
+              <a:t>2022-07-13</a:t>
             </a:fld>
             <a:endParaRPr lang="ko-KR" altLang="en-US"/>
           </a:p>
@@ -1380,7 +1382,7 @@
           <a:p>
             <a:fld id="{89A65DAD-E989-4FB0-8D33-7FCDDB457EB5}" type="datetimeFigureOut">
               <a:rPr lang="ko-KR" altLang="en-US" smtClean="0"/>
-              <a:t>2022-07-12</a:t>
+              <a:t>2022-07-13</a:t>
             </a:fld>
             <a:endParaRPr lang="ko-KR" altLang="en-US"/>
           </a:p>
@@ -1612,7 +1614,7 @@
           <a:p>
             <a:fld id="{89A65DAD-E989-4FB0-8D33-7FCDDB457EB5}" type="datetimeFigureOut">
               <a:rPr lang="ko-KR" altLang="en-US" smtClean="0"/>
-              <a:t>2022-07-12</a:t>
+              <a:t>2022-07-13</a:t>
             </a:fld>
             <a:endParaRPr lang="ko-KR" altLang="en-US"/>
           </a:p>
@@ -1979,7 +1981,7 @@
           <a:p>
             <a:fld id="{89A65DAD-E989-4FB0-8D33-7FCDDB457EB5}" type="datetimeFigureOut">
               <a:rPr lang="ko-KR" altLang="en-US" smtClean="0"/>
-              <a:t>2022-07-12</a:t>
+              <a:t>2022-07-13</a:t>
             </a:fld>
             <a:endParaRPr lang="ko-KR" altLang="en-US"/>
           </a:p>
@@ -2097,7 +2099,7 @@
           <a:p>
             <a:fld id="{89A65DAD-E989-4FB0-8D33-7FCDDB457EB5}" type="datetimeFigureOut">
               <a:rPr lang="ko-KR" altLang="en-US" smtClean="0"/>
-              <a:t>2022-07-12</a:t>
+              <a:t>2022-07-13</a:t>
             </a:fld>
             <a:endParaRPr lang="ko-KR" altLang="en-US"/>
           </a:p>
@@ -2192,7 +2194,7 @@
           <a:p>
             <a:fld id="{89A65DAD-E989-4FB0-8D33-7FCDDB457EB5}" type="datetimeFigureOut">
               <a:rPr lang="ko-KR" altLang="en-US" smtClean="0"/>
-              <a:t>2022-07-12</a:t>
+              <a:t>2022-07-13</a:t>
             </a:fld>
             <a:endParaRPr lang="ko-KR" altLang="en-US"/>
           </a:p>
@@ -2469,7 +2471,7 @@
           <a:p>
             <a:fld id="{89A65DAD-E989-4FB0-8D33-7FCDDB457EB5}" type="datetimeFigureOut">
               <a:rPr lang="ko-KR" altLang="en-US" smtClean="0"/>
-              <a:t>2022-07-12</a:t>
+              <a:t>2022-07-13</a:t>
             </a:fld>
             <a:endParaRPr lang="ko-KR" altLang="en-US"/>
           </a:p>
@@ -2722,7 +2724,7 @@
           <a:p>
             <a:fld id="{89A65DAD-E989-4FB0-8D33-7FCDDB457EB5}" type="datetimeFigureOut">
               <a:rPr lang="ko-KR" altLang="en-US" smtClean="0"/>
-              <a:t>2022-07-12</a:t>
+              <a:t>2022-07-13</a:t>
             </a:fld>
             <a:endParaRPr lang="ko-KR" altLang="en-US"/>
           </a:p>
@@ -2935,7 +2937,7 @@
           <a:p>
             <a:fld id="{89A65DAD-E989-4FB0-8D33-7FCDDB457EB5}" type="datetimeFigureOut">
               <a:rPr lang="ko-KR" altLang="en-US" smtClean="0"/>
-              <a:t>2022-07-12</a:t>
+              <a:t>2022-07-13</a:t>
             </a:fld>
             <a:endParaRPr lang="ko-KR" altLang="en-US"/>
           </a:p>
@@ -7705,6 +7707,1742 @@
       </p:par>
     </p:tnLst>
   </p:timing>
+</p:sld>
+</file>
+
+<file path=ppt/slides/slide4.xml><?xml version="1.0" encoding="utf-8"?>
+<p:sld xmlns:a="http://schemas.openxmlformats.org/drawingml/2006/main" xmlns:r="http://schemas.openxmlformats.org/officeDocument/2006/relationships" xmlns:p="http://schemas.openxmlformats.org/presentationml/2006/main">
+  <p:cSld>
+    <p:spTree>
+      <p:nvGrpSpPr>
+        <p:cNvPr id="1" name=""/>
+        <p:cNvGrpSpPr/>
+        <p:nvPr/>
+      </p:nvGrpSpPr>
+      <p:grpSpPr>
+        <a:xfrm>
+          <a:off x="0" y="0"/>
+          <a:ext cx="0" cy="0"/>
+          <a:chOff x="0" y="0"/>
+          <a:chExt cx="0" cy="0"/>
+        </a:xfrm>
+      </p:grpSpPr>
+      <p:sp>
+        <p:nvSpPr>
+          <p:cNvPr id="4" name="TextBox 3"/>
+          <p:cNvSpPr txBox="1"/>
+          <p:nvPr/>
+        </p:nvSpPr>
+        <p:spPr>
+          <a:xfrm>
+            <a:off x="119021" y="90351"/>
+            <a:ext cx="4003800" cy="369332"/>
+          </a:xfrm>
+          <a:prstGeom prst="rect">
+            <a:avLst/>
+          </a:prstGeom>
+          <a:noFill/>
+        </p:spPr>
+        <p:txBody>
+          <a:bodyPr wrap="square" rtlCol="0">
+            <a:spAutoFit/>
+          </a:bodyPr>
+          <a:lstStyle/>
+          <a:p>
+            <a:r>
+              <a:rPr lang="en-US" altLang="ko-KR" dirty="0" smtClean="0"/>
+              <a:t>100</a:t>
+            </a:r>
+            <a:r>
+              <a:rPr lang="en-US" altLang="ko-KR" dirty="0" smtClean="0"/>
+              <a:t>. </a:t>
+            </a:r>
+            <a:r>
+              <a:rPr lang="ko-KR" altLang="en-US" dirty="0" smtClean="0"/>
+              <a:t>결과 저장 경로 및 이름 규칙</a:t>
+            </a:r>
+            <a:endParaRPr lang="en-US" altLang="ko-KR" dirty="0" smtClean="0"/>
+          </a:p>
+        </p:txBody>
+      </p:sp>
+      <p:graphicFrame>
+        <p:nvGraphicFramePr>
+          <p:cNvPr id="5" name="표 4"/>
+          <p:cNvGraphicFramePr>
+            <a:graphicFrameLocks noGrp="1"/>
+          </p:cNvGraphicFramePr>
+          <p:nvPr>
+            <p:extLst>
+              <p:ext uri="{D42A27DB-BD31-4B8C-83A1-F6EECF244321}">
+                <p14:modId xmlns:p14="http://schemas.microsoft.com/office/powerpoint/2010/main" val="675019144"/>
+              </p:ext>
+            </p:extLst>
+          </p:nvPr>
+        </p:nvGraphicFramePr>
+        <p:xfrm>
+          <a:off x="591129" y="645998"/>
+          <a:ext cx="10954329" cy="1734662"/>
+        </p:xfrm>
+        <a:graphic>
+          <a:graphicData uri="http://schemas.openxmlformats.org/drawingml/2006/table">
+            <a:tbl>
+              <a:tblPr firstRow="1" bandRow="1">
+                <a:tableStyleId>{5C22544A-7EE6-4342-B048-85BDC9FD1C3A}</a:tableStyleId>
+              </a:tblPr>
+              <a:tblGrid>
+                <a:gridCol w="1304173">
+                  <a:extLst>
+                    <a:ext uri="{9D8B030D-6E8A-4147-A177-3AD203B41FA5}">
+                      <a16:colId xmlns:a16="http://schemas.microsoft.com/office/drawing/2014/main" val="1743751497"/>
+                    </a:ext>
+                  </a:extLst>
+                </a:gridCol>
+                <a:gridCol w="4655127">
+                  <a:extLst>
+                    <a:ext uri="{9D8B030D-6E8A-4147-A177-3AD203B41FA5}">
+                      <a16:colId xmlns:a16="http://schemas.microsoft.com/office/drawing/2014/main" val="810755831"/>
+                    </a:ext>
+                  </a:extLst>
+                </a:gridCol>
+                <a:gridCol w="4995029">
+                  <a:extLst>
+                    <a:ext uri="{9D8B030D-6E8A-4147-A177-3AD203B41FA5}">
+                      <a16:colId xmlns:a16="http://schemas.microsoft.com/office/drawing/2014/main" val="4294028658"/>
+                    </a:ext>
+                  </a:extLst>
+                </a:gridCol>
+              </a:tblGrid>
+              <a:tr h="236234">
+                <a:tc>
+                  <a:txBody>
+                    <a:bodyPr/>
+                    <a:lstStyle/>
+                    <a:p>
+                      <a:pPr algn="ctr" latinLnBrk="1"/>
+                      <a:r>
+                        <a:rPr lang="ko-KR" altLang="en-US" sz="1400" dirty="0" smtClean="0"/>
+                        <a:t>분류</a:t>
+                      </a:r>
+                      <a:endParaRPr lang="ko-KR" altLang="en-US" sz="1400" dirty="0"/>
+                    </a:p>
+                  </a:txBody>
+                  <a:tcPr/>
+                </a:tc>
+                <a:tc>
+                  <a:txBody>
+                    <a:bodyPr/>
+                    <a:lstStyle/>
+                    <a:p>
+                      <a:pPr algn="ctr" latinLnBrk="1"/>
+                      <a:r>
+                        <a:rPr lang="ko-KR" altLang="en-US" sz="1400" dirty="0" smtClean="0"/>
+                        <a:t>이미지</a:t>
+                      </a:r>
+                      <a:endParaRPr lang="ko-KR" altLang="en-US" sz="1400" dirty="0"/>
+                    </a:p>
+                  </a:txBody>
+                  <a:tcPr/>
+                </a:tc>
+                <a:tc>
+                  <a:txBody>
+                    <a:bodyPr/>
+                    <a:lstStyle/>
+                    <a:p>
+                      <a:pPr algn="ctr" latinLnBrk="1"/>
+                      <a:r>
+                        <a:rPr lang="ko-KR" altLang="en-US" sz="1400" dirty="0" smtClean="0"/>
+                        <a:t>영상</a:t>
+                      </a:r>
+                      <a:endParaRPr lang="ko-KR" altLang="en-US" sz="1400" dirty="0"/>
+                    </a:p>
+                  </a:txBody>
+                  <a:tcPr/>
+                </a:tc>
+                <a:extLst>
+                  <a:ext uri="{0D108BD9-81ED-4DB2-BD59-A6C34878D82A}">
+                    <a16:rowId xmlns:a16="http://schemas.microsoft.com/office/drawing/2014/main" val="2265883726"/>
+                  </a:ext>
+                </a:extLst>
+              </a:tr>
+              <a:tr h="562118">
+                <a:tc>
+                  <a:txBody>
+                    <a:bodyPr/>
+                    <a:lstStyle/>
+                    <a:p>
+                      <a:pPr algn="l"/>
+                      <a:r>
+                        <a:rPr lang="ko-KR" altLang="en-US" sz="1100" b="0" i="0" kern="1200" dirty="0" smtClean="0">
+                          <a:solidFill>
+                            <a:schemeClr val="dk1"/>
+                          </a:solidFill>
+                          <a:effectLst/>
+                          <a:latin typeface="+mn-lt"/>
+                          <a:ea typeface="+mn-ea"/>
+                          <a:cs typeface="+mn-cs"/>
+                        </a:rPr>
+                        <a:t>객체 검출 결과 </a:t>
+                      </a:r>
+                      <a:endParaRPr lang="en-US" altLang="ko-KR" sz="1100" b="0" i="0" kern="1200" dirty="0" smtClean="0">
+                        <a:solidFill>
+                          <a:schemeClr val="dk1"/>
+                        </a:solidFill>
+                        <a:effectLst/>
+                        <a:latin typeface="+mn-lt"/>
+                        <a:ea typeface="+mn-ea"/>
+                        <a:cs typeface="+mn-cs"/>
+                      </a:endParaRPr>
+                    </a:p>
+                    <a:p>
+                      <a:pPr algn="l"/>
+                      <a:r>
+                        <a:rPr lang="en-US" altLang="ko-KR" sz="1100" b="0" i="0" kern="1200" dirty="0" err="1" smtClean="0">
+                          <a:solidFill>
+                            <a:schemeClr val="dk1"/>
+                          </a:solidFill>
+                          <a:effectLst/>
+                          <a:latin typeface="+mn-lt"/>
+                          <a:ea typeface="+mn-ea"/>
+                          <a:cs typeface="+mn-cs"/>
+                        </a:rPr>
+                        <a:t>json</a:t>
+                      </a:r>
+                      <a:r>
+                        <a:rPr lang="en-US" altLang="ko-KR" sz="1100" b="0" i="0" kern="1200" dirty="0" smtClean="0">
+                          <a:solidFill>
+                            <a:schemeClr val="dk1"/>
+                          </a:solidFill>
+                          <a:effectLst/>
+                          <a:latin typeface="+mn-lt"/>
+                          <a:ea typeface="+mn-ea"/>
+                          <a:cs typeface="+mn-cs"/>
+                        </a:rPr>
+                        <a:t> </a:t>
+                      </a:r>
+                      <a:r>
+                        <a:rPr lang="ko-KR" altLang="en-US" sz="1100" b="0" i="0" kern="1200" dirty="0" smtClean="0">
+                          <a:solidFill>
+                            <a:schemeClr val="dk1"/>
+                          </a:solidFill>
+                          <a:effectLst/>
+                          <a:latin typeface="+mn-lt"/>
+                          <a:ea typeface="+mn-ea"/>
+                          <a:cs typeface="+mn-cs"/>
+                        </a:rPr>
+                        <a:t>경로</a:t>
+                      </a:r>
+                      <a:endParaRPr lang="en-US" altLang="ko-KR" sz="1100" b="0" i="0" kern="1200" dirty="0">
+                        <a:solidFill>
+                          <a:schemeClr val="dk1"/>
+                        </a:solidFill>
+                        <a:effectLst/>
+                        <a:latin typeface="+mn-lt"/>
+                        <a:ea typeface="+mn-ea"/>
+                        <a:cs typeface="+mn-cs"/>
+                      </a:endParaRPr>
+                    </a:p>
+                  </a:txBody>
+                  <a:tcPr/>
+                </a:tc>
+                <a:tc>
+                  <a:txBody>
+                    <a:bodyPr/>
+                    <a:lstStyle/>
+                    <a:p>
+                      <a:pPr marL="0" marR="0" indent="0" algn="l" defTabSz="914400" rtl="0" eaLnBrk="1" fontAlgn="auto" latinLnBrk="1" hangingPunct="1">
+                        <a:lnSpc>
+                          <a:spcPct val="100000"/>
+                        </a:lnSpc>
+                        <a:spcBef>
+                          <a:spcPts val="0"/>
+                        </a:spcBef>
+                        <a:spcAft>
+                          <a:spcPts val="0"/>
+                        </a:spcAft>
+                        <a:buClrTx/>
+                        <a:buSzTx/>
+                        <a:buFontTx/>
+                        <a:buNone/>
+                        <a:tabLst/>
+                        <a:defRPr/>
+                      </a:pPr>
+                      <a:r>
+                        <a:rPr lang="en-US" altLang="ko-KR" sz="1100" dirty="0" smtClean="0">
+                          <a:latin typeface="+mn-lt"/>
+                        </a:rPr>
+                        <a:t>/image/object-detection/{</a:t>
+                      </a:r>
+                      <a:r>
+                        <a:rPr lang="en-US" altLang="ko-KR" sz="1100" kern="1200" dirty="0" smtClean="0">
+                          <a:solidFill>
+                            <a:schemeClr val="dk1"/>
+                          </a:solidFill>
+                          <a:effectLst/>
+                          <a:latin typeface="+mn-lt"/>
+                          <a:ea typeface="+mn-ea"/>
+                          <a:cs typeface="+mn-cs"/>
+                        </a:rPr>
+                        <a:t>%</a:t>
+                      </a:r>
+                      <a:r>
+                        <a:rPr lang="en-US" altLang="ko-KR" sz="1100" kern="1200" dirty="0" err="1" smtClean="0">
+                          <a:solidFill>
+                            <a:schemeClr val="dk1"/>
+                          </a:solidFill>
+                          <a:effectLst/>
+                          <a:latin typeface="+mn-lt"/>
+                          <a:ea typeface="+mn-ea"/>
+                          <a:cs typeface="+mn-cs"/>
+                        </a:rPr>
+                        <a:t>Y%m%d</a:t>
+                      </a:r>
+                      <a:r>
+                        <a:rPr lang="en-US" altLang="ko-KR" sz="1100" kern="1200" dirty="0" smtClean="0">
+                          <a:solidFill>
+                            <a:schemeClr val="dk1"/>
+                          </a:solidFill>
+                          <a:effectLst/>
+                          <a:latin typeface="+mn-lt"/>
+                          <a:ea typeface="+mn-ea"/>
+                          <a:cs typeface="+mn-cs"/>
+                        </a:rPr>
+                        <a:t>}/{</a:t>
+                      </a:r>
+                      <a:r>
+                        <a:rPr lang="en-US" altLang="ko-KR" sz="1100" kern="1200" dirty="0" err="1" smtClean="0">
+                          <a:solidFill>
+                            <a:schemeClr val="dk1"/>
+                          </a:solidFill>
+                          <a:effectLst/>
+                          <a:latin typeface="+mn-lt"/>
+                          <a:ea typeface="+mn-ea"/>
+                          <a:cs typeface="+mn-cs"/>
+                        </a:rPr>
+                        <a:t>file_name</a:t>
+                      </a:r>
+                      <a:r>
+                        <a:rPr lang="en-US" altLang="ko-KR" sz="1100" kern="1200" dirty="0" smtClean="0">
+                          <a:solidFill>
+                            <a:schemeClr val="dk1"/>
+                          </a:solidFill>
+                          <a:effectLst/>
+                          <a:latin typeface="+mn-lt"/>
+                          <a:ea typeface="+mn-ea"/>
+                          <a:cs typeface="+mn-cs"/>
+                        </a:rPr>
+                        <a:t>}/{</a:t>
+                      </a:r>
+                      <a:r>
+                        <a:rPr lang="en-US" altLang="ko-KR" sz="1100" kern="1200" dirty="0" err="1" smtClean="0">
+                          <a:solidFill>
+                            <a:schemeClr val="dk1"/>
+                          </a:solidFill>
+                          <a:effectLst/>
+                          <a:latin typeface="+mn-lt"/>
+                          <a:ea typeface="+mn-ea"/>
+                          <a:cs typeface="+mn-cs"/>
+                        </a:rPr>
+                        <a:t>file_name</a:t>
+                      </a:r>
+                      <a:r>
+                        <a:rPr lang="en-US" altLang="ko-KR" sz="1100" kern="1200" dirty="0" smtClean="0">
+                          <a:solidFill>
+                            <a:schemeClr val="dk1"/>
+                          </a:solidFill>
+                          <a:effectLst/>
+                          <a:latin typeface="+mn-lt"/>
+                          <a:ea typeface="+mn-ea"/>
+                          <a:cs typeface="+mn-cs"/>
+                        </a:rPr>
+                        <a:t>}.</a:t>
+                      </a:r>
+                      <a:r>
+                        <a:rPr lang="en-US" altLang="ko-KR" sz="1100" kern="1200" dirty="0" err="1" smtClean="0">
+                          <a:solidFill>
+                            <a:schemeClr val="dk1"/>
+                          </a:solidFill>
+                          <a:effectLst/>
+                          <a:latin typeface="+mn-lt"/>
+                          <a:ea typeface="+mn-ea"/>
+                          <a:cs typeface="+mn-cs"/>
+                        </a:rPr>
+                        <a:t>json</a:t>
+                      </a:r>
+                      <a:endParaRPr lang="ko-KR" altLang="en-US" sz="1100" dirty="0" smtClean="0">
+                        <a:latin typeface="+mn-lt"/>
+                      </a:endParaRPr>
+                    </a:p>
+                  </a:txBody>
+                  <a:tcPr/>
+                </a:tc>
+                <a:tc>
+                  <a:txBody>
+                    <a:bodyPr/>
+                    <a:lstStyle/>
+                    <a:p>
+                      <a:pPr marL="0" marR="0" indent="0" algn="l" defTabSz="914400" rtl="0" eaLnBrk="1" fontAlgn="auto" latinLnBrk="1" hangingPunct="1">
+                        <a:lnSpc>
+                          <a:spcPct val="100000"/>
+                        </a:lnSpc>
+                        <a:spcBef>
+                          <a:spcPts val="0"/>
+                        </a:spcBef>
+                        <a:spcAft>
+                          <a:spcPts val="0"/>
+                        </a:spcAft>
+                        <a:buClrTx/>
+                        <a:buSzTx/>
+                        <a:buFontTx/>
+                        <a:buNone/>
+                        <a:tabLst/>
+                        <a:defRPr/>
+                      </a:pPr>
+                      <a:r>
+                        <a:rPr lang="en-US" altLang="ko-KR" sz="1100" dirty="0" smtClean="0"/>
+                        <a:t>/video/object-detection/{</a:t>
+                      </a:r>
+                      <a:r>
+                        <a:rPr lang="en-US" altLang="ko-KR" sz="1100" kern="1200" dirty="0" smtClean="0">
+                          <a:solidFill>
+                            <a:schemeClr val="dk1"/>
+                          </a:solidFill>
+                          <a:effectLst/>
+                          <a:latin typeface="+mn-lt"/>
+                          <a:ea typeface="+mn-ea"/>
+                          <a:cs typeface="+mn-cs"/>
+                        </a:rPr>
+                        <a:t>%</a:t>
+                      </a:r>
+                      <a:r>
+                        <a:rPr lang="en-US" altLang="ko-KR" sz="1100" kern="1200" dirty="0" err="1" smtClean="0">
+                          <a:solidFill>
+                            <a:schemeClr val="dk1"/>
+                          </a:solidFill>
+                          <a:effectLst/>
+                          <a:latin typeface="+mn-lt"/>
+                          <a:ea typeface="+mn-ea"/>
+                          <a:cs typeface="+mn-cs"/>
+                        </a:rPr>
+                        <a:t>Y%m%d</a:t>
+                      </a:r>
+                      <a:r>
+                        <a:rPr lang="en-US" altLang="ko-KR" sz="1100" kern="1200" dirty="0" smtClean="0">
+                          <a:solidFill>
+                            <a:schemeClr val="dk1"/>
+                          </a:solidFill>
+                          <a:effectLst/>
+                          <a:latin typeface="+mn-lt"/>
+                          <a:ea typeface="+mn-ea"/>
+                          <a:cs typeface="+mn-cs"/>
+                        </a:rPr>
+                        <a:t>}/{</a:t>
+                      </a:r>
+                      <a:r>
+                        <a:rPr lang="en-US" altLang="ko-KR" sz="1100" kern="1200" dirty="0" err="1" smtClean="0">
+                          <a:solidFill>
+                            <a:schemeClr val="dk1"/>
+                          </a:solidFill>
+                          <a:effectLst/>
+                          <a:latin typeface="+mn-lt"/>
+                          <a:ea typeface="+mn-ea"/>
+                          <a:cs typeface="+mn-cs"/>
+                        </a:rPr>
+                        <a:t>file_name</a:t>
+                      </a:r>
+                      <a:r>
+                        <a:rPr lang="en-US" altLang="ko-KR" sz="1100" kern="1200" dirty="0" smtClean="0">
+                          <a:solidFill>
+                            <a:schemeClr val="dk1"/>
+                          </a:solidFill>
+                          <a:effectLst/>
+                          <a:latin typeface="+mn-lt"/>
+                          <a:ea typeface="+mn-ea"/>
+                          <a:cs typeface="+mn-cs"/>
+                        </a:rPr>
+                        <a:t>}</a:t>
+                      </a:r>
+                      <a:r>
+                        <a:rPr lang="en-US" altLang="ko-KR" sz="1100" b="0" kern="1200" dirty="0" smtClean="0">
+                          <a:solidFill>
+                            <a:schemeClr val="dk1"/>
+                          </a:solidFill>
+                          <a:effectLst/>
+                          <a:latin typeface="+mn-lt"/>
+                          <a:ea typeface="+mn-ea"/>
+                          <a:cs typeface="+mn-cs"/>
+                        </a:rPr>
+                        <a:t>/{</a:t>
+                      </a:r>
+                      <a:r>
+                        <a:rPr lang="en-US" altLang="ko-KR" sz="1100" b="0" kern="1200" dirty="0" err="1" smtClean="0">
+                          <a:solidFill>
+                            <a:schemeClr val="dk1"/>
+                          </a:solidFill>
+                          <a:effectLst/>
+                          <a:latin typeface="+mn-lt"/>
+                          <a:ea typeface="+mn-ea"/>
+                          <a:cs typeface="+mn-cs"/>
+                        </a:rPr>
+                        <a:t>file_name</a:t>
+                      </a:r>
+                      <a:r>
+                        <a:rPr lang="en-US" altLang="ko-KR" sz="1100" b="0" kern="1200" dirty="0" smtClean="0">
+                          <a:solidFill>
+                            <a:schemeClr val="dk1"/>
+                          </a:solidFill>
+                          <a:effectLst/>
+                          <a:latin typeface="+mn-lt"/>
+                          <a:ea typeface="+mn-ea"/>
+                          <a:cs typeface="+mn-cs"/>
+                        </a:rPr>
+                        <a:t>}.</a:t>
+                      </a:r>
+                      <a:r>
+                        <a:rPr lang="en-US" altLang="ko-KR" sz="1100" b="0" kern="1200" dirty="0" err="1" smtClean="0">
+                          <a:solidFill>
+                            <a:schemeClr val="dk1"/>
+                          </a:solidFill>
+                          <a:effectLst/>
+                          <a:latin typeface="+mn-lt"/>
+                          <a:ea typeface="+mn-ea"/>
+                          <a:cs typeface="+mn-cs"/>
+                        </a:rPr>
+                        <a:t>json</a:t>
+                      </a:r>
+                      <a:endParaRPr lang="ko-KR" altLang="en-US" sz="1100" dirty="0" smtClean="0"/>
+                    </a:p>
+                  </a:txBody>
+                  <a:tcPr/>
+                </a:tc>
+                <a:extLst>
+                  <a:ext uri="{0D108BD9-81ED-4DB2-BD59-A6C34878D82A}">
+                    <a16:rowId xmlns:a16="http://schemas.microsoft.com/office/drawing/2014/main" val="2031216518"/>
+                  </a:ext>
+                </a:extLst>
+              </a:tr>
+              <a:tr h="507077">
+                <a:tc>
+                  <a:txBody>
+                    <a:bodyPr/>
+                    <a:lstStyle/>
+                    <a:p>
+                      <a:pPr algn="l" latinLnBrk="1"/>
+                      <a:r>
+                        <a:rPr lang="ko-KR" altLang="en-US" sz="1100" b="0" dirty="0" smtClean="0">
+                          <a:latin typeface="+mn-lt"/>
+                        </a:rPr>
+                        <a:t>객체 이미지 경로</a:t>
+                      </a:r>
+                      <a:endParaRPr lang="ko-KR" altLang="en-US" sz="1100" b="0" dirty="0">
+                        <a:latin typeface="+mn-lt"/>
+                      </a:endParaRPr>
+                    </a:p>
+                  </a:txBody>
+                  <a:tcPr/>
+                </a:tc>
+                <a:tc>
+                  <a:txBody>
+                    <a:bodyPr/>
+                    <a:lstStyle/>
+                    <a:p>
+                      <a:pPr marL="0" marR="0" indent="0" algn="l" defTabSz="914400" rtl="0" eaLnBrk="1" fontAlgn="auto" latinLnBrk="1" hangingPunct="1">
+                        <a:lnSpc>
+                          <a:spcPct val="100000"/>
+                        </a:lnSpc>
+                        <a:spcBef>
+                          <a:spcPts val="0"/>
+                        </a:spcBef>
+                        <a:spcAft>
+                          <a:spcPts val="0"/>
+                        </a:spcAft>
+                        <a:buClrTx/>
+                        <a:buSzTx/>
+                        <a:buFontTx/>
+                        <a:buNone/>
+                        <a:tabLst/>
+                        <a:defRPr/>
+                      </a:pPr>
+                      <a:r>
+                        <a:rPr lang="en-US" altLang="ko-KR" sz="1100" dirty="0" smtClean="0">
+                          <a:latin typeface="+mn-lt"/>
+                        </a:rPr>
+                        <a:t>/image/object-detection/{</a:t>
+                      </a:r>
+                      <a:r>
+                        <a:rPr lang="en-US" altLang="ko-KR" sz="1100" kern="1200" dirty="0" smtClean="0">
+                          <a:solidFill>
+                            <a:schemeClr val="dk1"/>
+                          </a:solidFill>
+                          <a:effectLst/>
+                          <a:latin typeface="+mn-lt"/>
+                          <a:ea typeface="+mn-ea"/>
+                          <a:cs typeface="+mn-cs"/>
+                        </a:rPr>
+                        <a:t>%</a:t>
+                      </a:r>
+                      <a:r>
+                        <a:rPr lang="en-US" altLang="ko-KR" sz="1100" kern="1200" dirty="0" err="1" smtClean="0">
+                          <a:solidFill>
+                            <a:schemeClr val="dk1"/>
+                          </a:solidFill>
+                          <a:effectLst/>
+                          <a:latin typeface="+mn-lt"/>
+                          <a:ea typeface="+mn-ea"/>
+                          <a:cs typeface="+mn-cs"/>
+                        </a:rPr>
+                        <a:t>Y%m%d</a:t>
+                      </a:r>
+                      <a:r>
+                        <a:rPr lang="en-US" altLang="ko-KR" sz="1100" kern="1200" dirty="0" smtClean="0">
+                          <a:solidFill>
+                            <a:schemeClr val="dk1"/>
+                          </a:solidFill>
+                          <a:effectLst/>
+                          <a:latin typeface="+mn-lt"/>
+                          <a:ea typeface="+mn-ea"/>
+                          <a:cs typeface="+mn-cs"/>
+                        </a:rPr>
+                        <a:t>}/{</a:t>
+                      </a:r>
+                      <a:r>
+                        <a:rPr lang="en-US" altLang="ko-KR" sz="1100" kern="1200" dirty="0" err="1" smtClean="0">
+                          <a:solidFill>
+                            <a:schemeClr val="dk1"/>
+                          </a:solidFill>
+                          <a:effectLst/>
+                          <a:latin typeface="+mn-lt"/>
+                          <a:ea typeface="+mn-ea"/>
+                          <a:cs typeface="+mn-cs"/>
+                        </a:rPr>
+                        <a:t>file_name</a:t>
+                      </a:r>
+                      <a:r>
+                        <a:rPr lang="en-US" altLang="ko-KR" sz="1100" kern="1200" dirty="0" smtClean="0">
+                          <a:solidFill>
+                            <a:schemeClr val="dk1"/>
+                          </a:solidFill>
+                          <a:effectLst/>
+                          <a:latin typeface="+mn-lt"/>
+                          <a:ea typeface="+mn-ea"/>
+                          <a:cs typeface="+mn-cs"/>
+                        </a:rPr>
+                        <a:t>}/0_{object}_{score}.jpg</a:t>
+                      </a:r>
+                      <a:endParaRPr lang="ko-KR" altLang="en-US" sz="1100" dirty="0" smtClean="0">
+                        <a:latin typeface="+mn-lt"/>
+                      </a:endParaRPr>
+                    </a:p>
+                  </a:txBody>
+                  <a:tcPr/>
+                </a:tc>
+                <a:tc>
+                  <a:txBody>
+                    <a:bodyPr/>
+                    <a:lstStyle/>
+                    <a:p>
+                      <a:pPr marL="0" marR="0" indent="0" algn="l" defTabSz="914400" rtl="0" eaLnBrk="1" fontAlgn="auto" latinLnBrk="1" hangingPunct="1">
+                        <a:lnSpc>
+                          <a:spcPct val="100000"/>
+                        </a:lnSpc>
+                        <a:spcBef>
+                          <a:spcPts val="0"/>
+                        </a:spcBef>
+                        <a:spcAft>
+                          <a:spcPts val="0"/>
+                        </a:spcAft>
+                        <a:buClrTx/>
+                        <a:buSzTx/>
+                        <a:buFontTx/>
+                        <a:buNone/>
+                        <a:tabLst/>
+                        <a:defRPr/>
+                      </a:pPr>
+                      <a:r>
+                        <a:rPr lang="en-US" altLang="ko-KR" sz="1100" dirty="0" smtClean="0"/>
+                        <a:t>/video/object-detection/{</a:t>
+                      </a:r>
+                      <a:r>
+                        <a:rPr lang="en-US" altLang="ko-KR" sz="1100" kern="1200" dirty="0" smtClean="0">
+                          <a:solidFill>
+                            <a:schemeClr val="dk1"/>
+                          </a:solidFill>
+                          <a:effectLst/>
+                          <a:latin typeface="+mn-lt"/>
+                          <a:ea typeface="+mn-ea"/>
+                          <a:cs typeface="+mn-cs"/>
+                        </a:rPr>
+                        <a:t>%</a:t>
+                      </a:r>
+                      <a:r>
+                        <a:rPr lang="en-US" altLang="ko-KR" sz="1100" kern="1200" dirty="0" err="1" smtClean="0">
+                          <a:solidFill>
+                            <a:schemeClr val="dk1"/>
+                          </a:solidFill>
+                          <a:effectLst/>
+                          <a:latin typeface="+mn-lt"/>
+                          <a:ea typeface="+mn-ea"/>
+                          <a:cs typeface="+mn-cs"/>
+                        </a:rPr>
+                        <a:t>Y%m%d</a:t>
+                      </a:r>
+                      <a:r>
+                        <a:rPr lang="en-US" altLang="ko-KR" sz="1100" kern="1200" dirty="0" smtClean="0">
+                          <a:solidFill>
+                            <a:schemeClr val="dk1"/>
+                          </a:solidFill>
+                          <a:effectLst/>
+                          <a:latin typeface="+mn-lt"/>
+                          <a:ea typeface="+mn-ea"/>
+                          <a:cs typeface="+mn-cs"/>
+                        </a:rPr>
+                        <a:t>}/{</a:t>
+                      </a:r>
+                      <a:r>
+                        <a:rPr lang="en-US" altLang="ko-KR" sz="1100" kern="1200" dirty="0" err="1" smtClean="0">
+                          <a:solidFill>
+                            <a:schemeClr val="dk1"/>
+                          </a:solidFill>
+                          <a:effectLst/>
+                          <a:latin typeface="+mn-lt"/>
+                          <a:ea typeface="+mn-ea"/>
+                          <a:cs typeface="+mn-cs"/>
+                        </a:rPr>
+                        <a:t>file_name</a:t>
+                      </a:r>
+                      <a:r>
+                        <a:rPr lang="en-US" altLang="ko-KR" sz="1100" kern="1200" dirty="0" smtClean="0">
+                          <a:solidFill>
+                            <a:schemeClr val="dk1"/>
+                          </a:solidFill>
+                          <a:effectLst/>
+                          <a:latin typeface="+mn-lt"/>
+                          <a:ea typeface="+mn-ea"/>
+                          <a:cs typeface="+mn-cs"/>
+                        </a:rPr>
+                        <a:t>}</a:t>
+                      </a:r>
+                      <a:r>
+                        <a:rPr lang="en-US" altLang="ko-KR" sz="1100" b="0" kern="1200" dirty="0" smtClean="0">
+                          <a:solidFill>
+                            <a:schemeClr val="dk1"/>
+                          </a:solidFill>
+                          <a:effectLst/>
+                          <a:latin typeface="+mn-lt"/>
+                          <a:ea typeface="+mn-ea"/>
+                          <a:cs typeface="+mn-cs"/>
+                        </a:rPr>
+                        <a:t>/{frame_number}</a:t>
+                      </a:r>
+                      <a:r>
+                        <a:rPr lang="en-US" altLang="ko-KR" sz="1100" kern="1200" dirty="0" smtClean="0">
+                          <a:solidFill>
+                            <a:schemeClr val="dk1"/>
+                          </a:solidFill>
+                          <a:effectLst/>
+                          <a:latin typeface="+mn-lt"/>
+                          <a:ea typeface="+mn-ea"/>
+                          <a:cs typeface="+mn-cs"/>
+                        </a:rPr>
+                        <a:t>_{object}_{score}.jpg</a:t>
+                      </a:r>
+                      <a:endParaRPr lang="ko-KR" altLang="en-US" sz="1100" dirty="0" smtClean="0">
+                        <a:latin typeface="+mn-lt"/>
+                      </a:endParaRPr>
+                    </a:p>
+                    <a:p>
+                      <a:pPr marL="0" marR="0" indent="0" algn="l" defTabSz="914400" rtl="0" eaLnBrk="1" fontAlgn="auto" latinLnBrk="1" hangingPunct="1">
+                        <a:lnSpc>
+                          <a:spcPct val="100000"/>
+                        </a:lnSpc>
+                        <a:spcBef>
+                          <a:spcPts val="0"/>
+                        </a:spcBef>
+                        <a:spcAft>
+                          <a:spcPts val="0"/>
+                        </a:spcAft>
+                        <a:buClrTx/>
+                        <a:buSzTx/>
+                        <a:buFontTx/>
+                        <a:buNone/>
+                        <a:tabLst/>
+                        <a:defRPr/>
+                      </a:pPr>
+                      <a:endParaRPr lang="ko-KR" altLang="en-US" sz="1100" dirty="0" smtClean="0"/>
+                    </a:p>
+                  </a:txBody>
+                  <a:tcPr/>
+                </a:tc>
+                <a:extLst>
+                  <a:ext uri="{0D108BD9-81ED-4DB2-BD59-A6C34878D82A}">
+                    <a16:rowId xmlns:a16="http://schemas.microsoft.com/office/drawing/2014/main" val="3175459798"/>
+                  </a:ext>
+                </a:extLst>
+              </a:tr>
+              <a:tr h="273384">
+                <a:tc>
+                  <a:txBody>
+                    <a:bodyPr/>
+                    <a:lstStyle/>
+                    <a:p>
+                      <a:pPr algn="l" latinLnBrk="1"/>
+                      <a:endParaRPr lang="ko-KR" altLang="en-US" sz="1100" b="0" dirty="0">
+                        <a:latin typeface="+mn-lt"/>
+                      </a:endParaRPr>
+                    </a:p>
+                  </a:txBody>
+                  <a:tcPr/>
+                </a:tc>
+                <a:tc>
+                  <a:txBody>
+                    <a:bodyPr/>
+                    <a:lstStyle/>
+                    <a:p>
+                      <a:pPr algn="l"/>
+                      <a:endParaRPr lang="ko-KR" altLang="en-US" sz="1100" b="0" dirty="0">
+                        <a:latin typeface="+mn-lt"/>
+                      </a:endParaRPr>
+                    </a:p>
+                  </a:txBody>
+                  <a:tcPr/>
+                </a:tc>
+                <a:tc>
+                  <a:txBody>
+                    <a:bodyPr/>
+                    <a:lstStyle/>
+                    <a:p>
+                      <a:pPr algn="l"/>
+                      <a:endParaRPr lang="ko-KR" altLang="en-US" sz="1100" b="0" dirty="0">
+                        <a:latin typeface="+mn-lt"/>
+                      </a:endParaRPr>
+                    </a:p>
+                  </a:txBody>
+                  <a:tcPr/>
+                </a:tc>
+                <a:extLst>
+                  <a:ext uri="{0D108BD9-81ED-4DB2-BD59-A6C34878D82A}">
+                    <a16:rowId xmlns:a16="http://schemas.microsoft.com/office/drawing/2014/main" val="832280739"/>
+                  </a:ext>
+                </a:extLst>
+              </a:tr>
+            </a:tbl>
+          </a:graphicData>
+        </a:graphic>
+      </p:graphicFrame>
+    </p:spTree>
+    <p:extLst>
+      <p:ext uri="{BB962C8B-B14F-4D97-AF65-F5344CB8AC3E}">
+        <p14:creationId xmlns:p14="http://schemas.microsoft.com/office/powerpoint/2010/main" val="3471859230"/>
+      </p:ext>
+    </p:extLst>
+  </p:cSld>
+  <p:clrMapOvr>
+    <a:masterClrMapping/>
+  </p:clrMapOvr>
+</p:sld>
+</file>
+
+<file path=ppt/slides/slide5.xml><?xml version="1.0" encoding="utf-8"?>
+<p:sld xmlns:a="http://schemas.openxmlformats.org/drawingml/2006/main" xmlns:r="http://schemas.openxmlformats.org/officeDocument/2006/relationships" xmlns:p="http://schemas.openxmlformats.org/presentationml/2006/main">
+  <p:cSld>
+    <p:spTree>
+      <p:nvGrpSpPr>
+        <p:cNvPr id="1" name=""/>
+        <p:cNvGrpSpPr/>
+        <p:nvPr/>
+      </p:nvGrpSpPr>
+      <p:grpSpPr>
+        <a:xfrm>
+          <a:off x="0" y="0"/>
+          <a:ext cx="0" cy="0"/>
+          <a:chOff x="0" y="0"/>
+          <a:chExt cx="0" cy="0"/>
+        </a:xfrm>
+      </p:grpSpPr>
+      <p:sp>
+        <p:nvSpPr>
+          <p:cNvPr id="4" name="TextBox 3"/>
+          <p:cNvSpPr txBox="1"/>
+          <p:nvPr/>
+        </p:nvSpPr>
+        <p:spPr>
+          <a:xfrm>
+            <a:off x="119021" y="90351"/>
+            <a:ext cx="2487368" cy="369332"/>
+          </a:xfrm>
+          <a:prstGeom prst="rect">
+            <a:avLst/>
+          </a:prstGeom>
+          <a:noFill/>
+        </p:spPr>
+        <p:txBody>
+          <a:bodyPr wrap="square" rtlCol="0">
+            <a:spAutoFit/>
+          </a:bodyPr>
+          <a:lstStyle/>
+          <a:p>
+            <a:r>
+              <a:rPr lang="en-US" altLang="ko-KR" dirty="0" smtClean="0"/>
+              <a:t>100</a:t>
+            </a:r>
+            <a:r>
+              <a:rPr lang="en-US" altLang="ko-KR" dirty="0" smtClean="0"/>
+              <a:t>. </a:t>
+            </a:r>
+            <a:r>
+              <a:rPr lang="ko-KR" altLang="en-US" dirty="0" smtClean="0"/>
+              <a:t>객체 검출 모델</a:t>
+            </a:r>
+            <a:endParaRPr lang="ko-KR" altLang="en-US" dirty="0"/>
+          </a:p>
+        </p:txBody>
+      </p:sp>
+      <p:graphicFrame>
+        <p:nvGraphicFramePr>
+          <p:cNvPr id="5" name="표 4"/>
+          <p:cNvGraphicFramePr>
+            <a:graphicFrameLocks noGrp="1"/>
+          </p:cNvGraphicFramePr>
+          <p:nvPr>
+            <p:extLst/>
+          </p:nvPr>
+        </p:nvGraphicFramePr>
+        <p:xfrm>
+          <a:off x="591129" y="645998"/>
+          <a:ext cx="10954329" cy="3722898"/>
+        </p:xfrm>
+        <a:graphic>
+          <a:graphicData uri="http://schemas.openxmlformats.org/drawingml/2006/table">
+            <a:tbl>
+              <a:tblPr firstRow="1" bandRow="1">
+                <a:tableStyleId>{5C22544A-7EE6-4342-B048-85BDC9FD1C3A}</a:tableStyleId>
+              </a:tblPr>
+              <a:tblGrid>
+                <a:gridCol w="3116347">
+                  <a:extLst>
+                    <a:ext uri="{9D8B030D-6E8A-4147-A177-3AD203B41FA5}">
+                      <a16:colId xmlns:a16="http://schemas.microsoft.com/office/drawing/2014/main" val="1743751497"/>
+                    </a:ext>
+                  </a:extLst>
+                </a:gridCol>
+                <a:gridCol w="5527965">
+                  <a:extLst>
+                    <a:ext uri="{9D8B030D-6E8A-4147-A177-3AD203B41FA5}">
+                      <a16:colId xmlns:a16="http://schemas.microsoft.com/office/drawing/2014/main" val="3622141280"/>
+                    </a:ext>
+                  </a:extLst>
+                </a:gridCol>
+                <a:gridCol w="1172095">
+                  <a:extLst>
+                    <a:ext uri="{9D8B030D-6E8A-4147-A177-3AD203B41FA5}">
+                      <a16:colId xmlns:a16="http://schemas.microsoft.com/office/drawing/2014/main" val="810755831"/>
+                    </a:ext>
+                  </a:extLst>
+                </a:gridCol>
+                <a:gridCol w="1137922">
+                  <a:extLst>
+                    <a:ext uri="{9D8B030D-6E8A-4147-A177-3AD203B41FA5}">
+                      <a16:colId xmlns:a16="http://schemas.microsoft.com/office/drawing/2014/main" val="4294028658"/>
+                    </a:ext>
+                  </a:extLst>
+                </a:gridCol>
+              </a:tblGrid>
+              <a:tr h="236234">
+                <a:tc>
+                  <a:txBody>
+                    <a:bodyPr/>
+                    <a:lstStyle/>
+                    <a:p>
+                      <a:pPr algn="ctr" latinLnBrk="1"/>
+                      <a:r>
+                        <a:rPr lang="ko-KR" altLang="en-US" dirty="0" smtClean="0"/>
+                        <a:t>모델명</a:t>
+                      </a:r>
+                      <a:endParaRPr lang="ko-KR" altLang="en-US" dirty="0"/>
+                    </a:p>
+                  </a:txBody>
+                  <a:tcPr/>
+                </a:tc>
+                <a:tc>
+                  <a:txBody>
+                    <a:bodyPr/>
+                    <a:lstStyle/>
+                    <a:p>
+                      <a:pPr algn="ctr" latinLnBrk="1"/>
+                      <a:r>
+                        <a:rPr lang="ko-KR" altLang="en-US" dirty="0" smtClean="0"/>
+                        <a:t>링크</a:t>
+                      </a:r>
+                      <a:endParaRPr lang="ko-KR" altLang="en-US" dirty="0"/>
+                    </a:p>
+                  </a:txBody>
+                  <a:tcPr/>
+                </a:tc>
+                <a:tc>
+                  <a:txBody>
+                    <a:bodyPr/>
+                    <a:lstStyle/>
+                    <a:p>
+                      <a:pPr algn="ctr" latinLnBrk="1"/>
+                      <a:r>
+                        <a:rPr lang="ko-KR" altLang="en-US" dirty="0" smtClean="0"/>
+                        <a:t>이미지</a:t>
+                      </a:r>
+                      <a:endParaRPr lang="ko-KR" altLang="en-US" dirty="0"/>
+                    </a:p>
+                  </a:txBody>
+                  <a:tcPr/>
+                </a:tc>
+                <a:tc>
+                  <a:txBody>
+                    <a:bodyPr/>
+                    <a:lstStyle/>
+                    <a:p>
+                      <a:pPr algn="ctr" latinLnBrk="1"/>
+                      <a:r>
+                        <a:rPr lang="ko-KR" altLang="en-US" dirty="0" smtClean="0"/>
+                        <a:t>영상</a:t>
+                      </a:r>
+                      <a:endParaRPr lang="ko-KR" altLang="en-US" dirty="0"/>
+                    </a:p>
+                  </a:txBody>
+                  <a:tcPr/>
+                </a:tc>
+                <a:extLst>
+                  <a:ext uri="{0D108BD9-81ED-4DB2-BD59-A6C34878D82A}">
+                    <a16:rowId xmlns:a16="http://schemas.microsoft.com/office/drawing/2014/main" val="2265883726"/>
+                  </a:ext>
+                </a:extLst>
+              </a:tr>
+              <a:tr h="309138">
+                <a:tc>
+                  <a:txBody>
+                    <a:bodyPr/>
+                    <a:lstStyle/>
+                    <a:p>
+                      <a:pPr algn="l"/>
+                      <a:r>
+                        <a:rPr lang="en-US" altLang="ko-KR" sz="1400" b="0" i="0" kern="1200" dirty="0" smtClean="0">
+                          <a:solidFill>
+                            <a:schemeClr val="dk1"/>
+                          </a:solidFill>
+                          <a:effectLst/>
+                          <a:latin typeface="+mn-lt"/>
+                          <a:ea typeface="+mn-ea"/>
+                          <a:cs typeface="+mn-cs"/>
+                        </a:rPr>
+                        <a:t>openimages_v4/</a:t>
+                      </a:r>
+                      <a:r>
+                        <a:rPr lang="en-US" altLang="ko-KR" sz="1400" b="0" i="0" kern="1200" dirty="0" err="1" smtClean="0">
+                          <a:solidFill>
+                            <a:schemeClr val="dk1"/>
+                          </a:solidFill>
+                          <a:effectLst/>
+                          <a:latin typeface="+mn-lt"/>
+                          <a:ea typeface="+mn-ea"/>
+                          <a:cs typeface="+mn-cs"/>
+                        </a:rPr>
+                        <a:t>ssd</a:t>
+                      </a:r>
+                      <a:r>
+                        <a:rPr lang="en-US" altLang="ko-KR" sz="1400" b="0" i="0" kern="1200" dirty="0" smtClean="0">
+                          <a:solidFill>
+                            <a:schemeClr val="dk1"/>
+                          </a:solidFill>
+                          <a:effectLst/>
+                          <a:latin typeface="+mn-lt"/>
+                          <a:ea typeface="+mn-ea"/>
+                          <a:cs typeface="+mn-cs"/>
+                        </a:rPr>
+                        <a:t>/mobilenet_v2</a:t>
+                      </a:r>
+                      <a:endParaRPr lang="en-US" altLang="ko-KR" sz="1400" b="0" i="0" kern="1200" dirty="0">
+                        <a:solidFill>
+                          <a:schemeClr val="dk1"/>
+                        </a:solidFill>
+                        <a:effectLst/>
+                        <a:latin typeface="+mn-lt"/>
+                        <a:ea typeface="+mn-ea"/>
+                        <a:cs typeface="+mn-cs"/>
+                      </a:endParaRPr>
+                    </a:p>
+                  </a:txBody>
+                  <a:tcPr/>
+                </a:tc>
+                <a:tc>
+                  <a:txBody>
+                    <a:bodyPr/>
+                    <a:lstStyle/>
+                    <a:p>
+                      <a:pPr algn="l" latinLnBrk="1"/>
+                      <a:r>
+                        <a:rPr lang="en-US" altLang="ko-KR" sz="1400" b="0" dirty="0" smtClean="0">
+                          <a:latin typeface="+mn-lt"/>
+                        </a:rPr>
+                        <a:t>https://tfhub.dev/google/openimages_v4/ssd/mobilenet_v2/1</a:t>
+                      </a:r>
+                      <a:endParaRPr lang="ko-KR" altLang="en-US" sz="1400" b="0" dirty="0">
+                        <a:latin typeface="+mn-lt"/>
+                      </a:endParaRPr>
+                    </a:p>
+                  </a:txBody>
+                  <a:tcPr/>
+                </a:tc>
+                <a:tc>
+                  <a:txBody>
+                    <a:bodyPr/>
+                    <a:lstStyle/>
+                    <a:p>
+                      <a:pPr algn="ctr" latinLnBrk="1"/>
+                      <a:r>
+                        <a:rPr lang="en-US" altLang="ko-KR" sz="1400" b="0" dirty="0" smtClean="0">
+                          <a:latin typeface="+mn-lt"/>
+                        </a:rPr>
+                        <a:t>O</a:t>
+                      </a:r>
+                    </a:p>
+                  </a:txBody>
+                  <a:tcPr/>
+                </a:tc>
+                <a:tc>
+                  <a:txBody>
+                    <a:bodyPr/>
+                    <a:lstStyle/>
+                    <a:p>
+                      <a:pPr marL="0" marR="0" indent="0" algn="ctr" defTabSz="914400" rtl="0" eaLnBrk="1" fontAlgn="auto" latinLnBrk="1" hangingPunct="1">
+                        <a:lnSpc>
+                          <a:spcPct val="100000"/>
+                        </a:lnSpc>
+                        <a:spcBef>
+                          <a:spcPts val="0"/>
+                        </a:spcBef>
+                        <a:spcAft>
+                          <a:spcPts val="0"/>
+                        </a:spcAft>
+                        <a:buClrTx/>
+                        <a:buSzTx/>
+                        <a:buFontTx/>
+                        <a:buNone/>
+                        <a:tabLst/>
+                        <a:defRPr/>
+                      </a:pPr>
+                      <a:endParaRPr lang="ko-KR" altLang="en-US" sz="1400" b="0" dirty="0" smtClean="0">
+                        <a:latin typeface="+mn-lt"/>
+                      </a:endParaRPr>
+                    </a:p>
+                  </a:txBody>
+                  <a:tcPr/>
+                </a:tc>
+                <a:extLst>
+                  <a:ext uri="{0D108BD9-81ED-4DB2-BD59-A6C34878D82A}">
+                    <a16:rowId xmlns:a16="http://schemas.microsoft.com/office/drawing/2014/main" val="2031216518"/>
+                  </a:ext>
+                </a:extLst>
+              </a:tr>
+              <a:tr h="0">
+                <a:tc>
+                  <a:txBody>
+                    <a:bodyPr/>
+                    <a:lstStyle/>
+                    <a:p>
+                      <a:pPr algn="l" latinLnBrk="1"/>
+                      <a:endParaRPr lang="ko-KR" altLang="en-US" sz="1400" b="0" dirty="0">
+                        <a:latin typeface="+mn-lt"/>
+                      </a:endParaRPr>
+                    </a:p>
+                  </a:txBody>
+                  <a:tcPr/>
+                </a:tc>
+                <a:tc>
+                  <a:txBody>
+                    <a:bodyPr/>
+                    <a:lstStyle/>
+                    <a:p>
+                      <a:pPr algn="l" latinLnBrk="1"/>
+                      <a:endParaRPr lang="ko-KR" altLang="en-US" sz="1400" b="0" dirty="0">
+                        <a:latin typeface="+mn-lt"/>
+                      </a:endParaRPr>
+                    </a:p>
+                  </a:txBody>
+                  <a:tcPr/>
+                </a:tc>
+                <a:tc>
+                  <a:txBody>
+                    <a:bodyPr/>
+                    <a:lstStyle/>
+                    <a:p>
+                      <a:pPr algn="ctr"/>
+                      <a:endParaRPr lang="ko-KR" altLang="en-US" sz="1400" b="0" dirty="0">
+                        <a:latin typeface="+mn-lt"/>
+                      </a:endParaRPr>
+                    </a:p>
+                  </a:txBody>
+                  <a:tcPr/>
+                </a:tc>
+                <a:tc>
+                  <a:txBody>
+                    <a:bodyPr/>
+                    <a:lstStyle/>
+                    <a:p>
+                      <a:pPr algn="ctr"/>
+                      <a:endParaRPr lang="ko-KR" altLang="en-US" sz="1400" b="0" dirty="0">
+                        <a:latin typeface="+mn-lt"/>
+                      </a:endParaRPr>
+                    </a:p>
+                  </a:txBody>
+                  <a:tcPr/>
+                </a:tc>
+                <a:extLst>
+                  <a:ext uri="{0D108BD9-81ED-4DB2-BD59-A6C34878D82A}">
+                    <a16:rowId xmlns:a16="http://schemas.microsoft.com/office/drawing/2014/main" val="3175459798"/>
+                  </a:ext>
+                </a:extLst>
+              </a:tr>
+              <a:tr h="273384">
+                <a:tc>
+                  <a:txBody>
+                    <a:bodyPr/>
+                    <a:lstStyle/>
+                    <a:p>
+                      <a:pPr algn="l" latinLnBrk="1"/>
+                      <a:endParaRPr lang="ko-KR" altLang="en-US" sz="1400" b="0" dirty="0">
+                        <a:latin typeface="+mn-lt"/>
+                      </a:endParaRPr>
+                    </a:p>
+                  </a:txBody>
+                  <a:tcPr/>
+                </a:tc>
+                <a:tc>
+                  <a:txBody>
+                    <a:bodyPr/>
+                    <a:lstStyle/>
+                    <a:p>
+                      <a:pPr algn="l" latinLnBrk="1"/>
+                      <a:endParaRPr lang="ko-KR" altLang="en-US" sz="1400" b="0" dirty="0">
+                        <a:latin typeface="+mn-lt"/>
+                      </a:endParaRPr>
+                    </a:p>
+                  </a:txBody>
+                  <a:tcPr/>
+                </a:tc>
+                <a:tc>
+                  <a:txBody>
+                    <a:bodyPr/>
+                    <a:lstStyle/>
+                    <a:p>
+                      <a:pPr algn="ctr"/>
+                      <a:endParaRPr lang="ko-KR" altLang="en-US" sz="1400" b="0" dirty="0">
+                        <a:latin typeface="+mn-lt"/>
+                      </a:endParaRPr>
+                    </a:p>
+                  </a:txBody>
+                  <a:tcPr/>
+                </a:tc>
+                <a:tc>
+                  <a:txBody>
+                    <a:bodyPr/>
+                    <a:lstStyle/>
+                    <a:p>
+                      <a:pPr algn="ctr"/>
+                      <a:endParaRPr lang="ko-KR" altLang="en-US" sz="1400" b="0" dirty="0">
+                        <a:latin typeface="+mn-lt"/>
+                      </a:endParaRPr>
+                    </a:p>
+                  </a:txBody>
+                  <a:tcPr/>
+                </a:tc>
+                <a:extLst>
+                  <a:ext uri="{0D108BD9-81ED-4DB2-BD59-A6C34878D82A}">
+                    <a16:rowId xmlns:a16="http://schemas.microsoft.com/office/drawing/2014/main" val="832280739"/>
+                  </a:ext>
+                </a:extLst>
+              </a:tr>
+              <a:tr h="241969">
+                <a:tc>
+                  <a:txBody>
+                    <a:bodyPr/>
+                    <a:lstStyle/>
+                    <a:p>
+                      <a:pPr algn="l" latinLnBrk="1"/>
+                      <a:endParaRPr lang="ko-KR" altLang="en-US" sz="1400" b="0" dirty="0">
+                        <a:latin typeface="+mn-lt"/>
+                      </a:endParaRPr>
+                    </a:p>
+                  </a:txBody>
+                  <a:tcPr/>
+                </a:tc>
+                <a:tc>
+                  <a:txBody>
+                    <a:bodyPr/>
+                    <a:lstStyle/>
+                    <a:p>
+                      <a:pPr algn="l" latinLnBrk="1"/>
+                      <a:endParaRPr lang="ko-KR" altLang="en-US" sz="1400" b="0" dirty="0">
+                        <a:latin typeface="+mn-lt"/>
+                      </a:endParaRPr>
+                    </a:p>
+                  </a:txBody>
+                  <a:tcPr/>
+                </a:tc>
+                <a:tc>
+                  <a:txBody>
+                    <a:bodyPr/>
+                    <a:lstStyle/>
+                    <a:p>
+                      <a:pPr algn="ctr"/>
+                      <a:endParaRPr lang="ko-KR" altLang="en-US" sz="1400" b="0" dirty="0">
+                        <a:latin typeface="+mn-lt"/>
+                      </a:endParaRPr>
+                    </a:p>
+                  </a:txBody>
+                  <a:tcPr/>
+                </a:tc>
+                <a:tc>
+                  <a:txBody>
+                    <a:bodyPr/>
+                    <a:lstStyle/>
+                    <a:p>
+                      <a:pPr algn="ctr"/>
+                      <a:endParaRPr lang="ko-KR" altLang="en-US" sz="1400" b="0" dirty="0">
+                        <a:latin typeface="+mn-lt"/>
+                      </a:endParaRPr>
+                    </a:p>
+                  </a:txBody>
+                  <a:tcPr/>
+                </a:tc>
+                <a:extLst>
+                  <a:ext uri="{0D108BD9-81ED-4DB2-BD59-A6C34878D82A}">
+                    <a16:rowId xmlns:a16="http://schemas.microsoft.com/office/drawing/2014/main" val="801570880"/>
+                  </a:ext>
+                </a:extLst>
+              </a:tr>
+              <a:tr h="210553">
+                <a:tc>
+                  <a:txBody>
+                    <a:bodyPr/>
+                    <a:lstStyle/>
+                    <a:p>
+                      <a:pPr algn="l" latinLnBrk="1"/>
+                      <a:endParaRPr lang="ko-KR" altLang="en-US" sz="1400" b="0" dirty="0">
+                        <a:latin typeface="+mn-lt"/>
+                      </a:endParaRPr>
+                    </a:p>
+                  </a:txBody>
+                  <a:tcPr/>
+                </a:tc>
+                <a:tc>
+                  <a:txBody>
+                    <a:bodyPr/>
+                    <a:lstStyle/>
+                    <a:p>
+                      <a:pPr algn="l" latinLnBrk="1"/>
+                      <a:endParaRPr lang="ko-KR" altLang="en-US" sz="1400" b="0" dirty="0">
+                        <a:latin typeface="+mn-lt"/>
+                      </a:endParaRPr>
+                    </a:p>
+                  </a:txBody>
+                  <a:tcPr/>
+                </a:tc>
+                <a:tc>
+                  <a:txBody>
+                    <a:bodyPr/>
+                    <a:lstStyle/>
+                    <a:p>
+                      <a:pPr algn="ctr"/>
+                      <a:endParaRPr lang="ko-KR" altLang="en-US" sz="1400" b="0" dirty="0">
+                        <a:latin typeface="+mn-lt"/>
+                      </a:endParaRPr>
+                    </a:p>
+                  </a:txBody>
+                  <a:tcPr/>
+                </a:tc>
+                <a:tc>
+                  <a:txBody>
+                    <a:bodyPr/>
+                    <a:lstStyle/>
+                    <a:p>
+                      <a:pPr algn="ctr"/>
+                      <a:endParaRPr lang="ko-KR" altLang="en-US" sz="1400" b="0" dirty="0">
+                        <a:latin typeface="+mn-lt"/>
+                      </a:endParaRPr>
+                    </a:p>
+                  </a:txBody>
+                  <a:tcPr/>
+                </a:tc>
+                <a:extLst>
+                  <a:ext uri="{0D108BD9-81ED-4DB2-BD59-A6C34878D82A}">
+                    <a16:rowId xmlns:a16="http://schemas.microsoft.com/office/drawing/2014/main" val="995764143"/>
+                  </a:ext>
+                </a:extLst>
+              </a:tr>
+              <a:tr h="179138">
+                <a:tc>
+                  <a:txBody>
+                    <a:bodyPr/>
+                    <a:lstStyle/>
+                    <a:p>
+                      <a:pPr algn="l" latinLnBrk="1"/>
+                      <a:endParaRPr lang="ko-KR" altLang="en-US" sz="1400" b="0" dirty="0">
+                        <a:latin typeface="+mn-lt"/>
+                      </a:endParaRPr>
+                    </a:p>
+                  </a:txBody>
+                  <a:tcPr/>
+                </a:tc>
+                <a:tc>
+                  <a:txBody>
+                    <a:bodyPr/>
+                    <a:lstStyle/>
+                    <a:p>
+                      <a:pPr algn="l" latinLnBrk="1"/>
+                      <a:endParaRPr lang="ko-KR" altLang="en-US" sz="1400" b="0" dirty="0">
+                        <a:latin typeface="+mn-lt"/>
+                      </a:endParaRPr>
+                    </a:p>
+                  </a:txBody>
+                  <a:tcPr/>
+                </a:tc>
+                <a:tc>
+                  <a:txBody>
+                    <a:bodyPr/>
+                    <a:lstStyle/>
+                    <a:p>
+                      <a:pPr algn="ctr"/>
+                      <a:endParaRPr lang="ko-KR" altLang="en-US" sz="1400" b="0" dirty="0">
+                        <a:latin typeface="+mn-lt"/>
+                      </a:endParaRPr>
+                    </a:p>
+                  </a:txBody>
+                  <a:tcPr/>
+                </a:tc>
+                <a:tc>
+                  <a:txBody>
+                    <a:bodyPr/>
+                    <a:lstStyle/>
+                    <a:p>
+                      <a:pPr algn="ctr"/>
+                      <a:endParaRPr lang="ko-KR" altLang="en-US" sz="1400" b="0" dirty="0">
+                        <a:latin typeface="+mn-lt"/>
+                      </a:endParaRPr>
+                    </a:p>
+                  </a:txBody>
+                  <a:tcPr/>
+                </a:tc>
+                <a:extLst>
+                  <a:ext uri="{0D108BD9-81ED-4DB2-BD59-A6C34878D82A}">
+                    <a16:rowId xmlns:a16="http://schemas.microsoft.com/office/drawing/2014/main" val="639939688"/>
+                  </a:ext>
+                </a:extLst>
+              </a:tr>
+              <a:tr h="147722">
+                <a:tc>
+                  <a:txBody>
+                    <a:bodyPr/>
+                    <a:lstStyle/>
+                    <a:p>
+                      <a:pPr algn="l" latinLnBrk="1"/>
+                      <a:endParaRPr lang="ko-KR" altLang="en-US" sz="1400" b="0" dirty="0">
+                        <a:latin typeface="+mn-lt"/>
+                      </a:endParaRPr>
+                    </a:p>
+                  </a:txBody>
+                  <a:tcPr/>
+                </a:tc>
+                <a:tc>
+                  <a:txBody>
+                    <a:bodyPr/>
+                    <a:lstStyle/>
+                    <a:p>
+                      <a:pPr algn="l" latinLnBrk="1"/>
+                      <a:endParaRPr lang="ko-KR" altLang="en-US" sz="1400" b="0" dirty="0">
+                        <a:latin typeface="+mn-lt"/>
+                      </a:endParaRPr>
+                    </a:p>
+                  </a:txBody>
+                  <a:tcPr/>
+                </a:tc>
+                <a:tc>
+                  <a:txBody>
+                    <a:bodyPr/>
+                    <a:lstStyle/>
+                    <a:p>
+                      <a:pPr algn="ctr"/>
+                      <a:endParaRPr lang="ko-KR" altLang="en-US" sz="1400" b="0" dirty="0">
+                        <a:latin typeface="+mn-lt"/>
+                      </a:endParaRPr>
+                    </a:p>
+                  </a:txBody>
+                  <a:tcPr/>
+                </a:tc>
+                <a:tc>
+                  <a:txBody>
+                    <a:bodyPr/>
+                    <a:lstStyle/>
+                    <a:p>
+                      <a:pPr algn="ctr"/>
+                      <a:endParaRPr lang="ko-KR" altLang="en-US" sz="1400" b="0" dirty="0">
+                        <a:latin typeface="+mn-lt"/>
+                      </a:endParaRPr>
+                    </a:p>
+                  </a:txBody>
+                  <a:tcPr/>
+                </a:tc>
+                <a:extLst>
+                  <a:ext uri="{0D108BD9-81ED-4DB2-BD59-A6C34878D82A}">
+                    <a16:rowId xmlns:a16="http://schemas.microsoft.com/office/drawing/2014/main" val="3572586301"/>
+                  </a:ext>
+                </a:extLst>
+              </a:tr>
+              <a:tr h="0">
+                <a:tc>
+                  <a:txBody>
+                    <a:bodyPr/>
+                    <a:lstStyle/>
+                    <a:p>
+                      <a:pPr algn="l" latinLnBrk="1"/>
+                      <a:endParaRPr lang="ko-KR" altLang="en-US" sz="1400" b="0" dirty="0">
+                        <a:latin typeface="+mn-lt"/>
+                      </a:endParaRPr>
+                    </a:p>
+                  </a:txBody>
+                  <a:tcPr/>
+                </a:tc>
+                <a:tc>
+                  <a:txBody>
+                    <a:bodyPr/>
+                    <a:lstStyle/>
+                    <a:p>
+                      <a:pPr algn="l" latinLnBrk="1"/>
+                      <a:endParaRPr lang="ko-KR" altLang="en-US" sz="1400" b="0" dirty="0">
+                        <a:latin typeface="+mn-lt"/>
+                      </a:endParaRPr>
+                    </a:p>
+                  </a:txBody>
+                  <a:tcPr/>
+                </a:tc>
+                <a:tc>
+                  <a:txBody>
+                    <a:bodyPr/>
+                    <a:lstStyle/>
+                    <a:p>
+                      <a:pPr algn="ctr"/>
+                      <a:endParaRPr lang="ko-KR" altLang="en-US" sz="1400" b="0" dirty="0">
+                        <a:latin typeface="+mn-lt"/>
+                      </a:endParaRPr>
+                    </a:p>
+                  </a:txBody>
+                  <a:tcPr/>
+                </a:tc>
+                <a:tc>
+                  <a:txBody>
+                    <a:bodyPr/>
+                    <a:lstStyle/>
+                    <a:p>
+                      <a:pPr algn="ctr"/>
+                      <a:endParaRPr lang="ko-KR" altLang="en-US" sz="1400" b="0" dirty="0">
+                        <a:latin typeface="+mn-lt"/>
+                      </a:endParaRPr>
+                    </a:p>
+                  </a:txBody>
+                  <a:tcPr/>
+                </a:tc>
+                <a:extLst>
+                  <a:ext uri="{0D108BD9-81ED-4DB2-BD59-A6C34878D82A}">
+                    <a16:rowId xmlns:a16="http://schemas.microsoft.com/office/drawing/2014/main" val="2877986568"/>
+                  </a:ext>
+                </a:extLst>
+              </a:tr>
+              <a:tr h="0">
+                <a:tc>
+                  <a:txBody>
+                    <a:bodyPr/>
+                    <a:lstStyle/>
+                    <a:p>
+                      <a:pPr algn="l" latinLnBrk="1"/>
+                      <a:endParaRPr lang="ko-KR" altLang="en-US" sz="1400" b="0" dirty="0">
+                        <a:latin typeface="+mn-lt"/>
+                      </a:endParaRPr>
+                    </a:p>
+                  </a:txBody>
+                  <a:tcPr/>
+                </a:tc>
+                <a:tc>
+                  <a:txBody>
+                    <a:bodyPr/>
+                    <a:lstStyle/>
+                    <a:p>
+                      <a:pPr algn="l" latinLnBrk="1"/>
+                      <a:endParaRPr lang="ko-KR" altLang="en-US" sz="1400" b="0" dirty="0">
+                        <a:latin typeface="+mn-lt"/>
+                      </a:endParaRPr>
+                    </a:p>
+                  </a:txBody>
+                  <a:tcPr/>
+                </a:tc>
+                <a:tc>
+                  <a:txBody>
+                    <a:bodyPr/>
+                    <a:lstStyle/>
+                    <a:p>
+                      <a:pPr algn="ctr"/>
+                      <a:endParaRPr lang="ko-KR" altLang="en-US" sz="1400" b="0" dirty="0">
+                        <a:latin typeface="+mn-lt"/>
+                      </a:endParaRPr>
+                    </a:p>
+                  </a:txBody>
+                  <a:tcPr/>
+                </a:tc>
+                <a:tc>
+                  <a:txBody>
+                    <a:bodyPr/>
+                    <a:lstStyle/>
+                    <a:p>
+                      <a:pPr algn="ctr"/>
+                      <a:endParaRPr lang="ko-KR" altLang="en-US" sz="1400" b="0" dirty="0">
+                        <a:latin typeface="+mn-lt"/>
+                      </a:endParaRPr>
+                    </a:p>
+                  </a:txBody>
+                  <a:tcPr/>
+                </a:tc>
+                <a:extLst>
+                  <a:ext uri="{0D108BD9-81ED-4DB2-BD59-A6C34878D82A}">
+                    <a16:rowId xmlns:a16="http://schemas.microsoft.com/office/drawing/2014/main" val="815805170"/>
+                  </a:ext>
+                </a:extLst>
+              </a:tr>
+              <a:tr h="0">
+                <a:tc>
+                  <a:txBody>
+                    <a:bodyPr/>
+                    <a:lstStyle/>
+                    <a:p>
+                      <a:pPr algn="l" latinLnBrk="1"/>
+                      <a:endParaRPr lang="ko-KR" altLang="en-US" sz="1400" b="0" dirty="0">
+                        <a:latin typeface="+mn-lt"/>
+                      </a:endParaRPr>
+                    </a:p>
+                  </a:txBody>
+                  <a:tcPr/>
+                </a:tc>
+                <a:tc>
+                  <a:txBody>
+                    <a:bodyPr/>
+                    <a:lstStyle/>
+                    <a:p>
+                      <a:pPr algn="l" latinLnBrk="1"/>
+                      <a:endParaRPr lang="ko-KR" altLang="en-US" sz="1400" b="0" dirty="0">
+                        <a:latin typeface="+mn-lt"/>
+                      </a:endParaRPr>
+                    </a:p>
+                  </a:txBody>
+                  <a:tcPr/>
+                </a:tc>
+                <a:tc>
+                  <a:txBody>
+                    <a:bodyPr/>
+                    <a:lstStyle/>
+                    <a:p>
+                      <a:pPr algn="ctr"/>
+                      <a:endParaRPr lang="ko-KR" altLang="en-US" sz="1400" b="0" dirty="0">
+                        <a:latin typeface="+mn-lt"/>
+                      </a:endParaRPr>
+                    </a:p>
+                  </a:txBody>
+                  <a:tcPr/>
+                </a:tc>
+                <a:tc>
+                  <a:txBody>
+                    <a:bodyPr/>
+                    <a:lstStyle/>
+                    <a:p>
+                      <a:pPr algn="ctr"/>
+                      <a:endParaRPr lang="ko-KR" altLang="en-US" sz="1400" b="0" dirty="0">
+                        <a:latin typeface="+mn-lt"/>
+                      </a:endParaRPr>
+                    </a:p>
+                  </a:txBody>
+                  <a:tcPr/>
+                </a:tc>
+                <a:extLst>
+                  <a:ext uri="{0D108BD9-81ED-4DB2-BD59-A6C34878D82A}">
+                    <a16:rowId xmlns:a16="http://schemas.microsoft.com/office/drawing/2014/main" val="1416409536"/>
+                  </a:ext>
+                </a:extLst>
+              </a:tr>
+              <a:tr h="0">
+                <a:tc>
+                  <a:txBody>
+                    <a:bodyPr/>
+                    <a:lstStyle/>
+                    <a:p>
+                      <a:pPr algn="l" latinLnBrk="1"/>
+                      <a:endParaRPr lang="ko-KR" altLang="en-US" sz="1400" b="0" dirty="0">
+                        <a:latin typeface="+mn-lt"/>
+                      </a:endParaRPr>
+                    </a:p>
+                  </a:txBody>
+                  <a:tcPr/>
+                </a:tc>
+                <a:tc>
+                  <a:txBody>
+                    <a:bodyPr/>
+                    <a:lstStyle/>
+                    <a:p>
+                      <a:pPr algn="l" latinLnBrk="1"/>
+                      <a:endParaRPr lang="ko-KR" altLang="en-US" sz="1400" b="0" dirty="0">
+                        <a:latin typeface="+mn-lt"/>
+                      </a:endParaRPr>
+                    </a:p>
+                  </a:txBody>
+                  <a:tcPr/>
+                </a:tc>
+                <a:tc>
+                  <a:txBody>
+                    <a:bodyPr/>
+                    <a:lstStyle/>
+                    <a:p>
+                      <a:pPr algn="ctr"/>
+                      <a:endParaRPr lang="ko-KR" altLang="en-US" sz="1400" b="0" dirty="0">
+                        <a:latin typeface="+mn-lt"/>
+                      </a:endParaRPr>
+                    </a:p>
+                  </a:txBody>
+                  <a:tcPr/>
+                </a:tc>
+                <a:tc>
+                  <a:txBody>
+                    <a:bodyPr/>
+                    <a:lstStyle/>
+                    <a:p>
+                      <a:pPr algn="ctr"/>
+                      <a:endParaRPr lang="ko-KR" altLang="en-US" sz="1400" b="0" dirty="0">
+                        <a:latin typeface="+mn-lt"/>
+                      </a:endParaRPr>
+                    </a:p>
+                  </a:txBody>
+                  <a:tcPr/>
+                </a:tc>
+                <a:extLst>
+                  <a:ext uri="{0D108BD9-81ED-4DB2-BD59-A6C34878D82A}">
+                    <a16:rowId xmlns:a16="http://schemas.microsoft.com/office/drawing/2014/main" val="2828578083"/>
+                  </a:ext>
+                </a:extLst>
+              </a:tr>
+            </a:tbl>
+          </a:graphicData>
+        </a:graphic>
+      </p:graphicFrame>
+    </p:spTree>
+    <p:extLst>
+      <p:ext uri="{BB962C8B-B14F-4D97-AF65-F5344CB8AC3E}">
+        <p14:creationId xmlns:p14="http://schemas.microsoft.com/office/powerpoint/2010/main" val="1199447302"/>
+      </p:ext>
+    </p:extLst>
+  </p:cSld>
+  <p:clrMapOvr>
+    <a:masterClrMapping/>
+  </p:clrMapOvr>
 </p:sld>
 </file>
 

--- a/docs/순서도.pptx
+++ b/docs/순서도.pptx
@@ -11,8 +11,8 @@
     <p:sldId id="256" r:id="rId2"/>
     <p:sldId id="258" r:id="rId3"/>
     <p:sldId id="259" r:id="rId4"/>
-    <p:sldId id="260" r:id="rId5"/>
-    <p:sldId id="261" r:id="rId6"/>
+    <p:sldId id="261" r:id="rId5"/>
+    <p:sldId id="260" r:id="rId6"/>
   </p:sldIdLst>
   <p:sldSz cx="12192000" cy="6858000"/>
   <p:notesSz cx="6858000" cy="9144000"/>
@@ -3375,23 +3375,53 @@
           </a:p>
         </p:txBody>
       </p:sp>
+      <p:sp>
+        <p:nvSpPr>
+          <p:cNvPr id="5" name="TextBox 4"/>
+          <p:cNvSpPr txBox="1"/>
+          <p:nvPr/>
+        </p:nvSpPr>
+        <p:spPr>
+          <a:xfrm>
+            <a:off x="558754" y="4636133"/>
+            <a:ext cx="5208780" cy="369332"/>
+          </a:xfrm>
+          <a:prstGeom prst="rect">
+            <a:avLst/>
+          </a:prstGeom>
+          <a:noFill/>
+        </p:spPr>
+        <p:txBody>
+          <a:bodyPr wrap="square" rtlCol="0">
+            <a:spAutoFit/>
+          </a:bodyPr>
+          <a:lstStyle/>
+          <a:p>
+            <a:r>
+              <a:rPr lang="ko-KR" altLang="en-US" dirty="0" smtClean="0"/>
+              <a:t>지원 형식</a:t>
+            </a:r>
+            <a:endParaRPr lang="en-US" altLang="ko-KR" dirty="0" smtClean="0"/>
+          </a:p>
+        </p:txBody>
+      </p:sp>
       <p:graphicFrame>
         <p:nvGraphicFramePr>
-          <p:cNvPr id="4" name="표 3"/>
+          <p:cNvPr id="6" name="표 5"/>
           <p:cNvGraphicFramePr>
             <a:graphicFrameLocks noGrp="1"/>
           </p:cNvGraphicFramePr>
           <p:nvPr>
             <p:extLst>
               <p:ext uri="{D42A27DB-BD31-4B8C-83A1-F6EECF244321}">
-                <p14:modId xmlns:p14="http://schemas.microsoft.com/office/powerpoint/2010/main" val="3393476118"/>
+                <p14:modId xmlns:p14="http://schemas.microsoft.com/office/powerpoint/2010/main" val="1849987176"/>
               </p:ext>
             </p:extLst>
           </p:nvPr>
         </p:nvGraphicFramePr>
         <p:xfrm>
-          <a:off x="591129" y="553636"/>
-          <a:ext cx="10954328" cy="1640649"/>
+          <a:off x="558754" y="5007503"/>
+          <a:ext cx="10954328" cy="1511060"/>
         </p:xfrm>
         <a:graphic>
           <a:graphicData uri="http://schemas.openxmlformats.org/drawingml/2006/table">
@@ -3400,21 +3430,21 @@
                 <a:tableStyleId>{5C22544A-7EE6-4342-B048-85BDC9FD1C3A}</a:tableStyleId>
               </a:tblPr>
               <a:tblGrid>
-                <a:gridCol w="2826326">
+                <a:gridCol w="2841151">
                   <a:extLst>
                     <a:ext uri="{9D8B030D-6E8A-4147-A177-3AD203B41FA5}">
                       <a16:colId xmlns:a16="http://schemas.microsoft.com/office/drawing/2014/main" val="1743751497"/>
                     </a:ext>
                   </a:extLst>
                 </a:gridCol>
-                <a:gridCol w="3676072">
+                <a:gridCol w="3732415">
                   <a:extLst>
                     <a:ext uri="{9D8B030D-6E8A-4147-A177-3AD203B41FA5}">
                       <a16:colId xmlns:a16="http://schemas.microsoft.com/office/drawing/2014/main" val="810755831"/>
                     </a:ext>
                   </a:extLst>
                 </a:gridCol>
-                <a:gridCol w="4451930">
+                <a:gridCol w="4380762">
                   <a:extLst>
                     <a:ext uri="{9D8B030D-6E8A-4147-A177-3AD203B41FA5}">
                       <a16:colId xmlns:a16="http://schemas.microsoft.com/office/drawing/2014/main" val="4294028658"/>
@@ -3422,14 +3452,14 @@
                   </a:extLst>
                 </a:gridCol>
               </a:tblGrid>
-              <a:tr h="325356">
+              <a:tr h="364390">
                 <a:tc>
                   <a:txBody>
                     <a:bodyPr/>
                     <a:lstStyle/>
                     <a:p>
                       <a:pPr algn="ctr" latinLnBrk="1"/>
-                      <a:endParaRPr lang="ko-KR" altLang="en-US" dirty="0"/>
+                      <a:endParaRPr lang="ko-KR" altLang="en-US" sz="1400" dirty="0"/>
                     </a:p>
                   </a:txBody>
                   <a:tcPr/>
@@ -3441,10 +3471,10 @@
                     <a:p>
                       <a:pPr algn="ctr" latinLnBrk="1"/>
                       <a:r>
-                        <a:rPr lang="ko-KR" altLang="en-US" dirty="0" smtClean="0"/>
+                        <a:rPr lang="ko-KR" altLang="en-US" sz="1400" dirty="0" smtClean="0"/>
                         <a:t>이미지</a:t>
                       </a:r>
-                      <a:endParaRPr lang="ko-KR" altLang="en-US" dirty="0"/>
+                      <a:endParaRPr lang="ko-KR" altLang="en-US" sz="1400" dirty="0"/>
                     </a:p>
                   </a:txBody>
                   <a:tcPr/>
@@ -3456,10 +3486,10 @@
                     <a:p>
                       <a:pPr algn="ctr" latinLnBrk="1"/>
                       <a:r>
-                        <a:rPr lang="ko-KR" altLang="en-US" dirty="0" smtClean="0"/>
+                        <a:rPr lang="ko-KR" altLang="en-US" sz="1400" dirty="0" smtClean="0"/>
                         <a:t>영상</a:t>
                       </a:r>
-                      <a:endParaRPr lang="ko-KR" altLang="en-US" dirty="0"/>
+                      <a:endParaRPr lang="ko-KR" altLang="en-US" sz="1400" dirty="0"/>
                     </a:p>
                   </a:txBody>
                   <a:tcPr/>
@@ -3470,7 +3500,7 @@
                   </a:ext>
                 </a:extLst>
               </a:tr>
-              <a:tr h="632313">
+              <a:tr h="314012">
                 <a:tc>
                   <a:txBody>
                     <a:bodyPr/>
@@ -3478,14 +3508,10 @@
                     <a:p>
                       <a:pPr algn="ctr" latinLnBrk="1"/>
                       <a:r>
-                        <a:rPr lang="ko-KR" altLang="en-US" dirty="0" smtClean="0"/>
-                        <a:t>원본</a:t>
+                        <a:rPr lang="ko-KR" altLang="en-US" sz="1100" dirty="0" smtClean="0"/>
+                        <a:t>업로드 가능한 포맷</a:t>
                       </a:r>
-                      <a:r>
-                        <a:rPr lang="ko-KR" altLang="en-US" baseline="0" dirty="0" smtClean="0"/>
-                        <a:t> 저장 디렉토리</a:t>
-                      </a:r>
-                      <a:endParaRPr lang="ko-KR" altLang="en-US" dirty="0"/>
+                      <a:endParaRPr lang="ko-KR" altLang="en-US" sz="1100" dirty="0"/>
                     </a:p>
                   </a:txBody>
                   <a:tcPr/>
@@ -3497,46 +3523,14 @@
                     <a:p>
                       <a:pPr latinLnBrk="1"/>
                       <a:r>
-                        <a:rPr lang="en-US" altLang="ko-KR" dirty="0" smtClean="0"/>
-                        <a:t>/image/original/{</a:t>
+                        <a:rPr lang="en-US" altLang="ko-KR" sz="1100" dirty="0" smtClean="0"/>
+                        <a:t>jpg, jpeg, </a:t>
                       </a:r>
                       <a:r>
-                        <a:rPr lang="en-US" altLang="ko-KR" sz="1800" kern="1200" dirty="0" smtClean="0">
-                          <a:solidFill>
-                            <a:schemeClr val="dk1"/>
-                          </a:solidFill>
-                          <a:effectLst/>
-                          <a:latin typeface="+mn-lt"/>
-                          <a:ea typeface="+mn-ea"/>
-                          <a:cs typeface="+mn-cs"/>
-                        </a:rPr>
-                        <a:t>%</a:t>
+                        <a:rPr lang="en-US" altLang="ko-KR" sz="1100" dirty="0" err="1" smtClean="0"/>
+                        <a:t>png</a:t>
                       </a:r>
-                      <a:r>
-                        <a:rPr lang="en-US" altLang="ko-KR" sz="1800" kern="1200" dirty="0" err="1" smtClean="0">
-                          <a:solidFill>
-                            <a:schemeClr val="dk1"/>
-                          </a:solidFill>
-                          <a:effectLst/>
-                          <a:latin typeface="+mn-lt"/>
-                          <a:ea typeface="+mn-ea"/>
-                          <a:cs typeface="+mn-cs"/>
-                        </a:rPr>
-                        <a:t>Y%m%d</a:t>
-                      </a:r>
-                      <a:r>
-                        <a:rPr lang="en-US" altLang="ko-KR" sz="1800" kern="1200" dirty="0" smtClean="0">
-                          <a:solidFill>
-                            <a:schemeClr val="dk1"/>
-                          </a:solidFill>
-                          <a:effectLst/>
-                          <a:latin typeface="+mn-lt"/>
-                          <a:ea typeface="+mn-ea"/>
-                          <a:cs typeface="+mn-cs"/>
-                        </a:rPr>
-                        <a:t>}</a:t>
-                      </a:r>
-                      <a:endParaRPr lang="ko-KR" altLang="en-US" dirty="0"/>
+                      <a:endParaRPr lang="ko-KR" altLang="en-US" sz="1100" dirty="0"/>
                     </a:p>
                   </a:txBody>
                   <a:tcPr/>
@@ -3564,46 +3558,30 @@
                         <a:defRPr/>
                       </a:pPr>
                       <a:r>
-                        <a:rPr lang="en-US" altLang="ko-KR" dirty="0" smtClean="0"/>
-                        <a:t>/video/original/{</a:t>
+                        <a:rPr lang="en-US" altLang="ko-KR" sz="1100" dirty="0" smtClean="0"/>
+                        <a:t>mp4, </a:t>
                       </a:r>
                       <a:r>
-                        <a:rPr lang="en-US" altLang="ko-KR" sz="1800" kern="1200" dirty="0" smtClean="0">
-                          <a:solidFill>
-                            <a:schemeClr val="dk1"/>
-                          </a:solidFill>
-                          <a:effectLst/>
-                          <a:latin typeface="+mn-lt"/>
-                          <a:ea typeface="+mn-ea"/>
-                          <a:cs typeface="+mn-cs"/>
-                        </a:rPr>
-                        <a:t>%</a:t>
+                        <a:rPr lang="en-US" altLang="ko-KR" sz="1100" dirty="0" err="1" smtClean="0"/>
+                        <a:t>avi</a:t>
                       </a:r>
                       <a:r>
-                        <a:rPr lang="en-US" altLang="ko-KR" sz="1800" kern="1200" dirty="0" err="1" smtClean="0">
-                          <a:solidFill>
-                            <a:schemeClr val="dk1"/>
-                          </a:solidFill>
-                          <a:effectLst/>
-                          <a:latin typeface="+mn-lt"/>
-                          <a:ea typeface="+mn-ea"/>
-                          <a:cs typeface="+mn-cs"/>
-                        </a:rPr>
-                        <a:t>Y%m%d</a:t>
+                        <a:rPr lang="en-US" altLang="ko-KR" sz="1100" dirty="0" smtClean="0"/>
+                        <a:t>, </a:t>
                       </a:r>
                       <a:r>
-                        <a:rPr lang="en-US" altLang="ko-KR" sz="1800" kern="1200" dirty="0" smtClean="0">
-                          <a:solidFill>
-                            <a:schemeClr val="dk1"/>
-                          </a:solidFill>
-                          <a:effectLst/>
-                          <a:latin typeface="+mn-lt"/>
-                          <a:ea typeface="+mn-ea"/>
-                          <a:cs typeface="+mn-cs"/>
-                        </a:rPr>
-                        <a:t>}</a:t>
+                        <a:rPr lang="en-US" altLang="ko-KR" sz="1100" dirty="0" err="1" smtClean="0"/>
+                        <a:t>mkv</a:t>
                       </a:r>
-                      <a:endParaRPr lang="ko-KR" altLang="en-US" dirty="0" smtClean="0"/>
+                      <a:r>
+                        <a:rPr lang="en-US" altLang="ko-KR" sz="1100" dirty="0" smtClean="0"/>
+                        <a:t>, </a:t>
+                      </a:r>
+                      <a:r>
+                        <a:rPr lang="en-US" altLang="ko-KR" sz="1100" dirty="0" err="1" smtClean="0"/>
+                        <a:t>webm</a:t>
+                      </a:r>
+                      <a:endParaRPr lang="ko-KR" altLang="en-US" sz="1100" dirty="0" smtClean="0"/>
                     </a:p>
                   </a:txBody>
                   <a:tcPr/>
@@ -3614,7 +3592,7 @@
                   </a:ext>
                 </a:extLst>
               </a:tr>
-              <a:tr h="642576">
+              <a:tr h="232756">
                 <a:tc>
                   <a:txBody>
                     <a:bodyPr/>
@@ -3622,10 +3600,14 @@
                     <a:p>
                       <a:pPr algn="ctr" latinLnBrk="1"/>
                       <a:r>
-                        <a:rPr lang="ko-KR" altLang="en-US" dirty="0" smtClean="0"/>
-                        <a:t>객체 검출 디렉토리</a:t>
+                        <a:rPr lang="ko-KR" altLang="en-US" sz="1100" dirty="0" smtClean="0"/>
+                        <a:t>업로드 가능한 </a:t>
                       </a:r>
-                      <a:endParaRPr lang="ko-KR" altLang="en-US" dirty="0"/>
+                      <a:r>
+                        <a:rPr lang="ko-KR" altLang="en-US" sz="1100" dirty="0" err="1" smtClean="0"/>
+                        <a:t>코덱</a:t>
+                      </a:r>
+                      <a:endParaRPr lang="ko-KR" altLang="en-US" sz="1100" dirty="0"/>
                     </a:p>
                   </a:txBody>
                   <a:tcPr/>
@@ -3653,70 +3635,10 @@
                         <a:defRPr/>
                       </a:pPr>
                       <a:r>
-                        <a:rPr lang="en-US" altLang="ko-KR" dirty="0" smtClean="0"/>
-                        <a:t>/image/object-detection/{</a:t>
+                        <a:rPr lang="en-US" altLang="ko-KR" sz="1100" dirty="0" smtClean="0"/>
+                        <a:t>-</a:t>
                       </a:r>
-                      <a:r>
-                        <a:rPr lang="en-US" altLang="ko-KR" sz="1800" kern="1200" dirty="0" smtClean="0">
-                          <a:solidFill>
-                            <a:schemeClr val="dk1"/>
-                          </a:solidFill>
-                          <a:effectLst/>
-                          <a:latin typeface="+mn-lt"/>
-                          <a:ea typeface="+mn-ea"/>
-                          <a:cs typeface="+mn-cs"/>
-                        </a:rPr>
-                        <a:t>%</a:t>
-                      </a:r>
-                      <a:r>
-                        <a:rPr lang="en-US" altLang="ko-KR" sz="1800" kern="1200" dirty="0" err="1" smtClean="0">
-                          <a:solidFill>
-                            <a:schemeClr val="dk1"/>
-                          </a:solidFill>
-                          <a:effectLst/>
-                          <a:latin typeface="+mn-lt"/>
-                          <a:ea typeface="+mn-ea"/>
-                          <a:cs typeface="+mn-cs"/>
-                        </a:rPr>
-                        <a:t>Y%m%d</a:t>
-                      </a:r>
-                      <a:r>
-                        <a:rPr lang="en-US" altLang="ko-KR" sz="1800" kern="1200" dirty="0" smtClean="0">
-                          <a:solidFill>
-                            <a:schemeClr val="dk1"/>
-                          </a:solidFill>
-                          <a:effectLst/>
-                          <a:latin typeface="+mn-lt"/>
-                          <a:ea typeface="+mn-ea"/>
-                          <a:cs typeface="+mn-cs"/>
-                        </a:rPr>
-                        <a:t>}/{</a:t>
-                      </a:r>
-                      <a:r>
-                        <a:rPr lang="en-US" altLang="ko-KR" sz="1800" kern="1200" dirty="0" err="1" smtClean="0">
-                          <a:solidFill>
-                            <a:schemeClr val="dk1"/>
-                          </a:solidFill>
-                          <a:effectLst/>
-                          <a:latin typeface="+mn-lt"/>
-                          <a:ea typeface="+mn-ea"/>
-                          <a:cs typeface="+mn-cs"/>
-                        </a:rPr>
-                        <a:t>file_name</a:t>
-                      </a:r>
-                      <a:r>
-                        <a:rPr lang="en-US" altLang="ko-KR" sz="1800" kern="1200" dirty="0" smtClean="0">
-                          <a:solidFill>
-                            <a:schemeClr val="dk1"/>
-                          </a:solidFill>
-                          <a:effectLst/>
-                          <a:latin typeface="+mn-lt"/>
-                          <a:ea typeface="+mn-ea"/>
-                          <a:cs typeface="+mn-cs"/>
-                        </a:rPr>
-                        <a:t>}</a:t>
-                      </a:r>
-                      <a:endParaRPr lang="ko-KR" altLang="en-US" dirty="0" smtClean="0"/>
+                      <a:endParaRPr lang="ko-KR" altLang="en-US" sz="1100" dirty="0" smtClean="0"/>
                     </a:p>
                   </a:txBody>
                   <a:tcPr/>
@@ -3728,70 +3650,10 @@
                     <a:p>
                       <a:pPr latinLnBrk="1"/>
                       <a:r>
-                        <a:rPr lang="en-US" altLang="ko-KR" dirty="0" smtClean="0"/>
-                        <a:t>/video/object-detection/{</a:t>
+                        <a:rPr lang="en-US" altLang="ko-KR" sz="1100" dirty="0" smtClean="0"/>
+                        <a:t>h264, h265, av1, mpeg, vp8</a:t>
                       </a:r>
-                      <a:r>
-                        <a:rPr lang="en-US" altLang="ko-KR" sz="1800" kern="1200" dirty="0" smtClean="0">
-                          <a:solidFill>
-                            <a:schemeClr val="dk1"/>
-                          </a:solidFill>
-                          <a:effectLst/>
-                          <a:latin typeface="+mn-lt"/>
-                          <a:ea typeface="+mn-ea"/>
-                          <a:cs typeface="+mn-cs"/>
-                        </a:rPr>
-                        <a:t>%</a:t>
-                      </a:r>
-                      <a:r>
-                        <a:rPr lang="en-US" altLang="ko-KR" sz="1800" kern="1200" dirty="0" err="1" smtClean="0">
-                          <a:solidFill>
-                            <a:schemeClr val="dk1"/>
-                          </a:solidFill>
-                          <a:effectLst/>
-                          <a:latin typeface="+mn-lt"/>
-                          <a:ea typeface="+mn-ea"/>
-                          <a:cs typeface="+mn-cs"/>
-                        </a:rPr>
-                        <a:t>Y%m%d</a:t>
-                      </a:r>
-                      <a:r>
-                        <a:rPr lang="en-US" altLang="ko-KR" sz="1800" kern="1200" dirty="0" smtClean="0">
-                          <a:solidFill>
-                            <a:schemeClr val="dk1"/>
-                          </a:solidFill>
-                          <a:effectLst/>
-                          <a:latin typeface="+mn-lt"/>
-                          <a:ea typeface="+mn-ea"/>
-                          <a:cs typeface="+mn-cs"/>
-                        </a:rPr>
-                        <a:t>}/{</a:t>
-                      </a:r>
-                      <a:r>
-                        <a:rPr lang="en-US" altLang="ko-KR" sz="1800" kern="1200" dirty="0" err="1" smtClean="0">
-                          <a:solidFill>
-                            <a:schemeClr val="dk1"/>
-                          </a:solidFill>
-                          <a:effectLst/>
-                          <a:latin typeface="+mn-lt"/>
-                          <a:ea typeface="+mn-ea"/>
-                          <a:cs typeface="+mn-cs"/>
-                        </a:rPr>
-                        <a:t>file_name</a:t>
-                      </a:r>
-                      <a:r>
-                        <a:rPr lang="en-US" altLang="ko-KR" sz="1800" kern="1200" dirty="0" smtClean="0">
-                          <a:solidFill>
-                            <a:schemeClr val="dk1"/>
-                          </a:solidFill>
-                          <a:effectLst/>
-                          <a:latin typeface="+mn-lt"/>
-                          <a:ea typeface="+mn-ea"/>
-                          <a:cs typeface="+mn-cs"/>
-                        </a:rPr>
-                        <a:t>}</a:t>
-                      </a:r>
-                      <a:endParaRPr lang="ko-KR" altLang="en-US" dirty="0"/>
+                      <a:endParaRPr lang="ko-KR" altLang="en-US" sz="1100" dirty="0"/>
                     </a:p>
                   </a:txBody>
                   <a:tcPr/>
@@ -3802,99 +3664,7 @@
                   </a:ext>
                 </a:extLst>
               </a:tr>
-            </a:tbl>
-          </a:graphicData>
-        </a:graphic>
-      </p:graphicFrame>
-      <p:sp>
-        <p:nvSpPr>
-          <p:cNvPr id="5" name="TextBox 4"/>
-          <p:cNvSpPr txBox="1"/>
-          <p:nvPr/>
-        </p:nvSpPr>
-        <p:spPr>
-          <a:xfrm>
-            <a:off x="567067" y="3031777"/>
-            <a:ext cx="5208780" cy="369332"/>
-          </a:xfrm>
-          <a:prstGeom prst="rect">
-            <a:avLst/>
-          </a:prstGeom>
-          <a:noFill/>
-        </p:spPr>
-        <p:txBody>
-          <a:bodyPr wrap="square" rtlCol="0">
-            <a:spAutoFit/>
-          </a:bodyPr>
-          <a:lstStyle/>
-          <a:p>
-            <a:r>
-              <a:rPr lang="ko-KR" altLang="en-US" dirty="0" smtClean="0"/>
-              <a:t>지원 형식</a:t>
-            </a:r>
-            <a:endParaRPr lang="en-US" altLang="ko-KR" dirty="0" smtClean="0"/>
-          </a:p>
-        </p:txBody>
-      </p:sp>
-      <p:graphicFrame>
-        <p:nvGraphicFramePr>
-          <p:cNvPr id="6" name="표 5"/>
-          <p:cNvGraphicFramePr>
-            <a:graphicFrameLocks noGrp="1"/>
-          </p:cNvGraphicFramePr>
-          <p:nvPr>
-            <p:extLst>
-              <p:ext uri="{D42A27DB-BD31-4B8C-83A1-F6EECF244321}">
-                <p14:modId xmlns:p14="http://schemas.microsoft.com/office/powerpoint/2010/main" val="841954654"/>
-              </p:ext>
-            </p:extLst>
-          </p:nvPr>
-        </p:nvGraphicFramePr>
-        <p:xfrm>
-          <a:off x="567067" y="3403147"/>
-          <a:ext cx="10954328" cy="1996431"/>
-        </p:xfrm>
-        <a:graphic>
-          <a:graphicData uri="http://schemas.openxmlformats.org/drawingml/2006/table">
-            <a:tbl>
-              <a:tblPr firstRow="1" bandRow="1">
-                <a:tableStyleId>{5C22544A-7EE6-4342-B048-85BDC9FD1C3A}</a:tableStyleId>
-              </a:tblPr>
-              <a:tblGrid>
-                <a:gridCol w="2859624">
-                  <a:extLst>
-                    <a:ext uri="{9D8B030D-6E8A-4147-A177-3AD203B41FA5}">
-                      <a16:colId xmlns:a16="http://schemas.microsoft.com/office/drawing/2014/main" val="1743751497"/>
-                    </a:ext>
-                  </a:extLst>
-                </a:gridCol>
-                <a:gridCol w="3620654">
-                  <a:extLst>
-                    <a:ext uri="{9D8B030D-6E8A-4147-A177-3AD203B41FA5}">
-                      <a16:colId xmlns:a16="http://schemas.microsoft.com/office/drawing/2014/main" val="810755831"/>
-                    </a:ext>
-                  </a:extLst>
-                </a:gridCol>
-                <a:gridCol w="4474050">
-                  <a:extLst>
-                    <a:ext uri="{9D8B030D-6E8A-4147-A177-3AD203B41FA5}">
-                      <a16:colId xmlns:a16="http://schemas.microsoft.com/office/drawing/2014/main" val="4294028658"/>
-                    </a:ext>
-                  </a:extLst>
-                </a:gridCol>
-              </a:tblGrid>
-              <a:tr h="364390">
-                <a:tc>
-                  <a:txBody>
-                    <a:bodyPr/>
-                    <a:lstStyle/>
-                    <a:p>
-                      <a:pPr algn="ctr" latinLnBrk="1"/>
-                      <a:endParaRPr lang="ko-KR" altLang="en-US" dirty="0"/>
-                    </a:p>
-                  </a:txBody>
-                  <a:tcPr/>
-                </a:tc>
+              <a:tr h="314498">
                 <a:tc>
                   <a:txBody>
                     <a:bodyPr/>
@@ -3902,47 +3672,10 @@
                     <a:p>
                       <a:pPr algn="ctr" latinLnBrk="1"/>
                       <a:r>
-                        <a:rPr lang="ko-KR" altLang="en-US" dirty="0" smtClean="0"/>
-                        <a:t>이미지</a:t>
+                        <a:rPr lang="ko-KR" altLang="en-US" sz="1100" dirty="0" smtClean="0"/>
+                        <a:t>서버에 저장되는 포맷</a:t>
                       </a:r>
-                      <a:endParaRPr lang="ko-KR" altLang="en-US" dirty="0"/>
-                    </a:p>
-                  </a:txBody>
-                  <a:tcPr/>
-                </a:tc>
-                <a:tc>
-                  <a:txBody>
-                    <a:bodyPr/>
-                    <a:lstStyle/>
-                    <a:p>
-                      <a:pPr algn="ctr" latinLnBrk="1"/>
-                      <a:r>
-                        <a:rPr lang="ko-KR" altLang="en-US" dirty="0" smtClean="0"/>
-                        <a:t>영상</a:t>
-                      </a:r>
-                      <a:endParaRPr lang="ko-KR" altLang="en-US" dirty="0"/>
-                    </a:p>
-                  </a:txBody>
-                  <a:tcPr/>
-                </a:tc>
-                <a:extLst>
-                  <a:ext uri="{0D108BD9-81ED-4DB2-BD59-A6C34878D82A}">
-                    <a16:rowId xmlns:a16="http://schemas.microsoft.com/office/drawing/2014/main" val="2265883726"/>
-                  </a:ext>
-                </a:extLst>
-              </a:tr>
-              <a:tr h="433638">
-                <a:tc>
-                  <a:txBody>
-                    <a:bodyPr/>
-                    <a:lstStyle/>
-                    <a:p>
-                      <a:pPr algn="ctr" latinLnBrk="1"/>
-                      <a:r>
-                        <a:rPr lang="ko-KR" altLang="en-US" dirty="0" smtClean="0"/>
-                        <a:t>업로드 가능한 포맷</a:t>
-                      </a:r>
-                      <a:endParaRPr lang="ko-KR" altLang="en-US" dirty="0"/>
+                      <a:endParaRPr lang="ko-KR" altLang="en-US" sz="1100" dirty="0"/>
                     </a:p>
                   </a:txBody>
                   <a:tcPr/>
@@ -3954,122 +3687,10 @@
                     <a:p>
                       <a:pPr latinLnBrk="1"/>
                       <a:r>
-                        <a:rPr lang="en-US" altLang="ko-KR" dirty="0" smtClean="0"/>
-                        <a:t>jpg, jpeg, </a:t>
+                        <a:rPr lang="en-US" altLang="ko-KR" sz="1100" dirty="0" smtClean="0"/>
+                        <a:t>jpg</a:t>
                       </a:r>
-                      <a:r>
-                        <a:rPr lang="en-US" altLang="ko-KR" dirty="0" err="1" smtClean="0"/>
-                        <a:t>png</a:t>
-                      </a:r>
-                      <a:endParaRPr lang="ko-KR" altLang="en-US" dirty="0"/>
-                    </a:p>
-                  </a:txBody>
-                  <a:tcPr/>
-                </a:tc>
-                <a:tc>
-                  <a:txBody>
-                    <a:bodyPr/>
-                    <a:lstStyle/>
-                    <a:p>
-                      <a:pPr marL="0" marR="0" indent="0" algn="l" defTabSz="914400" rtl="0" eaLnBrk="1" fontAlgn="auto" latinLnBrk="1" hangingPunct="1">
-                        <a:lnSpc>
-                          <a:spcPct val="100000"/>
-                        </a:lnSpc>
-                        <a:spcBef>
-                          <a:spcPts val="0"/>
-                        </a:spcBef>
-                        <a:spcAft>
-                          <a:spcPts val="0"/>
-                        </a:spcAft>
-                        <a:buClrTx/>
-                        <a:buSzTx/>
-                        <a:buFontTx/>
-                        <a:buNone/>
-                        <a:tabLst/>
-                        <a:defRPr/>
-                      </a:pPr>
-                      <a:r>
-                        <a:rPr lang="en-US" altLang="ko-KR" dirty="0" smtClean="0"/>
-                        <a:t>mp4, </a:t>
-                      </a:r>
-                      <a:r>
-                        <a:rPr lang="en-US" altLang="ko-KR" dirty="0" err="1" smtClean="0"/>
-                        <a:t>avi</a:t>
-                      </a:r>
-                      <a:r>
-                        <a:rPr lang="en-US" altLang="ko-KR" dirty="0" smtClean="0"/>
-                        <a:t>, </a:t>
-                      </a:r>
-                      <a:r>
-                        <a:rPr lang="en-US" altLang="ko-KR" dirty="0" err="1" smtClean="0"/>
-                        <a:t>mkv</a:t>
-                      </a:r>
-                      <a:r>
-                        <a:rPr lang="en-US" altLang="ko-KR" dirty="0" smtClean="0"/>
-                        <a:t>, </a:t>
-                      </a:r>
-                      <a:r>
-                        <a:rPr lang="en-US" altLang="ko-KR" dirty="0" err="1" smtClean="0"/>
-                        <a:t>webm</a:t>
-                      </a:r>
-                      <a:endParaRPr lang="ko-KR" altLang="en-US" dirty="0" smtClean="0"/>
-                    </a:p>
-                  </a:txBody>
-                  <a:tcPr/>
-                </a:tc>
-                <a:extLst>
-                  <a:ext uri="{0D108BD9-81ED-4DB2-BD59-A6C34878D82A}">
-                    <a16:rowId xmlns:a16="http://schemas.microsoft.com/office/drawing/2014/main" val="2031216518"/>
-                  </a:ext>
-                </a:extLst>
-              </a:tr>
-              <a:tr h="387928">
-                <a:tc>
-                  <a:txBody>
-                    <a:bodyPr/>
-                    <a:lstStyle/>
-                    <a:p>
-                      <a:pPr algn="ctr" latinLnBrk="1"/>
-                      <a:r>
-                        <a:rPr lang="ko-KR" altLang="en-US" dirty="0" smtClean="0"/>
-                        <a:t>업로드 가능한 </a:t>
-                      </a:r>
-                      <a:r>
-                        <a:rPr lang="ko-KR" altLang="en-US" dirty="0" err="1" smtClean="0"/>
-                        <a:t>코덱</a:t>
-                      </a:r>
-                      <a:endParaRPr lang="ko-KR" altLang="en-US" dirty="0"/>
-                    </a:p>
-                  </a:txBody>
-                  <a:tcPr/>
-                </a:tc>
-                <a:tc>
-                  <a:txBody>
-                    <a:bodyPr/>
-                    <a:lstStyle/>
-                    <a:p>
-                      <a:pPr marL="0" marR="0" indent="0" algn="l" defTabSz="914400" rtl="0" eaLnBrk="1" fontAlgn="auto" latinLnBrk="1" hangingPunct="1">
-                        <a:lnSpc>
-                          <a:spcPct val="100000"/>
-                        </a:lnSpc>
-                        <a:spcBef>
-                          <a:spcPts val="0"/>
-                        </a:spcBef>
-                        <a:spcAft>
-                          <a:spcPts val="0"/>
-                        </a:spcAft>
-                        <a:buClrTx/>
-                        <a:buSzTx/>
-                        <a:buFontTx/>
-                        <a:buNone/>
-                        <a:tabLst/>
-                        <a:defRPr/>
-                      </a:pPr>
-                      <a:r>
-                        <a:rPr lang="en-US" altLang="ko-KR" dirty="0" smtClean="0"/>
-                        <a:t>-</a:t>
-                      </a:r>
-                      <a:endParaRPr lang="ko-KR" altLang="en-US" dirty="0" smtClean="0"/>
+                      <a:endParaRPr lang="ko-KR" altLang="en-US" sz="1100" dirty="0"/>
                     </a:p>
                   </a:txBody>
                   <a:tcPr/>
@@ -4081,62 +3702,10 @@
                     <a:p>
                       <a:pPr latinLnBrk="1"/>
                       <a:r>
-                        <a:rPr lang="en-US" altLang="ko-KR" dirty="0" smtClean="0"/>
-                        <a:t>h264, h265, av1, mpeg, vp8</a:t>
-                      </a:r>
-                      <a:endParaRPr lang="ko-KR" altLang="en-US" dirty="0"/>
-                    </a:p>
-                  </a:txBody>
-                  <a:tcPr/>
-                </a:tc>
-                <a:extLst>
-                  <a:ext uri="{0D108BD9-81ED-4DB2-BD59-A6C34878D82A}">
-                    <a16:rowId xmlns:a16="http://schemas.microsoft.com/office/drawing/2014/main" val="3175459798"/>
-                  </a:ext>
-                </a:extLst>
-              </a:tr>
-              <a:tr h="443345">
-                <a:tc>
-                  <a:txBody>
-                    <a:bodyPr/>
-                    <a:lstStyle/>
-                    <a:p>
-                      <a:pPr algn="ctr" latinLnBrk="1"/>
-                      <a:r>
-                        <a:rPr lang="ko-KR" altLang="en-US" dirty="0" smtClean="0"/>
-                        <a:t>서버에 저장되는 포맷</a:t>
-                      </a:r>
-                      <a:endParaRPr lang="ko-KR" altLang="en-US" dirty="0"/>
-                    </a:p>
-                  </a:txBody>
-                  <a:tcPr/>
-                </a:tc>
-                <a:tc>
-                  <a:txBody>
-                    <a:bodyPr/>
-                    <a:lstStyle/>
-                    <a:p>
-                      <a:pPr latinLnBrk="1"/>
-                      <a:r>
-                        <a:rPr lang="en-US" altLang="ko-KR" dirty="0" smtClean="0"/>
-                        <a:t>jpg</a:t>
-                      </a:r>
-                      <a:endParaRPr lang="ko-KR" altLang="en-US" dirty="0"/>
-                    </a:p>
-                  </a:txBody>
-                  <a:tcPr/>
-                </a:tc>
-                <a:tc>
-                  <a:txBody>
-                    <a:bodyPr/>
-                    <a:lstStyle/>
-                    <a:p>
-                      <a:pPr latinLnBrk="1"/>
-                      <a:r>
-                        <a:rPr lang="en-US" altLang="ko-KR" dirty="0" smtClean="0"/>
+                        <a:rPr lang="en-US" altLang="ko-KR" sz="1100" dirty="0" smtClean="0"/>
                         <a:t>h264</a:t>
                       </a:r>
-                      <a:endParaRPr lang="ko-KR" altLang="en-US" dirty="0"/>
+                      <a:endParaRPr lang="ko-KR" altLang="en-US" sz="1100" dirty="0"/>
                     </a:p>
                   </a:txBody>
                   <a:tcPr/>
@@ -4155,14 +3724,14 @@
                     <a:p>
                       <a:pPr algn="ctr" latinLnBrk="1"/>
                       <a:r>
-                        <a:rPr lang="ko-KR" altLang="en-US" dirty="0" smtClean="0"/>
+                        <a:rPr lang="ko-KR" altLang="en-US" sz="1100" dirty="0" smtClean="0"/>
                         <a:t>서버에 저장되는 </a:t>
                       </a:r>
                       <a:r>
-                        <a:rPr lang="ko-KR" altLang="en-US" dirty="0" err="1" smtClean="0"/>
+                        <a:rPr lang="ko-KR" altLang="en-US" sz="1100" dirty="0" err="1" smtClean="0"/>
                         <a:t>코덱</a:t>
                       </a:r>
-                      <a:endParaRPr lang="ko-KR" altLang="en-US" dirty="0"/>
+                      <a:endParaRPr lang="ko-KR" altLang="en-US" sz="1100" dirty="0"/>
                     </a:p>
                   </a:txBody>
                   <a:tcPr/>
@@ -4174,10 +3743,10 @@
                     <a:p>
                       <a:pPr latinLnBrk="1"/>
                       <a:r>
-                        <a:rPr lang="en-US" altLang="ko-KR" dirty="0" smtClean="0"/>
+                        <a:rPr lang="en-US" altLang="ko-KR" sz="1100" dirty="0" smtClean="0"/>
                         <a:t>-</a:t>
                       </a:r>
-                      <a:endParaRPr lang="ko-KR" altLang="en-US" dirty="0"/>
+                      <a:endParaRPr lang="ko-KR" altLang="en-US" sz="1100" dirty="0"/>
                     </a:p>
                   </a:txBody>
                   <a:tcPr/>
@@ -4189,10 +3758,10 @@
                     <a:p>
                       <a:pPr latinLnBrk="1"/>
                       <a:r>
-                        <a:rPr lang="en-US" altLang="ko-KR" dirty="0" smtClean="0"/>
+                        <a:rPr lang="en-US" altLang="ko-KR" sz="1100" dirty="0" smtClean="0"/>
                         <a:t>mp4</a:t>
                       </a:r>
-                      <a:endParaRPr lang="ko-KR" altLang="en-US" dirty="0"/>
+                      <a:endParaRPr lang="ko-KR" altLang="en-US" sz="1100" dirty="0"/>
                     </a:p>
                   </a:txBody>
                   <a:tcPr/>
@@ -4207,3581 +3776,23 @@
           </a:graphicData>
         </a:graphic>
       </p:graphicFrame>
-    </p:spTree>
-    <p:extLst>
-      <p:ext uri="{BB962C8B-B14F-4D97-AF65-F5344CB8AC3E}">
-        <p14:creationId xmlns:p14="http://schemas.microsoft.com/office/powerpoint/2010/main" val="4036217973"/>
-      </p:ext>
-    </p:extLst>
-  </p:cSld>
-  <p:clrMapOvr>
-    <a:masterClrMapping/>
-  </p:clrMapOvr>
-  <p:timing>
-    <p:tnLst>
-      <p:par>
-        <p:cTn id="1" dur="indefinite" restart="never" nodeType="tmRoot"/>
-      </p:par>
-    </p:tnLst>
-  </p:timing>
-</p:sld>
-</file>
-
-<file path=ppt/slides/slide2.xml><?xml version="1.0" encoding="utf-8"?>
-<p:sld xmlns:a="http://schemas.openxmlformats.org/drawingml/2006/main" xmlns:r="http://schemas.openxmlformats.org/officeDocument/2006/relationships" xmlns:p="http://schemas.openxmlformats.org/presentationml/2006/main">
-  <p:cSld>
-    <p:spTree>
-      <p:nvGrpSpPr>
-        <p:cNvPr id="1" name=""/>
-        <p:cNvGrpSpPr/>
-        <p:nvPr/>
-      </p:nvGrpSpPr>
-      <p:grpSpPr>
-        <a:xfrm>
-          <a:off x="0" y="0"/>
-          <a:ext cx="0" cy="0"/>
-          <a:chOff x="0" y="0"/>
-          <a:chExt cx="0" cy="0"/>
-        </a:xfrm>
-      </p:grpSpPr>
-      <p:sp>
-        <p:nvSpPr>
-          <p:cNvPr id="4" name="TextBox 3"/>
-          <p:cNvSpPr txBox="1"/>
-          <p:nvPr/>
-        </p:nvSpPr>
-        <p:spPr>
-          <a:xfrm>
-            <a:off x="119021" y="90351"/>
-            <a:ext cx="2487368" cy="369332"/>
-          </a:xfrm>
-          <a:prstGeom prst="rect">
-            <a:avLst/>
-          </a:prstGeom>
-          <a:noFill/>
-        </p:spPr>
-        <p:txBody>
-          <a:bodyPr wrap="square" rtlCol="0">
-            <a:spAutoFit/>
-          </a:bodyPr>
-          <a:lstStyle/>
-          <a:p>
-            <a:r>
-              <a:rPr lang="en-US" altLang="ko-KR" dirty="0" smtClean="0"/>
-              <a:t>1. </a:t>
-            </a:r>
-            <a:r>
-              <a:rPr lang="ko-KR" altLang="en-US" dirty="0" smtClean="0"/>
-              <a:t>이미지 업로드</a:t>
-            </a:r>
-            <a:endParaRPr lang="ko-KR" altLang="en-US" dirty="0"/>
-          </a:p>
-        </p:txBody>
-      </p:sp>
-      <p:sp>
-        <p:nvSpPr>
-          <p:cNvPr id="6" name="순서도: 수행의 시작/종료 5"/>
-          <p:cNvSpPr/>
-          <p:nvPr/>
-        </p:nvSpPr>
-        <p:spPr>
-          <a:xfrm>
-            <a:off x="3181927" y="292013"/>
-            <a:ext cx="1917700" cy="647700"/>
-          </a:xfrm>
-          <a:prstGeom prst="flowChartTerminator">
-            <a:avLst/>
-          </a:prstGeom>
-        </p:spPr>
-        <p:style>
-          <a:lnRef idx="2">
-            <a:schemeClr val="accent1">
-              <a:shade val="50000"/>
-            </a:schemeClr>
-          </a:lnRef>
-          <a:fillRef idx="1">
-            <a:schemeClr val="accent1"/>
-          </a:fillRef>
-          <a:effectRef idx="0">
-            <a:schemeClr val="accent1"/>
-          </a:effectRef>
-          <a:fontRef idx="minor">
-            <a:schemeClr val="lt1"/>
-          </a:fontRef>
-        </p:style>
-        <p:txBody>
-          <a:bodyPr rtlCol="0" anchor="ctr"/>
-          <a:lstStyle/>
-          <a:p>
-            <a:pPr algn="ctr"/>
-            <a:r>
-              <a:rPr lang="ko-KR" altLang="en-US" sz="1400" dirty="0" smtClean="0"/>
-              <a:t>이미지 업로드</a:t>
-            </a:r>
-            <a:endParaRPr lang="ko-KR" altLang="en-US" sz="1400" dirty="0"/>
-          </a:p>
-        </p:txBody>
-      </p:sp>
-      <p:sp>
-        <p:nvSpPr>
-          <p:cNvPr id="8" name="순서도: 판단 7"/>
-          <p:cNvSpPr/>
-          <p:nvPr/>
-        </p:nvSpPr>
-        <p:spPr>
-          <a:xfrm>
-            <a:off x="5822910" y="3172048"/>
-            <a:ext cx="2580334" cy="1236936"/>
-          </a:xfrm>
-          <a:prstGeom prst="flowChartDecision">
-            <a:avLst/>
-          </a:prstGeom>
-        </p:spPr>
-        <p:style>
-          <a:lnRef idx="2">
-            <a:schemeClr val="accent1">
-              <a:shade val="50000"/>
-            </a:schemeClr>
-          </a:lnRef>
-          <a:fillRef idx="1">
-            <a:schemeClr val="accent1"/>
-          </a:fillRef>
-          <a:effectRef idx="0">
-            <a:schemeClr val="accent1"/>
-          </a:effectRef>
-          <a:fontRef idx="minor">
-            <a:schemeClr val="lt1"/>
-          </a:fontRef>
-        </p:style>
-        <p:txBody>
-          <a:bodyPr rtlCol="0" anchor="ctr"/>
-          <a:lstStyle/>
-          <a:p>
-            <a:pPr algn="ctr"/>
-            <a:r>
-              <a:rPr lang="ko-KR" altLang="en-US" sz="1400" dirty="0"/>
-              <a:t>원본 </a:t>
-            </a:r>
-            <a:r>
-              <a:rPr lang="ko-KR" altLang="en-US" sz="1400" dirty="0" smtClean="0"/>
-              <a:t>저장 </a:t>
-            </a:r>
-            <a:endParaRPr lang="en-US" altLang="ko-KR" sz="1400" dirty="0" smtClean="0"/>
-          </a:p>
-          <a:p>
-            <a:pPr algn="ctr"/>
-            <a:r>
-              <a:rPr lang="ko-KR" altLang="en-US" sz="1400" dirty="0" smtClean="0"/>
-              <a:t>디렉토리 내</a:t>
-            </a:r>
-            <a:endParaRPr lang="en-US" altLang="ko-KR" sz="1400" dirty="0" smtClean="0"/>
-          </a:p>
-          <a:p>
-            <a:pPr algn="ctr"/>
-            <a:r>
-              <a:rPr lang="en-US" altLang="ko-KR" sz="1400" dirty="0" smtClean="0"/>
-              <a:t>file </a:t>
-            </a:r>
-            <a:r>
-              <a:rPr lang="en-US" altLang="ko-KR" sz="1400" dirty="0"/>
-              <a:t>name</a:t>
-            </a:r>
-            <a:r>
-              <a:rPr lang="ko-KR" altLang="en-US" sz="1400" dirty="0"/>
-              <a:t>이 </a:t>
-            </a:r>
-            <a:r>
-              <a:rPr lang="ko-KR" altLang="en-US" sz="1400" dirty="0" smtClean="0"/>
-              <a:t>존재하는가</a:t>
-            </a:r>
-            <a:r>
-              <a:rPr lang="en-US" altLang="ko-KR" sz="1400" dirty="0" smtClean="0"/>
-              <a:t>?</a:t>
-            </a:r>
-            <a:endParaRPr lang="ko-KR" altLang="en-US" sz="1400" dirty="0"/>
-          </a:p>
-        </p:txBody>
-      </p:sp>
-      <p:sp>
-        <p:nvSpPr>
-          <p:cNvPr id="9" name="순서도: 판단 8"/>
-          <p:cNvSpPr/>
-          <p:nvPr/>
-        </p:nvSpPr>
-        <p:spPr>
-          <a:xfrm>
-            <a:off x="2903229" y="5226183"/>
-            <a:ext cx="2580334" cy="1236936"/>
-          </a:xfrm>
-          <a:prstGeom prst="flowChartDecision">
-            <a:avLst/>
-          </a:prstGeom>
-        </p:spPr>
-        <p:style>
-          <a:lnRef idx="2">
-            <a:schemeClr val="accent1">
-              <a:shade val="50000"/>
-            </a:schemeClr>
-          </a:lnRef>
-          <a:fillRef idx="1">
-            <a:schemeClr val="accent1"/>
-          </a:fillRef>
-          <a:effectRef idx="0">
-            <a:schemeClr val="accent1"/>
-          </a:effectRef>
-          <a:fontRef idx="minor">
-            <a:schemeClr val="lt1"/>
-          </a:fontRef>
-        </p:style>
-        <p:txBody>
-          <a:bodyPr rtlCol="0" anchor="ctr" anchorCtr="0"/>
-          <a:lstStyle/>
-          <a:p>
-            <a:pPr algn="ctr"/>
-            <a:r>
-              <a:rPr lang="ko-KR" altLang="en-US" sz="1400" dirty="0"/>
-              <a:t>파일 형식이 </a:t>
-            </a:r>
-            <a:r>
-              <a:rPr lang="en-US" altLang="ko-KR" sz="1400" dirty="0"/>
-              <a:t>jpg, jpeg, </a:t>
-            </a:r>
-            <a:r>
-              <a:rPr lang="en-US" altLang="ko-KR" sz="1400" dirty="0" err="1"/>
-              <a:t>png</a:t>
-            </a:r>
-            <a:r>
-              <a:rPr lang="en-US" altLang="ko-KR" sz="1400" dirty="0"/>
-              <a:t> </a:t>
-            </a:r>
-            <a:r>
-              <a:rPr lang="ko-KR" altLang="en-US" sz="1400" dirty="0"/>
-              <a:t>중 </a:t>
-            </a:r>
-            <a:endParaRPr lang="en-US" altLang="ko-KR" sz="1400" dirty="0" smtClean="0"/>
-          </a:p>
-          <a:p>
-            <a:pPr algn="ctr"/>
-            <a:r>
-              <a:rPr lang="ko-KR" altLang="en-US" sz="1400" dirty="0" smtClean="0"/>
-              <a:t>하나인가</a:t>
-            </a:r>
-            <a:r>
-              <a:rPr lang="en-US" altLang="ko-KR" sz="1400" dirty="0" smtClean="0"/>
-              <a:t>?</a:t>
-            </a:r>
-            <a:endParaRPr lang="ko-KR" altLang="en-US" sz="1400" dirty="0"/>
-          </a:p>
-        </p:txBody>
-      </p:sp>
-      <p:sp>
-        <p:nvSpPr>
-          <p:cNvPr id="10" name="순서도: 처리 9"/>
-          <p:cNvSpPr/>
-          <p:nvPr/>
-        </p:nvSpPr>
-        <p:spPr>
-          <a:xfrm>
-            <a:off x="6355586" y="4745386"/>
-            <a:ext cx="1597891" cy="561394"/>
-          </a:xfrm>
-          <a:prstGeom prst="flowChartProcess">
-            <a:avLst/>
-          </a:prstGeom>
-        </p:spPr>
-        <p:style>
-          <a:lnRef idx="2">
-            <a:schemeClr val="accent1">
-              <a:shade val="50000"/>
-            </a:schemeClr>
-          </a:lnRef>
-          <a:fillRef idx="1">
-            <a:schemeClr val="accent1"/>
-          </a:fillRef>
-          <a:effectRef idx="0">
-            <a:schemeClr val="accent1"/>
-          </a:effectRef>
-          <a:fontRef idx="minor">
-            <a:schemeClr val="lt1"/>
-          </a:fontRef>
-        </p:style>
-        <p:txBody>
-          <a:bodyPr rtlCol="0" anchor="ctr"/>
-          <a:lstStyle/>
-          <a:p>
-            <a:pPr algn="ctr"/>
-            <a:r>
-              <a:rPr lang="ko-KR" altLang="en-US" sz="1400" dirty="0" smtClean="0"/>
-              <a:t>파일명 할당</a:t>
-            </a:r>
-            <a:endParaRPr lang="ko-KR" altLang="en-US" sz="1400" dirty="0"/>
-          </a:p>
-        </p:txBody>
-      </p:sp>
-      <p:sp>
-        <p:nvSpPr>
-          <p:cNvPr id="13" name="순서도: 수행의 시작/종료 12"/>
-          <p:cNvSpPr/>
-          <p:nvPr/>
-        </p:nvSpPr>
-        <p:spPr>
-          <a:xfrm>
-            <a:off x="8598323" y="4703776"/>
-            <a:ext cx="1917700" cy="647700"/>
-          </a:xfrm>
-          <a:prstGeom prst="flowChartTerminator">
-            <a:avLst/>
-          </a:prstGeom>
-        </p:spPr>
-        <p:style>
-          <a:lnRef idx="2">
-            <a:schemeClr val="accent1">
-              <a:shade val="50000"/>
-            </a:schemeClr>
-          </a:lnRef>
-          <a:fillRef idx="1">
-            <a:schemeClr val="accent1"/>
-          </a:fillRef>
-          <a:effectRef idx="0">
-            <a:schemeClr val="accent1"/>
-          </a:effectRef>
-          <a:fontRef idx="minor">
-            <a:schemeClr val="lt1"/>
-          </a:fontRef>
-        </p:style>
-        <p:txBody>
-          <a:bodyPr rtlCol="0" anchor="ctr"/>
-          <a:lstStyle/>
-          <a:p>
-            <a:pPr algn="ctr"/>
-            <a:r>
-              <a:rPr lang="ko-KR" altLang="en-US" sz="1400" dirty="0" smtClean="0"/>
-              <a:t>이미지 업로드 종료</a:t>
-            </a:r>
-            <a:endParaRPr lang="ko-KR" altLang="en-US" sz="1400" dirty="0"/>
-          </a:p>
-        </p:txBody>
-      </p:sp>
-      <p:cxnSp>
-        <p:nvCxnSpPr>
-          <p:cNvPr id="15" name="직선 화살표 연결선 14"/>
-          <p:cNvCxnSpPr/>
-          <p:nvPr/>
-        </p:nvCxnSpPr>
-        <p:spPr>
-          <a:xfrm>
-            <a:off x="4168024" y="1894393"/>
-            <a:ext cx="0" cy="360000"/>
-          </a:xfrm>
-          <a:prstGeom prst="straightConnector1">
-            <a:avLst/>
-          </a:prstGeom>
-          <a:ln w="38100">
-            <a:tailEnd type="triangle"/>
-          </a:ln>
-        </p:spPr>
-        <p:style>
-          <a:lnRef idx="1">
-            <a:schemeClr val="accent1"/>
-          </a:lnRef>
-          <a:fillRef idx="0">
-            <a:schemeClr val="accent1"/>
-          </a:fillRef>
-          <a:effectRef idx="0">
-            <a:schemeClr val="accent1"/>
-          </a:effectRef>
-          <a:fontRef idx="minor">
-            <a:schemeClr val="tx1"/>
-          </a:fontRef>
-        </p:style>
-      </p:cxnSp>
-      <p:cxnSp>
-        <p:nvCxnSpPr>
-          <p:cNvPr id="18" name="직선 화살표 연결선 17"/>
-          <p:cNvCxnSpPr/>
-          <p:nvPr/>
-        </p:nvCxnSpPr>
-        <p:spPr>
-          <a:xfrm>
-            <a:off x="7126983" y="4404436"/>
-            <a:ext cx="0" cy="360000"/>
-          </a:xfrm>
-          <a:prstGeom prst="straightConnector1">
-            <a:avLst/>
-          </a:prstGeom>
-          <a:ln w="38100">
-            <a:tailEnd type="triangle"/>
-          </a:ln>
-        </p:spPr>
-        <p:style>
-          <a:lnRef idx="1">
-            <a:schemeClr val="accent1"/>
-          </a:lnRef>
-          <a:fillRef idx="0">
-            <a:schemeClr val="accent1"/>
-          </a:fillRef>
-          <a:effectRef idx="0">
-            <a:schemeClr val="accent1"/>
-          </a:effectRef>
-          <a:fontRef idx="minor">
-            <a:schemeClr val="tx1"/>
-          </a:fontRef>
-        </p:style>
-      </p:cxnSp>
-      <p:cxnSp>
-        <p:nvCxnSpPr>
-          <p:cNvPr id="20" name="꺾인 연결선 19"/>
-          <p:cNvCxnSpPr/>
-          <p:nvPr/>
-        </p:nvCxnSpPr>
-        <p:spPr>
-          <a:xfrm rot="5400000" flipH="1" flipV="1">
-            <a:off x="2733797" y="2070505"/>
-            <a:ext cx="5832000" cy="2880000"/>
-          </a:xfrm>
-          <a:prstGeom prst="bentConnector5">
-            <a:avLst>
-              <a:gd name="adj1" fmla="val -3739"/>
-              <a:gd name="adj2" fmla="val 49891"/>
-              <a:gd name="adj3" fmla="val 103939"/>
-            </a:avLst>
-          </a:prstGeom>
-          <a:ln w="38100">
-            <a:tailEnd type="triangle"/>
-          </a:ln>
-        </p:spPr>
-        <p:style>
-          <a:lnRef idx="1">
-            <a:schemeClr val="accent1"/>
-          </a:lnRef>
-          <a:fillRef idx="0">
-            <a:schemeClr val="accent1"/>
-          </a:fillRef>
-          <a:effectRef idx="0">
-            <a:schemeClr val="accent1"/>
-          </a:effectRef>
-          <a:fontRef idx="minor">
-            <a:schemeClr val="tx1"/>
-          </a:fontRef>
-        </p:style>
-      </p:cxnSp>
-      <p:cxnSp>
-        <p:nvCxnSpPr>
-          <p:cNvPr id="22" name="직선 화살표 연결선 21"/>
-          <p:cNvCxnSpPr/>
-          <p:nvPr/>
-        </p:nvCxnSpPr>
-        <p:spPr>
-          <a:xfrm>
-            <a:off x="7135208" y="5306780"/>
-            <a:ext cx="0" cy="360000"/>
-          </a:xfrm>
-          <a:prstGeom prst="straightConnector1">
-            <a:avLst/>
-          </a:prstGeom>
-          <a:ln w="38100">
-            <a:tailEnd type="triangle"/>
-          </a:ln>
-        </p:spPr>
-        <p:style>
-          <a:lnRef idx="1">
-            <a:schemeClr val="accent1"/>
-          </a:lnRef>
-          <a:fillRef idx="0">
-            <a:schemeClr val="accent1"/>
-          </a:fillRef>
-          <a:effectRef idx="0">
-            <a:schemeClr val="accent1"/>
-          </a:effectRef>
-          <a:fontRef idx="minor">
-            <a:schemeClr val="tx1"/>
-          </a:fontRef>
-        </p:style>
-      </p:cxnSp>
-      <p:cxnSp>
-        <p:nvCxnSpPr>
-          <p:cNvPr id="23" name="직선 화살표 연결선 22"/>
-          <p:cNvCxnSpPr/>
-          <p:nvPr/>
-        </p:nvCxnSpPr>
-        <p:spPr>
-          <a:xfrm>
-            <a:off x="7113077" y="2842626"/>
-            <a:ext cx="0" cy="360000"/>
-          </a:xfrm>
-          <a:prstGeom prst="straightConnector1">
-            <a:avLst/>
-          </a:prstGeom>
-          <a:ln w="38100">
-            <a:tailEnd type="triangle"/>
-          </a:ln>
-        </p:spPr>
-        <p:style>
-          <a:lnRef idx="1">
-            <a:schemeClr val="accent1"/>
-          </a:lnRef>
-          <a:fillRef idx="0">
-            <a:schemeClr val="accent1"/>
-          </a:fillRef>
-          <a:effectRef idx="0">
-            <a:schemeClr val="accent1"/>
-          </a:effectRef>
-          <a:fontRef idx="minor">
-            <a:schemeClr val="tx1"/>
-          </a:fontRef>
-        </p:style>
-      </p:cxnSp>
-      <p:sp>
-        <p:nvSpPr>
-          <p:cNvPr id="31" name="순서도: 처리 30"/>
-          <p:cNvSpPr/>
-          <p:nvPr/>
-        </p:nvSpPr>
-        <p:spPr>
-          <a:xfrm>
-            <a:off x="8729244" y="875711"/>
-            <a:ext cx="1436100" cy="561394"/>
-          </a:xfrm>
-          <a:prstGeom prst="flowChartProcess">
-            <a:avLst/>
-          </a:prstGeom>
-        </p:spPr>
-        <p:style>
-          <a:lnRef idx="2">
-            <a:schemeClr val="accent1">
-              <a:shade val="50000"/>
-            </a:schemeClr>
-          </a:lnRef>
-          <a:fillRef idx="1">
-            <a:schemeClr val="accent1"/>
-          </a:fillRef>
-          <a:effectRef idx="0">
-            <a:schemeClr val="accent1"/>
-          </a:effectRef>
-          <a:fontRef idx="minor">
-            <a:schemeClr val="lt1"/>
-          </a:fontRef>
-        </p:style>
-        <p:txBody>
-          <a:bodyPr rtlCol="0" anchor="ctr"/>
-          <a:lstStyle/>
-          <a:p>
-            <a:pPr algn="ctr"/>
-            <a:r>
-              <a:rPr lang="ko-KR" altLang="en-US" sz="1400" dirty="0" smtClean="0"/>
-              <a:t>디렉토리 </a:t>
-            </a:r>
-            <a:r>
-              <a:rPr lang="ko-KR" altLang="en-US" sz="1400" b="1" dirty="0" smtClean="0"/>
-              <a:t>생성</a:t>
-            </a:r>
-            <a:endParaRPr lang="ko-KR" altLang="en-US" sz="1400" b="1" dirty="0"/>
-          </a:p>
-        </p:txBody>
-      </p:sp>
-      <p:cxnSp>
-        <p:nvCxnSpPr>
-          <p:cNvPr id="33" name="꺾인 연결선 32"/>
-          <p:cNvCxnSpPr/>
-          <p:nvPr/>
-        </p:nvCxnSpPr>
-        <p:spPr>
-          <a:xfrm rot="5400000">
-            <a:off x="7982270" y="556385"/>
-            <a:ext cx="450308" cy="2196000"/>
-          </a:xfrm>
-          <a:prstGeom prst="bentConnector2">
-            <a:avLst/>
-          </a:prstGeom>
-          <a:ln w="38100">
-            <a:tailEnd type="triangle"/>
-          </a:ln>
-        </p:spPr>
-        <p:style>
-          <a:lnRef idx="1">
-            <a:schemeClr val="accent1"/>
-          </a:lnRef>
-          <a:fillRef idx="0">
-            <a:schemeClr val="accent1"/>
-          </a:fillRef>
-          <a:effectRef idx="0">
-            <a:schemeClr val="accent1"/>
-          </a:effectRef>
-          <a:fontRef idx="minor">
-            <a:schemeClr val="tx1"/>
-          </a:fontRef>
-        </p:style>
-      </p:cxnSp>
-      <p:sp>
-        <p:nvSpPr>
-          <p:cNvPr id="25" name="순서도: 판단 24"/>
-          <p:cNvSpPr/>
-          <p:nvPr/>
-        </p:nvSpPr>
-        <p:spPr>
-          <a:xfrm>
-            <a:off x="5812671" y="556739"/>
-            <a:ext cx="2580334" cy="1236936"/>
-          </a:xfrm>
-          <a:prstGeom prst="flowChartDecision">
-            <a:avLst/>
-          </a:prstGeom>
-        </p:spPr>
-        <p:style>
-          <a:lnRef idx="2">
-            <a:schemeClr val="accent1">
-              <a:shade val="50000"/>
-            </a:schemeClr>
-          </a:lnRef>
-          <a:fillRef idx="1">
-            <a:schemeClr val="accent1"/>
-          </a:fillRef>
-          <a:effectRef idx="0">
-            <a:schemeClr val="accent1"/>
-          </a:effectRef>
-          <a:fontRef idx="minor">
-            <a:schemeClr val="lt1"/>
-          </a:fontRef>
-        </p:style>
-        <p:txBody>
-          <a:bodyPr rtlCol="0" anchor="ctr"/>
-          <a:lstStyle/>
-          <a:p>
-            <a:pPr algn="ctr"/>
-            <a:r>
-              <a:rPr lang="ko-KR" altLang="en-US" sz="1400" dirty="0"/>
-              <a:t>원본 저장 </a:t>
-            </a:r>
-            <a:endParaRPr lang="en-US" altLang="ko-KR" sz="1400" dirty="0"/>
-          </a:p>
-          <a:p>
-            <a:pPr algn="ctr"/>
-            <a:r>
-              <a:rPr lang="ko-KR" altLang="en-US" sz="1400" dirty="0"/>
-              <a:t>디렉토리가 존재하는가</a:t>
-            </a:r>
-            <a:r>
-              <a:rPr lang="en-US" altLang="ko-KR" sz="1400" dirty="0" smtClean="0"/>
-              <a:t>?</a:t>
-            </a:r>
-            <a:endParaRPr lang="ko-KR" altLang="en-US" sz="1400" dirty="0"/>
-          </a:p>
-        </p:txBody>
-      </p:sp>
-      <p:cxnSp>
-        <p:nvCxnSpPr>
-          <p:cNvPr id="28" name="직선 화살표 연결선 27"/>
-          <p:cNvCxnSpPr/>
-          <p:nvPr/>
-        </p:nvCxnSpPr>
-        <p:spPr>
-          <a:xfrm>
-            <a:off x="7113077" y="1762027"/>
-            <a:ext cx="0" cy="468000"/>
-          </a:xfrm>
-          <a:prstGeom prst="straightConnector1">
-            <a:avLst/>
-          </a:prstGeom>
-          <a:ln w="38100">
-            <a:tailEnd type="triangle"/>
-          </a:ln>
-        </p:spPr>
-        <p:style>
-          <a:lnRef idx="1">
-            <a:schemeClr val="accent1"/>
-          </a:lnRef>
-          <a:fillRef idx="0">
-            <a:schemeClr val="accent1"/>
-          </a:fillRef>
-          <a:effectRef idx="0">
-            <a:schemeClr val="accent1"/>
-          </a:effectRef>
-          <a:fontRef idx="minor">
-            <a:schemeClr val="tx1"/>
-          </a:fontRef>
-        </p:style>
-      </p:cxnSp>
-      <p:cxnSp>
-        <p:nvCxnSpPr>
-          <p:cNvPr id="32" name="꺾인 연결선 31"/>
-          <p:cNvCxnSpPr/>
-          <p:nvPr/>
-        </p:nvCxnSpPr>
-        <p:spPr>
-          <a:xfrm rot="10800000" flipH="1">
-            <a:off x="2915077" y="1598981"/>
-            <a:ext cx="324000" cy="2736000"/>
-          </a:xfrm>
-          <a:prstGeom prst="bentConnector3">
-            <a:avLst>
-              <a:gd name="adj1" fmla="val -104335"/>
-            </a:avLst>
-          </a:prstGeom>
-          <a:ln w="38100">
-            <a:tailEnd type="triangle"/>
-          </a:ln>
-        </p:spPr>
-        <p:style>
-          <a:lnRef idx="1">
-            <a:schemeClr val="accent1"/>
-          </a:lnRef>
-          <a:fillRef idx="0">
-            <a:schemeClr val="accent1"/>
-          </a:fillRef>
-          <a:effectRef idx="0">
-            <a:schemeClr val="accent1"/>
-          </a:effectRef>
-          <a:fontRef idx="minor">
-            <a:schemeClr val="tx1"/>
-          </a:fontRef>
-        </p:style>
-      </p:cxnSp>
-      <p:cxnSp>
-        <p:nvCxnSpPr>
-          <p:cNvPr id="35" name="직선 화살표 연결선 34"/>
-          <p:cNvCxnSpPr/>
-          <p:nvPr/>
-        </p:nvCxnSpPr>
-        <p:spPr>
-          <a:xfrm rot="-5340000">
-            <a:off x="8568981" y="989075"/>
-            <a:ext cx="0" cy="360000"/>
-          </a:xfrm>
-          <a:prstGeom prst="straightConnector1">
-            <a:avLst/>
-          </a:prstGeom>
-          <a:ln w="38100">
-            <a:tailEnd type="triangle"/>
-          </a:ln>
-        </p:spPr>
-        <p:style>
-          <a:lnRef idx="1">
-            <a:schemeClr val="accent1"/>
-          </a:lnRef>
-          <a:fillRef idx="0">
-            <a:schemeClr val="accent1"/>
-          </a:fillRef>
-          <a:effectRef idx="0">
-            <a:schemeClr val="accent1"/>
-          </a:effectRef>
-          <a:fontRef idx="minor">
-            <a:schemeClr val="tx1"/>
-          </a:fontRef>
-        </p:style>
-      </p:cxnSp>
-      <p:sp>
-        <p:nvSpPr>
-          <p:cNvPr id="36" name="순서도: 문서 35"/>
-          <p:cNvSpPr/>
-          <p:nvPr/>
-        </p:nvSpPr>
-        <p:spPr>
-          <a:xfrm>
-            <a:off x="6481350" y="5641372"/>
-            <a:ext cx="1256147" cy="762648"/>
-          </a:xfrm>
-          <a:prstGeom prst="flowChartDocument">
-            <a:avLst/>
-          </a:prstGeom>
-        </p:spPr>
-        <p:style>
-          <a:lnRef idx="2">
-            <a:schemeClr val="accent1">
-              <a:shade val="50000"/>
-            </a:schemeClr>
-          </a:lnRef>
-          <a:fillRef idx="1">
-            <a:schemeClr val="accent1"/>
-          </a:fillRef>
-          <a:effectRef idx="0">
-            <a:schemeClr val="accent1"/>
-          </a:effectRef>
-          <a:fontRef idx="minor">
-            <a:schemeClr val="lt1"/>
-          </a:fontRef>
-        </p:style>
-        <p:txBody>
-          <a:bodyPr rtlCol="0" anchor="ctr"/>
-          <a:lstStyle/>
-          <a:p>
-            <a:pPr algn="ctr"/>
-            <a:r>
-              <a:rPr lang="ko-KR" altLang="en-US" sz="1400" dirty="0" smtClean="0"/>
-              <a:t> </a:t>
-            </a:r>
-            <a:r>
-              <a:rPr lang="en-US" altLang="ko-KR" sz="1400" dirty="0" smtClean="0"/>
-              <a:t>jpg </a:t>
-            </a:r>
-          </a:p>
-          <a:p>
-            <a:pPr algn="ctr"/>
-            <a:r>
-              <a:rPr lang="ko-KR" altLang="en-US" sz="1400" dirty="0" smtClean="0"/>
-              <a:t>이미지 저장</a:t>
-            </a:r>
-            <a:endParaRPr lang="ko-KR" altLang="en-US" dirty="0"/>
-          </a:p>
-        </p:txBody>
-      </p:sp>
-      <p:sp>
-        <p:nvSpPr>
-          <p:cNvPr id="34" name="TextBox 33"/>
-          <p:cNvSpPr txBox="1"/>
-          <p:nvPr/>
-        </p:nvSpPr>
-        <p:spPr>
-          <a:xfrm>
-            <a:off x="8144934" y="772517"/>
-            <a:ext cx="806335" cy="369332"/>
-          </a:xfrm>
-          <a:prstGeom prst="rect">
-            <a:avLst/>
-          </a:prstGeom>
-          <a:noFill/>
-        </p:spPr>
-        <p:txBody>
-          <a:bodyPr wrap="square" rtlCol="0">
-            <a:spAutoFit/>
-          </a:bodyPr>
-          <a:lstStyle/>
-          <a:p>
-            <a:r>
-              <a:rPr lang="en-US" altLang="ko-KR" b="1" dirty="0" smtClean="0"/>
-              <a:t>NO</a:t>
-            </a:r>
-            <a:endParaRPr lang="ko-KR" altLang="en-US" b="1" dirty="0"/>
-          </a:p>
-        </p:txBody>
-      </p:sp>
-      <p:sp>
-        <p:nvSpPr>
-          <p:cNvPr id="39" name="TextBox 38"/>
-          <p:cNvSpPr txBox="1"/>
-          <p:nvPr/>
-        </p:nvSpPr>
-        <p:spPr>
-          <a:xfrm>
-            <a:off x="6509641" y="1655145"/>
-            <a:ext cx="644891" cy="369332"/>
-          </a:xfrm>
-          <a:prstGeom prst="rect">
-            <a:avLst/>
-          </a:prstGeom>
-          <a:noFill/>
-        </p:spPr>
-        <p:txBody>
-          <a:bodyPr wrap="square" rtlCol="0">
-            <a:spAutoFit/>
-          </a:bodyPr>
-          <a:lstStyle/>
-          <a:p>
-            <a:r>
-              <a:rPr lang="en-US" altLang="ko-KR" b="1" dirty="0" smtClean="0"/>
-              <a:t>YES</a:t>
-            </a:r>
-            <a:endParaRPr lang="ko-KR" altLang="en-US" b="1" dirty="0"/>
-          </a:p>
-        </p:txBody>
-      </p:sp>
-      <p:sp>
-        <p:nvSpPr>
-          <p:cNvPr id="43" name="순서도: 처리 42"/>
-          <p:cNvSpPr/>
-          <p:nvPr/>
-        </p:nvSpPr>
-        <p:spPr>
-          <a:xfrm>
-            <a:off x="6254461" y="2208897"/>
-            <a:ext cx="1863206" cy="626749"/>
-          </a:xfrm>
-          <a:prstGeom prst="flowChartProcess">
-            <a:avLst/>
-          </a:prstGeom>
-        </p:spPr>
-        <p:style>
-          <a:lnRef idx="2">
-            <a:schemeClr val="accent1">
-              <a:shade val="50000"/>
-            </a:schemeClr>
-          </a:lnRef>
-          <a:fillRef idx="1">
-            <a:schemeClr val="accent1"/>
-          </a:fillRef>
-          <a:effectRef idx="0">
-            <a:schemeClr val="accent1"/>
-          </a:effectRef>
-          <a:fontRef idx="minor">
-            <a:schemeClr val="lt1"/>
-          </a:fontRef>
-        </p:style>
-        <p:txBody>
-          <a:bodyPr rtlCol="0" anchor="ctr"/>
-          <a:lstStyle/>
-          <a:p>
-            <a:pPr algn="ctr"/>
-            <a:r>
-              <a:rPr lang="en-US" altLang="ko-KR" sz="1400" dirty="0"/>
-              <a:t>String file name = </a:t>
-            </a:r>
-          </a:p>
-          <a:p>
-            <a:pPr algn="ctr"/>
-            <a:r>
-              <a:rPr lang="en-US" altLang="ko-KR" sz="1400" dirty="0"/>
-              <a:t>{ random number }</a:t>
-            </a:r>
-            <a:endParaRPr lang="ko-KR" altLang="en-US" sz="1400" dirty="0"/>
-          </a:p>
-        </p:txBody>
-      </p:sp>
-      <p:sp>
-        <p:nvSpPr>
-          <p:cNvPr id="44" name="순서도: 판단 43"/>
-          <p:cNvSpPr/>
-          <p:nvPr/>
-        </p:nvSpPr>
-        <p:spPr>
-          <a:xfrm>
-            <a:off x="2884023" y="2208897"/>
-            <a:ext cx="2580334" cy="1236936"/>
-          </a:xfrm>
-          <a:prstGeom prst="flowChartDecision">
-            <a:avLst/>
-          </a:prstGeom>
-        </p:spPr>
-        <p:style>
-          <a:lnRef idx="2">
-            <a:schemeClr val="accent1">
-              <a:shade val="50000"/>
-            </a:schemeClr>
-          </a:lnRef>
-          <a:fillRef idx="1">
-            <a:schemeClr val="accent1"/>
-          </a:fillRef>
-          <a:effectRef idx="0">
-            <a:schemeClr val="accent1"/>
-          </a:effectRef>
-          <a:fontRef idx="minor">
-            <a:schemeClr val="lt1"/>
-          </a:fontRef>
-        </p:style>
-        <p:txBody>
-          <a:bodyPr rtlCol="0" anchor="ctr"/>
-          <a:lstStyle/>
-          <a:p>
-            <a:pPr algn="ctr"/>
-            <a:r>
-              <a:rPr lang="en-US" altLang="ko-KR" sz="1400" dirty="0" smtClean="0"/>
-              <a:t>Request</a:t>
-            </a:r>
-            <a:r>
-              <a:rPr lang="ko-KR" altLang="en-US" sz="1400" dirty="0"/>
-              <a:t> </a:t>
-            </a:r>
-            <a:r>
-              <a:rPr lang="ko-KR" altLang="en-US" sz="1400" dirty="0" smtClean="0"/>
-              <a:t> </a:t>
-            </a:r>
-            <a:endParaRPr lang="en-US" altLang="ko-KR" sz="1400" dirty="0" smtClean="0"/>
-          </a:p>
-          <a:p>
-            <a:pPr algn="ctr"/>
-            <a:r>
-              <a:rPr lang="ko-KR" altLang="en-US" sz="1400" dirty="0" smtClean="0"/>
-              <a:t>데이터에 </a:t>
-            </a:r>
-            <a:endParaRPr lang="en-US" altLang="ko-KR" sz="1400" dirty="0" smtClean="0"/>
-          </a:p>
-          <a:p>
-            <a:pPr algn="ctr"/>
-            <a:r>
-              <a:rPr lang="en-US" altLang="ko-KR" sz="1400" dirty="0" smtClean="0"/>
-              <a:t>Files</a:t>
-            </a:r>
-            <a:r>
-              <a:rPr lang="ko-KR" altLang="en-US" sz="1400" dirty="0" smtClean="0"/>
-              <a:t>이 존재하는가</a:t>
-            </a:r>
-            <a:r>
-              <a:rPr lang="en-US" altLang="ko-KR" sz="1400" dirty="0" smtClean="0"/>
-              <a:t>?</a:t>
-            </a:r>
-            <a:endParaRPr lang="ko-KR" altLang="en-US" sz="1400" dirty="0"/>
-          </a:p>
-        </p:txBody>
-      </p:sp>
-      <p:sp>
-        <p:nvSpPr>
-          <p:cNvPr id="47" name="순서도: 판단 46"/>
-          <p:cNvSpPr/>
-          <p:nvPr/>
-        </p:nvSpPr>
-        <p:spPr>
-          <a:xfrm>
-            <a:off x="2895725" y="3726038"/>
-            <a:ext cx="2580334" cy="1236936"/>
-          </a:xfrm>
-          <a:prstGeom prst="flowChartDecision">
-            <a:avLst/>
-          </a:prstGeom>
-        </p:spPr>
-        <p:style>
-          <a:lnRef idx="2">
-            <a:schemeClr val="accent1">
-              <a:shade val="50000"/>
-            </a:schemeClr>
-          </a:lnRef>
-          <a:fillRef idx="1">
-            <a:schemeClr val="accent1"/>
-          </a:fillRef>
-          <a:effectRef idx="0">
-            <a:schemeClr val="accent1"/>
-          </a:effectRef>
-          <a:fontRef idx="minor">
-            <a:schemeClr val="lt1"/>
-          </a:fontRef>
-        </p:style>
-        <p:txBody>
-          <a:bodyPr rtlCol="0" anchor="ctr"/>
-          <a:lstStyle/>
-          <a:p>
-            <a:pPr algn="ctr"/>
-            <a:r>
-              <a:rPr lang="en-US" altLang="ko-KR" sz="1400" dirty="0" smtClean="0"/>
-              <a:t>Request</a:t>
-            </a:r>
-            <a:r>
-              <a:rPr lang="ko-KR" altLang="en-US" sz="1400" dirty="0" smtClean="0"/>
-              <a:t>  </a:t>
-            </a:r>
-            <a:endParaRPr lang="en-US" altLang="ko-KR" sz="1400" dirty="0"/>
-          </a:p>
-          <a:p>
-            <a:pPr algn="ctr"/>
-            <a:r>
-              <a:rPr lang="ko-KR" altLang="en-US" sz="1400" dirty="0"/>
-              <a:t>데이터에 </a:t>
-            </a:r>
-            <a:endParaRPr lang="en-US" altLang="ko-KR" sz="1400" dirty="0"/>
-          </a:p>
-          <a:p>
-            <a:pPr algn="ctr"/>
-            <a:r>
-              <a:rPr lang="en-US" altLang="ko-KR" sz="1400" dirty="0" smtClean="0"/>
-              <a:t> file name</a:t>
-            </a:r>
-            <a:r>
-              <a:rPr lang="ko-KR" altLang="en-US" sz="1400" dirty="0" smtClean="0"/>
-              <a:t>이 존재하는가</a:t>
-            </a:r>
-            <a:r>
-              <a:rPr lang="en-US" altLang="ko-KR" sz="1400" dirty="0" smtClean="0"/>
-              <a:t>?</a:t>
-            </a:r>
-            <a:endParaRPr lang="ko-KR" altLang="en-US" sz="1400" dirty="0"/>
-          </a:p>
-        </p:txBody>
-      </p:sp>
-      <p:cxnSp>
-        <p:nvCxnSpPr>
-          <p:cNvPr id="48" name="직선 화살표 연결선 47"/>
-          <p:cNvCxnSpPr/>
-          <p:nvPr/>
-        </p:nvCxnSpPr>
-        <p:spPr>
-          <a:xfrm>
-            <a:off x="4181631" y="3460586"/>
-            <a:ext cx="0" cy="288000"/>
-          </a:xfrm>
-          <a:prstGeom prst="straightConnector1">
-            <a:avLst/>
-          </a:prstGeom>
-          <a:ln w="38100">
-            <a:tailEnd type="triangle"/>
-          </a:ln>
-        </p:spPr>
-        <p:style>
-          <a:lnRef idx="1">
-            <a:schemeClr val="accent1"/>
-          </a:lnRef>
-          <a:fillRef idx="0">
-            <a:schemeClr val="accent1"/>
-          </a:fillRef>
-          <a:effectRef idx="0">
-            <a:schemeClr val="accent1"/>
-          </a:effectRef>
-          <a:fontRef idx="minor">
-            <a:schemeClr val="tx1"/>
-          </a:fontRef>
-        </p:style>
-      </p:cxnSp>
-      <p:cxnSp>
-        <p:nvCxnSpPr>
-          <p:cNvPr id="51" name="직선 화살표 연결선 50"/>
-          <p:cNvCxnSpPr/>
-          <p:nvPr/>
-        </p:nvCxnSpPr>
-        <p:spPr>
-          <a:xfrm>
-            <a:off x="4196755" y="4962974"/>
-            <a:ext cx="0" cy="288000"/>
-          </a:xfrm>
-          <a:prstGeom prst="straightConnector1">
-            <a:avLst/>
-          </a:prstGeom>
-          <a:ln w="38100">
-            <a:tailEnd type="triangle"/>
-          </a:ln>
-        </p:spPr>
-        <p:style>
-          <a:lnRef idx="1">
-            <a:schemeClr val="accent1"/>
-          </a:lnRef>
-          <a:fillRef idx="0">
-            <a:schemeClr val="accent1"/>
-          </a:fillRef>
-          <a:effectRef idx="0">
-            <a:schemeClr val="accent1"/>
-          </a:effectRef>
-          <a:fontRef idx="minor">
-            <a:schemeClr val="tx1"/>
-          </a:fontRef>
-        </p:style>
-      </p:cxnSp>
-      <p:cxnSp>
-        <p:nvCxnSpPr>
-          <p:cNvPr id="57" name="꺾인 연결선 56"/>
-          <p:cNvCxnSpPr/>
-          <p:nvPr/>
-        </p:nvCxnSpPr>
-        <p:spPr>
-          <a:xfrm rot="10800000" flipH="1">
-            <a:off x="2955059" y="1717523"/>
-            <a:ext cx="288000" cy="1116000"/>
-          </a:xfrm>
-          <a:prstGeom prst="bentConnector3">
-            <a:avLst>
-              <a:gd name="adj1" fmla="val -73877"/>
-            </a:avLst>
-          </a:prstGeom>
-          <a:ln w="38100">
-            <a:tailEnd type="triangle"/>
-          </a:ln>
-        </p:spPr>
-        <p:style>
-          <a:lnRef idx="1">
-            <a:schemeClr val="accent1"/>
-          </a:lnRef>
-          <a:fillRef idx="0">
-            <a:schemeClr val="accent1"/>
-          </a:fillRef>
-          <a:effectRef idx="0">
-            <a:schemeClr val="accent1"/>
-          </a:effectRef>
-          <a:fontRef idx="minor">
-            <a:schemeClr val="tx1"/>
-          </a:fontRef>
-        </p:style>
-      </p:cxnSp>
-      <p:sp>
-        <p:nvSpPr>
-          <p:cNvPr id="58" name="순서도: 처리 57"/>
-          <p:cNvSpPr/>
-          <p:nvPr/>
-        </p:nvSpPr>
-        <p:spPr>
-          <a:xfrm>
-            <a:off x="3236421" y="1255094"/>
-            <a:ext cx="1863206" cy="626749"/>
-          </a:xfrm>
-          <a:prstGeom prst="flowChartProcess">
-            <a:avLst/>
-          </a:prstGeom>
-        </p:spPr>
-        <p:style>
-          <a:lnRef idx="2">
-            <a:schemeClr val="accent1">
-              <a:shade val="50000"/>
-            </a:schemeClr>
-          </a:lnRef>
-          <a:fillRef idx="1">
-            <a:schemeClr val="accent1"/>
-          </a:fillRef>
-          <a:effectRef idx="0">
-            <a:schemeClr val="accent1"/>
-          </a:effectRef>
-          <a:fontRef idx="minor">
-            <a:schemeClr val="lt1"/>
-          </a:fontRef>
-        </p:style>
-        <p:txBody>
-          <a:bodyPr rtlCol="0" anchor="ctr"/>
-          <a:lstStyle/>
-          <a:p>
-            <a:pPr algn="ctr"/>
-            <a:r>
-              <a:rPr lang="ko-KR" altLang="en-US" sz="1400" dirty="0" smtClean="0"/>
-              <a:t>이미지 업로드 </a:t>
-            </a:r>
-            <a:endParaRPr lang="en-US" altLang="ko-KR" sz="1400" dirty="0" smtClean="0"/>
-          </a:p>
-          <a:p>
-            <a:pPr algn="ctr"/>
-            <a:r>
-              <a:rPr lang="ko-KR" altLang="en-US" sz="1400" dirty="0" smtClean="0"/>
-              <a:t>요청 대기</a:t>
-            </a:r>
-            <a:r>
-              <a:rPr lang="en-US" altLang="ko-KR" sz="1400" dirty="0" smtClean="0"/>
-              <a:t> </a:t>
-            </a:r>
-            <a:endParaRPr lang="ko-KR" altLang="en-US" sz="1400" dirty="0"/>
-          </a:p>
-        </p:txBody>
-      </p:sp>
-      <p:cxnSp>
-        <p:nvCxnSpPr>
-          <p:cNvPr id="60" name="직선 화살표 연결선 59"/>
-          <p:cNvCxnSpPr/>
-          <p:nvPr/>
-        </p:nvCxnSpPr>
-        <p:spPr>
-          <a:xfrm>
-            <a:off x="4184632" y="916769"/>
-            <a:ext cx="0" cy="360000"/>
-          </a:xfrm>
-          <a:prstGeom prst="straightConnector1">
-            <a:avLst/>
-          </a:prstGeom>
-          <a:ln w="38100">
-            <a:tailEnd type="triangle"/>
-          </a:ln>
-        </p:spPr>
-        <p:style>
-          <a:lnRef idx="1">
-            <a:schemeClr val="accent1"/>
-          </a:lnRef>
-          <a:fillRef idx="0">
-            <a:schemeClr val="accent1"/>
-          </a:fillRef>
-          <a:effectRef idx="0">
-            <a:schemeClr val="accent1"/>
-          </a:effectRef>
-          <a:fontRef idx="minor">
-            <a:schemeClr val="tx1"/>
-          </a:fontRef>
-        </p:style>
-      </p:cxnSp>
-      <p:cxnSp>
-        <p:nvCxnSpPr>
-          <p:cNvPr id="64" name="꺾인 연결선 63"/>
-          <p:cNvCxnSpPr/>
-          <p:nvPr/>
-        </p:nvCxnSpPr>
-        <p:spPr>
-          <a:xfrm rot="10800000" flipH="1">
-            <a:off x="2948421" y="1498176"/>
-            <a:ext cx="288000" cy="4356000"/>
-          </a:xfrm>
-          <a:prstGeom prst="bentConnector3">
-            <a:avLst>
-              <a:gd name="adj1" fmla="val -204876"/>
-            </a:avLst>
-          </a:prstGeom>
-          <a:ln w="38100">
-            <a:tailEnd type="triangle"/>
-          </a:ln>
-        </p:spPr>
-        <p:style>
-          <a:lnRef idx="1">
-            <a:schemeClr val="accent1"/>
-          </a:lnRef>
-          <a:fillRef idx="0">
-            <a:schemeClr val="accent1"/>
-          </a:fillRef>
-          <a:effectRef idx="0">
-            <a:schemeClr val="accent1"/>
-          </a:effectRef>
-          <a:fontRef idx="minor">
-            <a:schemeClr val="tx1"/>
-          </a:fontRef>
-        </p:style>
-      </p:cxnSp>
-      <p:sp>
-        <p:nvSpPr>
-          <p:cNvPr id="82" name="TextBox 81"/>
-          <p:cNvSpPr txBox="1"/>
-          <p:nvPr/>
-        </p:nvSpPr>
-        <p:spPr>
-          <a:xfrm>
-            <a:off x="6554300" y="2788766"/>
-            <a:ext cx="644891" cy="369332"/>
-          </a:xfrm>
-          <a:prstGeom prst="rect">
-            <a:avLst/>
-          </a:prstGeom>
-          <a:noFill/>
-        </p:spPr>
-        <p:txBody>
-          <a:bodyPr wrap="square" rtlCol="0">
-            <a:spAutoFit/>
-          </a:bodyPr>
-          <a:lstStyle/>
-          <a:p>
-            <a:r>
-              <a:rPr lang="en-US" altLang="ko-KR" b="1" dirty="0" smtClean="0"/>
-              <a:t>YES</a:t>
-            </a:r>
-            <a:endParaRPr lang="ko-KR" altLang="en-US" b="1" dirty="0"/>
-          </a:p>
-        </p:txBody>
-      </p:sp>
-      <p:cxnSp>
-        <p:nvCxnSpPr>
-          <p:cNvPr id="83" name="꺾인 연결선 82"/>
-          <p:cNvCxnSpPr>
-            <a:stCxn id="8" idx="3"/>
-            <a:endCxn id="43" idx="3"/>
-          </p:cNvCxnSpPr>
-          <p:nvPr/>
-        </p:nvCxnSpPr>
-        <p:spPr>
-          <a:xfrm flipH="1" flipV="1">
-            <a:off x="8117667" y="2522272"/>
-            <a:ext cx="285577" cy="1268244"/>
-          </a:xfrm>
-          <a:prstGeom prst="bentConnector3">
-            <a:avLst>
-              <a:gd name="adj1" fmla="val -143420"/>
-            </a:avLst>
-          </a:prstGeom>
-          <a:ln w="38100">
-            <a:tailEnd type="triangle"/>
-          </a:ln>
-        </p:spPr>
-        <p:style>
-          <a:lnRef idx="1">
-            <a:schemeClr val="accent1"/>
-          </a:lnRef>
-          <a:fillRef idx="0">
-            <a:schemeClr val="accent1"/>
-          </a:fillRef>
-          <a:effectRef idx="0">
-            <a:schemeClr val="accent1"/>
-          </a:effectRef>
-          <a:fontRef idx="minor">
-            <a:schemeClr val="tx1"/>
-          </a:fontRef>
-        </p:style>
-      </p:cxnSp>
-      <p:sp>
-        <p:nvSpPr>
-          <p:cNvPr id="90" name="TextBox 89"/>
-          <p:cNvSpPr txBox="1"/>
-          <p:nvPr/>
-        </p:nvSpPr>
-        <p:spPr>
-          <a:xfrm>
-            <a:off x="8247644" y="3405061"/>
-            <a:ext cx="806335" cy="369332"/>
-          </a:xfrm>
-          <a:prstGeom prst="rect">
-            <a:avLst/>
-          </a:prstGeom>
-          <a:noFill/>
-        </p:spPr>
-        <p:txBody>
-          <a:bodyPr wrap="square" rtlCol="0">
-            <a:spAutoFit/>
-          </a:bodyPr>
-          <a:lstStyle/>
-          <a:p>
-            <a:r>
-              <a:rPr lang="en-US" altLang="ko-KR" b="1" smtClean="0"/>
-              <a:t>YES</a:t>
-            </a:r>
-            <a:endParaRPr lang="ko-KR" altLang="en-US" b="1" dirty="0"/>
-          </a:p>
-        </p:txBody>
-      </p:sp>
-      <p:sp>
-        <p:nvSpPr>
-          <p:cNvPr id="91" name="TextBox 90"/>
-          <p:cNvSpPr txBox="1"/>
-          <p:nvPr/>
-        </p:nvSpPr>
-        <p:spPr>
-          <a:xfrm>
-            <a:off x="6607312" y="4310824"/>
-            <a:ext cx="806335" cy="369332"/>
-          </a:xfrm>
-          <a:prstGeom prst="rect">
-            <a:avLst/>
-          </a:prstGeom>
-          <a:noFill/>
-        </p:spPr>
-        <p:txBody>
-          <a:bodyPr wrap="square" rtlCol="0">
-            <a:spAutoFit/>
-          </a:bodyPr>
-          <a:lstStyle/>
-          <a:p>
-            <a:r>
-              <a:rPr lang="en-US" altLang="ko-KR" b="1" dirty="0" smtClean="0"/>
-              <a:t>NO</a:t>
-            </a:r>
-            <a:endParaRPr lang="ko-KR" altLang="en-US" b="1" dirty="0"/>
-          </a:p>
-        </p:txBody>
-      </p:sp>
-      <p:cxnSp>
-        <p:nvCxnSpPr>
-          <p:cNvPr id="92" name="직선 화살표 연결선 91"/>
-          <p:cNvCxnSpPr>
-            <a:endCxn id="42" idx="1"/>
-          </p:cNvCxnSpPr>
-          <p:nvPr/>
-        </p:nvCxnSpPr>
-        <p:spPr>
-          <a:xfrm flipV="1">
-            <a:off x="7734643" y="6009955"/>
-            <a:ext cx="1023585" cy="12741"/>
-          </a:xfrm>
-          <a:prstGeom prst="straightConnector1">
-            <a:avLst/>
-          </a:prstGeom>
-          <a:ln w="38100">
-            <a:tailEnd type="triangle"/>
-          </a:ln>
-        </p:spPr>
-        <p:style>
-          <a:lnRef idx="1">
-            <a:schemeClr val="accent1"/>
-          </a:lnRef>
-          <a:fillRef idx="0">
-            <a:schemeClr val="accent1"/>
-          </a:fillRef>
-          <a:effectRef idx="0">
-            <a:schemeClr val="accent1"/>
-          </a:effectRef>
-          <a:fontRef idx="minor">
-            <a:schemeClr val="tx1"/>
-          </a:fontRef>
-        </p:style>
-      </p:cxnSp>
-      <p:sp>
-        <p:nvSpPr>
-          <p:cNvPr id="93" name="TextBox 92"/>
-          <p:cNvSpPr txBox="1"/>
-          <p:nvPr/>
-        </p:nvSpPr>
-        <p:spPr>
-          <a:xfrm>
-            <a:off x="2716686" y="2437813"/>
-            <a:ext cx="806335" cy="369332"/>
-          </a:xfrm>
-          <a:prstGeom prst="rect">
-            <a:avLst/>
-          </a:prstGeom>
-          <a:noFill/>
-        </p:spPr>
-        <p:txBody>
-          <a:bodyPr wrap="square" rtlCol="0">
-            <a:spAutoFit/>
-          </a:bodyPr>
-          <a:lstStyle/>
-          <a:p>
-            <a:r>
-              <a:rPr lang="en-US" altLang="ko-KR" b="1" dirty="0" smtClean="0"/>
-              <a:t>NO</a:t>
-            </a:r>
-            <a:endParaRPr lang="ko-KR" altLang="en-US" b="1" dirty="0"/>
-          </a:p>
-        </p:txBody>
-      </p:sp>
-      <p:sp>
-        <p:nvSpPr>
-          <p:cNvPr id="94" name="TextBox 93"/>
-          <p:cNvSpPr txBox="1"/>
-          <p:nvPr/>
-        </p:nvSpPr>
-        <p:spPr>
-          <a:xfrm>
-            <a:off x="2507418" y="5514179"/>
-            <a:ext cx="806335" cy="369332"/>
-          </a:xfrm>
-          <a:prstGeom prst="rect">
-            <a:avLst/>
-          </a:prstGeom>
-          <a:noFill/>
-        </p:spPr>
-        <p:txBody>
-          <a:bodyPr wrap="square" rtlCol="0">
-            <a:spAutoFit/>
-          </a:bodyPr>
-          <a:lstStyle/>
-          <a:p>
-            <a:r>
-              <a:rPr lang="en-US" altLang="ko-KR" b="1" dirty="0" smtClean="0"/>
-              <a:t>NO</a:t>
-            </a:r>
-            <a:endParaRPr lang="ko-KR" altLang="en-US" b="1" dirty="0"/>
-          </a:p>
-        </p:txBody>
-      </p:sp>
-      <p:sp>
-        <p:nvSpPr>
-          <p:cNvPr id="95" name="TextBox 94"/>
-          <p:cNvSpPr txBox="1"/>
-          <p:nvPr/>
-        </p:nvSpPr>
-        <p:spPr>
-          <a:xfrm>
-            <a:off x="2623272" y="3996975"/>
-            <a:ext cx="806335" cy="369332"/>
-          </a:xfrm>
-          <a:prstGeom prst="rect">
-            <a:avLst/>
-          </a:prstGeom>
-          <a:noFill/>
-        </p:spPr>
-        <p:txBody>
-          <a:bodyPr wrap="square" rtlCol="0">
-            <a:spAutoFit/>
-          </a:bodyPr>
-          <a:lstStyle/>
-          <a:p>
-            <a:r>
-              <a:rPr lang="en-US" altLang="ko-KR" b="1" dirty="0" smtClean="0"/>
-              <a:t>NO</a:t>
-            </a:r>
-            <a:endParaRPr lang="ko-KR" altLang="en-US" b="1" dirty="0"/>
-          </a:p>
-        </p:txBody>
-      </p:sp>
-      <p:sp>
-        <p:nvSpPr>
-          <p:cNvPr id="96" name="TextBox 95"/>
-          <p:cNvSpPr txBox="1"/>
-          <p:nvPr/>
-        </p:nvSpPr>
-        <p:spPr>
-          <a:xfrm>
-            <a:off x="4157639" y="3405061"/>
-            <a:ext cx="806335" cy="369332"/>
-          </a:xfrm>
-          <a:prstGeom prst="rect">
-            <a:avLst/>
-          </a:prstGeom>
-          <a:noFill/>
-        </p:spPr>
-        <p:txBody>
-          <a:bodyPr wrap="square" rtlCol="0">
-            <a:spAutoFit/>
-          </a:bodyPr>
-          <a:lstStyle/>
-          <a:p>
-            <a:r>
-              <a:rPr lang="en-US" altLang="ko-KR" b="1" dirty="0" smtClean="0"/>
-              <a:t>YES</a:t>
-            </a:r>
-            <a:endParaRPr lang="ko-KR" altLang="en-US" b="1" dirty="0"/>
-          </a:p>
-        </p:txBody>
-      </p:sp>
-      <p:sp>
-        <p:nvSpPr>
-          <p:cNvPr id="97" name="TextBox 96"/>
-          <p:cNvSpPr txBox="1"/>
-          <p:nvPr/>
-        </p:nvSpPr>
-        <p:spPr>
-          <a:xfrm>
-            <a:off x="4183193" y="4922308"/>
-            <a:ext cx="806335" cy="369332"/>
-          </a:xfrm>
-          <a:prstGeom prst="rect">
-            <a:avLst/>
-          </a:prstGeom>
-          <a:noFill/>
-        </p:spPr>
-        <p:txBody>
-          <a:bodyPr wrap="square" rtlCol="0">
-            <a:spAutoFit/>
-          </a:bodyPr>
-          <a:lstStyle/>
-          <a:p>
-            <a:r>
-              <a:rPr lang="en-US" altLang="ko-KR" b="1" dirty="0" smtClean="0"/>
-              <a:t>YES</a:t>
-            </a:r>
-            <a:endParaRPr lang="ko-KR" altLang="en-US" b="1" dirty="0"/>
-          </a:p>
-        </p:txBody>
-      </p:sp>
-      <p:sp>
-        <p:nvSpPr>
-          <p:cNvPr id="98" name="TextBox 97"/>
-          <p:cNvSpPr txBox="1"/>
-          <p:nvPr/>
-        </p:nvSpPr>
-        <p:spPr>
-          <a:xfrm>
-            <a:off x="3628772" y="6346545"/>
-            <a:ext cx="806335" cy="369332"/>
-          </a:xfrm>
-          <a:prstGeom prst="rect">
-            <a:avLst/>
-          </a:prstGeom>
-          <a:noFill/>
-        </p:spPr>
-        <p:txBody>
-          <a:bodyPr wrap="square" rtlCol="0">
-            <a:spAutoFit/>
-          </a:bodyPr>
-          <a:lstStyle/>
-          <a:p>
-            <a:r>
-              <a:rPr lang="en-US" altLang="ko-KR" b="1" dirty="0" smtClean="0"/>
-              <a:t>YES</a:t>
-            </a:r>
-            <a:endParaRPr lang="ko-KR" altLang="en-US" b="1" dirty="0"/>
-          </a:p>
-        </p:txBody>
-      </p:sp>
-      <p:sp>
-        <p:nvSpPr>
-          <p:cNvPr id="42" name="순서도: 처리 41"/>
-          <p:cNvSpPr/>
-          <p:nvPr/>
-        </p:nvSpPr>
-        <p:spPr>
-          <a:xfrm>
-            <a:off x="8758228" y="5729258"/>
-            <a:ext cx="1597891" cy="561394"/>
-          </a:xfrm>
-          <a:prstGeom prst="flowChartProcess">
-            <a:avLst/>
-          </a:prstGeom>
-        </p:spPr>
-        <p:style>
-          <a:lnRef idx="2">
-            <a:schemeClr val="accent1">
-              <a:shade val="50000"/>
-            </a:schemeClr>
-          </a:lnRef>
-          <a:fillRef idx="1">
-            <a:schemeClr val="accent1"/>
-          </a:fillRef>
-          <a:effectRef idx="0">
-            <a:schemeClr val="accent1"/>
-          </a:effectRef>
-          <a:fontRef idx="minor">
-            <a:schemeClr val="lt1"/>
-          </a:fontRef>
-        </p:style>
-        <p:txBody>
-          <a:bodyPr rtlCol="0" anchor="ctr"/>
-          <a:lstStyle/>
-          <a:p>
-            <a:pPr algn="ctr"/>
-            <a:r>
-              <a:rPr lang="ko-KR" altLang="en-US" sz="1400" dirty="0" smtClean="0"/>
-              <a:t>이미지 </a:t>
-            </a:r>
-            <a:endParaRPr lang="en-US" altLang="ko-KR" sz="1400" dirty="0" smtClean="0"/>
-          </a:p>
-          <a:p>
-            <a:pPr algn="ctr"/>
-            <a:r>
-              <a:rPr lang="ko-KR" altLang="en-US" sz="1400" dirty="0" smtClean="0"/>
-              <a:t>저장 경로 전달</a:t>
-            </a:r>
-            <a:endParaRPr lang="ko-KR" altLang="en-US" sz="1400" dirty="0"/>
-          </a:p>
-        </p:txBody>
-      </p:sp>
-      <p:cxnSp>
-        <p:nvCxnSpPr>
-          <p:cNvPr id="45" name="직선 화살표 연결선 44"/>
-          <p:cNvCxnSpPr/>
-          <p:nvPr/>
-        </p:nvCxnSpPr>
-        <p:spPr>
-          <a:xfrm>
-            <a:off x="9573608" y="5369258"/>
-            <a:ext cx="0" cy="360000"/>
-          </a:xfrm>
-          <a:prstGeom prst="straightConnector1">
-            <a:avLst/>
-          </a:prstGeom>
-          <a:ln w="38100">
-            <a:headEnd type="triangle"/>
-            <a:tailEnd type="none"/>
-          </a:ln>
-        </p:spPr>
-        <p:style>
-          <a:lnRef idx="1">
-            <a:schemeClr val="accent1"/>
-          </a:lnRef>
-          <a:fillRef idx="0">
-            <a:schemeClr val="accent1"/>
-          </a:fillRef>
-          <a:effectRef idx="0">
-            <a:schemeClr val="accent1"/>
-          </a:effectRef>
-          <a:fontRef idx="minor">
-            <a:schemeClr val="tx1"/>
-          </a:fontRef>
-        </p:style>
-      </p:cxnSp>
-    </p:spTree>
-    <p:extLst>
-      <p:ext uri="{BB962C8B-B14F-4D97-AF65-F5344CB8AC3E}">
-        <p14:creationId xmlns:p14="http://schemas.microsoft.com/office/powerpoint/2010/main" val="835218754"/>
-      </p:ext>
-    </p:extLst>
-  </p:cSld>
-  <p:clrMapOvr>
-    <a:masterClrMapping/>
-  </p:clrMapOvr>
-  <p:timing>
-    <p:tnLst>
-      <p:par>
-        <p:cTn id="1" dur="indefinite" restart="never" nodeType="tmRoot"/>
-      </p:par>
-    </p:tnLst>
-  </p:timing>
-</p:sld>
-</file>
-
-<file path=ppt/slides/slide3.xml><?xml version="1.0" encoding="utf-8"?>
-<p:sld xmlns:a="http://schemas.openxmlformats.org/drawingml/2006/main" xmlns:r="http://schemas.openxmlformats.org/officeDocument/2006/relationships" xmlns:p="http://schemas.openxmlformats.org/presentationml/2006/main">
-  <p:cSld>
-    <p:spTree>
-      <p:nvGrpSpPr>
-        <p:cNvPr id="1" name=""/>
-        <p:cNvGrpSpPr/>
-        <p:nvPr/>
-      </p:nvGrpSpPr>
-      <p:grpSpPr>
-        <a:xfrm>
-          <a:off x="0" y="0"/>
-          <a:ext cx="0" cy="0"/>
-          <a:chOff x="0" y="0"/>
-          <a:chExt cx="0" cy="0"/>
-        </a:xfrm>
-      </p:grpSpPr>
-      <p:sp>
-        <p:nvSpPr>
-          <p:cNvPr id="4" name="TextBox 3"/>
-          <p:cNvSpPr txBox="1"/>
-          <p:nvPr/>
-        </p:nvSpPr>
-        <p:spPr>
-          <a:xfrm>
-            <a:off x="119021" y="90351"/>
-            <a:ext cx="2487368" cy="369332"/>
-          </a:xfrm>
-          <a:prstGeom prst="rect">
-            <a:avLst/>
-          </a:prstGeom>
-          <a:noFill/>
-        </p:spPr>
-        <p:txBody>
-          <a:bodyPr wrap="square" rtlCol="0">
-            <a:spAutoFit/>
-          </a:bodyPr>
-          <a:lstStyle/>
-          <a:p>
-            <a:r>
-              <a:rPr lang="en-US" altLang="ko-KR" dirty="0">
-                <a:solidFill>
-                  <a:srgbClr val="FF0000"/>
-                </a:solidFill>
-              </a:rPr>
-              <a:t>2</a:t>
-            </a:r>
-            <a:r>
-              <a:rPr lang="en-US" altLang="ko-KR" dirty="0" smtClean="0">
-                <a:solidFill>
-                  <a:srgbClr val="FF0000"/>
-                </a:solidFill>
-              </a:rPr>
-              <a:t>. </a:t>
-            </a:r>
-            <a:r>
-              <a:rPr lang="ko-KR" altLang="en-US" dirty="0" smtClean="0">
-                <a:solidFill>
-                  <a:srgbClr val="FF0000"/>
-                </a:solidFill>
-              </a:rPr>
-              <a:t>영상 업로드</a:t>
-            </a:r>
-            <a:endParaRPr lang="ko-KR" altLang="en-US" dirty="0">
-              <a:solidFill>
-                <a:srgbClr val="FF0000"/>
-              </a:solidFill>
-            </a:endParaRPr>
-          </a:p>
-        </p:txBody>
-      </p:sp>
-      <p:sp>
-        <p:nvSpPr>
-          <p:cNvPr id="6" name="순서도: 수행의 시작/종료 5"/>
-          <p:cNvSpPr/>
-          <p:nvPr/>
-        </p:nvSpPr>
-        <p:spPr>
-          <a:xfrm>
-            <a:off x="3181927" y="292013"/>
-            <a:ext cx="1917700" cy="647700"/>
-          </a:xfrm>
-          <a:prstGeom prst="flowChartTerminator">
-            <a:avLst/>
-          </a:prstGeom>
-        </p:spPr>
-        <p:style>
-          <a:lnRef idx="2">
-            <a:schemeClr val="accent1">
-              <a:shade val="50000"/>
-            </a:schemeClr>
-          </a:lnRef>
-          <a:fillRef idx="1">
-            <a:schemeClr val="accent1"/>
-          </a:fillRef>
-          <a:effectRef idx="0">
-            <a:schemeClr val="accent1"/>
-          </a:effectRef>
-          <a:fontRef idx="minor">
-            <a:schemeClr val="lt1"/>
-          </a:fontRef>
-        </p:style>
-        <p:txBody>
-          <a:bodyPr rtlCol="0" anchor="ctr"/>
-          <a:lstStyle/>
-          <a:p>
-            <a:pPr algn="ctr"/>
-            <a:r>
-              <a:rPr lang="ko-KR" altLang="en-US" sz="1400" dirty="0" smtClean="0"/>
-              <a:t>영상 업로드</a:t>
-            </a:r>
-            <a:endParaRPr lang="ko-KR" altLang="en-US" sz="1400" dirty="0"/>
-          </a:p>
-        </p:txBody>
-      </p:sp>
-      <p:sp>
-        <p:nvSpPr>
-          <p:cNvPr id="8" name="순서도: 판단 7"/>
-          <p:cNvSpPr/>
-          <p:nvPr/>
-        </p:nvSpPr>
-        <p:spPr>
-          <a:xfrm>
-            <a:off x="5822910" y="3213610"/>
-            <a:ext cx="2580334" cy="1236936"/>
-          </a:xfrm>
-          <a:prstGeom prst="flowChartDecision">
-            <a:avLst/>
-          </a:prstGeom>
-        </p:spPr>
-        <p:style>
-          <a:lnRef idx="2">
-            <a:schemeClr val="accent1">
-              <a:shade val="50000"/>
-            </a:schemeClr>
-          </a:lnRef>
-          <a:fillRef idx="1">
-            <a:schemeClr val="accent1"/>
-          </a:fillRef>
-          <a:effectRef idx="0">
-            <a:schemeClr val="accent1"/>
-          </a:effectRef>
-          <a:fontRef idx="minor">
-            <a:schemeClr val="lt1"/>
-          </a:fontRef>
-        </p:style>
-        <p:txBody>
-          <a:bodyPr rtlCol="0" anchor="ctr"/>
-          <a:lstStyle/>
-          <a:p>
-            <a:pPr algn="ctr"/>
-            <a:r>
-              <a:rPr lang="ko-KR" altLang="en-US" sz="1400" dirty="0"/>
-              <a:t>원본 </a:t>
-            </a:r>
-            <a:r>
-              <a:rPr lang="ko-KR" altLang="en-US" sz="1400" dirty="0" smtClean="0"/>
-              <a:t>저장 </a:t>
-            </a:r>
-            <a:endParaRPr lang="en-US" altLang="ko-KR" sz="1400" dirty="0" smtClean="0"/>
-          </a:p>
-          <a:p>
-            <a:pPr algn="ctr"/>
-            <a:r>
-              <a:rPr lang="ko-KR" altLang="en-US" sz="1400" dirty="0" smtClean="0"/>
-              <a:t>디렉토리 내</a:t>
-            </a:r>
-            <a:endParaRPr lang="en-US" altLang="ko-KR" sz="1400" dirty="0" smtClean="0"/>
-          </a:p>
-          <a:p>
-            <a:pPr algn="ctr"/>
-            <a:r>
-              <a:rPr lang="en-US" altLang="ko-KR" sz="1400" dirty="0" smtClean="0"/>
-              <a:t>file </a:t>
-            </a:r>
-            <a:r>
-              <a:rPr lang="en-US" altLang="ko-KR" sz="1400" dirty="0"/>
-              <a:t>name</a:t>
-            </a:r>
-            <a:r>
-              <a:rPr lang="ko-KR" altLang="en-US" sz="1400" dirty="0"/>
-              <a:t>이 </a:t>
-            </a:r>
-            <a:r>
-              <a:rPr lang="ko-KR" altLang="en-US" sz="1400" dirty="0" smtClean="0"/>
-              <a:t>존재하는가</a:t>
-            </a:r>
-            <a:r>
-              <a:rPr lang="en-US" altLang="ko-KR" sz="1400" dirty="0" smtClean="0"/>
-              <a:t>?</a:t>
-            </a:r>
-            <a:endParaRPr lang="ko-KR" altLang="en-US" sz="1400" dirty="0"/>
-          </a:p>
-        </p:txBody>
-      </p:sp>
-      <p:sp>
-        <p:nvSpPr>
-          <p:cNvPr id="9" name="순서도: 판단 8"/>
-          <p:cNvSpPr/>
-          <p:nvPr/>
-        </p:nvSpPr>
-        <p:spPr>
-          <a:xfrm>
-            <a:off x="2903229" y="5226183"/>
-            <a:ext cx="2580334" cy="1236936"/>
-          </a:xfrm>
-          <a:prstGeom prst="flowChartDecision">
-            <a:avLst/>
-          </a:prstGeom>
-        </p:spPr>
-        <p:style>
-          <a:lnRef idx="2">
-            <a:schemeClr val="accent1">
-              <a:shade val="50000"/>
-            </a:schemeClr>
-          </a:lnRef>
-          <a:fillRef idx="1">
-            <a:schemeClr val="accent1"/>
-          </a:fillRef>
-          <a:effectRef idx="0">
-            <a:schemeClr val="accent1"/>
-          </a:effectRef>
-          <a:fontRef idx="minor">
-            <a:schemeClr val="lt1"/>
-          </a:fontRef>
-        </p:style>
-        <p:txBody>
-          <a:bodyPr rtlCol="0" anchor="ctr" anchorCtr="0"/>
-          <a:lstStyle/>
-          <a:p>
-            <a:pPr algn="ctr"/>
-            <a:r>
-              <a:rPr lang="ko-KR" altLang="en-US" sz="1400" dirty="0"/>
-              <a:t>파일 형식이 </a:t>
-            </a:r>
-            <a:r>
-              <a:rPr lang="en-US" altLang="ko-KR" sz="1400" dirty="0"/>
-              <a:t>mp4, </a:t>
-            </a:r>
-            <a:r>
-              <a:rPr lang="en-US" altLang="ko-KR" sz="1400" dirty="0" err="1"/>
-              <a:t>avi</a:t>
-            </a:r>
-            <a:r>
-              <a:rPr lang="en-US" altLang="ko-KR" sz="1400" dirty="0"/>
-              <a:t>, </a:t>
-            </a:r>
-            <a:r>
-              <a:rPr lang="en-US" altLang="ko-KR" sz="1400" dirty="0" err="1"/>
-              <a:t>mkv</a:t>
-            </a:r>
-            <a:r>
-              <a:rPr lang="en-US" altLang="ko-KR" sz="1400" dirty="0"/>
-              <a:t>, </a:t>
-            </a:r>
-            <a:r>
-              <a:rPr lang="en-US" altLang="ko-KR" sz="1400" dirty="0" err="1"/>
-              <a:t>webm</a:t>
-            </a:r>
-            <a:endParaRPr lang="ko-KR" altLang="en-US" sz="1400" dirty="0"/>
-          </a:p>
-          <a:p>
-            <a:pPr algn="ctr"/>
-            <a:r>
-              <a:rPr lang="ko-KR" altLang="en-US" sz="1400" dirty="0" smtClean="0"/>
-              <a:t>중 하나인가</a:t>
-            </a:r>
-            <a:r>
-              <a:rPr lang="en-US" altLang="ko-KR" sz="1400" dirty="0" smtClean="0"/>
-              <a:t>?</a:t>
-            </a:r>
-            <a:endParaRPr lang="ko-KR" altLang="en-US" sz="1400" dirty="0"/>
-          </a:p>
-        </p:txBody>
-      </p:sp>
-      <p:sp>
-        <p:nvSpPr>
-          <p:cNvPr id="10" name="순서도: 처리 9"/>
-          <p:cNvSpPr/>
-          <p:nvPr/>
-        </p:nvSpPr>
-        <p:spPr>
-          <a:xfrm>
-            <a:off x="6355586" y="4786948"/>
-            <a:ext cx="1597891" cy="561394"/>
-          </a:xfrm>
-          <a:prstGeom prst="flowChartProcess">
-            <a:avLst/>
-          </a:prstGeom>
-        </p:spPr>
-        <p:style>
-          <a:lnRef idx="2">
-            <a:schemeClr val="accent1">
-              <a:shade val="50000"/>
-            </a:schemeClr>
-          </a:lnRef>
-          <a:fillRef idx="1">
-            <a:schemeClr val="accent1"/>
-          </a:fillRef>
-          <a:effectRef idx="0">
-            <a:schemeClr val="accent1"/>
-          </a:effectRef>
-          <a:fontRef idx="minor">
-            <a:schemeClr val="lt1"/>
-          </a:fontRef>
-        </p:style>
-        <p:txBody>
-          <a:bodyPr rtlCol="0" anchor="ctr"/>
-          <a:lstStyle/>
-          <a:p>
-            <a:pPr algn="ctr"/>
-            <a:r>
-              <a:rPr lang="ko-KR" altLang="en-US" sz="1400" dirty="0" smtClean="0"/>
-              <a:t>파일명 할당</a:t>
-            </a:r>
-            <a:endParaRPr lang="ko-KR" altLang="en-US" sz="1400" dirty="0"/>
-          </a:p>
-        </p:txBody>
-      </p:sp>
-      <p:sp>
-        <p:nvSpPr>
-          <p:cNvPr id="13" name="순서도: 수행의 시작/종료 12"/>
-          <p:cNvSpPr/>
-          <p:nvPr/>
-        </p:nvSpPr>
-        <p:spPr>
-          <a:xfrm>
-            <a:off x="8598323" y="4723803"/>
-            <a:ext cx="1917700" cy="647700"/>
-          </a:xfrm>
-          <a:prstGeom prst="flowChartTerminator">
-            <a:avLst/>
-          </a:prstGeom>
-        </p:spPr>
-        <p:style>
-          <a:lnRef idx="2">
-            <a:schemeClr val="accent1">
-              <a:shade val="50000"/>
-            </a:schemeClr>
-          </a:lnRef>
-          <a:fillRef idx="1">
-            <a:schemeClr val="accent1"/>
-          </a:fillRef>
-          <a:effectRef idx="0">
-            <a:schemeClr val="accent1"/>
-          </a:effectRef>
-          <a:fontRef idx="minor">
-            <a:schemeClr val="lt1"/>
-          </a:fontRef>
-        </p:style>
-        <p:txBody>
-          <a:bodyPr rtlCol="0" anchor="ctr"/>
-          <a:lstStyle/>
-          <a:p>
-            <a:pPr algn="ctr"/>
-            <a:r>
-              <a:rPr lang="ko-KR" altLang="en-US" sz="1400" dirty="0" smtClean="0"/>
-              <a:t>영상 업로드 종료</a:t>
-            </a:r>
-            <a:endParaRPr lang="ko-KR" altLang="en-US" sz="1400" dirty="0"/>
-          </a:p>
-        </p:txBody>
-      </p:sp>
-      <p:cxnSp>
-        <p:nvCxnSpPr>
-          <p:cNvPr id="15" name="직선 화살표 연결선 14"/>
-          <p:cNvCxnSpPr/>
-          <p:nvPr/>
-        </p:nvCxnSpPr>
-        <p:spPr>
-          <a:xfrm>
-            <a:off x="4168024" y="1894393"/>
-            <a:ext cx="0" cy="360000"/>
-          </a:xfrm>
-          <a:prstGeom prst="straightConnector1">
-            <a:avLst/>
-          </a:prstGeom>
-          <a:ln w="38100">
-            <a:tailEnd type="triangle"/>
-          </a:ln>
-        </p:spPr>
-        <p:style>
-          <a:lnRef idx="1">
-            <a:schemeClr val="accent1"/>
-          </a:lnRef>
-          <a:fillRef idx="0">
-            <a:schemeClr val="accent1"/>
-          </a:fillRef>
-          <a:effectRef idx="0">
-            <a:schemeClr val="accent1"/>
-          </a:effectRef>
-          <a:fontRef idx="minor">
-            <a:schemeClr val="tx1"/>
-          </a:fontRef>
-        </p:style>
-      </p:cxnSp>
-      <p:cxnSp>
-        <p:nvCxnSpPr>
-          <p:cNvPr id="18" name="직선 화살표 연결선 17"/>
-          <p:cNvCxnSpPr/>
-          <p:nvPr/>
-        </p:nvCxnSpPr>
-        <p:spPr>
-          <a:xfrm>
-            <a:off x="7126983" y="4445998"/>
-            <a:ext cx="0" cy="360000"/>
-          </a:xfrm>
-          <a:prstGeom prst="straightConnector1">
-            <a:avLst/>
-          </a:prstGeom>
-          <a:ln w="38100">
-            <a:tailEnd type="triangle"/>
-          </a:ln>
-        </p:spPr>
-        <p:style>
-          <a:lnRef idx="1">
-            <a:schemeClr val="accent1"/>
-          </a:lnRef>
-          <a:fillRef idx="0">
-            <a:schemeClr val="accent1"/>
-          </a:fillRef>
-          <a:effectRef idx="0">
-            <a:schemeClr val="accent1"/>
-          </a:effectRef>
-          <a:fontRef idx="minor">
-            <a:schemeClr val="tx1"/>
-          </a:fontRef>
-        </p:style>
-      </p:cxnSp>
-      <p:cxnSp>
-        <p:nvCxnSpPr>
-          <p:cNvPr id="20" name="꺾인 연결선 19"/>
-          <p:cNvCxnSpPr/>
-          <p:nvPr/>
-        </p:nvCxnSpPr>
-        <p:spPr>
-          <a:xfrm rot="5400000" flipH="1" flipV="1">
-            <a:off x="2733797" y="2070505"/>
-            <a:ext cx="5832000" cy="2880000"/>
-          </a:xfrm>
-          <a:prstGeom prst="bentConnector5">
-            <a:avLst>
-              <a:gd name="adj1" fmla="val -3739"/>
-              <a:gd name="adj2" fmla="val 49891"/>
-              <a:gd name="adj3" fmla="val 103939"/>
-            </a:avLst>
-          </a:prstGeom>
-          <a:ln w="38100">
-            <a:tailEnd type="triangle"/>
-          </a:ln>
-        </p:spPr>
-        <p:style>
-          <a:lnRef idx="1">
-            <a:schemeClr val="accent1"/>
-          </a:lnRef>
-          <a:fillRef idx="0">
-            <a:schemeClr val="accent1"/>
-          </a:fillRef>
-          <a:effectRef idx="0">
-            <a:schemeClr val="accent1"/>
-          </a:effectRef>
-          <a:fontRef idx="minor">
-            <a:schemeClr val="tx1"/>
-          </a:fontRef>
-        </p:style>
-      </p:cxnSp>
-      <p:cxnSp>
-        <p:nvCxnSpPr>
-          <p:cNvPr id="22" name="직선 화살표 연결선 21"/>
-          <p:cNvCxnSpPr/>
-          <p:nvPr/>
-        </p:nvCxnSpPr>
-        <p:spPr>
-          <a:xfrm>
-            <a:off x="7135208" y="5348342"/>
-            <a:ext cx="0" cy="360000"/>
-          </a:xfrm>
-          <a:prstGeom prst="straightConnector1">
-            <a:avLst/>
-          </a:prstGeom>
-          <a:ln w="38100">
-            <a:tailEnd type="triangle"/>
-          </a:ln>
-        </p:spPr>
-        <p:style>
-          <a:lnRef idx="1">
-            <a:schemeClr val="accent1"/>
-          </a:lnRef>
-          <a:fillRef idx="0">
-            <a:schemeClr val="accent1"/>
-          </a:fillRef>
-          <a:effectRef idx="0">
-            <a:schemeClr val="accent1"/>
-          </a:effectRef>
-          <a:fontRef idx="minor">
-            <a:schemeClr val="tx1"/>
-          </a:fontRef>
-        </p:style>
-      </p:cxnSp>
-      <p:cxnSp>
-        <p:nvCxnSpPr>
-          <p:cNvPr id="23" name="직선 화살표 연결선 22"/>
-          <p:cNvCxnSpPr/>
-          <p:nvPr/>
-        </p:nvCxnSpPr>
-        <p:spPr>
-          <a:xfrm>
-            <a:off x="7113077" y="2884188"/>
-            <a:ext cx="0" cy="360000"/>
-          </a:xfrm>
-          <a:prstGeom prst="straightConnector1">
-            <a:avLst/>
-          </a:prstGeom>
-          <a:ln w="38100">
-            <a:tailEnd type="triangle"/>
-          </a:ln>
-        </p:spPr>
-        <p:style>
-          <a:lnRef idx="1">
-            <a:schemeClr val="accent1"/>
-          </a:lnRef>
-          <a:fillRef idx="0">
-            <a:schemeClr val="accent1"/>
-          </a:fillRef>
-          <a:effectRef idx="0">
-            <a:schemeClr val="accent1"/>
-          </a:effectRef>
-          <a:fontRef idx="minor">
-            <a:schemeClr val="tx1"/>
-          </a:fontRef>
-        </p:style>
-      </p:cxnSp>
-      <p:sp>
-        <p:nvSpPr>
-          <p:cNvPr id="31" name="순서도: 처리 30"/>
-          <p:cNvSpPr/>
-          <p:nvPr/>
-        </p:nvSpPr>
-        <p:spPr>
-          <a:xfrm>
-            <a:off x="8729244" y="917273"/>
-            <a:ext cx="1436100" cy="561394"/>
-          </a:xfrm>
-          <a:prstGeom prst="flowChartProcess">
-            <a:avLst/>
-          </a:prstGeom>
-        </p:spPr>
-        <p:style>
-          <a:lnRef idx="2">
-            <a:schemeClr val="accent1">
-              <a:shade val="50000"/>
-            </a:schemeClr>
-          </a:lnRef>
-          <a:fillRef idx="1">
-            <a:schemeClr val="accent1"/>
-          </a:fillRef>
-          <a:effectRef idx="0">
-            <a:schemeClr val="accent1"/>
-          </a:effectRef>
-          <a:fontRef idx="minor">
-            <a:schemeClr val="lt1"/>
-          </a:fontRef>
-        </p:style>
-        <p:txBody>
-          <a:bodyPr rtlCol="0" anchor="ctr"/>
-          <a:lstStyle/>
-          <a:p>
-            <a:pPr algn="ctr"/>
-            <a:r>
-              <a:rPr lang="ko-KR" altLang="en-US" sz="1400" dirty="0" smtClean="0"/>
-              <a:t>디렉토리 </a:t>
-            </a:r>
-            <a:r>
-              <a:rPr lang="ko-KR" altLang="en-US" sz="1400" b="1" dirty="0" smtClean="0"/>
-              <a:t>생성</a:t>
-            </a:r>
-            <a:endParaRPr lang="ko-KR" altLang="en-US" sz="1400" b="1" dirty="0"/>
-          </a:p>
-        </p:txBody>
-      </p:sp>
-      <p:cxnSp>
-        <p:nvCxnSpPr>
-          <p:cNvPr id="33" name="꺾인 연결선 32"/>
-          <p:cNvCxnSpPr/>
-          <p:nvPr/>
-        </p:nvCxnSpPr>
-        <p:spPr>
-          <a:xfrm rot="5400000">
-            <a:off x="7982270" y="597947"/>
-            <a:ext cx="450308" cy="2196000"/>
-          </a:xfrm>
-          <a:prstGeom prst="bentConnector2">
-            <a:avLst/>
-          </a:prstGeom>
-          <a:ln w="38100">
-            <a:tailEnd type="triangle"/>
-          </a:ln>
-        </p:spPr>
-        <p:style>
-          <a:lnRef idx="1">
-            <a:schemeClr val="accent1"/>
-          </a:lnRef>
-          <a:fillRef idx="0">
-            <a:schemeClr val="accent1"/>
-          </a:fillRef>
-          <a:effectRef idx="0">
-            <a:schemeClr val="accent1"/>
-          </a:effectRef>
-          <a:fontRef idx="minor">
-            <a:schemeClr val="tx1"/>
-          </a:fontRef>
-        </p:style>
-      </p:cxnSp>
-      <p:sp>
-        <p:nvSpPr>
-          <p:cNvPr id="25" name="순서도: 판단 24"/>
-          <p:cNvSpPr/>
-          <p:nvPr/>
-        </p:nvSpPr>
-        <p:spPr>
-          <a:xfrm>
-            <a:off x="5812671" y="598301"/>
-            <a:ext cx="2580334" cy="1236936"/>
-          </a:xfrm>
-          <a:prstGeom prst="flowChartDecision">
-            <a:avLst/>
-          </a:prstGeom>
-        </p:spPr>
-        <p:style>
-          <a:lnRef idx="2">
-            <a:schemeClr val="accent1">
-              <a:shade val="50000"/>
-            </a:schemeClr>
-          </a:lnRef>
-          <a:fillRef idx="1">
-            <a:schemeClr val="accent1"/>
-          </a:fillRef>
-          <a:effectRef idx="0">
-            <a:schemeClr val="accent1"/>
-          </a:effectRef>
-          <a:fontRef idx="minor">
-            <a:schemeClr val="lt1"/>
-          </a:fontRef>
-        </p:style>
-        <p:txBody>
-          <a:bodyPr rtlCol="0" anchor="ctr"/>
-          <a:lstStyle/>
-          <a:p>
-            <a:pPr algn="ctr"/>
-            <a:r>
-              <a:rPr lang="ko-KR" altLang="en-US" sz="1400" dirty="0"/>
-              <a:t>원본 저장 </a:t>
-            </a:r>
-            <a:endParaRPr lang="en-US" altLang="ko-KR" sz="1400" dirty="0"/>
-          </a:p>
-          <a:p>
-            <a:pPr algn="ctr"/>
-            <a:r>
-              <a:rPr lang="ko-KR" altLang="en-US" sz="1400" dirty="0"/>
-              <a:t>디렉토리가 존재하는가</a:t>
-            </a:r>
-            <a:r>
-              <a:rPr lang="en-US" altLang="ko-KR" sz="1400" dirty="0" smtClean="0"/>
-              <a:t>?</a:t>
-            </a:r>
-            <a:endParaRPr lang="ko-KR" altLang="en-US" sz="1400" dirty="0"/>
-          </a:p>
-        </p:txBody>
-      </p:sp>
-      <p:cxnSp>
-        <p:nvCxnSpPr>
-          <p:cNvPr id="28" name="직선 화살표 연결선 27"/>
-          <p:cNvCxnSpPr/>
-          <p:nvPr/>
-        </p:nvCxnSpPr>
-        <p:spPr>
-          <a:xfrm>
-            <a:off x="7113077" y="1803589"/>
-            <a:ext cx="0" cy="468000"/>
-          </a:xfrm>
-          <a:prstGeom prst="straightConnector1">
-            <a:avLst/>
-          </a:prstGeom>
-          <a:ln w="38100">
-            <a:tailEnd type="triangle"/>
-          </a:ln>
-        </p:spPr>
-        <p:style>
-          <a:lnRef idx="1">
-            <a:schemeClr val="accent1"/>
-          </a:lnRef>
-          <a:fillRef idx="0">
-            <a:schemeClr val="accent1"/>
-          </a:fillRef>
-          <a:effectRef idx="0">
-            <a:schemeClr val="accent1"/>
-          </a:effectRef>
-          <a:fontRef idx="minor">
-            <a:schemeClr val="tx1"/>
-          </a:fontRef>
-        </p:style>
-      </p:cxnSp>
-      <p:cxnSp>
-        <p:nvCxnSpPr>
-          <p:cNvPr id="32" name="꺾인 연결선 31"/>
-          <p:cNvCxnSpPr/>
-          <p:nvPr/>
-        </p:nvCxnSpPr>
-        <p:spPr>
-          <a:xfrm rot="10800000" flipH="1">
-            <a:off x="2915077" y="1598981"/>
-            <a:ext cx="324000" cy="2736000"/>
-          </a:xfrm>
-          <a:prstGeom prst="bentConnector3">
-            <a:avLst>
-              <a:gd name="adj1" fmla="val -104335"/>
-            </a:avLst>
-          </a:prstGeom>
-          <a:ln w="38100">
-            <a:tailEnd type="triangle"/>
-          </a:ln>
-        </p:spPr>
-        <p:style>
-          <a:lnRef idx="1">
-            <a:schemeClr val="accent1"/>
-          </a:lnRef>
-          <a:fillRef idx="0">
-            <a:schemeClr val="accent1"/>
-          </a:fillRef>
-          <a:effectRef idx="0">
-            <a:schemeClr val="accent1"/>
-          </a:effectRef>
-          <a:fontRef idx="minor">
-            <a:schemeClr val="tx1"/>
-          </a:fontRef>
-        </p:style>
-      </p:cxnSp>
-      <p:cxnSp>
-        <p:nvCxnSpPr>
-          <p:cNvPr id="35" name="직선 화살표 연결선 34"/>
-          <p:cNvCxnSpPr/>
-          <p:nvPr/>
-        </p:nvCxnSpPr>
-        <p:spPr>
-          <a:xfrm rot="-5340000">
-            <a:off x="8568981" y="1030637"/>
-            <a:ext cx="0" cy="360000"/>
-          </a:xfrm>
-          <a:prstGeom prst="straightConnector1">
-            <a:avLst/>
-          </a:prstGeom>
-          <a:ln w="38100">
-            <a:tailEnd type="triangle"/>
-          </a:ln>
-        </p:spPr>
-        <p:style>
-          <a:lnRef idx="1">
-            <a:schemeClr val="accent1"/>
-          </a:lnRef>
-          <a:fillRef idx="0">
-            <a:schemeClr val="accent1"/>
-          </a:fillRef>
-          <a:effectRef idx="0">
-            <a:schemeClr val="accent1"/>
-          </a:effectRef>
-          <a:fontRef idx="minor">
-            <a:schemeClr val="tx1"/>
-          </a:fontRef>
-        </p:style>
-      </p:cxnSp>
-      <p:sp>
-        <p:nvSpPr>
-          <p:cNvPr id="36" name="순서도: 문서 35"/>
-          <p:cNvSpPr/>
-          <p:nvPr/>
-        </p:nvSpPr>
-        <p:spPr>
-          <a:xfrm>
-            <a:off x="6263753" y="5705136"/>
-            <a:ext cx="1799420" cy="757983"/>
-          </a:xfrm>
-          <a:prstGeom prst="flowChartDocument">
-            <a:avLst/>
-          </a:prstGeom>
-        </p:spPr>
-        <p:style>
-          <a:lnRef idx="2">
-            <a:schemeClr val="accent1">
-              <a:shade val="50000"/>
-            </a:schemeClr>
-          </a:lnRef>
-          <a:fillRef idx="1">
-            <a:schemeClr val="accent1"/>
-          </a:fillRef>
-          <a:effectRef idx="0">
-            <a:schemeClr val="accent1"/>
-          </a:effectRef>
-          <a:fontRef idx="minor">
-            <a:schemeClr val="lt1"/>
-          </a:fontRef>
-        </p:style>
-        <p:txBody>
-          <a:bodyPr rtlCol="0" anchor="ctr"/>
-          <a:lstStyle/>
-          <a:p>
-            <a:pPr algn="ctr"/>
-            <a:r>
-              <a:rPr lang="ko-KR" altLang="en-US" sz="1400" dirty="0" smtClean="0"/>
-              <a:t> </a:t>
-            </a:r>
-            <a:r>
-              <a:rPr lang="en-US" altLang="ko-KR" sz="1400" dirty="0" smtClean="0"/>
-              <a:t>h264, mp4 </a:t>
-            </a:r>
-            <a:r>
-              <a:rPr lang="ko-KR" altLang="en-US" sz="1400" dirty="0" smtClean="0"/>
-              <a:t>영상 저장</a:t>
-            </a:r>
-            <a:endParaRPr lang="ko-KR" altLang="en-US" dirty="0"/>
-          </a:p>
-        </p:txBody>
-      </p:sp>
-      <p:sp>
-        <p:nvSpPr>
-          <p:cNvPr id="34" name="TextBox 33"/>
-          <p:cNvSpPr txBox="1"/>
-          <p:nvPr/>
-        </p:nvSpPr>
-        <p:spPr>
-          <a:xfrm>
-            <a:off x="8144934" y="814079"/>
-            <a:ext cx="806335" cy="369332"/>
-          </a:xfrm>
-          <a:prstGeom prst="rect">
-            <a:avLst/>
-          </a:prstGeom>
-          <a:noFill/>
-        </p:spPr>
-        <p:txBody>
-          <a:bodyPr wrap="square" rtlCol="0">
-            <a:spAutoFit/>
-          </a:bodyPr>
-          <a:lstStyle/>
-          <a:p>
-            <a:r>
-              <a:rPr lang="en-US" altLang="ko-KR" b="1" dirty="0" smtClean="0"/>
-              <a:t>NO</a:t>
-            </a:r>
-            <a:endParaRPr lang="ko-KR" altLang="en-US" b="1" dirty="0"/>
-          </a:p>
-        </p:txBody>
-      </p:sp>
-      <p:sp>
-        <p:nvSpPr>
-          <p:cNvPr id="39" name="TextBox 38"/>
-          <p:cNvSpPr txBox="1"/>
-          <p:nvPr/>
-        </p:nvSpPr>
-        <p:spPr>
-          <a:xfrm>
-            <a:off x="6509641" y="1696707"/>
-            <a:ext cx="644891" cy="369332"/>
-          </a:xfrm>
-          <a:prstGeom prst="rect">
-            <a:avLst/>
-          </a:prstGeom>
-          <a:noFill/>
-        </p:spPr>
-        <p:txBody>
-          <a:bodyPr wrap="square" rtlCol="0">
-            <a:spAutoFit/>
-          </a:bodyPr>
-          <a:lstStyle/>
-          <a:p>
-            <a:r>
-              <a:rPr lang="en-US" altLang="ko-KR" b="1" dirty="0" smtClean="0"/>
-              <a:t>YES</a:t>
-            </a:r>
-            <a:endParaRPr lang="ko-KR" altLang="en-US" b="1" dirty="0"/>
-          </a:p>
-        </p:txBody>
-      </p:sp>
-      <p:sp>
-        <p:nvSpPr>
-          <p:cNvPr id="43" name="순서도: 처리 42"/>
-          <p:cNvSpPr/>
-          <p:nvPr/>
-        </p:nvSpPr>
-        <p:spPr>
-          <a:xfrm>
-            <a:off x="6254461" y="2250459"/>
-            <a:ext cx="1863206" cy="626749"/>
-          </a:xfrm>
-          <a:prstGeom prst="flowChartProcess">
-            <a:avLst/>
-          </a:prstGeom>
-        </p:spPr>
-        <p:style>
-          <a:lnRef idx="2">
-            <a:schemeClr val="accent1">
-              <a:shade val="50000"/>
-            </a:schemeClr>
-          </a:lnRef>
-          <a:fillRef idx="1">
-            <a:schemeClr val="accent1"/>
-          </a:fillRef>
-          <a:effectRef idx="0">
-            <a:schemeClr val="accent1"/>
-          </a:effectRef>
-          <a:fontRef idx="minor">
-            <a:schemeClr val="lt1"/>
-          </a:fontRef>
-        </p:style>
-        <p:txBody>
-          <a:bodyPr rtlCol="0" anchor="ctr"/>
-          <a:lstStyle/>
-          <a:p>
-            <a:pPr algn="ctr"/>
-            <a:r>
-              <a:rPr lang="en-US" altLang="ko-KR" sz="1400" dirty="0"/>
-              <a:t>String file name = </a:t>
-            </a:r>
-          </a:p>
-          <a:p>
-            <a:pPr algn="ctr"/>
-            <a:r>
-              <a:rPr lang="en-US" altLang="ko-KR" sz="1400" dirty="0"/>
-              <a:t>{ random number }</a:t>
-            </a:r>
-            <a:endParaRPr lang="ko-KR" altLang="en-US" sz="1400" dirty="0"/>
-          </a:p>
-        </p:txBody>
-      </p:sp>
-      <p:sp>
-        <p:nvSpPr>
-          <p:cNvPr id="44" name="순서도: 판단 43"/>
-          <p:cNvSpPr/>
-          <p:nvPr/>
-        </p:nvSpPr>
-        <p:spPr>
-          <a:xfrm>
-            <a:off x="2884023" y="2208897"/>
-            <a:ext cx="2580334" cy="1236936"/>
-          </a:xfrm>
-          <a:prstGeom prst="flowChartDecision">
-            <a:avLst/>
-          </a:prstGeom>
-        </p:spPr>
-        <p:style>
-          <a:lnRef idx="2">
-            <a:schemeClr val="accent1">
-              <a:shade val="50000"/>
-            </a:schemeClr>
-          </a:lnRef>
-          <a:fillRef idx="1">
-            <a:schemeClr val="accent1"/>
-          </a:fillRef>
-          <a:effectRef idx="0">
-            <a:schemeClr val="accent1"/>
-          </a:effectRef>
-          <a:fontRef idx="minor">
-            <a:schemeClr val="lt1"/>
-          </a:fontRef>
-        </p:style>
-        <p:txBody>
-          <a:bodyPr rtlCol="0" anchor="ctr"/>
-          <a:lstStyle/>
-          <a:p>
-            <a:pPr algn="ctr"/>
-            <a:r>
-              <a:rPr lang="en-US" altLang="ko-KR" sz="1400" dirty="0" smtClean="0"/>
-              <a:t>Request</a:t>
-            </a:r>
-            <a:r>
-              <a:rPr lang="ko-KR" altLang="en-US" sz="1400" dirty="0"/>
-              <a:t> </a:t>
-            </a:r>
-            <a:r>
-              <a:rPr lang="ko-KR" altLang="en-US" sz="1400" dirty="0" smtClean="0"/>
-              <a:t> </a:t>
-            </a:r>
-            <a:endParaRPr lang="en-US" altLang="ko-KR" sz="1400" dirty="0" smtClean="0"/>
-          </a:p>
-          <a:p>
-            <a:pPr algn="ctr"/>
-            <a:r>
-              <a:rPr lang="ko-KR" altLang="en-US" sz="1400" dirty="0" smtClean="0"/>
-              <a:t>데이터에 </a:t>
-            </a:r>
-            <a:endParaRPr lang="en-US" altLang="ko-KR" sz="1400" dirty="0" smtClean="0"/>
-          </a:p>
-          <a:p>
-            <a:pPr algn="ctr"/>
-            <a:r>
-              <a:rPr lang="en-US" altLang="ko-KR" sz="1400" dirty="0" smtClean="0"/>
-              <a:t>Files</a:t>
-            </a:r>
-            <a:r>
-              <a:rPr lang="ko-KR" altLang="en-US" sz="1400" dirty="0" smtClean="0"/>
-              <a:t>이 존재하는가</a:t>
-            </a:r>
-            <a:r>
-              <a:rPr lang="en-US" altLang="ko-KR" sz="1400" dirty="0" smtClean="0"/>
-              <a:t>?</a:t>
-            </a:r>
-            <a:endParaRPr lang="ko-KR" altLang="en-US" sz="1400" dirty="0"/>
-          </a:p>
-        </p:txBody>
-      </p:sp>
-      <p:sp>
-        <p:nvSpPr>
-          <p:cNvPr id="47" name="순서도: 판단 46"/>
-          <p:cNvSpPr/>
-          <p:nvPr/>
-        </p:nvSpPr>
-        <p:spPr>
-          <a:xfrm>
-            <a:off x="2895725" y="3726038"/>
-            <a:ext cx="2580334" cy="1236936"/>
-          </a:xfrm>
-          <a:prstGeom prst="flowChartDecision">
-            <a:avLst/>
-          </a:prstGeom>
-        </p:spPr>
-        <p:style>
-          <a:lnRef idx="2">
-            <a:schemeClr val="accent1">
-              <a:shade val="50000"/>
-            </a:schemeClr>
-          </a:lnRef>
-          <a:fillRef idx="1">
-            <a:schemeClr val="accent1"/>
-          </a:fillRef>
-          <a:effectRef idx="0">
-            <a:schemeClr val="accent1"/>
-          </a:effectRef>
-          <a:fontRef idx="minor">
-            <a:schemeClr val="lt1"/>
-          </a:fontRef>
-        </p:style>
-        <p:txBody>
-          <a:bodyPr rtlCol="0" anchor="ctr"/>
-          <a:lstStyle/>
-          <a:p>
-            <a:pPr algn="ctr"/>
-            <a:r>
-              <a:rPr lang="en-US" altLang="ko-KR" sz="1400" dirty="0" smtClean="0"/>
-              <a:t>Request</a:t>
-            </a:r>
-            <a:r>
-              <a:rPr lang="ko-KR" altLang="en-US" sz="1400" dirty="0" smtClean="0"/>
-              <a:t>  </a:t>
-            </a:r>
-            <a:endParaRPr lang="en-US" altLang="ko-KR" sz="1400" dirty="0"/>
-          </a:p>
-          <a:p>
-            <a:pPr algn="ctr"/>
-            <a:r>
-              <a:rPr lang="ko-KR" altLang="en-US" sz="1400" dirty="0"/>
-              <a:t>데이터에 </a:t>
-            </a:r>
-            <a:endParaRPr lang="en-US" altLang="ko-KR" sz="1400" dirty="0"/>
-          </a:p>
-          <a:p>
-            <a:pPr algn="ctr"/>
-            <a:r>
-              <a:rPr lang="en-US" altLang="ko-KR" sz="1400" dirty="0" smtClean="0"/>
-              <a:t> file name</a:t>
-            </a:r>
-            <a:r>
-              <a:rPr lang="ko-KR" altLang="en-US" sz="1400" dirty="0" smtClean="0"/>
-              <a:t>이 존재하는가</a:t>
-            </a:r>
-            <a:r>
-              <a:rPr lang="en-US" altLang="ko-KR" sz="1400" dirty="0" smtClean="0"/>
-              <a:t>?</a:t>
-            </a:r>
-            <a:endParaRPr lang="ko-KR" altLang="en-US" sz="1400" dirty="0"/>
-          </a:p>
-        </p:txBody>
-      </p:sp>
-      <p:cxnSp>
-        <p:nvCxnSpPr>
-          <p:cNvPr id="48" name="직선 화살표 연결선 47"/>
-          <p:cNvCxnSpPr/>
-          <p:nvPr/>
-        </p:nvCxnSpPr>
-        <p:spPr>
-          <a:xfrm>
-            <a:off x="4181631" y="3460586"/>
-            <a:ext cx="0" cy="288000"/>
-          </a:xfrm>
-          <a:prstGeom prst="straightConnector1">
-            <a:avLst/>
-          </a:prstGeom>
-          <a:ln w="38100">
-            <a:tailEnd type="triangle"/>
-          </a:ln>
-        </p:spPr>
-        <p:style>
-          <a:lnRef idx="1">
-            <a:schemeClr val="accent1"/>
-          </a:lnRef>
-          <a:fillRef idx="0">
-            <a:schemeClr val="accent1"/>
-          </a:fillRef>
-          <a:effectRef idx="0">
-            <a:schemeClr val="accent1"/>
-          </a:effectRef>
-          <a:fontRef idx="minor">
-            <a:schemeClr val="tx1"/>
-          </a:fontRef>
-        </p:style>
-      </p:cxnSp>
-      <p:cxnSp>
-        <p:nvCxnSpPr>
-          <p:cNvPr id="51" name="직선 화살표 연결선 50"/>
-          <p:cNvCxnSpPr/>
-          <p:nvPr/>
-        </p:nvCxnSpPr>
-        <p:spPr>
-          <a:xfrm>
-            <a:off x="4196755" y="4962974"/>
-            <a:ext cx="0" cy="288000"/>
-          </a:xfrm>
-          <a:prstGeom prst="straightConnector1">
-            <a:avLst/>
-          </a:prstGeom>
-          <a:ln w="38100">
-            <a:tailEnd type="triangle"/>
-          </a:ln>
-        </p:spPr>
-        <p:style>
-          <a:lnRef idx="1">
-            <a:schemeClr val="accent1"/>
-          </a:lnRef>
-          <a:fillRef idx="0">
-            <a:schemeClr val="accent1"/>
-          </a:fillRef>
-          <a:effectRef idx="0">
-            <a:schemeClr val="accent1"/>
-          </a:effectRef>
-          <a:fontRef idx="minor">
-            <a:schemeClr val="tx1"/>
-          </a:fontRef>
-        </p:style>
-      </p:cxnSp>
-      <p:cxnSp>
-        <p:nvCxnSpPr>
-          <p:cNvPr id="57" name="꺾인 연결선 56"/>
-          <p:cNvCxnSpPr/>
-          <p:nvPr/>
-        </p:nvCxnSpPr>
-        <p:spPr>
-          <a:xfrm rot="10800000" flipH="1">
-            <a:off x="2955059" y="1717523"/>
-            <a:ext cx="288000" cy="1116000"/>
-          </a:xfrm>
-          <a:prstGeom prst="bentConnector3">
-            <a:avLst>
-              <a:gd name="adj1" fmla="val -73877"/>
-            </a:avLst>
-          </a:prstGeom>
-          <a:ln w="38100">
-            <a:tailEnd type="triangle"/>
-          </a:ln>
-        </p:spPr>
-        <p:style>
-          <a:lnRef idx="1">
-            <a:schemeClr val="accent1"/>
-          </a:lnRef>
-          <a:fillRef idx="0">
-            <a:schemeClr val="accent1"/>
-          </a:fillRef>
-          <a:effectRef idx="0">
-            <a:schemeClr val="accent1"/>
-          </a:effectRef>
-          <a:fontRef idx="minor">
-            <a:schemeClr val="tx1"/>
-          </a:fontRef>
-        </p:style>
-      </p:cxnSp>
-      <p:sp>
-        <p:nvSpPr>
-          <p:cNvPr id="58" name="순서도: 처리 57"/>
-          <p:cNvSpPr/>
-          <p:nvPr/>
-        </p:nvSpPr>
-        <p:spPr>
-          <a:xfrm>
-            <a:off x="3236421" y="1255094"/>
-            <a:ext cx="1863206" cy="626749"/>
-          </a:xfrm>
-          <a:prstGeom prst="flowChartProcess">
-            <a:avLst/>
-          </a:prstGeom>
-        </p:spPr>
-        <p:style>
-          <a:lnRef idx="2">
-            <a:schemeClr val="accent1">
-              <a:shade val="50000"/>
-            </a:schemeClr>
-          </a:lnRef>
-          <a:fillRef idx="1">
-            <a:schemeClr val="accent1"/>
-          </a:fillRef>
-          <a:effectRef idx="0">
-            <a:schemeClr val="accent1"/>
-          </a:effectRef>
-          <a:fontRef idx="minor">
-            <a:schemeClr val="lt1"/>
-          </a:fontRef>
-        </p:style>
-        <p:txBody>
-          <a:bodyPr rtlCol="0" anchor="ctr"/>
-          <a:lstStyle/>
-          <a:p>
-            <a:pPr algn="ctr"/>
-            <a:r>
-              <a:rPr lang="ko-KR" altLang="en-US" sz="1400" dirty="0" smtClean="0"/>
-              <a:t>영상 업로드 </a:t>
-            </a:r>
-            <a:endParaRPr lang="en-US" altLang="ko-KR" sz="1400" dirty="0" smtClean="0"/>
-          </a:p>
-          <a:p>
-            <a:pPr algn="ctr"/>
-            <a:r>
-              <a:rPr lang="ko-KR" altLang="en-US" sz="1400" dirty="0" smtClean="0"/>
-              <a:t>요청 대기</a:t>
-            </a:r>
-            <a:r>
-              <a:rPr lang="en-US" altLang="ko-KR" sz="1400" dirty="0" smtClean="0"/>
-              <a:t> </a:t>
-            </a:r>
-            <a:endParaRPr lang="ko-KR" altLang="en-US" sz="1400" dirty="0"/>
-          </a:p>
-        </p:txBody>
-      </p:sp>
-      <p:cxnSp>
-        <p:nvCxnSpPr>
-          <p:cNvPr id="60" name="직선 화살표 연결선 59"/>
-          <p:cNvCxnSpPr/>
-          <p:nvPr/>
-        </p:nvCxnSpPr>
-        <p:spPr>
-          <a:xfrm>
-            <a:off x="4184632" y="916769"/>
-            <a:ext cx="0" cy="360000"/>
-          </a:xfrm>
-          <a:prstGeom prst="straightConnector1">
-            <a:avLst/>
-          </a:prstGeom>
-          <a:ln w="38100">
-            <a:tailEnd type="triangle"/>
-          </a:ln>
-        </p:spPr>
-        <p:style>
-          <a:lnRef idx="1">
-            <a:schemeClr val="accent1"/>
-          </a:lnRef>
-          <a:fillRef idx="0">
-            <a:schemeClr val="accent1"/>
-          </a:fillRef>
-          <a:effectRef idx="0">
-            <a:schemeClr val="accent1"/>
-          </a:effectRef>
-          <a:fontRef idx="minor">
-            <a:schemeClr val="tx1"/>
-          </a:fontRef>
-        </p:style>
-      </p:cxnSp>
-      <p:cxnSp>
-        <p:nvCxnSpPr>
-          <p:cNvPr id="64" name="꺾인 연결선 63"/>
-          <p:cNvCxnSpPr/>
-          <p:nvPr/>
-        </p:nvCxnSpPr>
-        <p:spPr>
-          <a:xfrm rot="10800000" flipH="1">
-            <a:off x="2948421" y="1498176"/>
-            <a:ext cx="288000" cy="4356000"/>
-          </a:xfrm>
-          <a:prstGeom prst="bentConnector3">
-            <a:avLst>
-              <a:gd name="adj1" fmla="val -204876"/>
-            </a:avLst>
-          </a:prstGeom>
-          <a:ln w="38100">
-            <a:tailEnd type="triangle"/>
-          </a:ln>
-        </p:spPr>
-        <p:style>
-          <a:lnRef idx="1">
-            <a:schemeClr val="accent1"/>
-          </a:lnRef>
-          <a:fillRef idx="0">
-            <a:schemeClr val="accent1"/>
-          </a:fillRef>
-          <a:effectRef idx="0">
-            <a:schemeClr val="accent1"/>
-          </a:effectRef>
-          <a:fontRef idx="minor">
-            <a:schemeClr val="tx1"/>
-          </a:fontRef>
-        </p:style>
-      </p:cxnSp>
-      <p:sp>
-        <p:nvSpPr>
-          <p:cNvPr id="82" name="TextBox 81"/>
-          <p:cNvSpPr txBox="1"/>
-          <p:nvPr/>
-        </p:nvSpPr>
-        <p:spPr>
-          <a:xfrm>
-            <a:off x="6554300" y="2830328"/>
-            <a:ext cx="644891" cy="369332"/>
-          </a:xfrm>
-          <a:prstGeom prst="rect">
-            <a:avLst/>
-          </a:prstGeom>
-          <a:noFill/>
-        </p:spPr>
-        <p:txBody>
-          <a:bodyPr wrap="square" rtlCol="0">
-            <a:spAutoFit/>
-          </a:bodyPr>
-          <a:lstStyle/>
-          <a:p>
-            <a:r>
-              <a:rPr lang="en-US" altLang="ko-KR" b="1" dirty="0" smtClean="0"/>
-              <a:t>YES</a:t>
-            </a:r>
-            <a:endParaRPr lang="ko-KR" altLang="en-US" b="1" dirty="0"/>
-          </a:p>
-        </p:txBody>
-      </p:sp>
-      <p:cxnSp>
-        <p:nvCxnSpPr>
-          <p:cNvPr id="83" name="꺾인 연결선 82"/>
-          <p:cNvCxnSpPr>
-            <a:stCxn id="8" idx="3"/>
-            <a:endCxn id="43" idx="3"/>
-          </p:cNvCxnSpPr>
-          <p:nvPr/>
-        </p:nvCxnSpPr>
-        <p:spPr>
-          <a:xfrm flipH="1" flipV="1">
-            <a:off x="8117667" y="2563834"/>
-            <a:ext cx="285577" cy="1268244"/>
-          </a:xfrm>
-          <a:prstGeom prst="bentConnector3">
-            <a:avLst>
-              <a:gd name="adj1" fmla="val -143420"/>
-            </a:avLst>
-          </a:prstGeom>
-          <a:ln w="38100">
-            <a:tailEnd type="triangle"/>
-          </a:ln>
-        </p:spPr>
-        <p:style>
-          <a:lnRef idx="1">
-            <a:schemeClr val="accent1"/>
-          </a:lnRef>
-          <a:fillRef idx="0">
-            <a:schemeClr val="accent1"/>
-          </a:fillRef>
-          <a:effectRef idx="0">
-            <a:schemeClr val="accent1"/>
-          </a:effectRef>
-          <a:fontRef idx="minor">
-            <a:schemeClr val="tx1"/>
-          </a:fontRef>
-        </p:style>
-      </p:cxnSp>
-      <p:sp>
-        <p:nvSpPr>
-          <p:cNvPr id="90" name="TextBox 89"/>
-          <p:cNvSpPr txBox="1"/>
-          <p:nvPr/>
-        </p:nvSpPr>
-        <p:spPr>
-          <a:xfrm>
-            <a:off x="8247644" y="3446623"/>
-            <a:ext cx="806335" cy="369332"/>
-          </a:xfrm>
-          <a:prstGeom prst="rect">
-            <a:avLst/>
-          </a:prstGeom>
-          <a:noFill/>
-        </p:spPr>
-        <p:txBody>
-          <a:bodyPr wrap="square" rtlCol="0">
-            <a:spAutoFit/>
-          </a:bodyPr>
-          <a:lstStyle/>
-          <a:p>
-            <a:r>
-              <a:rPr lang="en-US" altLang="ko-KR" b="1" smtClean="0"/>
-              <a:t>YES</a:t>
-            </a:r>
-            <a:endParaRPr lang="ko-KR" altLang="en-US" b="1" dirty="0"/>
-          </a:p>
-        </p:txBody>
-      </p:sp>
-      <p:sp>
-        <p:nvSpPr>
-          <p:cNvPr id="91" name="TextBox 90"/>
-          <p:cNvSpPr txBox="1"/>
-          <p:nvPr/>
-        </p:nvSpPr>
-        <p:spPr>
-          <a:xfrm>
-            <a:off x="6607312" y="4352386"/>
-            <a:ext cx="806335" cy="369332"/>
-          </a:xfrm>
-          <a:prstGeom prst="rect">
-            <a:avLst/>
-          </a:prstGeom>
-          <a:noFill/>
-        </p:spPr>
-        <p:txBody>
-          <a:bodyPr wrap="square" rtlCol="0">
-            <a:spAutoFit/>
-          </a:bodyPr>
-          <a:lstStyle/>
-          <a:p>
-            <a:r>
-              <a:rPr lang="en-US" altLang="ko-KR" b="1" dirty="0" smtClean="0"/>
-              <a:t>NO</a:t>
-            </a:r>
-            <a:endParaRPr lang="ko-KR" altLang="en-US" b="1" dirty="0"/>
-          </a:p>
-        </p:txBody>
-      </p:sp>
-      <p:cxnSp>
-        <p:nvCxnSpPr>
-          <p:cNvPr id="92" name="직선 화살표 연결선 91"/>
-          <p:cNvCxnSpPr/>
-          <p:nvPr/>
-        </p:nvCxnSpPr>
-        <p:spPr>
-          <a:xfrm rot="16200000">
-            <a:off x="8406943" y="5635491"/>
-            <a:ext cx="0" cy="720000"/>
-          </a:xfrm>
-          <a:prstGeom prst="straightConnector1">
-            <a:avLst/>
-          </a:prstGeom>
-          <a:ln w="38100">
-            <a:tailEnd type="triangle"/>
-          </a:ln>
-        </p:spPr>
-        <p:style>
-          <a:lnRef idx="1">
-            <a:schemeClr val="accent1"/>
-          </a:lnRef>
-          <a:fillRef idx="0">
-            <a:schemeClr val="accent1"/>
-          </a:fillRef>
-          <a:effectRef idx="0">
-            <a:schemeClr val="accent1"/>
-          </a:effectRef>
-          <a:fontRef idx="minor">
-            <a:schemeClr val="tx1"/>
-          </a:fontRef>
-        </p:style>
-      </p:cxnSp>
-      <p:sp>
-        <p:nvSpPr>
-          <p:cNvPr id="93" name="TextBox 92"/>
-          <p:cNvSpPr txBox="1"/>
-          <p:nvPr/>
-        </p:nvSpPr>
-        <p:spPr>
-          <a:xfrm>
-            <a:off x="2716686" y="2437813"/>
-            <a:ext cx="806335" cy="369332"/>
-          </a:xfrm>
-          <a:prstGeom prst="rect">
-            <a:avLst/>
-          </a:prstGeom>
-          <a:noFill/>
-        </p:spPr>
-        <p:txBody>
-          <a:bodyPr wrap="square" rtlCol="0">
-            <a:spAutoFit/>
-          </a:bodyPr>
-          <a:lstStyle/>
-          <a:p>
-            <a:r>
-              <a:rPr lang="en-US" altLang="ko-KR" b="1" dirty="0" smtClean="0"/>
-              <a:t>NO</a:t>
-            </a:r>
-            <a:endParaRPr lang="ko-KR" altLang="en-US" b="1" dirty="0"/>
-          </a:p>
-        </p:txBody>
-      </p:sp>
-      <p:sp>
-        <p:nvSpPr>
-          <p:cNvPr id="94" name="TextBox 93"/>
-          <p:cNvSpPr txBox="1"/>
-          <p:nvPr/>
-        </p:nvSpPr>
-        <p:spPr>
-          <a:xfrm>
-            <a:off x="2507418" y="5514179"/>
-            <a:ext cx="806335" cy="369332"/>
-          </a:xfrm>
-          <a:prstGeom prst="rect">
-            <a:avLst/>
-          </a:prstGeom>
-          <a:noFill/>
-        </p:spPr>
-        <p:txBody>
-          <a:bodyPr wrap="square" rtlCol="0">
-            <a:spAutoFit/>
-          </a:bodyPr>
-          <a:lstStyle/>
-          <a:p>
-            <a:r>
-              <a:rPr lang="en-US" altLang="ko-KR" b="1" dirty="0" smtClean="0"/>
-              <a:t>NO</a:t>
-            </a:r>
-            <a:endParaRPr lang="ko-KR" altLang="en-US" b="1" dirty="0"/>
-          </a:p>
-        </p:txBody>
-      </p:sp>
-      <p:sp>
-        <p:nvSpPr>
-          <p:cNvPr id="95" name="TextBox 94"/>
-          <p:cNvSpPr txBox="1"/>
-          <p:nvPr/>
-        </p:nvSpPr>
-        <p:spPr>
-          <a:xfrm>
-            <a:off x="2623272" y="3996975"/>
-            <a:ext cx="806335" cy="369332"/>
-          </a:xfrm>
-          <a:prstGeom prst="rect">
-            <a:avLst/>
-          </a:prstGeom>
-          <a:noFill/>
-        </p:spPr>
-        <p:txBody>
-          <a:bodyPr wrap="square" rtlCol="0">
-            <a:spAutoFit/>
-          </a:bodyPr>
-          <a:lstStyle/>
-          <a:p>
-            <a:r>
-              <a:rPr lang="en-US" altLang="ko-KR" b="1" dirty="0" smtClean="0"/>
-              <a:t>NO</a:t>
-            </a:r>
-            <a:endParaRPr lang="ko-KR" altLang="en-US" b="1" dirty="0"/>
-          </a:p>
-        </p:txBody>
-      </p:sp>
-      <p:sp>
-        <p:nvSpPr>
-          <p:cNvPr id="96" name="TextBox 95"/>
-          <p:cNvSpPr txBox="1"/>
-          <p:nvPr/>
-        </p:nvSpPr>
-        <p:spPr>
-          <a:xfrm>
-            <a:off x="4157639" y="3405061"/>
-            <a:ext cx="806335" cy="369332"/>
-          </a:xfrm>
-          <a:prstGeom prst="rect">
-            <a:avLst/>
-          </a:prstGeom>
-          <a:noFill/>
-        </p:spPr>
-        <p:txBody>
-          <a:bodyPr wrap="square" rtlCol="0">
-            <a:spAutoFit/>
-          </a:bodyPr>
-          <a:lstStyle/>
-          <a:p>
-            <a:r>
-              <a:rPr lang="en-US" altLang="ko-KR" b="1" dirty="0" smtClean="0"/>
-              <a:t>YES</a:t>
-            </a:r>
-            <a:endParaRPr lang="ko-KR" altLang="en-US" b="1" dirty="0"/>
-          </a:p>
-        </p:txBody>
-      </p:sp>
-      <p:sp>
-        <p:nvSpPr>
-          <p:cNvPr id="97" name="TextBox 96"/>
-          <p:cNvSpPr txBox="1"/>
-          <p:nvPr/>
-        </p:nvSpPr>
-        <p:spPr>
-          <a:xfrm>
-            <a:off x="4183193" y="4922308"/>
-            <a:ext cx="806335" cy="369332"/>
-          </a:xfrm>
-          <a:prstGeom prst="rect">
-            <a:avLst/>
-          </a:prstGeom>
-          <a:noFill/>
-        </p:spPr>
-        <p:txBody>
-          <a:bodyPr wrap="square" rtlCol="0">
-            <a:spAutoFit/>
-          </a:bodyPr>
-          <a:lstStyle/>
-          <a:p>
-            <a:r>
-              <a:rPr lang="en-US" altLang="ko-KR" b="1" dirty="0" smtClean="0"/>
-              <a:t>YES</a:t>
-            </a:r>
-            <a:endParaRPr lang="ko-KR" altLang="en-US" b="1" dirty="0"/>
-          </a:p>
-        </p:txBody>
-      </p:sp>
-      <p:sp>
-        <p:nvSpPr>
-          <p:cNvPr id="98" name="TextBox 97"/>
-          <p:cNvSpPr txBox="1"/>
-          <p:nvPr/>
-        </p:nvSpPr>
-        <p:spPr>
-          <a:xfrm>
-            <a:off x="3628772" y="6346545"/>
-            <a:ext cx="806335" cy="369332"/>
-          </a:xfrm>
-          <a:prstGeom prst="rect">
-            <a:avLst/>
-          </a:prstGeom>
-          <a:noFill/>
-        </p:spPr>
-        <p:txBody>
-          <a:bodyPr wrap="square" rtlCol="0">
-            <a:spAutoFit/>
-          </a:bodyPr>
-          <a:lstStyle/>
-          <a:p>
-            <a:r>
-              <a:rPr lang="en-US" altLang="ko-KR" b="1" dirty="0" smtClean="0"/>
-              <a:t>YES</a:t>
-            </a:r>
-            <a:endParaRPr lang="ko-KR" altLang="en-US" b="1" dirty="0"/>
-          </a:p>
-        </p:txBody>
-      </p:sp>
-      <p:sp>
-        <p:nvSpPr>
-          <p:cNvPr id="42" name="순서도: 처리 41"/>
-          <p:cNvSpPr/>
-          <p:nvPr/>
-        </p:nvSpPr>
-        <p:spPr>
-          <a:xfrm>
-            <a:off x="8758228" y="5729258"/>
-            <a:ext cx="1597891" cy="561394"/>
-          </a:xfrm>
-          <a:prstGeom prst="flowChartProcess">
-            <a:avLst/>
-          </a:prstGeom>
-        </p:spPr>
-        <p:style>
-          <a:lnRef idx="2">
-            <a:schemeClr val="accent1">
-              <a:shade val="50000"/>
-            </a:schemeClr>
-          </a:lnRef>
-          <a:fillRef idx="1">
-            <a:schemeClr val="accent1"/>
-          </a:fillRef>
-          <a:effectRef idx="0">
-            <a:schemeClr val="accent1"/>
-          </a:effectRef>
-          <a:fontRef idx="minor">
-            <a:schemeClr val="lt1"/>
-          </a:fontRef>
-        </p:style>
-        <p:txBody>
-          <a:bodyPr rtlCol="0" anchor="ctr"/>
-          <a:lstStyle/>
-          <a:p>
-            <a:pPr algn="ctr"/>
-            <a:r>
-              <a:rPr lang="ko-KR" altLang="en-US" sz="1400" dirty="0" smtClean="0"/>
-              <a:t>영상 </a:t>
-            </a:r>
-            <a:endParaRPr lang="en-US" altLang="ko-KR" sz="1400" dirty="0" smtClean="0"/>
-          </a:p>
-          <a:p>
-            <a:pPr algn="ctr"/>
-            <a:r>
-              <a:rPr lang="ko-KR" altLang="en-US" sz="1400" dirty="0" smtClean="0"/>
-              <a:t>저장 경로 전달</a:t>
-            </a:r>
-            <a:endParaRPr lang="ko-KR" altLang="en-US" sz="1400" dirty="0"/>
-          </a:p>
-        </p:txBody>
-      </p:sp>
-      <p:cxnSp>
-        <p:nvCxnSpPr>
-          <p:cNvPr id="45" name="직선 화살표 연결선 44"/>
-          <p:cNvCxnSpPr/>
-          <p:nvPr/>
-        </p:nvCxnSpPr>
-        <p:spPr>
-          <a:xfrm>
-            <a:off x="9522808" y="5371503"/>
-            <a:ext cx="0" cy="360000"/>
-          </a:xfrm>
-          <a:prstGeom prst="straightConnector1">
-            <a:avLst/>
-          </a:prstGeom>
-          <a:ln w="38100">
-            <a:headEnd type="triangle"/>
-            <a:tailEnd type="none"/>
-          </a:ln>
-        </p:spPr>
-        <p:style>
-          <a:lnRef idx="1">
-            <a:schemeClr val="accent1"/>
-          </a:lnRef>
-          <a:fillRef idx="0">
-            <a:schemeClr val="accent1"/>
-          </a:fillRef>
-          <a:effectRef idx="0">
-            <a:schemeClr val="accent1"/>
-          </a:effectRef>
-          <a:fontRef idx="minor">
-            <a:schemeClr val="tx1"/>
-          </a:fontRef>
-        </p:style>
-      </p:cxnSp>
-    </p:spTree>
-    <p:extLst>
-      <p:ext uri="{BB962C8B-B14F-4D97-AF65-F5344CB8AC3E}">
-        <p14:creationId xmlns:p14="http://schemas.microsoft.com/office/powerpoint/2010/main" val="556550433"/>
-      </p:ext>
-    </p:extLst>
-  </p:cSld>
-  <p:clrMapOvr>
-    <a:masterClrMapping/>
-  </p:clrMapOvr>
-  <p:timing>
-    <p:tnLst>
-      <p:par>
-        <p:cTn id="1" dur="indefinite" restart="never" nodeType="tmRoot"/>
-      </p:par>
-    </p:tnLst>
-  </p:timing>
-</p:sld>
-</file>
-
-<file path=ppt/slides/slide4.xml><?xml version="1.0" encoding="utf-8"?>
-<p:sld xmlns:a="http://schemas.openxmlformats.org/drawingml/2006/main" xmlns:r="http://schemas.openxmlformats.org/officeDocument/2006/relationships" xmlns:p="http://schemas.openxmlformats.org/presentationml/2006/main">
-  <p:cSld>
-    <p:spTree>
-      <p:nvGrpSpPr>
-        <p:cNvPr id="1" name=""/>
-        <p:cNvGrpSpPr/>
-        <p:nvPr/>
-      </p:nvGrpSpPr>
-      <p:grpSpPr>
-        <a:xfrm>
-          <a:off x="0" y="0"/>
-          <a:ext cx="0" cy="0"/>
-          <a:chOff x="0" y="0"/>
-          <a:chExt cx="0" cy="0"/>
-        </a:xfrm>
-      </p:grpSpPr>
-      <p:sp>
-        <p:nvSpPr>
-          <p:cNvPr id="4" name="TextBox 3"/>
-          <p:cNvSpPr txBox="1"/>
-          <p:nvPr/>
-        </p:nvSpPr>
-        <p:spPr>
-          <a:xfrm>
-            <a:off x="119021" y="90351"/>
-            <a:ext cx="4003800" cy="369332"/>
-          </a:xfrm>
-          <a:prstGeom prst="rect">
-            <a:avLst/>
-          </a:prstGeom>
-          <a:noFill/>
-        </p:spPr>
-        <p:txBody>
-          <a:bodyPr wrap="square" rtlCol="0">
-            <a:spAutoFit/>
-          </a:bodyPr>
-          <a:lstStyle/>
-          <a:p>
-            <a:r>
-              <a:rPr lang="en-US" altLang="ko-KR" dirty="0" smtClean="0"/>
-              <a:t>100</a:t>
-            </a:r>
-            <a:r>
-              <a:rPr lang="en-US" altLang="ko-KR" dirty="0" smtClean="0"/>
-              <a:t>. </a:t>
-            </a:r>
-            <a:r>
-              <a:rPr lang="ko-KR" altLang="en-US" dirty="0" smtClean="0"/>
-              <a:t>결과 저장 경로 및 이름 규칙</a:t>
-            </a:r>
-            <a:endParaRPr lang="en-US" altLang="ko-KR" dirty="0" smtClean="0"/>
-          </a:p>
-        </p:txBody>
-      </p:sp>
       <p:graphicFrame>
         <p:nvGraphicFramePr>
-          <p:cNvPr id="5" name="표 4"/>
+          <p:cNvPr id="8" name="표 7"/>
           <p:cNvGraphicFramePr>
             <a:graphicFrameLocks noGrp="1"/>
           </p:cNvGraphicFramePr>
           <p:nvPr>
             <p:extLst>
               <p:ext uri="{D42A27DB-BD31-4B8C-83A1-F6EECF244321}">
-                <p14:modId xmlns:p14="http://schemas.microsoft.com/office/powerpoint/2010/main" val="675019144"/>
+                <p14:modId xmlns:p14="http://schemas.microsoft.com/office/powerpoint/2010/main" val="2549815615"/>
               </p:ext>
             </p:extLst>
           </p:nvPr>
         </p:nvGraphicFramePr>
         <p:xfrm>
-          <a:off x="591129" y="645998"/>
-          <a:ext cx="10954329" cy="1734662"/>
+          <a:off x="567066" y="553635"/>
+          <a:ext cx="10954329" cy="2407081"/>
         </p:xfrm>
         <a:graphic>
           <a:graphicData uri="http://schemas.openxmlformats.org/drawingml/2006/table">
@@ -7797,14 +3808,14 @@
                     </a:ext>
                   </a:extLst>
                 </a:gridCol>
-                <a:gridCol w="4655127">
+                <a:gridCol w="4289367">
                   <a:extLst>
                     <a:ext uri="{9D8B030D-6E8A-4147-A177-3AD203B41FA5}">
                       <a16:colId xmlns:a16="http://schemas.microsoft.com/office/drawing/2014/main" val="810755831"/>
                     </a:ext>
                   </a:extLst>
                 </a:gridCol>
-                <a:gridCol w="4995029">
+                <a:gridCol w="5360789">
                   <a:extLst>
                     <a:ext uri="{9D8B030D-6E8A-4147-A177-3AD203B41FA5}">
                       <a16:colId xmlns:a16="http://schemas.microsoft.com/office/drawing/2014/main" val="4294028658"/>
@@ -7864,7 +3875,293 @@
                   </a:ext>
                 </a:extLst>
               </a:tr>
-              <a:tr h="562118">
+              <a:tr h="296111">
+                <a:tc>
+                  <a:txBody>
+                    <a:bodyPr/>
+                    <a:lstStyle/>
+                    <a:p>
+                      <a:pPr algn="l"/>
+                      <a:r>
+                        <a:rPr lang="ko-KR" altLang="en-US" sz="1100" b="0" i="0" kern="1200" dirty="0" smtClean="0">
+                          <a:solidFill>
+                            <a:schemeClr val="dk1"/>
+                          </a:solidFill>
+                          <a:effectLst/>
+                          <a:latin typeface="+mn-lt"/>
+                          <a:ea typeface="+mn-ea"/>
+                          <a:cs typeface="+mn-cs"/>
+                        </a:rPr>
+                        <a:t>원본 저장 경로</a:t>
+                      </a:r>
+                      <a:endParaRPr lang="en-US" altLang="ko-KR" sz="1100" b="0" i="0" kern="1200" dirty="0">
+                        <a:solidFill>
+                          <a:schemeClr val="dk1"/>
+                        </a:solidFill>
+                        <a:effectLst/>
+                        <a:latin typeface="+mn-lt"/>
+                        <a:ea typeface="+mn-ea"/>
+                        <a:cs typeface="+mn-cs"/>
+                      </a:endParaRPr>
+                    </a:p>
+                  </a:txBody>
+                  <a:tcPr/>
+                </a:tc>
+                <a:tc>
+                  <a:txBody>
+                    <a:bodyPr/>
+                    <a:lstStyle/>
+                    <a:p>
+                      <a:pPr marL="0" marR="0" indent="0" algn="l" defTabSz="914400" rtl="0" eaLnBrk="1" fontAlgn="auto" latinLnBrk="1" hangingPunct="1">
+                        <a:lnSpc>
+                          <a:spcPct val="100000"/>
+                        </a:lnSpc>
+                        <a:spcBef>
+                          <a:spcPts val="0"/>
+                        </a:spcBef>
+                        <a:spcAft>
+                          <a:spcPts val="0"/>
+                        </a:spcAft>
+                        <a:buClrTx/>
+                        <a:buSzTx/>
+                        <a:buFontTx/>
+                        <a:buNone/>
+                        <a:tabLst/>
+                        <a:defRPr/>
+                      </a:pPr>
+                      <a:r>
+                        <a:rPr lang="en-US" altLang="ko-KR" sz="1100" dirty="0" smtClean="0">
+                          <a:latin typeface="+mn-lt"/>
+                        </a:rPr>
+                        <a:t>/</a:t>
+                      </a:r>
+                      <a:r>
+                        <a:rPr lang="en-US" altLang="ko-KR" sz="1100" dirty="0" smtClean="0">
+                          <a:latin typeface="+mn-lt"/>
+                        </a:rPr>
+                        <a:t>image/original/{</a:t>
+                      </a:r>
+                      <a:r>
+                        <a:rPr lang="en-US" altLang="ko-KR" sz="1100" kern="1200" dirty="0" smtClean="0">
+                          <a:solidFill>
+                            <a:schemeClr val="dk1"/>
+                          </a:solidFill>
+                          <a:effectLst/>
+                          <a:latin typeface="+mn-lt"/>
+                          <a:ea typeface="+mn-ea"/>
+                          <a:cs typeface="+mn-cs"/>
+                        </a:rPr>
+                        <a:t>%</a:t>
+                      </a:r>
+                      <a:r>
+                        <a:rPr lang="en-US" altLang="ko-KR" sz="1100" kern="1200" dirty="0" err="1" smtClean="0">
+                          <a:solidFill>
+                            <a:schemeClr val="dk1"/>
+                          </a:solidFill>
+                          <a:effectLst/>
+                          <a:latin typeface="+mn-lt"/>
+                          <a:ea typeface="+mn-ea"/>
+                          <a:cs typeface="+mn-cs"/>
+                        </a:rPr>
+                        <a:t>Y%m%d</a:t>
+                      </a:r>
+                      <a:r>
+                        <a:rPr lang="en-US" altLang="ko-KR" sz="1100" kern="1200" dirty="0" smtClean="0">
+                          <a:solidFill>
+                            <a:schemeClr val="dk1"/>
+                          </a:solidFill>
+                          <a:effectLst/>
+                          <a:latin typeface="+mn-lt"/>
+                          <a:ea typeface="+mn-ea"/>
+                          <a:cs typeface="+mn-cs"/>
+                        </a:rPr>
+                        <a:t>}/{</a:t>
+                      </a:r>
+                      <a:r>
+                        <a:rPr lang="en-US" altLang="ko-KR" sz="1100" kern="1200" dirty="0" smtClean="0">
+                          <a:solidFill>
+                            <a:schemeClr val="dk1"/>
+                          </a:solidFill>
+                          <a:effectLst/>
+                          <a:latin typeface="+mn-lt"/>
+                          <a:ea typeface="+mn-ea"/>
+                          <a:cs typeface="+mn-cs"/>
+                        </a:rPr>
+                        <a:t>file_name}.jpg</a:t>
+                      </a:r>
+                      <a:endParaRPr lang="ko-KR" altLang="en-US" sz="1100" dirty="0" smtClean="0">
+                        <a:latin typeface="+mn-lt"/>
+                      </a:endParaRPr>
+                    </a:p>
+                  </a:txBody>
+                  <a:tcPr/>
+                </a:tc>
+                <a:tc>
+                  <a:txBody>
+                    <a:bodyPr/>
+                    <a:lstStyle/>
+                    <a:p>
+                      <a:pPr marL="0" marR="0" indent="0" algn="l" defTabSz="914400" rtl="0" eaLnBrk="1" fontAlgn="auto" latinLnBrk="1" hangingPunct="1">
+                        <a:lnSpc>
+                          <a:spcPct val="100000"/>
+                        </a:lnSpc>
+                        <a:spcBef>
+                          <a:spcPts val="0"/>
+                        </a:spcBef>
+                        <a:spcAft>
+                          <a:spcPts val="0"/>
+                        </a:spcAft>
+                        <a:buClrTx/>
+                        <a:buSzTx/>
+                        <a:buFontTx/>
+                        <a:buNone/>
+                        <a:tabLst/>
+                        <a:defRPr/>
+                      </a:pPr>
+                      <a:r>
+                        <a:rPr lang="en-US" altLang="ko-KR" sz="1100" dirty="0" smtClean="0"/>
+                        <a:t>/</a:t>
+                      </a:r>
+                      <a:r>
+                        <a:rPr lang="en-US" altLang="ko-KR" sz="1100" dirty="0" smtClean="0"/>
+                        <a:t>video/original/{</a:t>
+                      </a:r>
+                      <a:r>
+                        <a:rPr lang="en-US" altLang="ko-KR" sz="1100" kern="1200" dirty="0" smtClean="0">
+                          <a:solidFill>
+                            <a:schemeClr val="dk1"/>
+                          </a:solidFill>
+                          <a:effectLst/>
+                          <a:latin typeface="+mn-lt"/>
+                          <a:ea typeface="+mn-ea"/>
+                          <a:cs typeface="+mn-cs"/>
+                        </a:rPr>
+                        <a:t>%</a:t>
+                      </a:r>
+                      <a:r>
+                        <a:rPr lang="en-US" altLang="ko-KR" sz="1100" kern="1200" dirty="0" err="1" smtClean="0">
+                          <a:solidFill>
+                            <a:schemeClr val="dk1"/>
+                          </a:solidFill>
+                          <a:effectLst/>
+                          <a:latin typeface="+mn-lt"/>
+                          <a:ea typeface="+mn-ea"/>
+                          <a:cs typeface="+mn-cs"/>
+                        </a:rPr>
+                        <a:t>Y%m%d</a:t>
+                      </a:r>
+                      <a:r>
+                        <a:rPr lang="en-US" altLang="ko-KR" sz="1100" kern="1200" dirty="0" smtClean="0">
+                          <a:solidFill>
+                            <a:schemeClr val="dk1"/>
+                          </a:solidFill>
+                          <a:effectLst/>
+                          <a:latin typeface="+mn-lt"/>
+                          <a:ea typeface="+mn-ea"/>
+                          <a:cs typeface="+mn-cs"/>
+                        </a:rPr>
+                        <a:t>}/{file_name</a:t>
+                      </a:r>
+                      <a:r>
+                        <a:rPr lang="en-US" altLang="ko-KR" sz="1100" kern="1200" dirty="0" smtClean="0">
+                          <a:solidFill>
+                            <a:schemeClr val="dk1"/>
+                          </a:solidFill>
+                          <a:effectLst/>
+                          <a:latin typeface="+mn-lt"/>
+                          <a:ea typeface="+mn-ea"/>
+                          <a:cs typeface="+mn-cs"/>
+                        </a:rPr>
+                        <a:t>}.mp4</a:t>
+                      </a:r>
+                      <a:endParaRPr lang="ko-KR" altLang="en-US" sz="1100" dirty="0" smtClean="0"/>
+                    </a:p>
+                  </a:txBody>
+                  <a:tcPr/>
+                </a:tc>
+                <a:extLst>
+                  <a:ext uri="{0D108BD9-81ED-4DB2-BD59-A6C34878D82A}">
+                    <a16:rowId xmlns:a16="http://schemas.microsoft.com/office/drawing/2014/main" val="2031216518"/>
+                  </a:ext>
+                </a:extLst>
+              </a:tr>
+              <a:tr h="449810">
+                <a:tc>
+                  <a:txBody>
+                    <a:bodyPr/>
+                    <a:lstStyle/>
+                    <a:p>
+                      <a:pPr algn="l" latinLnBrk="1"/>
+                      <a:endParaRPr lang="ko-KR" altLang="en-US" sz="1100" b="0" dirty="0">
+                        <a:latin typeface="+mn-lt"/>
+                      </a:endParaRPr>
+                    </a:p>
+                  </a:txBody>
+                  <a:tcPr/>
+                </a:tc>
+                <a:tc>
+                  <a:txBody>
+                    <a:bodyPr/>
+                    <a:lstStyle/>
+                    <a:p>
+                      <a:pPr marL="0" marR="0" indent="0" algn="l" defTabSz="914400" rtl="0" eaLnBrk="1" fontAlgn="auto" latinLnBrk="1" hangingPunct="1">
+                        <a:lnSpc>
+                          <a:spcPct val="100000"/>
+                        </a:lnSpc>
+                        <a:spcBef>
+                          <a:spcPts val="0"/>
+                        </a:spcBef>
+                        <a:spcAft>
+                          <a:spcPts val="0"/>
+                        </a:spcAft>
+                        <a:buClrTx/>
+                        <a:buSzTx/>
+                        <a:buFontTx/>
+                        <a:buNone/>
+                        <a:tabLst/>
+                        <a:defRPr/>
+                      </a:pPr>
+                      <a:endParaRPr lang="ko-KR" altLang="en-US" sz="1100" dirty="0" smtClean="0">
+                        <a:latin typeface="+mn-lt"/>
+                      </a:endParaRPr>
+                    </a:p>
+                  </a:txBody>
+                  <a:tcPr/>
+                </a:tc>
+                <a:tc>
+                  <a:txBody>
+                    <a:bodyPr/>
+                    <a:lstStyle/>
+                    <a:p>
+                      <a:pPr marL="0" marR="0" indent="0" algn="l" defTabSz="914400" rtl="0" eaLnBrk="1" fontAlgn="auto" latinLnBrk="1" hangingPunct="1">
+                        <a:lnSpc>
+                          <a:spcPct val="100000"/>
+                        </a:lnSpc>
+                        <a:spcBef>
+                          <a:spcPts val="0"/>
+                        </a:spcBef>
+                        <a:spcAft>
+                          <a:spcPts val="0"/>
+                        </a:spcAft>
+                        <a:buClrTx/>
+                        <a:buSzTx/>
+                        <a:buFontTx/>
+                        <a:buNone/>
+                        <a:tabLst/>
+                        <a:defRPr/>
+                      </a:pPr>
+                      <a:endParaRPr lang="ko-KR" altLang="en-US" sz="1100" dirty="0" smtClean="0"/>
+                    </a:p>
+                  </a:txBody>
+                  <a:tcPr/>
+                </a:tc>
+                <a:extLst>
+                  <a:ext uri="{0D108BD9-81ED-4DB2-BD59-A6C34878D82A}">
+                    <a16:rowId xmlns:a16="http://schemas.microsoft.com/office/drawing/2014/main" val="3175459798"/>
+                  </a:ext>
+                </a:extLst>
+              </a:tr>
+              <a:tr h="273384">
                 <a:tc>
                   <a:txBody>
                     <a:bodyPr/>
@@ -8030,7 +4327,7 @@
                           <a:ea typeface="+mn-ea"/>
                           <a:cs typeface="+mn-cs"/>
                         </a:rPr>
-                        <a:t>}/{</a:t>
+                        <a:t>}/{model}/{</a:t>
                       </a:r>
                       <a:r>
                         <a:rPr lang="en-US" altLang="ko-KR" sz="1100" kern="1200" dirty="0" err="1" smtClean="0">
@@ -8159,7 +4456,7 @@
                           <a:ea typeface="+mn-ea"/>
                           <a:cs typeface="+mn-cs"/>
                         </a:rPr>
-                        <a:t>}</a:t>
+                        <a:t>}/{model}</a:t>
                       </a:r>
                       <a:r>
                         <a:rPr lang="en-US" altLang="ko-KR" sz="1100" b="0" kern="1200" dirty="0" smtClean="0">
@@ -8216,11 +4513,11 @@
                 </a:tc>
                 <a:extLst>
                   <a:ext uri="{0D108BD9-81ED-4DB2-BD59-A6C34878D82A}">
-                    <a16:rowId xmlns:a16="http://schemas.microsoft.com/office/drawing/2014/main" val="2031216518"/>
+                    <a16:rowId xmlns:a16="http://schemas.microsoft.com/office/drawing/2014/main" val="832280739"/>
                   </a:ext>
                 </a:extLst>
               </a:tr>
-              <a:tr h="507077">
+              <a:tr h="273384">
                 <a:tc>
                   <a:txBody>
                     <a:bodyPr/>
@@ -8326,11 +4623,133 @@
                           <a:ea typeface="+mn-ea"/>
                           <a:cs typeface="+mn-cs"/>
                         </a:rPr>
-                        <a:t>}/0_{object}_{score}.jpg</a:t>
+                        <a:t>} /{model}/0_{object}_{score}.</a:t>
                       </a:r>
-                      <a:endParaRPr lang="ko-KR" altLang="en-US" sz="1100" dirty="0" smtClean="0">
+                      <a:r>
+                        <a:rPr lang="en-US" altLang="ko-KR" sz="1100" kern="1200" dirty="0" smtClean="0">
+                          <a:solidFill>
+                            <a:schemeClr val="dk1"/>
+                          </a:solidFill>
+                          <a:effectLst/>
+                          <a:latin typeface="+mn-lt"/>
+                          <a:ea typeface="+mn-ea"/>
+                          <a:cs typeface="+mn-cs"/>
+                        </a:rPr>
+                        <a:t>jpg</a:t>
+                      </a:r>
+                    </a:p>
+                    <a:p>
+                      <a:pPr marL="0" marR="0" indent="0" algn="l" defTabSz="914400" rtl="0" eaLnBrk="1" fontAlgn="auto" latinLnBrk="1" hangingPunct="1">
+                        <a:lnSpc>
+                          <a:spcPct val="100000"/>
+                        </a:lnSpc>
+                        <a:spcBef>
+                          <a:spcPts val="0"/>
+                        </a:spcBef>
+                        <a:spcAft>
+                          <a:spcPts val="0"/>
+                        </a:spcAft>
+                        <a:buClrTx/>
+                        <a:buSzTx/>
+                        <a:buFontTx/>
+                        <a:buNone/>
+                        <a:tabLst/>
+                        <a:defRPr/>
+                      </a:pPr>
+                      <a:endParaRPr lang="en-US" altLang="ko-KR" sz="1100" kern="1200" dirty="0" smtClean="0">
+                        <a:solidFill>
+                          <a:schemeClr val="dk1"/>
+                        </a:solidFill>
+                        <a:effectLst/>
                         <a:latin typeface="+mn-lt"/>
+                        <a:ea typeface="+mn-ea"/>
+                        <a:cs typeface="+mn-cs"/>
                       </a:endParaRPr>
+                    </a:p>
+                    <a:p>
+                      <a:pPr marL="0" marR="0" indent="0" algn="l" defTabSz="914400" rtl="0" eaLnBrk="1" fontAlgn="auto" latinLnBrk="1" hangingPunct="1">
+                        <a:lnSpc>
+                          <a:spcPct val="100000"/>
+                        </a:lnSpc>
+                        <a:spcBef>
+                          <a:spcPts val="0"/>
+                        </a:spcBef>
+                        <a:spcAft>
+                          <a:spcPts val="0"/>
+                        </a:spcAft>
+                        <a:buClrTx/>
+                        <a:buSzTx/>
+                        <a:buFontTx/>
+                        <a:buNone/>
+                        <a:tabLst/>
+                        <a:defRPr/>
+                      </a:pPr>
+                      <a:r>
+                        <a:rPr lang="en-US" altLang="ko-KR" sz="1100" dirty="0" smtClean="0">
+                          <a:latin typeface="+mn-lt"/>
+                        </a:rPr>
+                        <a:t>/image/object-detection/{</a:t>
+                      </a:r>
+                      <a:r>
+                        <a:rPr lang="en-US" altLang="ko-KR" sz="1100" kern="1200" dirty="0" smtClean="0">
+                          <a:solidFill>
+                            <a:schemeClr val="dk1"/>
+                          </a:solidFill>
+                          <a:effectLst/>
+                          <a:latin typeface="+mn-lt"/>
+                          <a:ea typeface="+mn-ea"/>
+                          <a:cs typeface="+mn-cs"/>
+                        </a:rPr>
+                        <a:t>%</a:t>
+                      </a:r>
+                      <a:r>
+                        <a:rPr lang="en-US" altLang="ko-KR" sz="1100" kern="1200" dirty="0" err="1" smtClean="0">
+                          <a:solidFill>
+                            <a:schemeClr val="dk1"/>
+                          </a:solidFill>
+                          <a:effectLst/>
+                          <a:latin typeface="+mn-lt"/>
+                          <a:ea typeface="+mn-ea"/>
+                          <a:cs typeface="+mn-cs"/>
+                        </a:rPr>
+                        <a:t>Y%m%d</a:t>
+                      </a:r>
+                      <a:r>
+                        <a:rPr lang="en-US" altLang="ko-KR" sz="1100" kern="1200" dirty="0" smtClean="0">
+                          <a:solidFill>
+                            <a:schemeClr val="dk1"/>
+                          </a:solidFill>
+                          <a:effectLst/>
+                          <a:latin typeface="+mn-lt"/>
+                          <a:ea typeface="+mn-ea"/>
+                          <a:cs typeface="+mn-cs"/>
+                        </a:rPr>
+                        <a:t>}/{</a:t>
+                      </a:r>
+                      <a:r>
+                        <a:rPr lang="en-US" altLang="ko-KR" sz="1100" kern="1200" dirty="0" err="1" smtClean="0">
+                          <a:solidFill>
+                            <a:schemeClr val="dk1"/>
+                          </a:solidFill>
+                          <a:effectLst/>
+                          <a:latin typeface="+mn-lt"/>
+                          <a:ea typeface="+mn-ea"/>
+                          <a:cs typeface="+mn-cs"/>
+                        </a:rPr>
+                        <a:t>file_name</a:t>
+                      </a:r>
+                      <a:r>
+                        <a:rPr lang="en-US" altLang="ko-KR" sz="1100" kern="1200" dirty="0" smtClean="0">
+                          <a:solidFill>
+                            <a:schemeClr val="dk1"/>
+                          </a:solidFill>
+                          <a:effectLst/>
+                          <a:latin typeface="+mn-lt"/>
+                          <a:ea typeface="+mn-ea"/>
+                          <a:cs typeface="+mn-cs"/>
+                        </a:rPr>
+                        <a:t>} /{model}/segmentation.jpg</a:t>
+                      </a:r>
                     </a:p>
                   </a:txBody>
                   <a:tcPr/>
@@ -8419,7 +4838,7 @@
                           <a:ea typeface="+mn-ea"/>
                           <a:cs typeface="+mn-cs"/>
                         </a:rPr>
-                        <a:t>}</a:t>
+                        <a:t>}/{model}</a:t>
                       </a:r>
                       <a:r>
                         <a:rPr lang="en-US" altLang="ko-KR" sz="1100" b="0" kern="1200" dirty="0" smtClean="0">
@@ -8449,78 +4868,12 @@
                         <a:latin typeface="+mn-lt"/>
                       </a:endParaRPr>
                     </a:p>
-                    <a:p>
-                      <a:pPr marL="0" marR="0" indent="0" algn="l" defTabSz="914400" rtl="0" eaLnBrk="1" fontAlgn="auto" latinLnBrk="1" hangingPunct="1">
-                        <a:lnSpc>
-                          <a:spcPct val="100000"/>
-                        </a:lnSpc>
-                        <a:spcBef>
-                          <a:spcPts val="0"/>
-                        </a:spcBef>
-                        <a:spcAft>
-                          <a:spcPts val="0"/>
-                        </a:spcAft>
-                        <a:buClrTx/>
-                        <a:buSzTx/>
-                        <a:buFontTx/>
-                        <a:buNone/>
-                        <a:tabLst/>
-                        <a:defRPr/>
-                      </a:pPr>
-                      <a:endParaRPr lang="ko-KR" altLang="en-US" sz="1100" dirty="0" smtClean="0"/>
-                    </a:p>
                   </a:txBody>
                   <a:tcPr/>
                 </a:tc>
                 <a:extLst>
                   <a:ext uri="{0D108BD9-81ED-4DB2-BD59-A6C34878D82A}">
-                    <a16:rowId xmlns:a16="http://schemas.microsoft.com/office/drawing/2014/main" val="3175459798"/>
-                  </a:ext>
-                </a:extLst>
-              </a:tr>
-              <a:tr h="273384">
-                <a:tc>
-                  <a:txBody>
-                    <a:bodyPr/>
-                    <a:lstStyle/>
-                    <a:p>
-                      <a:pPr algn="l" latinLnBrk="1"/>
-                      <a:endParaRPr lang="ko-KR" altLang="en-US" sz="1100" b="0" dirty="0">
-                        <a:latin typeface="+mn-lt"/>
-                      </a:endParaRPr>
-                    </a:p>
-                  </a:txBody>
-                  <a:tcPr/>
-                </a:tc>
-                <a:tc>
-                  <a:txBody>
-                    <a:bodyPr/>
-                    <a:lstStyle/>
-                    <a:p>
-                      <a:pPr algn="l"/>
-                      <a:endParaRPr lang="ko-KR" altLang="en-US" sz="1100" b="0" dirty="0">
-                        <a:latin typeface="+mn-lt"/>
-                      </a:endParaRPr>
-                    </a:p>
-                  </a:txBody>
-                  <a:tcPr/>
-                </a:tc>
-                <a:tc>
-                  <a:txBody>
-                    <a:bodyPr/>
-                    <a:lstStyle/>
-                    <a:p>
-                      <a:pPr algn="l"/>
-                      <a:endParaRPr lang="ko-KR" altLang="en-US" sz="1100" b="0" dirty="0">
-                        <a:latin typeface="+mn-lt"/>
-                      </a:endParaRPr>
-                    </a:p>
-                  </a:txBody>
-                  <a:tcPr/>
-                </a:tc>
-                <a:extLst>
-                  <a:ext uri="{0D108BD9-81ED-4DB2-BD59-A6C34878D82A}">
-                    <a16:rowId xmlns:a16="http://schemas.microsoft.com/office/drawing/2014/main" val="832280739"/>
+                    <a16:rowId xmlns:a16="http://schemas.microsoft.com/office/drawing/2014/main" val="3108245589"/>
                   </a:ext>
                 </a:extLst>
               </a:tr>
@@ -8531,17 +4884,24 @@
     </p:spTree>
     <p:extLst>
       <p:ext uri="{BB962C8B-B14F-4D97-AF65-F5344CB8AC3E}">
-        <p14:creationId xmlns:p14="http://schemas.microsoft.com/office/powerpoint/2010/main" val="3471859230"/>
+        <p14:creationId xmlns:p14="http://schemas.microsoft.com/office/powerpoint/2010/main" val="4036217973"/>
       </p:ext>
     </p:extLst>
   </p:cSld>
   <p:clrMapOvr>
     <a:masterClrMapping/>
   </p:clrMapOvr>
+  <p:timing>
+    <p:tnLst>
+      <p:par>
+        <p:cTn id="1" dur="indefinite" restart="never" nodeType="tmRoot"/>
+      </p:par>
+    </p:tnLst>
+  </p:timing>
 </p:sld>
 </file>
 
-<file path=ppt/slides/slide5.xml><?xml version="1.0" encoding="utf-8"?>
+<file path=ppt/slides/slide2.xml><?xml version="1.0" encoding="utf-8"?>
 <p:sld xmlns:a="http://schemas.openxmlformats.org/drawingml/2006/main" xmlns:r="http://schemas.openxmlformats.org/officeDocument/2006/relationships" xmlns:p="http://schemas.openxmlformats.org/presentationml/2006/main">
   <p:cSld>
     <p:spTree>
@@ -8582,11 +4942,3490 @@
           <a:p>
             <a:r>
               <a:rPr lang="en-US" altLang="ko-KR" dirty="0" smtClean="0"/>
-              <a:t>100</a:t>
-            </a:r>
+              <a:t>1. </a:t>
+            </a:r>
+            <a:r>
+              <a:rPr lang="ko-KR" altLang="en-US" dirty="0" smtClean="0"/>
+              <a:t>이미지 업로드</a:t>
+            </a:r>
+            <a:endParaRPr lang="ko-KR" altLang="en-US" dirty="0"/>
+          </a:p>
+        </p:txBody>
+      </p:sp>
+      <p:sp>
+        <p:nvSpPr>
+          <p:cNvPr id="6" name="순서도: 수행의 시작/종료 5"/>
+          <p:cNvSpPr/>
+          <p:nvPr/>
+        </p:nvSpPr>
+        <p:spPr>
+          <a:xfrm>
+            <a:off x="3181927" y="292013"/>
+            <a:ext cx="1917700" cy="647700"/>
+          </a:xfrm>
+          <a:prstGeom prst="flowChartTerminator">
+            <a:avLst/>
+          </a:prstGeom>
+        </p:spPr>
+        <p:style>
+          <a:lnRef idx="2">
+            <a:schemeClr val="accent1">
+              <a:shade val="50000"/>
+            </a:schemeClr>
+          </a:lnRef>
+          <a:fillRef idx="1">
+            <a:schemeClr val="accent1"/>
+          </a:fillRef>
+          <a:effectRef idx="0">
+            <a:schemeClr val="accent1"/>
+          </a:effectRef>
+          <a:fontRef idx="minor">
+            <a:schemeClr val="lt1"/>
+          </a:fontRef>
+        </p:style>
+        <p:txBody>
+          <a:bodyPr rtlCol="0" anchor="ctr"/>
+          <a:lstStyle/>
+          <a:p>
+            <a:pPr algn="ctr"/>
+            <a:r>
+              <a:rPr lang="ko-KR" altLang="en-US" sz="1400" dirty="0" smtClean="0"/>
+              <a:t>이미지 업로드</a:t>
+            </a:r>
+            <a:endParaRPr lang="ko-KR" altLang="en-US" sz="1400" dirty="0"/>
+          </a:p>
+        </p:txBody>
+      </p:sp>
+      <p:sp>
+        <p:nvSpPr>
+          <p:cNvPr id="8" name="순서도: 판단 7"/>
+          <p:cNvSpPr/>
+          <p:nvPr/>
+        </p:nvSpPr>
+        <p:spPr>
+          <a:xfrm>
+            <a:off x="5822910" y="3172048"/>
+            <a:ext cx="2580334" cy="1236936"/>
+          </a:xfrm>
+          <a:prstGeom prst="flowChartDecision">
+            <a:avLst/>
+          </a:prstGeom>
+        </p:spPr>
+        <p:style>
+          <a:lnRef idx="2">
+            <a:schemeClr val="accent1">
+              <a:shade val="50000"/>
+            </a:schemeClr>
+          </a:lnRef>
+          <a:fillRef idx="1">
+            <a:schemeClr val="accent1"/>
+          </a:fillRef>
+          <a:effectRef idx="0">
+            <a:schemeClr val="accent1"/>
+          </a:effectRef>
+          <a:fontRef idx="minor">
+            <a:schemeClr val="lt1"/>
+          </a:fontRef>
+        </p:style>
+        <p:txBody>
+          <a:bodyPr rtlCol="0" anchor="ctr"/>
+          <a:lstStyle/>
+          <a:p>
+            <a:pPr algn="ctr"/>
+            <a:r>
+              <a:rPr lang="ko-KR" altLang="en-US" sz="1400" dirty="0"/>
+              <a:t>원본 </a:t>
+            </a:r>
+            <a:r>
+              <a:rPr lang="ko-KR" altLang="en-US" sz="1400" dirty="0" smtClean="0"/>
+              <a:t>저장 </a:t>
+            </a:r>
+            <a:endParaRPr lang="en-US" altLang="ko-KR" sz="1400" dirty="0" smtClean="0"/>
+          </a:p>
+          <a:p>
+            <a:pPr algn="ctr"/>
+            <a:r>
+              <a:rPr lang="ko-KR" altLang="en-US" sz="1400" dirty="0" smtClean="0"/>
+              <a:t>디렉토리 내</a:t>
+            </a:r>
+            <a:endParaRPr lang="en-US" altLang="ko-KR" sz="1400" dirty="0" smtClean="0"/>
+          </a:p>
+          <a:p>
+            <a:pPr algn="ctr"/>
+            <a:r>
+              <a:rPr lang="en-US" altLang="ko-KR" sz="1400" dirty="0" smtClean="0"/>
+              <a:t>file </a:t>
+            </a:r>
+            <a:r>
+              <a:rPr lang="en-US" altLang="ko-KR" sz="1400" dirty="0"/>
+              <a:t>name</a:t>
+            </a:r>
+            <a:r>
+              <a:rPr lang="ko-KR" altLang="en-US" sz="1400" dirty="0"/>
+              <a:t>이 </a:t>
+            </a:r>
+            <a:r>
+              <a:rPr lang="ko-KR" altLang="en-US" sz="1400" dirty="0" smtClean="0"/>
+              <a:t>존재하는가</a:t>
+            </a:r>
+            <a:r>
+              <a:rPr lang="en-US" altLang="ko-KR" sz="1400" dirty="0" smtClean="0"/>
+              <a:t>?</a:t>
+            </a:r>
+            <a:endParaRPr lang="ko-KR" altLang="en-US" sz="1400" dirty="0"/>
+          </a:p>
+        </p:txBody>
+      </p:sp>
+      <p:sp>
+        <p:nvSpPr>
+          <p:cNvPr id="9" name="순서도: 판단 8"/>
+          <p:cNvSpPr/>
+          <p:nvPr/>
+        </p:nvSpPr>
+        <p:spPr>
+          <a:xfrm>
+            <a:off x="2903229" y="5226183"/>
+            <a:ext cx="2580334" cy="1236936"/>
+          </a:xfrm>
+          <a:prstGeom prst="flowChartDecision">
+            <a:avLst/>
+          </a:prstGeom>
+        </p:spPr>
+        <p:style>
+          <a:lnRef idx="2">
+            <a:schemeClr val="accent1">
+              <a:shade val="50000"/>
+            </a:schemeClr>
+          </a:lnRef>
+          <a:fillRef idx="1">
+            <a:schemeClr val="accent1"/>
+          </a:fillRef>
+          <a:effectRef idx="0">
+            <a:schemeClr val="accent1"/>
+          </a:effectRef>
+          <a:fontRef idx="minor">
+            <a:schemeClr val="lt1"/>
+          </a:fontRef>
+        </p:style>
+        <p:txBody>
+          <a:bodyPr rtlCol="0" anchor="ctr" anchorCtr="0"/>
+          <a:lstStyle/>
+          <a:p>
+            <a:pPr algn="ctr"/>
+            <a:r>
+              <a:rPr lang="ko-KR" altLang="en-US" sz="1400" dirty="0"/>
+              <a:t>파일 형식이 </a:t>
+            </a:r>
+            <a:r>
+              <a:rPr lang="en-US" altLang="ko-KR" sz="1400" dirty="0"/>
+              <a:t>jpg, jpeg, </a:t>
+            </a:r>
+            <a:r>
+              <a:rPr lang="en-US" altLang="ko-KR" sz="1400" dirty="0" err="1"/>
+              <a:t>png</a:t>
+            </a:r>
+            <a:r>
+              <a:rPr lang="en-US" altLang="ko-KR" sz="1400" dirty="0"/>
+              <a:t> </a:t>
+            </a:r>
+            <a:r>
+              <a:rPr lang="ko-KR" altLang="en-US" sz="1400" dirty="0"/>
+              <a:t>중 </a:t>
+            </a:r>
+            <a:endParaRPr lang="en-US" altLang="ko-KR" sz="1400" dirty="0" smtClean="0"/>
+          </a:p>
+          <a:p>
+            <a:pPr algn="ctr"/>
+            <a:r>
+              <a:rPr lang="ko-KR" altLang="en-US" sz="1400" dirty="0" smtClean="0"/>
+              <a:t>하나인가</a:t>
+            </a:r>
+            <a:r>
+              <a:rPr lang="en-US" altLang="ko-KR" sz="1400" dirty="0" smtClean="0"/>
+              <a:t>?</a:t>
+            </a:r>
+            <a:endParaRPr lang="ko-KR" altLang="en-US" sz="1400" dirty="0"/>
+          </a:p>
+        </p:txBody>
+      </p:sp>
+      <p:sp>
+        <p:nvSpPr>
+          <p:cNvPr id="10" name="순서도: 처리 9"/>
+          <p:cNvSpPr/>
+          <p:nvPr/>
+        </p:nvSpPr>
+        <p:spPr>
+          <a:xfrm>
+            <a:off x="6355586" y="4745386"/>
+            <a:ext cx="1597891" cy="561394"/>
+          </a:xfrm>
+          <a:prstGeom prst="flowChartProcess">
+            <a:avLst/>
+          </a:prstGeom>
+        </p:spPr>
+        <p:style>
+          <a:lnRef idx="2">
+            <a:schemeClr val="accent1">
+              <a:shade val="50000"/>
+            </a:schemeClr>
+          </a:lnRef>
+          <a:fillRef idx="1">
+            <a:schemeClr val="accent1"/>
+          </a:fillRef>
+          <a:effectRef idx="0">
+            <a:schemeClr val="accent1"/>
+          </a:effectRef>
+          <a:fontRef idx="minor">
+            <a:schemeClr val="lt1"/>
+          </a:fontRef>
+        </p:style>
+        <p:txBody>
+          <a:bodyPr rtlCol="0" anchor="ctr"/>
+          <a:lstStyle/>
+          <a:p>
+            <a:pPr algn="ctr"/>
+            <a:r>
+              <a:rPr lang="ko-KR" altLang="en-US" sz="1400" dirty="0" smtClean="0"/>
+              <a:t>파일명 할당</a:t>
+            </a:r>
+            <a:endParaRPr lang="ko-KR" altLang="en-US" sz="1400" dirty="0"/>
+          </a:p>
+        </p:txBody>
+      </p:sp>
+      <p:sp>
+        <p:nvSpPr>
+          <p:cNvPr id="13" name="순서도: 수행의 시작/종료 12"/>
+          <p:cNvSpPr/>
+          <p:nvPr/>
+        </p:nvSpPr>
+        <p:spPr>
+          <a:xfrm>
+            <a:off x="8598323" y="4703776"/>
+            <a:ext cx="1917700" cy="647700"/>
+          </a:xfrm>
+          <a:prstGeom prst="flowChartTerminator">
+            <a:avLst/>
+          </a:prstGeom>
+        </p:spPr>
+        <p:style>
+          <a:lnRef idx="2">
+            <a:schemeClr val="accent1">
+              <a:shade val="50000"/>
+            </a:schemeClr>
+          </a:lnRef>
+          <a:fillRef idx="1">
+            <a:schemeClr val="accent1"/>
+          </a:fillRef>
+          <a:effectRef idx="0">
+            <a:schemeClr val="accent1"/>
+          </a:effectRef>
+          <a:fontRef idx="minor">
+            <a:schemeClr val="lt1"/>
+          </a:fontRef>
+        </p:style>
+        <p:txBody>
+          <a:bodyPr rtlCol="0" anchor="ctr"/>
+          <a:lstStyle/>
+          <a:p>
+            <a:pPr algn="ctr"/>
+            <a:r>
+              <a:rPr lang="ko-KR" altLang="en-US" sz="1400" dirty="0" smtClean="0"/>
+              <a:t>이미지 업로드 종료</a:t>
+            </a:r>
+            <a:endParaRPr lang="ko-KR" altLang="en-US" sz="1400" dirty="0"/>
+          </a:p>
+        </p:txBody>
+      </p:sp>
+      <p:cxnSp>
+        <p:nvCxnSpPr>
+          <p:cNvPr id="15" name="직선 화살표 연결선 14"/>
+          <p:cNvCxnSpPr/>
+          <p:nvPr/>
+        </p:nvCxnSpPr>
+        <p:spPr>
+          <a:xfrm>
+            <a:off x="4168024" y="1894393"/>
+            <a:ext cx="0" cy="360000"/>
+          </a:xfrm>
+          <a:prstGeom prst="straightConnector1">
+            <a:avLst/>
+          </a:prstGeom>
+          <a:ln w="38100">
+            <a:tailEnd type="triangle"/>
+          </a:ln>
+        </p:spPr>
+        <p:style>
+          <a:lnRef idx="1">
+            <a:schemeClr val="accent1"/>
+          </a:lnRef>
+          <a:fillRef idx="0">
+            <a:schemeClr val="accent1"/>
+          </a:fillRef>
+          <a:effectRef idx="0">
+            <a:schemeClr val="accent1"/>
+          </a:effectRef>
+          <a:fontRef idx="minor">
+            <a:schemeClr val="tx1"/>
+          </a:fontRef>
+        </p:style>
+      </p:cxnSp>
+      <p:cxnSp>
+        <p:nvCxnSpPr>
+          <p:cNvPr id="18" name="직선 화살표 연결선 17"/>
+          <p:cNvCxnSpPr/>
+          <p:nvPr/>
+        </p:nvCxnSpPr>
+        <p:spPr>
+          <a:xfrm>
+            <a:off x="7126983" y="4404436"/>
+            <a:ext cx="0" cy="360000"/>
+          </a:xfrm>
+          <a:prstGeom prst="straightConnector1">
+            <a:avLst/>
+          </a:prstGeom>
+          <a:ln w="38100">
+            <a:tailEnd type="triangle"/>
+          </a:ln>
+        </p:spPr>
+        <p:style>
+          <a:lnRef idx="1">
+            <a:schemeClr val="accent1"/>
+          </a:lnRef>
+          <a:fillRef idx="0">
+            <a:schemeClr val="accent1"/>
+          </a:fillRef>
+          <a:effectRef idx="0">
+            <a:schemeClr val="accent1"/>
+          </a:effectRef>
+          <a:fontRef idx="minor">
+            <a:schemeClr val="tx1"/>
+          </a:fontRef>
+        </p:style>
+      </p:cxnSp>
+      <p:cxnSp>
+        <p:nvCxnSpPr>
+          <p:cNvPr id="20" name="꺾인 연결선 19"/>
+          <p:cNvCxnSpPr/>
+          <p:nvPr/>
+        </p:nvCxnSpPr>
+        <p:spPr>
+          <a:xfrm rot="5400000" flipH="1" flipV="1">
+            <a:off x="2733797" y="2070505"/>
+            <a:ext cx="5832000" cy="2880000"/>
+          </a:xfrm>
+          <a:prstGeom prst="bentConnector5">
+            <a:avLst>
+              <a:gd name="adj1" fmla="val -3739"/>
+              <a:gd name="adj2" fmla="val 49891"/>
+              <a:gd name="adj3" fmla="val 103939"/>
+            </a:avLst>
+          </a:prstGeom>
+          <a:ln w="38100">
+            <a:tailEnd type="triangle"/>
+          </a:ln>
+        </p:spPr>
+        <p:style>
+          <a:lnRef idx="1">
+            <a:schemeClr val="accent1"/>
+          </a:lnRef>
+          <a:fillRef idx="0">
+            <a:schemeClr val="accent1"/>
+          </a:fillRef>
+          <a:effectRef idx="0">
+            <a:schemeClr val="accent1"/>
+          </a:effectRef>
+          <a:fontRef idx="minor">
+            <a:schemeClr val="tx1"/>
+          </a:fontRef>
+        </p:style>
+      </p:cxnSp>
+      <p:cxnSp>
+        <p:nvCxnSpPr>
+          <p:cNvPr id="22" name="직선 화살표 연결선 21"/>
+          <p:cNvCxnSpPr/>
+          <p:nvPr/>
+        </p:nvCxnSpPr>
+        <p:spPr>
+          <a:xfrm>
+            <a:off x="7135208" y="5306780"/>
+            <a:ext cx="0" cy="360000"/>
+          </a:xfrm>
+          <a:prstGeom prst="straightConnector1">
+            <a:avLst/>
+          </a:prstGeom>
+          <a:ln w="38100">
+            <a:tailEnd type="triangle"/>
+          </a:ln>
+        </p:spPr>
+        <p:style>
+          <a:lnRef idx="1">
+            <a:schemeClr val="accent1"/>
+          </a:lnRef>
+          <a:fillRef idx="0">
+            <a:schemeClr val="accent1"/>
+          </a:fillRef>
+          <a:effectRef idx="0">
+            <a:schemeClr val="accent1"/>
+          </a:effectRef>
+          <a:fontRef idx="minor">
+            <a:schemeClr val="tx1"/>
+          </a:fontRef>
+        </p:style>
+      </p:cxnSp>
+      <p:cxnSp>
+        <p:nvCxnSpPr>
+          <p:cNvPr id="23" name="직선 화살표 연결선 22"/>
+          <p:cNvCxnSpPr/>
+          <p:nvPr/>
+        </p:nvCxnSpPr>
+        <p:spPr>
+          <a:xfrm>
+            <a:off x="7113077" y="2842626"/>
+            <a:ext cx="0" cy="360000"/>
+          </a:xfrm>
+          <a:prstGeom prst="straightConnector1">
+            <a:avLst/>
+          </a:prstGeom>
+          <a:ln w="38100">
+            <a:tailEnd type="triangle"/>
+          </a:ln>
+        </p:spPr>
+        <p:style>
+          <a:lnRef idx="1">
+            <a:schemeClr val="accent1"/>
+          </a:lnRef>
+          <a:fillRef idx="0">
+            <a:schemeClr val="accent1"/>
+          </a:fillRef>
+          <a:effectRef idx="0">
+            <a:schemeClr val="accent1"/>
+          </a:effectRef>
+          <a:fontRef idx="minor">
+            <a:schemeClr val="tx1"/>
+          </a:fontRef>
+        </p:style>
+      </p:cxnSp>
+      <p:sp>
+        <p:nvSpPr>
+          <p:cNvPr id="31" name="순서도: 처리 30"/>
+          <p:cNvSpPr/>
+          <p:nvPr/>
+        </p:nvSpPr>
+        <p:spPr>
+          <a:xfrm>
+            <a:off x="8729244" y="875711"/>
+            <a:ext cx="1436100" cy="561394"/>
+          </a:xfrm>
+          <a:prstGeom prst="flowChartProcess">
+            <a:avLst/>
+          </a:prstGeom>
+        </p:spPr>
+        <p:style>
+          <a:lnRef idx="2">
+            <a:schemeClr val="accent1">
+              <a:shade val="50000"/>
+            </a:schemeClr>
+          </a:lnRef>
+          <a:fillRef idx="1">
+            <a:schemeClr val="accent1"/>
+          </a:fillRef>
+          <a:effectRef idx="0">
+            <a:schemeClr val="accent1"/>
+          </a:effectRef>
+          <a:fontRef idx="minor">
+            <a:schemeClr val="lt1"/>
+          </a:fontRef>
+        </p:style>
+        <p:txBody>
+          <a:bodyPr rtlCol="0" anchor="ctr"/>
+          <a:lstStyle/>
+          <a:p>
+            <a:pPr algn="ctr"/>
+            <a:r>
+              <a:rPr lang="ko-KR" altLang="en-US" sz="1400" dirty="0" smtClean="0"/>
+              <a:t>디렉토리 </a:t>
+            </a:r>
+            <a:r>
+              <a:rPr lang="ko-KR" altLang="en-US" sz="1400" b="1" dirty="0" smtClean="0"/>
+              <a:t>생성</a:t>
+            </a:r>
+            <a:endParaRPr lang="ko-KR" altLang="en-US" sz="1400" b="1" dirty="0"/>
+          </a:p>
+        </p:txBody>
+      </p:sp>
+      <p:cxnSp>
+        <p:nvCxnSpPr>
+          <p:cNvPr id="33" name="꺾인 연결선 32"/>
+          <p:cNvCxnSpPr/>
+          <p:nvPr/>
+        </p:nvCxnSpPr>
+        <p:spPr>
+          <a:xfrm rot="5400000">
+            <a:off x="7982270" y="556385"/>
+            <a:ext cx="450308" cy="2196000"/>
+          </a:xfrm>
+          <a:prstGeom prst="bentConnector2">
+            <a:avLst/>
+          </a:prstGeom>
+          <a:ln w="38100">
+            <a:tailEnd type="triangle"/>
+          </a:ln>
+        </p:spPr>
+        <p:style>
+          <a:lnRef idx="1">
+            <a:schemeClr val="accent1"/>
+          </a:lnRef>
+          <a:fillRef idx="0">
+            <a:schemeClr val="accent1"/>
+          </a:fillRef>
+          <a:effectRef idx="0">
+            <a:schemeClr val="accent1"/>
+          </a:effectRef>
+          <a:fontRef idx="minor">
+            <a:schemeClr val="tx1"/>
+          </a:fontRef>
+        </p:style>
+      </p:cxnSp>
+      <p:sp>
+        <p:nvSpPr>
+          <p:cNvPr id="25" name="순서도: 판단 24"/>
+          <p:cNvSpPr/>
+          <p:nvPr/>
+        </p:nvSpPr>
+        <p:spPr>
+          <a:xfrm>
+            <a:off x="5812671" y="556739"/>
+            <a:ext cx="2580334" cy="1236936"/>
+          </a:xfrm>
+          <a:prstGeom prst="flowChartDecision">
+            <a:avLst/>
+          </a:prstGeom>
+        </p:spPr>
+        <p:style>
+          <a:lnRef idx="2">
+            <a:schemeClr val="accent1">
+              <a:shade val="50000"/>
+            </a:schemeClr>
+          </a:lnRef>
+          <a:fillRef idx="1">
+            <a:schemeClr val="accent1"/>
+          </a:fillRef>
+          <a:effectRef idx="0">
+            <a:schemeClr val="accent1"/>
+          </a:effectRef>
+          <a:fontRef idx="minor">
+            <a:schemeClr val="lt1"/>
+          </a:fontRef>
+        </p:style>
+        <p:txBody>
+          <a:bodyPr rtlCol="0" anchor="ctr"/>
+          <a:lstStyle/>
+          <a:p>
+            <a:pPr algn="ctr"/>
+            <a:r>
+              <a:rPr lang="ko-KR" altLang="en-US" sz="1400" dirty="0"/>
+              <a:t>원본 저장 </a:t>
+            </a:r>
+            <a:endParaRPr lang="en-US" altLang="ko-KR" sz="1400" dirty="0"/>
+          </a:p>
+          <a:p>
+            <a:pPr algn="ctr"/>
+            <a:r>
+              <a:rPr lang="ko-KR" altLang="en-US" sz="1400" dirty="0"/>
+              <a:t>디렉토리가 존재하는가</a:t>
+            </a:r>
+            <a:r>
+              <a:rPr lang="en-US" altLang="ko-KR" sz="1400" dirty="0" smtClean="0"/>
+              <a:t>?</a:t>
+            </a:r>
+            <a:endParaRPr lang="ko-KR" altLang="en-US" sz="1400" dirty="0"/>
+          </a:p>
+        </p:txBody>
+      </p:sp>
+      <p:cxnSp>
+        <p:nvCxnSpPr>
+          <p:cNvPr id="28" name="직선 화살표 연결선 27"/>
+          <p:cNvCxnSpPr/>
+          <p:nvPr/>
+        </p:nvCxnSpPr>
+        <p:spPr>
+          <a:xfrm>
+            <a:off x="7113077" y="1762027"/>
+            <a:ext cx="0" cy="468000"/>
+          </a:xfrm>
+          <a:prstGeom prst="straightConnector1">
+            <a:avLst/>
+          </a:prstGeom>
+          <a:ln w="38100">
+            <a:tailEnd type="triangle"/>
+          </a:ln>
+        </p:spPr>
+        <p:style>
+          <a:lnRef idx="1">
+            <a:schemeClr val="accent1"/>
+          </a:lnRef>
+          <a:fillRef idx="0">
+            <a:schemeClr val="accent1"/>
+          </a:fillRef>
+          <a:effectRef idx="0">
+            <a:schemeClr val="accent1"/>
+          </a:effectRef>
+          <a:fontRef idx="minor">
+            <a:schemeClr val="tx1"/>
+          </a:fontRef>
+        </p:style>
+      </p:cxnSp>
+      <p:cxnSp>
+        <p:nvCxnSpPr>
+          <p:cNvPr id="32" name="꺾인 연결선 31"/>
+          <p:cNvCxnSpPr/>
+          <p:nvPr/>
+        </p:nvCxnSpPr>
+        <p:spPr>
+          <a:xfrm rot="10800000" flipH="1">
+            <a:off x="2915077" y="1598981"/>
+            <a:ext cx="324000" cy="2736000"/>
+          </a:xfrm>
+          <a:prstGeom prst="bentConnector3">
+            <a:avLst>
+              <a:gd name="adj1" fmla="val -104335"/>
+            </a:avLst>
+          </a:prstGeom>
+          <a:ln w="38100">
+            <a:tailEnd type="triangle"/>
+          </a:ln>
+        </p:spPr>
+        <p:style>
+          <a:lnRef idx="1">
+            <a:schemeClr val="accent1"/>
+          </a:lnRef>
+          <a:fillRef idx="0">
+            <a:schemeClr val="accent1"/>
+          </a:fillRef>
+          <a:effectRef idx="0">
+            <a:schemeClr val="accent1"/>
+          </a:effectRef>
+          <a:fontRef idx="minor">
+            <a:schemeClr val="tx1"/>
+          </a:fontRef>
+        </p:style>
+      </p:cxnSp>
+      <p:cxnSp>
+        <p:nvCxnSpPr>
+          <p:cNvPr id="35" name="직선 화살표 연결선 34"/>
+          <p:cNvCxnSpPr/>
+          <p:nvPr/>
+        </p:nvCxnSpPr>
+        <p:spPr>
+          <a:xfrm rot="-5340000">
+            <a:off x="8568981" y="989075"/>
+            <a:ext cx="0" cy="360000"/>
+          </a:xfrm>
+          <a:prstGeom prst="straightConnector1">
+            <a:avLst/>
+          </a:prstGeom>
+          <a:ln w="38100">
+            <a:tailEnd type="triangle"/>
+          </a:ln>
+        </p:spPr>
+        <p:style>
+          <a:lnRef idx="1">
+            <a:schemeClr val="accent1"/>
+          </a:lnRef>
+          <a:fillRef idx="0">
+            <a:schemeClr val="accent1"/>
+          </a:fillRef>
+          <a:effectRef idx="0">
+            <a:schemeClr val="accent1"/>
+          </a:effectRef>
+          <a:fontRef idx="minor">
+            <a:schemeClr val="tx1"/>
+          </a:fontRef>
+        </p:style>
+      </p:cxnSp>
+      <p:sp>
+        <p:nvSpPr>
+          <p:cNvPr id="36" name="순서도: 문서 35"/>
+          <p:cNvSpPr/>
+          <p:nvPr/>
+        </p:nvSpPr>
+        <p:spPr>
+          <a:xfrm>
+            <a:off x="6481350" y="5641372"/>
+            <a:ext cx="1256147" cy="762648"/>
+          </a:xfrm>
+          <a:prstGeom prst="flowChartDocument">
+            <a:avLst/>
+          </a:prstGeom>
+        </p:spPr>
+        <p:style>
+          <a:lnRef idx="2">
+            <a:schemeClr val="accent1">
+              <a:shade val="50000"/>
+            </a:schemeClr>
+          </a:lnRef>
+          <a:fillRef idx="1">
+            <a:schemeClr val="accent1"/>
+          </a:fillRef>
+          <a:effectRef idx="0">
+            <a:schemeClr val="accent1"/>
+          </a:effectRef>
+          <a:fontRef idx="minor">
+            <a:schemeClr val="lt1"/>
+          </a:fontRef>
+        </p:style>
+        <p:txBody>
+          <a:bodyPr rtlCol="0" anchor="ctr"/>
+          <a:lstStyle/>
+          <a:p>
+            <a:pPr algn="ctr"/>
+            <a:r>
+              <a:rPr lang="ko-KR" altLang="en-US" sz="1400" dirty="0" smtClean="0"/>
+              <a:t> </a:t>
+            </a:r>
+            <a:r>
+              <a:rPr lang="en-US" altLang="ko-KR" sz="1400" dirty="0" smtClean="0"/>
+              <a:t>jpg </a:t>
+            </a:r>
+          </a:p>
+          <a:p>
+            <a:pPr algn="ctr"/>
+            <a:r>
+              <a:rPr lang="ko-KR" altLang="en-US" sz="1400" dirty="0" smtClean="0"/>
+              <a:t>이미지 저장</a:t>
+            </a:r>
+            <a:endParaRPr lang="ko-KR" altLang="en-US" dirty="0"/>
+          </a:p>
+        </p:txBody>
+      </p:sp>
+      <p:sp>
+        <p:nvSpPr>
+          <p:cNvPr id="34" name="TextBox 33"/>
+          <p:cNvSpPr txBox="1"/>
+          <p:nvPr/>
+        </p:nvSpPr>
+        <p:spPr>
+          <a:xfrm>
+            <a:off x="8144934" y="772517"/>
+            <a:ext cx="806335" cy="369332"/>
+          </a:xfrm>
+          <a:prstGeom prst="rect">
+            <a:avLst/>
+          </a:prstGeom>
+          <a:noFill/>
+        </p:spPr>
+        <p:txBody>
+          <a:bodyPr wrap="square" rtlCol="0">
+            <a:spAutoFit/>
+          </a:bodyPr>
+          <a:lstStyle/>
+          <a:p>
+            <a:r>
+              <a:rPr lang="en-US" altLang="ko-KR" b="1" dirty="0" smtClean="0"/>
+              <a:t>NO</a:t>
+            </a:r>
+            <a:endParaRPr lang="ko-KR" altLang="en-US" b="1" dirty="0"/>
+          </a:p>
+        </p:txBody>
+      </p:sp>
+      <p:sp>
+        <p:nvSpPr>
+          <p:cNvPr id="39" name="TextBox 38"/>
+          <p:cNvSpPr txBox="1"/>
+          <p:nvPr/>
+        </p:nvSpPr>
+        <p:spPr>
+          <a:xfrm>
+            <a:off x="6509641" y="1655145"/>
+            <a:ext cx="644891" cy="369332"/>
+          </a:xfrm>
+          <a:prstGeom prst="rect">
+            <a:avLst/>
+          </a:prstGeom>
+          <a:noFill/>
+        </p:spPr>
+        <p:txBody>
+          <a:bodyPr wrap="square" rtlCol="0">
+            <a:spAutoFit/>
+          </a:bodyPr>
+          <a:lstStyle/>
+          <a:p>
+            <a:r>
+              <a:rPr lang="en-US" altLang="ko-KR" b="1" dirty="0" smtClean="0"/>
+              <a:t>YES</a:t>
+            </a:r>
+            <a:endParaRPr lang="ko-KR" altLang="en-US" b="1" dirty="0"/>
+          </a:p>
+        </p:txBody>
+      </p:sp>
+      <p:sp>
+        <p:nvSpPr>
+          <p:cNvPr id="43" name="순서도: 처리 42"/>
+          <p:cNvSpPr/>
+          <p:nvPr/>
+        </p:nvSpPr>
+        <p:spPr>
+          <a:xfrm>
+            <a:off x="6254461" y="2208897"/>
+            <a:ext cx="1863206" cy="626749"/>
+          </a:xfrm>
+          <a:prstGeom prst="flowChartProcess">
+            <a:avLst/>
+          </a:prstGeom>
+        </p:spPr>
+        <p:style>
+          <a:lnRef idx="2">
+            <a:schemeClr val="accent1">
+              <a:shade val="50000"/>
+            </a:schemeClr>
+          </a:lnRef>
+          <a:fillRef idx="1">
+            <a:schemeClr val="accent1"/>
+          </a:fillRef>
+          <a:effectRef idx="0">
+            <a:schemeClr val="accent1"/>
+          </a:effectRef>
+          <a:fontRef idx="minor">
+            <a:schemeClr val="lt1"/>
+          </a:fontRef>
+        </p:style>
+        <p:txBody>
+          <a:bodyPr rtlCol="0" anchor="ctr"/>
+          <a:lstStyle/>
+          <a:p>
+            <a:pPr algn="ctr"/>
+            <a:r>
+              <a:rPr lang="en-US" altLang="ko-KR" sz="1400" dirty="0"/>
+              <a:t>String file name = </a:t>
+            </a:r>
+          </a:p>
+          <a:p>
+            <a:pPr algn="ctr"/>
+            <a:r>
+              <a:rPr lang="en-US" altLang="ko-KR" sz="1400" dirty="0"/>
+              <a:t>{ random number }</a:t>
+            </a:r>
+            <a:endParaRPr lang="ko-KR" altLang="en-US" sz="1400" dirty="0"/>
+          </a:p>
+        </p:txBody>
+      </p:sp>
+      <p:sp>
+        <p:nvSpPr>
+          <p:cNvPr id="44" name="순서도: 판단 43"/>
+          <p:cNvSpPr/>
+          <p:nvPr/>
+        </p:nvSpPr>
+        <p:spPr>
+          <a:xfrm>
+            <a:off x="2884023" y="2208897"/>
+            <a:ext cx="2580334" cy="1236936"/>
+          </a:xfrm>
+          <a:prstGeom prst="flowChartDecision">
+            <a:avLst/>
+          </a:prstGeom>
+        </p:spPr>
+        <p:style>
+          <a:lnRef idx="2">
+            <a:schemeClr val="accent1">
+              <a:shade val="50000"/>
+            </a:schemeClr>
+          </a:lnRef>
+          <a:fillRef idx="1">
+            <a:schemeClr val="accent1"/>
+          </a:fillRef>
+          <a:effectRef idx="0">
+            <a:schemeClr val="accent1"/>
+          </a:effectRef>
+          <a:fontRef idx="minor">
+            <a:schemeClr val="lt1"/>
+          </a:fontRef>
+        </p:style>
+        <p:txBody>
+          <a:bodyPr rtlCol="0" anchor="ctr"/>
+          <a:lstStyle/>
+          <a:p>
+            <a:pPr algn="ctr"/>
+            <a:r>
+              <a:rPr lang="en-US" altLang="ko-KR" sz="1400" dirty="0" smtClean="0"/>
+              <a:t>Request</a:t>
+            </a:r>
+            <a:r>
+              <a:rPr lang="ko-KR" altLang="en-US" sz="1400" dirty="0"/>
+              <a:t> </a:t>
+            </a:r>
+            <a:r>
+              <a:rPr lang="ko-KR" altLang="en-US" sz="1400" dirty="0" smtClean="0"/>
+              <a:t> </a:t>
+            </a:r>
+            <a:endParaRPr lang="en-US" altLang="ko-KR" sz="1400" dirty="0" smtClean="0"/>
+          </a:p>
+          <a:p>
+            <a:pPr algn="ctr"/>
+            <a:r>
+              <a:rPr lang="ko-KR" altLang="en-US" sz="1400" dirty="0" smtClean="0"/>
+              <a:t>데이터에 </a:t>
+            </a:r>
+            <a:endParaRPr lang="en-US" altLang="ko-KR" sz="1400" dirty="0" smtClean="0"/>
+          </a:p>
+          <a:p>
+            <a:pPr algn="ctr"/>
+            <a:r>
+              <a:rPr lang="en-US" altLang="ko-KR" sz="1400" dirty="0" smtClean="0"/>
+              <a:t>Files</a:t>
+            </a:r>
+            <a:r>
+              <a:rPr lang="ko-KR" altLang="en-US" sz="1400" dirty="0" smtClean="0"/>
+              <a:t>이 존재하는가</a:t>
+            </a:r>
+            <a:r>
+              <a:rPr lang="en-US" altLang="ko-KR" sz="1400" dirty="0" smtClean="0"/>
+              <a:t>?</a:t>
+            </a:r>
+            <a:endParaRPr lang="ko-KR" altLang="en-US" sz="1400" dirty="0"/>
+          </a:p>
+        </p:txBody>
+      </p:sp>
+      <p:sp>
+        <p:nvSpPr>
+          <p:cNvPr id="47" name="순서도: 판단 46"/>
+          <p:cNvSpPr/>
+          <p:nvPr/>
+        </p:nvSpPr>
+        <p:spPr>
+          <a:xfrm>
+            <a:off x="2895725" y="3726038"/>
+            <a:ext cx="2580334" cy="1236936"/>
+          </a:xfrm>
+          <a:prstGeom prst="flowChartDecision">
+            <a:avLst/>
+          </a:prstGeom>
+        </p:spPr>
+        <p:style>
+          <a:lnRef idx="2">
+            <a:schemeClr val="accent1">
+              <a:shade val="50000"/>
+            </a:schemeClr>
+          </a:lnRef>
+          <a:fillRef idx="1">
+            <a:schemeClr val="accent1"/>
+          </a:fillRef>
+          <a:effectRef idx="0">
+            <a:schemeClr val="accent1"/>
+          </a:effectRef>
+          <a:fontRef idx="minor">
+            <a:schemeClr val="lt1"/>
+          </a:fontRef>
+        </p:style>
+        <p:txBody>
+          <a:bodyPr rtlCol="0" anchor="ctr"/>
+          <a:lstStyle/>
+          <a:p>
+            <a:pPr algn="ctr"/>
+            <a:r>
+              <a:rPr lang="en-US" altLang="ko-KR" sz="1400" dirty="0" smtClean="0"/>
+              <a:t>Request</a:t>
+            </a:r>
+            <a:r>
+              <a:rPr lang="ko-KR" altLang="en-US" sz="1400" dirty="0" smtClean="0"/>
+              <a:t>  </a:t>
+            </a:r>
+            <a:endParaRPr lang="en-US" altLang="ko-KR" sz="1400" dirty="0"/>
+          </a:p>
+          <a:p>
+            <a:pPr algn="ctr"/>
+            <a:r>
+              <a:rPr lang="ko-KR" altLang="en-US" sz="1400" dirty="0"/>
+              <a:t>데이터에 </a:t>
+            </a:r>
+            <a:endParaRPr lang="en-US" altLang="ko-KR" sz="1400" dirty="0"/>
+          </a:p>
+          <a:p>
+            <a:pPr algn="ctr"/>
+            <a:r>
+              <a:rPr lang="en-US" altLang="ko-KR" sz="1400" dirty="0" smtClean="0"/>
+              <a:t> file name</a:t>
+            </a:r>
+            <a:r>
+              <a:rPr lang="ko-KR" altLang="en-US" sz="1400" dirty="0" smtClean="0"/>
+              <a:t>이 존재하는가</a:t>
+            </a:r>
+            <a:r>
+              <a:rPr lang="en-US" altLang="ko-KR" sz="1400" dirty="0" smtClean="0"/>
+              <a:t>?</a:t>
+            </a:r>
+            <a:endParaRPr lang="ko-KR" altLang="en-US" sz="1400" dirty="0"/>
+          </a:p>
+        </p:txBody>
+      </p:sp>
+      <p:cxnSp>
+        <p:nvCxnSpPr>
+          <p:cNvPr id="48" name="직선 화살표 연결선 47"/>
+          <p:cNvCxnSpPr/>
+          <p:nvPr/>
+        </p:nvCxnSpPr>
+        <p:spPr>
+          <a:xfrm>
+            <a:off x="4181631" y="3460586"/>
+            <a:ext cx="0" cy="288000"/>
+          </a:xfrm>
+          <a:prstGeom prst="straightConnector1">
+            <a:avLst/>
+          </a:prstGeom>
+          <a:ln w="38100">
+            <a:tailEnd type="triangle"/>
+          </a:ln>
+        </p:spPr>
+        <p:style>
+          <a:lnRef idx="1">
+            <a:schemeClr val="accent1"/>
+          </a:lnRef>
+          <a:fillRef idx="0">
+            <a:schemeClr val="accent1"/>
+          </a:fillRef>
+          <a:effectRef idx="0">
+            <a:schemeClr val="accent1"/>
+          </a:effectRef>
+          <a:fontRef idx="minor">
+            <a:schemeClr val="tx1"/>
+          </a:fontRef>
+        </p:style>
+      </p:cxnSp>
+      <p:cxnSp>
+        <p:nvCxnSpPr>
+          <p:cNvPr id="51" name="직선 화살표 연결선 50"/>
+          <p:cNvCxnSpPr/>
+          <p:nvPr/>
+        </p:nvCxnSpPr>
+        <p:spPr>
+          <a:xfrm>
+            <a:off x="4196755" y="4962974"/>
+            <a:ext cx="0" cy="288000"/>
+          </a:xfrm>
+          <a:prstGeom prst="straightConnector1">
+            <a:avLst/>
+          </a:prstGeom>
+          <a:ln w="38100">
+            <a:tailEnd type="triangle"/>
+          </a:ln>
+        </p:spPr>
+        <p:style>
+          <a:lnRef idx="1">
+            <a:schemeClr val="accent1"/>
+          </a:lnRef>
+          <a:fillRef idx="0">
+            <a:schemeClr val="accent1"/>
+          </a:fillRef>
+          <a:effectRef idx="0">
+            <a:schemeClr val="accent1"/>
+          </a:effectRef>
+          <a:fontRef idx="minor">
+            <a:schemeClr val="tx1"/>
+          </a:fontRef>
+        </p:style>
+      </p:cxnSp>
+      <p:cxnSp>
+        <p:nvCxnSpPr>
+          <p:cNvPr id="57" name="꺾인 연결선 56"/>
+          <p:cNvCxnSpPr/>
+          <p:nvPr/>
+        </p:nvCxnSpPr>
+        <p:spPr>
+          <a:xfrm rot="10800000" flipH="1">
+            <a:off x="2955059" y="1717523"/>
+            <a:ext cx="288000" cy="1116000"/>
+          </a:xfrm>
+          <a:prstGeom prst="bentConnector3">
+            <a:avLst>
+              <a:gd name="adj1" fmla="val -73877"/>
+            </a:avLst>
+          </a:prstGeom>
+          <a:ln w="38100">
+            <a:tailEnd type="triangle"/>
+          </a:ln>
+        </p:spPr>
+        <p:style>
+          <a:lnRef idx="1">
+            <a:schemeClr val="accent1"/>
+          </a:lnRef>
+          <a:fillRef idx="0">
+            <a:schemeClr val="accent1"/>
+          </a:fillRef>
+          <a:effectRef idx="0">
+            <a:schemeClr val="accent1"/>
+          </a:effectRef>
+          <a:fontRef idx="minor">
+            <a:schemeClr val="tx1"/>
+          </a:fontRef>
+        </p:style>
+      </p:cxnSp>
+      <p:sp>
+        <p:nvSpPr>
+          <p:cNvPr id="58" name="순서도: 처리 57"/>
+          <p:cNvSpPr/>
+          <p:nvPr/>
+        </p:nvSpPr>
+        <p:spPr>
+          <a:xfrm>
+            <a:off x="3236421" y="1255094"/>
+            <a:ext cx="1863206" cy="626749"/>
+          </a:xfrm>
+          <a:prstGeom prst="flowChartProcess">
+            <a:avLst/>
+          </a:prstGeom>
+        </p:spPr>
+        <p:style>
+          <a:lnRef idx="2">
+            <a:schemeClr val="accent1">
+              <a:shade val="50000"/>
+            </a:schemeClr>
+          </a:lnRef>
+          <a:fillRef idx="1">
+            <a:schemeClr val="accent1"/>
+          </a:fillRef>
+          <a:effectRef idx="0">
+            <a:schemeClr val="accent1"/>
+          </a:effectRef>
+          <a:fontRef idx="minor">
+            <a:schemeClr val="lt1"/>
+          </a:fontRef>
+        </p:style>
+        <p:txBody>
+          <a:bodyPr rtlCol="0" anchor="ctr"/>
+          <a:lstStyle/>
+          <a:p>
+            <a:pPr algn="ctr"/>
+            <a:r>
+              <a:rPr lang="ko-KR" altLang="en-US" sz="1400" dirty="0" smtClean="0"/>
+              <a:t>이미지 업로드 </a:t>
+            </a:r>
+            <a:endParaRPr lang="en-US" altLang="ko-KR" sz="1400" dirty="0" smtClean="0"/>
+          </a:p>
+          <a:p>
+            <a:pPr algn="ctr"/>
+            <a:r>
+              <a:rPr lang="ko-KR" altLang="en-US" sz="1400" dirty="0" smtClean="0"/>
+              <a:t>요청 대기</a:t>
+            </a:r>
+            <a:r>
+              <a:rPr lang="en-US" altLang="ko-KR" sz="1400" dirty="0" smtClean="0"/>
+              <a:t> </a:t>
+            </a:r>
+            <a:endParaRPr lang="ko-KR" altLang="en-US" sz="1400" dirty="0"/>
+          </a:p>
+        </p:txBody>
+      </p:sp>
+      <p:cxnSp>
+        <p:nvCxnSpPr>
+          <p:cNvPr id="60" name="직선 화살표 연결선 59"/>
+          <p:cNvCxnSpPr/>
+          <p:nvPr/>
+        </p:nvCxnSpPr>
+        <p:spPr>
+          <a:xfrm>
+            <a:off x="4184632" y="916769"/>
+            <a:ext cx="0" cy="360000"/>
+          </a:xfrm>
+          <a:prstGeom prst="straightConnector1">
+            <a:avLst/>
+          </a:prstGeom>
+          <a:ln w="38100">
+            <a:tailEnd type="triangle"/>
+          </a:ln>
+        </p:spPr>
+        <p:style>
+          <a:lnRef idx="1">
+            <a:schemeClr val="accent1"/>
+          </a:lnRef>
+          <a:fillRef idx="0">
+            <a:schemeClr val="accent1"/>
+          </a:fillRef>
+          <a:effectRef idx="0">
+            <a:schemeClr val="accent1"/>
+          </a:effectRef>
+          <a:fontRef idx="minor">
+            <a:schemeClr val="tx1"/>
+          </a:fontRef>
+        </p:style>
+      </p:cxnSp>
+      <p:cxnSp>
+        <p:nvCxnSpPr>
+          <p:cNvPr id="64" name="꺾인 연결선 63"/>
+          <p:cNvCxnSpPr/>
+          <p:nvPr/>
+        </p:nvCxnSpPr>
+        <p:spPr>
+          <a:xfrm rot="10800000" flipH="1">
+            <a:off x="2948421" y="1498176"/>
+            <a:ext cx="288000" cy="4356000"/>
+          </a:xfrm>
+          <a:prstGeom prst="bentConnector3">
+            <a:avLst>
+              <a:gd name="adj1" fmla="val -204876"/>
+            </a:avLst>
+          </a:prstGeom>
+          <a:ln w="38100">
+            <a:tailEnd type="triangle"/>
+          </a:ln>
+        </p:spPr>
+        <p:style>
+          <a:lnRef idx="1">
+            <a:schemeClr val="accent1"/>
+          </a:lnRef>
+          <a:fillRef idx="0">
+            <a:schemeClr val="accent1"/>
+          </a:fillRef>
+          <a:effectRef idx="0">
+            <a:schemeClr val="accent1"/>
+          </a:effectRef>
+          <a:fontRef idx="minor">
+            <a:schemeClr val="tx1"/>
+          </a:fontRef>
+        </p:style>
+      </p:cxnSp>
+      <p:sp>
+        <p:nvSpPr>
+          <p:cNvPr id="82" name="TextBox 81"/>
+          <p:cNvSpPr txBox="1"/>
+          <p:nvPr/>
+        </p:nvSpPr>
+        <p:spPr>
+          <a:xfrm>
+            <a:off x="6554300" y="2788766"/>
+            <a:ext cx="644891" cy="369332"/>
+          </a:xfrm>
+          <a:prstGeom prst="rect">
+            <a:avLst/>
+          </a:prstGeom>
+          <a:noFill/>
+        </p:spPr>
+        <p:txBody>
+          <a:bodyPr wrap="square" rtlCol="0">
+            <a:spAutoFit/>
+          </a:bodyPr>
+          <a:lstStyle/>
+          <a:p>
+            <a:r>
+              <a:rPr lang="en-US" altLang="ko-KR" b="1" dirty="0" smtClean="0"/>
+              <a:t>YES</a:t>
+            </a:r>
+            <a:endParaRPr lang="ko-KR" altLang="en-US" b="1" dirty="0"/>
+          </a:p>
+        </p:txBody>
+      </p:sp>
+      <p:cxnSp>
+        <p:nvCxnSpPr>
+          <p:cNvPr id="83" name="꺾인 연결선 82"/>
+          <p:cNvCxnSpPr>
+            <a:stCxn id="8" idx="3"/>
+            <a:endCxn id="43" idx="3"/>
+          </p:cNvCxnSpPr>
+          <p:nvPr/>
+        </p:nvCxnSpPr>
+        <p:spPr>
+          <a:xfrm flipH="1" flipV="1">
+            <a:off x="8117667" y="2522272"/>
+            <a:ext cx="285577" cy="1268244"/>
+          </a:xfrm>
+          <a:prstGeom prst="bentConnector3">
+            <a:avLst>
+              <a:gd name="adj1" fmla="val -143420"/>
+            </a:avLst>
+          </a:prstGeom>
+          <a:ln w="38100">
+            <a:tailEnd type="triangle"/>
+          </a:ln>
+        </p:spPr>
+        <p:style>
+          <a:lnRef idx="1">
+            <a:schemeClr val="accent1"/>
+          </a:lnRef>
+          <a:fillRef idx="0">
+            <a:schemeClr val="accent1"/>
+          </a:fillRef>
+          <a:effectRef idx="0">
+            <a:schemeClr val="accent1"/>
+          </a:effectRef>
+          <a:fontRef idx="minor">
+            <a:schemeClr val="tx1"/>
+          </a:fontRef>
+        </p:style>
+      </p:cxnSp>
+      <p:sp>
+        <p:nvSpPr>
+          <p:cNvPr id="90" name="TextBox 89"/>
+          <p:cNvSpPr txBox="1"/>
+          <p:nvPr/>
+        </p:nvSpPr>
+        <p:spPr>
+          <a:xfrm>
+            <a:off x="8247644" y="3405061"/>
+            <a:ext cx="806335" cy="369332"/>
+          </a:xfrm>
+          <a:prstGeom prst="rect">
+            <a:avLst/>
+          </a:prstGeom>
+          <a:noFill/>
+        </p:spPr>
+        <p:txBody>
+          <a:bodyPr wrap="square" rtlCol="0">
+            <a:spAutoFit/>
+          </a:bodyPr>
+          <a:lstStyle/>
+          <a:p>
+            <a:r>
+              <a:rPr lang="en-US" altLang="ko-KR" b="1" smtClean="0"/>
+              <a:t>YES</a:t>
+            </a:r>
+            <a:endParaRPr lang="ko-KR" altLang="en-US" b="1" dirty="0"/>
+          </a:p>
+        </p:txBody>
+      </p:sp>
+      <p:sp>
+        <p:nvSpPr>
+          <p:cNvPr id="91" name="TextBox 90"/>
+          <p:cNvSpPr txBox="1"/>
+          <p:nvPr/>
+        </p:nvSpPr>
+        <p:spPr>
+          <a:xfrm>
+            <a:off x="6607312" y="4310824"/>
+            <a:ext cx="806335" cy="369332"/>
+          </a:xfrm>
+          <a:prstGeom prst="rect">
+            <a:avLst/>
+          </a:prstGeom>
+          <a:noFill/>
+        </p:spPr>
+        <p:txBody>
+          <a:bodyPr wrap="square" rtlCol="0">
+            <a:spAutoFit/>
+          </a:bodyPr>
+          <a:lstStyle/>
+          <a:p>
+            <a:r>
+              <a:rPr lang="en-US" altLang="ko-KR" b="1" dirty="0" smtClean="0"/>
+              <a:t>NO</a:t>
+            </a:r>
+            <a:endParaRPr lang="ko-KR" altLang="en-US" b="1" dirty="0"/>
+          </a:p>
+        </p:txBody>
+      </p:sp>
+      <p:cxnSp>
+        <p:nvCxnSpPr>
+          <p:cNvPr id="92" name="직선 화살표 연결선 91"/>
+          <p:cNvCxnSpPr>
+            <a:endCxn id="42" idx="1"/>
+          </p:cNvCxnSpPr>
+          <p:nvPr/>
+        </p:nvCxnSpPr>
+        <p:spPr>
+          <a:xfrm flipV="1">
+            <a:off x="7734643" y="6009955"/>
+            <a:ext cx="1023585" cy="12741"/>
+          </a:xfrm>
+          <a:prstGeom prst="straightConnector1">
+            <a:avLst/>
+          </a:prstGeom>
+          <a:ln w="38100">
+            <a:tailEnd type="triangle"/>
+          </a:ln>
+        </p:spPr>
+        <p:style>
+          <a:lnRef idx="1">
+            <a:schemeClr val="accent1"/>
+          </a:lnRef>
+          <a:fillRef idx="0">
+            <a:schemeClr val="accent1"/>
+          </a:fillRef>
+          <a:effectRef idx="0">
+            <a:schemeClr val="accent1"/>
+          </a:effectRef>
+          <a:fontRef idx="minor">
+            <a:schemeClr val="tx1"/>
+          </a:fontRef>
+        </p:style>
+      </p:cxnSp>
+      <p:sp>
+        <p:nvSpPr>
+          <p:cNvPr id="93" name="TextBox 92"/>
+          <p:cNvSpPr txBox="1"/>
+          <p:nvPr/>
+        </p:nvSpPr>
+        <p:spPr>
+          <a:xfrm>
+            <a:off x="2716686" y="2437813"/>
+            <a:ext cx="806335" cy="369332"/>
+          </a:xfrm>
+          <a:prstGeom prst="rect">
+            <a:avLst/>
+          </a:prstGeom>
+          <a:noFill/>
+        </p:spPr>
+        <p:txBody>
+          <a:bodyPr wrap="square" rtlCol="0">
+            <a:spAutoFit/>
+          </a:bodyPr>
+          <a:lstStyle/>
+          <a:p>
+            <a:r>
+              <a:rPr lang="en-US" altLang="ko-KR" b="1" dirty="0" smtClean="0"/>
+              <a:t>NO</a:t>
+            </a:r>
+            <a:endParaRPr lang="ko-KR" altLang="en-US" b="1" dirty="0"/>
+          </a:p>
+        </p:txBody>
+      </p:sp>
+      <p:sp>
+        <p:nvSpPr>
+          <p:cNvPr id="94" name="TextBox 93"/>
+          <p:cNvSpPr txBox="1"/>
+          <p:nvPr/>
+        </p:nvSpPr>
+        <p:spPr>
+          <a:xfrm>
+            <a:off x="2507418" y="5514179"/>
+            <a:ext cx="806335" cy="369332"/>
+          </a:xfrm>
+          <a:prstGeom prst="rect">
+            <a:avLst/>
+          </a:prstGeom>
+          <a:noFill/>
+        </p:spPr>
+        <p:txBody>
+          <a:bodyPr wrap="square" rtlCol="0">
+            <a:spAutoFit/>
+          </a:bodyPr>
+          <a:lstStyle/>
+          <a:p>
+            <a:r>
+              <a:rPr lang="en-US" altLang="ko-KR" b="1" dirty="0" smtClean="0"/>
+              <a:t>NO</a:t>
+            </a:r>
+            <a:endParaRPr lang="ko-KR" altLang="en-US" b="1" dirty="0"/>
+          </a:p>
+        </p:txBody>
+      </p:sp>
+      <p:sp>
+        <p:nvSpPr>
+          <p:cNvPr id="95" name="TextBox 94"/>
+          <p:cNvSpPr txBox="1"/>
+          <p:nvPr/>
+        </p:nvSpPr>
+        <p:spPr>
+          <a:xfrm>
+            <a:off x="2623272" y="3996975"/>
+            <a:ext cx="806335" cy="369332"/>
+          </a:xfrm>
+          <a:prstGeom prst="rect">
+            <a:avLst/>
+          </a:prstGeom>
+          <a:noFill/>
+        </p:spPr>
+        <p:txBody>
+          <a:bodyPr wrap="square" rtlCol="0">
+            <a:spAutoFit/>
+          </a:bodyPr>
+          <a:lstStyle/>
+          <a:p>
+            <a:r>
+              <a:rPr lang="en-US" altLang="ko-KR" b="1" dirty="0" smtClean="0"/>
+              <a:t>NO</a:t>
+            </a:r>
+            <a:endParaRPr lang="ko-KR" altLang="en-US" b="1" dirty="0"/>
+          </a:p>
+        </p:txBody>
+      </p:sp>
+      <p:sp>
+        <p:nvSpPr>
+          <p:cNvPr id="96" name="TextBox 95"/>
+          <p:cNvSpPr txBox="1"/>
+          <p:nvPr/>
+        </p:nvSpPr>
+        <p:spPr>
+          <a:xfrm>
+            <a:off x="4157639" y="3405061"/>
+            <a:ext cx="806335" cy="369332"/>
+          </a:xfrm>
+          <a:prstGeom prst="rect">
+            <a:avLst/>
+          </a:prstGeom>
+          <a:noFill/>
+        </p:spPr>
+        <p:txBody>
+          <a:bodyPr wrap="square" rtlCol="0">
+            <a:spAutoFit/>
+          </a:bodyPr>
+          <a:lstStyle/>
+          <a:p>
+            <a:r>
+              <a:rPr lang="en-US" altLang="ko-KR" b="1" dirty="0" smtClean="0"/>
+              <a:t>YES</a:t>
+            </a:r>
+            <a:endParaRPr lang="ko-KR" altLang="en-US" b="1" dirty="0"/>
+          </a:p>
+        </p:txBody>
+      </p:sp>
+      <p:sp>
+        <p:nvSpPr>
+          <p:cNvPr id="97" name="TextBox 96"/>
+          <p:cNvSpPr txBox="1"/>
+          <p:nvPr/>
+        </p:nvSpPr>
+        <p:spPr>
+          <a:xfrm>
+            <a:off x="4183193" y="4922308"/>
+            <a:ext cx="806335" cy="369332"/>
+          </a:xfrm>
+          <a:prstGeom prst="rect">
+            <a:avLst/>
+          </a:prstGeom>
+          <a:noFill/>
+        </p:spPr>
+        <p:txBody>
+          <a:bodyPr wrap="square" rtlCol="0">
+            <a:spAutoFit/>
+          </a:bodyPr>
+          <a:lstStyle/>
+          <a:p>
+            <a:r>
+              <a:rPr lang="en-US" altLang="ko-KR" b="1" dirty="0" smtClean="0"/>
+              <a:t>YES</a:t>
+            </a:r>
+            <a:endParaRPr lang="ko-KR" altLang="en-US" b="1" dirty="0"/>
+          </a:p>
+        </p:txBody>
+      </p:sp>
+      <p:sp>
+        <p:nvSpPr>
+          <p:cNvPr id="98" name="TextBox 97"/>
+          <p:cNvSpPr txBox="1"/>
+          <p:nvPr/>
+        </p:nvSpPr>
+        <p:spPr>
+          <a:xfrm>
+            <a:off x="3628772" y="6346545"/>
+            <a:ext cx="806335" cy="369332"/>
+          </a:xfrm>
+          <a:prstGeom prst="rect">
+            <a:avLst/>
+          </a:prstGeom>
+          <a:noFill/>
+        </p:spPr>
+        <p:txBody>
+          <a:bodyPr wrap="square" rtlCol="0">
+            <a:spAutoFit/>
+          </a:bodyPr>
+          <a:lstStyle/>
+          <a:p>
+            <a:r>
+              <a:rPr lang="en-US" altLang="ko-KR" b="1" dirty="0" smtClean="0"/>
+              <a:t>YES</a:t>
+            </a:r>
+            <a:endParaRPr lang="ko-KR" altLang="en-US" b="1" dirty="0"/>
+          </a:p>
+        </p:txBody>
+      </p:sp>
+      <p:sp>
+        <p:nvSpPr>
+          <p:cNvPr id="42" name="순서도: 처리 41"/>
+          <p:cNvSpPr/>
+          <p:nvPr/>
+        </p:nvSpPr>
+        <p:spPr>
+          <a:xfrm>
+            <a:off x="8758228" y="5729258"/>
+            <a:ext cx="1597891" cy="561394"/>
+          </a:xfrm>
+          <a:prstGeom prst="flowChartProcess">
+            <a:avLst/>
+          </a:prstGeom>
+        </p:spPr>
+        <p:style>
+          <a:lnRef idx="2">
+            <a:schemeClr val="accent1">
+              <a:shade val="50000"/>
+            </a:schemeClr>
+          </a:lnRef>
+          <a:fillRef idx="1">
+            <a:schemeClr val="accent1"/>
+          </a:fillRef>
+          <a:effectRef idx="0">
+            <a:schemeClr val="accent1"/>
+          </a:effectRef>
+          <a:fontRef idx="minor">
+            <a:schemeClr val="lt1"/>
+          </a:fontRef>
+        </p:style>
+        <p:txBody>
+          <a:bodyPr rtlCol="0" anchor="ctr"/>
+          <a:lstStyle/>
+          <a:p>
+            <a:pPr algn="ctr"/>
+            <a:r>
+              <a:rPr lang="ko-KR" altLang="en-US" sz="1400" dirty="0" smtClean="0"/>
+              <a:t>이미지 </a:t>
+            </a:r>
+            <a:endParaRPr lang="en-US" altLang="ko-KR" sz="1400" dirty="0" smtClean="0"/>
+          </a:p>
+          <a:p>
+            <a:pPr algn="ctr"/>
+            <a:r>
+              <a:rPr lang="ko-KR" altLang="en-US" sz="1400" dirty="0" smtClean="0"/>
+              <a:t>저장 경로 전달</a:t>
+            </a:r>
+            <a:endParaRPr lang="ko-KR" altLang="en-US" sz="1400" dirty="0"/>
+          </a:p>
+        </p:txBody>
+      </p:sp>
+      <p:cxnSp>
+        <p:nvCxnSpPr>
+          <p:cNvPr id="45" name="직선 화살표 연결선 44"/>
+          <p:cNvCxnSpPr/>
+          <p:nvPr/>
+        </p:nvCxnSpPr>
+        <p:spPr>
+          <a:xfrm>
+            <a:off x="9573608" y="5369258"/>
+            <a:ext cx="0" cy="360000"/>
+          </a:xfrm>
+          <a:prstGeom prst="straightConnector1">
+            <a:avLst/>
+          </a:prstGeom>
+          <a:ln w="38100">
+            <a:headEnd type="triangle"/>
+            <a:tailEnd type="none"/>
+          </a:ln>
+        </p:spPr>
+        <p:style>
+          <a:lnRef idx="1">
+            <a:schemeClr val="accent1"/>
+          </a:lnRef>
+          <a:fillRef idx="0">
+            <a:schemeClr val="accent1"/>
+          </a:fillRef>
+          <a:effectRef idx="0">
+            <a:schemeClr val="accent1"/>
+          </a:effectRef>
+          <a:fontRef idx="minor">
+            <a:schemeClr val="tx1"/>
+          </a:fontRef>
+        </p:style>
+      </p:cxnSp>
+    </p:spTree>
+    <p:extLst>
+      <p:ext uri="{BB962C8B-B14F-4D97-AF65-F5344CB8AC3E}">
+        <p14:creationId xmlns:p14="http://schemas.microsoft.com/office/powerpoint/2010/main" val="835218754"/>
+      </p:ext>
+    </p:extLst>
+  </p:cSld>
+  <p:clrMapOvr>
+    <a:masterClrMapping/>
+  </p:clrMapOvr>
+  <p:timing>
+    <p:tnLst>
+      <p:par>
+        <p:cTn id="1" dur="indefinite" restart="never" nodeType="tmRoot"/>
+      </p:par>
+    </p:tnLst>
+  </p:timing>
+</p:sld>
+</file>
+
+<file path=ppt/slides/slide3.xml><?xml version="1.0" encoding="utf-8"?>
+<p:sld xmlns:a="http://schemas.openxmlformats.org/drawingml/2006/main" xmlns:r="http://schemas.openxmlformats.org/officeDocument/2006/relationships" xmlns:p="http://schemas.openxmlformats.org/presentationml/2006/main">
+  <p:cSld>
+    <p:spTree>
+      <p:nvGrpSpPr>
+        <p:cNvPr id="1" name=""/>
+        <p:cNvGrpSpPr/>
+        <p:nvPr/>
+      </p:nvGrpSpPr>
+      <p:grpSpPr>
+        <a:xfrm>
+          <a:off x="0" y="0"/>
+          <a:ext cx="0" cy="0"/>
+          <a:chOff x="0" y="0"/>
+          <a:chExt cx="0" cy="0"/>
+        </a:xfrm>
+      </p:grpSpPr>
+      <p:sp>
+        <p:nvSpPr>
+          <p:cNvPr id="4" name="TextBox 3"/>
+          <p:cNvSpPr txBox="1"/>
+          <p:nvPr/>
+        </p:nvSpPr>
+        <p:spPr>
+          <a:xfrm>
+            <a:off x="119021" y="90351"/>
+            <a:ext cx="2487368" cy="369332"/>
+          </a:xfrm>
+          <a:prstGeom prst="rect">
+            <a:avLst/>
+          </a:prstGeom>
+          <a:noFill/>
+        </p:spPr>
+        <p:txBody>
+          <a:bodyPr wrap="square" rtlCol="0">
+            <a:spAutoFit/>
+          </a:bodyPr>
+          <a:lstStyle/>
+          <a:p>
+            <a:r>
+              <a:rPr lang="en-US" altLang="ko-KR" dirty="0">
+                <a:solidFill>
+                  <a:srgbClr val="FF0000"/>
+                </a:solidFill>
+              </a:rPr>
+              <a:t>2</a:t>
+            </a:r>
+            <a:r>
+              <a:rPr lang="en-US" altLang="ko-KR" dirty="0" smtClean="0">
+                <a:solidFill>
+                  <a:srgbClr val="FF0000"/>
+                </a:solidFill>
+              </a:rPr>
+              <a:t>. </a:t>
+            </a:r>
+            <a:r>
+              <a:rPr lang="ko-KR" altLang="en-US" dirty="0" smtClean="0">
+                <a:solidFill>
+                  <a:srgbClr val="FF0000"/>
+                </a:solidFill>
+              </a:rPr>
+              <a:t>영상 업로드</a:t>
+            </a:r>
+            <a:endParaRPr lang="ko-KR" altLang="en-US" dirty="0">
+              <a:solidFill>
+                <a:srgbClr val="FF0000"/>
+              </a:solidFill>
+            </a:endParaRPr>
+          </a:p>
+        </p:txBody>
+      </p:sp>
+      <p:sp>
+        <p:nvSpPr>
+          <p:cNvPr id="6" name="순서도: 수행의 시작/종료 5"/>
+          <p:cNvSpPr/>
+          <p:nvPr/>
+        </p:nvSpPr>
+        <p:spPr>
+          <a:xfrm>
+            <a:off x="3181927" y="292013"/>
+            <a:ext cx="1917700" cy="647700"/>
+          </a:xfrm>
+          <a:prstGeom prst="flowChartTerminator">
+            <a:avLst/>
+          </a:prstGeom>
+        </p:spPr>
+        <p:style>
+          <a:lnRef idx="2">
+            <a:schemeClr val="accent1">
+              <a:shade val="50000"/>
+            </a:schemeClr>
+          </a:lnRef>
+          <a:fillRef idx="1">
+            <a:schemeClr val="accent1"/>
+          </a:fillRef>
+          <a:effectRef idx="0">
+            <a:schemeClr val="accent1"/>
+          </a:effectRef>
+          <a:fontRef idx="minor">
+            <a:schemeClr val="lt1"/>
+          </a:fontRef>
+        </p:style>
+        <p:txBody>
+          <a:bodyPr rtlCol="0" anchor="ctr"/>
+          <a:lstStyle/>
+          <a:p>
+            <a:pPr algn="ctr"/>
+            <a:r>
+              <a:rPr lang="ko-KR" altLang="en-US" sz="1400" dirty="0" smtClean="0"/>
+              <a:t>영상 업로드</a:t>
+            </a:r>
+            <a:endParaRPr lang="ko-KR" altLang="en-US" sz="1400" dirty="0"/>
+          </a:p>
+        </p:txBody>
+      </p:sp>
+      <p:sp>
+        <p:nvSpPr>
+          <p:cNvPr id="8" name="순서도: 판단 7"/>
+          <p:cNvSpPr/>
+          <p:nvPr/>
+        </p:nvSpPr>
+        <p:spPr>
+          <a:xfrm>
+            <a:off x="5822910" y="3213610"/>
+            <a:ext cx="2580334" cy="1236936"/>
+          </a:xfrm>
+          <a:prstGeom prst="flowChartDecision">
+            <a:avLst/>
+          </a:prstGeom>
+        </p:spPr>
+        <p:style>
+          <a:lnRef idx="2">
+            <a:schemeClr val="accent1">
+              <a:shade val="50000"/>
+            </a:schemeClr>
+          </a:lnRef>
+          <a:fillRef idx="1">
+            <a:schemeClr val="accent1"/>
+          </a:fillRef>
+          <a:effectRef idx="0">
+            <a:schemeClr val="accent1"/>
+          </a:effectRef>
+          <a:fontRef idx="minor">
+            <a:schemeClr val="lt1"/>
+          </a:fontRef>
+        </p:style>
+        <p:txBody>
+          <a:bodyPr rtlCol="0" anchor="ctr"/>
+          <a:lstStyle/>
+          <a:p>
+            <a:pPr algn="ctr"/>
+            <a:r>
+              <a:rPr lang="ko-KR" altLang="en-US" sz="1400" dirty="0"/>
+              <a:t>원본 </a:t>
+            </a:r>
+            <a:r>
+              <a:rPr lang="ko-KR" altLang="en-US" sz="1400" dirty="0" smtClean="0"/>
+              <a:t>저장 </a:t>
+            </a:r>
+            <a:endParaRPr lang="en-US" altLang="ko-KR" sz="1400" dirty="0" smtClean="0"/>
+          </a:p>
+          <a:p>
+            <a:pPr algn="ctr"/>
+            <a:r>
+              <a:rPr lang="ko-KR" altLang="en-US" sz="1400" dirty="0" smtClean="0"/>
+              <a:t>디렉토리 내</a:t>
+            </a:r>
+            <a:endParaRPr lang="en-US" altLang="ko-KR" sz="1400" dirty="0" smtClean="0"/>
+          </a:p>
+          <a:p>
+            <a:pPr algn="ctr"/>
+            <a:r>
+              <a:rPr lang="en-US" altLang="ko-KR" sz="1400" dirty="0" smtClean="0"/>
+              <a:t>file </a:t>
+            </a:r>
+            <a:r>
+              <a:rPr lang="en-US" altLang="ko-KR" sz="1400" dirty="0"/>
+              <a:t>name</a:t>
+            </a:r>
+            <a:r>
+              <a:rPr lang="ko-KR" altLang="en-US" sz="1400" dirty="0"/>
+              <a:t>이 </a:t>
+            </a:r>
+            <a:r>
+              <a:rPr lang="ko-KR" altLang="en-US" sz="1400" dirty="0" smtClean="0"/>
+              <a:t>존재하는가</a:t>
+            </a:r>
+            <a:r>
+              <a:rPr lang="en-US" altLang="ko-KR" sz="1400" dirty="0" smtClean="0"/>
+              <a:t>?</a:t>
+            </a:r>
+            <a:endParaRPr lang="ko-KR" altLang="en-US" sz="1400" dirty="0"/>
+          </a:p>
+        </p:txBody>
+      </p:sp>
+      <p:sp>
+        <p:nvSpPr>
+          <p:cNvPr id="9" name="순서도: 판단 8"/>
+          <p:cNvSpPr/>
+          <p:nvPr/>
+        </p:nvSpPr>
+        <p:spPr>
+          <a:xfrm>
+            <a:off x="2903229" y="5226183"/>
+            <a:ext cx="2580334" cy="1236936"/>
+          </a:xfrm>
+          <a:prstGeom prst="flowChartDecision">
+            <a:avLst/>
+          </a:prstGeom>
+        </p:spPr>
+        <p:style>
+          <a:lnRef idx="2">
+            <a:schemeClr val="accent1">
+              <a:shade val="50000"/>
+            </a:schemeClr>
+          </a:lnRef>
+          <a:fillRef idx="1">
+            <a:schemeClr val="accent1"/>
+          </a:fillRef>
+          <a:effectRef idx="0">
+            <a:schemeClr val="accent1"/>
+          </a:effectRef>
+          <a:fontRef idx="minor">
+            <a:schemeClr val="lt1"/>
+          </a:fontRef>
+        </p:style>
+        <p:txBody>
+          <a:bodyPr rtlCol="0" anchor="ctr" anchorCtr="0"/>
+          <a:lstStyle/>
+          <a:p>
+            <a:pPr algn="ctr"/>
+            <a:r>
+              <a:rPr lang="ko-KR" altLang="en-US" sz="1400" dirty="0"/>
+              <a:t>파일 형식이 </a:t>
+            </a:r>
+            <a:r>
+              <a:rPr lang="en-US" altLang="ko-KR" sz="1400" dirty="0"/>
+              <a:t>mp4, </a:t>
+            </a:r>
+            <a:r>
+              <a:rPr lang="en-US" altLang="ko-KR" sz="1400" dirty="0" err="1"/>
+              <a:t>avi</a:t>
+            </a:r>
+            <a:r>
+              <a:rPr lang="en-US" altLang="ko-KR" sz="1400" dirty="0"/>
+              <a:t>, </a:t>
+            </a:r>
+            <a:r>
+              <a:rPr lang="en-US" altLang="ko-KR" sz="1400" dirty="0" err="1"/>
+              <a:t>mkv</a:t>
+            </a:r>
+            <a:r>
+              <a:rPr lang="en-US" altLang="ko-KR" sz="1400" dirty="0"/>
+              <a:t>, </a:t>
+            </a:r>
+            <a:r>
+              <a:rPr lang="en-US" altLang="ko-KR" sz="1400" dirty="0" err="1"/>
+              <a:t>webm</a:t>
+            </a:r>
+            <a:endParaRPr lang="ko-KR" altLang="en-US" sz="1400" dirty="0"/>
+          </a:p>
+          <a:p>
+            <a:pPr algn="ctr"/>
+            <a:r>
+              <a:rPr lang="ko-KR" altLang="en-US" sz="1400" dirty="0" smtClean="0"/>
+              <a:t>중 하나인가</a:t>
+            </a:r>
+            <a:r>
+              <a:rPr lang="en-US" altLang="ko-KR" sz="1400" dirty="0" smtClean="0"/>
+              <a:t>?</a:t>
+            </a:r>
+            <a:endParaRPr lang="ko-KR" altLang="en-US" sz="1400" dirty="0"/>
+          </a:p>
+        </p:txBody>
+      </p:sp>
+      <p:sp>
+        <p:nvSpPr>
+          <p:cNvPr id="10" name="순서도: 처리 9"/>
+          <p:cNvSpPr/>
+          <p:nvPr/>
+        </p:nvSpPr>
+        <p:spPr>
+          <a:xfrm>
+            <a:off x="6355586" y="4786948"/>
+            <a:ext cx="1597891" cy="561394"/>
+          </a:xfrm>
+          <a:prstGeom prst="flowChartProcess">
+            <a:avLst/>
+          </a:prstGeom>
+        </p:spPr>
+        <p:style>
+          <a:lnRef idx="2">
+            <a:schemeClr val="accent1">
+              <a:shade val="50000"/>
+            </a:schemeClr>
+          </a:lnRef>
+          <a:fillRef idx="1">
+            <a:schemeClr val="accent1"/>
+          </a:fillRef>
+          <a:effectRef idx="0">
+            <a:schemeClr val="accent1"/>
+          </a:effectRef>
+          <a:fontRef idx="minor">
+            <a:schemeClr val="lt1"/>
+          </a:fontRef>
+        </p:style>
+        <p:txBody>
+          <a:bodyPr rtlCol="0" anchor="ctr"/>
+          <a:lstStyle/>
+          <a:p>
+            <a:pPr algn="ctr"/>
+            <a:r>
+              <a:rPr lang="ko-KR" altLang="en-US" sz="1400" dirty="0" smtClean="0"/>
+              <a:t>파일명 할당</a:t>
+            </a:r>
+            <a:endParaRPr lang="ko-KR" altLang="en-US" sz="1400" dirty="0"/>
+          </a:p>
+        </p:txBody>
+      </p:sp>
+      <p:sp>
+        <p:nvSpPr>
+          <p:cNvPr id="13" name="순서도: 수행의 시작/종료 12"/>
+          <p:cNvSpPr/>
+          <p:nvPr/>
+        </p:nvSpPr>
+        <p:spPr>
+          <a:xfrm>
+            <a:off x="8598323" y="4723803"/>
+            <a:ext cx="1917700" cy="647700"/>
+          </a:xfrm>
+          <a:prstGeom prst="flowChartTerminator">
+            <a:avLst/>
+          </a:prstGeom>
+        </p:spPr>
+        <p:style>
+          <a:lnRef idx="2">
+            <a:schemeClr val="accent1">
+              <a:shade val="50000"/>
+            </a:schemeClr>
+          </a:lnRef>
+          <a:fillRef idx="1">
+            <a:schemeClr val="accent1"/>
+          </a:fillRef>
+          <a:effectRef idx="0">
+            <a:schemeClr val="accent1"/>
+          </a:effectRef>
+          <a:fontRef idx="minor">
+            <a:schemeClr val="lt1"/>
+          </a:fontRef>
+        </p:style>
+        <p:txBody>
+          <a:bodyPr rtlCol="0" anchor="ctr"/>
+          <a:lstStyle/>
+          <a:p>
+            <a:pPr algn="ctr"/>
+            <a:r>
+              <a:rPr lang="ko-KR" altLang="en-US" sz="1400" dirty="0" smtClean="0"/>
+              <a:t>영상 업로드 종료</a:t>
+            </a:r>
+            <a:endParaRPr lang="ko-KR" altLang="en-US" sz="1400" dirty="0"/>
+          </a:p>
+        </p:txBody>
+      </p:sp>
+      <p:cxnSp>
+        <p:nvCxnSpPr>
+          <p:cNvPr id="15" name="직선 화살표 연결선 14"/>
+          <p:cNvCxnSpPr/>
+          <p:nvPr/>
+        </p:nvCxnSpPr>
+        <p:spPr>
+          <a:xfrm>
+            <a:off x="4168024" y="1894393"/>
+            <a:ext cx="0" cy="360000"/>
+          </a:xfrm>
+          <a:prstGeom prst="straightConnector1">
+            <a:avLst/>
+          </a:prstGeom>
+          <a:ln w="38100">
+            <a:tailEnd type="triangle"/>
+          </a:ln>
+        </p:spPr>
+        <p:style>
+          <a:lnRef idx="1">
+            <a:schemeClr val="accent1"/>
+          </a:lnRef>
+          <a:fillRef idx="0">
+            <a:schemeClr val="accent1"/>
+          </a:fillRef>
+          <a:effectRef idx="0">
+            <a:schemeClr val="accent1"/>
+          </a:effectRef>
+          <a:fontRef idx="minor">
+            <a:schemeClr val="tx1"/>
+          </a:fontRef>
+        </p:style>
+      </p:cxnSp>
+      <p:cxnSp>
+        <p:nvCxnSpPr>
+          <p:cNvPr id="18" name="직선 화살표 연결선 17"/>
+          <p:cNvCxnSpPr/>
+          <p:nvPr/>
+        </p:nvCxnSpPr>
+        <p:spPr>
+          <a:xfrm>
+            <a:off x="7126983" y="4445998"/>
+            <a:ext cx="0" cy="360000"/>
+          </a:xfrm>
+          <a:prstGeom prst="straightConnector1">
+            <a:avLst/>
+          </a:prstGeom>
+          <a:ln w="38100">
+            <a:tailEnd type="triangle"/>
+          </a:ln>
+        </p:spPr>
+        <p:style>
+          <a:lnRef idx="1">
+            <a:schemeClr val="accent1"/>
+          </a:lnRef>
+          <a:fillRef idx="0">
+            <a:schemeClr val="accent1"/>
+          </a:fillRef>
+          <a:effectRef idx="0">
+            <a:schemeClr val="accent1"/>
+          </a:effectRef>
+          <a:fontRef idx="minor">
+            <a:schemeClr val="tx1"/>
+          </a:fontRef>
+        </p:style>
+      </p:cxnSp>
+      <p:cxnSp>
+        <p:nvCxnSpPr>
+          <p:cNvPr id="20" name="꺾인 연결선 19"/>
+          <p:cNvCxnSpPr/>
+          <p:nvPr/>
+        </p:nvCxnSpPr>
+        <p:spPr>
+          <a:xfrm rot="5400000" flipH="1" flipV="1">
+            <a:off x="2733797" y="2070505"/>
+            <a:ext cx="5832000" cy="2880000"/>
+          </a:xfrm>
+          <a:prstGeom prst="bentConnector5">
+            <a:avLst>
+              <a:gd name="adj1" fmla="val -3739"/>
+              <a:gd name="adj2" fmla="val 49891"/>
+              <a:gd name="adj3" fmla="val 103939"/>
+            </a:avLst>
+          </a:prstGeom>
+          <a:ln w="38100">
+            <a:tailEnd type="triangle"/>
+          </a:ln>
+        </p:spPr>
+        <p:style>
+          <a:lnRef idx="1">
+            <a:schemeClr val="accent1"/>
+          </a:lnRef>
+          <a:fillRef idx="0">
+            <a:schemeClr val="accent1"/>
+          </a:fillRef>
+          <a:effectRef idx="0">
+            <a:schemeClr val="accent1"/>
+          </a:effectRef>
+          <a:fontRef idx="minor">
+            <a:schemeClr val="tx1"/>
+          </a:fontRef>
+        </p:style>
+      </p:cxnSp>
+      <p:cxnSp>
+        <p:nvCxnSpPr>
+          <p:cNvPr id="22" name="직선 화살표 연결선 21"/>
+          <p:cNvCxnSpPr/>
+          <p:nvPr/>
+        </p:nvCxnSpPr>
+        <p:spPr>
+          <a:xfrm>
+            <a:off x="7135208" y="5348342"/>
+            <a:ext cx="0" cy="360000"/>
+          </a:xfrm>
+          <a:prstGeom prst="straightConnector1">
+            <a:avLst/>
+          </a:prstGeom>
+          <a:ln w="38100">
+            <a:tailEnd type="triangle"/>
+          </a:ln>
+        </p:spPr>
+        <p:style>
+          <a:lnRef idx="1">
+            <a:schemeClr val="accent1"/>
+          </a:lnRef>
+          <a:fillRef idx="0">
+            <a:schemeClr val="accent1"/>
+          </a:fillRef>
+          <a:effectRef idx="0">
+            <a:schemeClr val="accent1"/>
+          </a:effectRef>
+          <a:fontRef idx="minor">
+            <a:schemeClr val="tx1"/>
+          </a:fontRef>
+        </p:style>
+      </p:cxnSp>
+      <p:cxnSp>
+        <p:nvCxnSpPr>
+          <p:cNvPr id="23" name="직선 화살표 연결선 22"/>
+          <p:cNvCxnSpPr/>
+          <p:nvPr/>
+        </p:nvCxnSpPr>
+        <p:spPr>
+          <a:xfrm>
+            <a:off x="7113077" y="2884188"/>
+            <a:ext cx="0" cy="360000"/>
+          </a:xfrm>
+          <a:prstGeom prst="straightConnector1">
+            <a:avLst/>
+          </a:prstGeom>
+          <a:ln w="38100">
+            <a:tailEnd type="triangle"/>
+          </a:ln>
+        </p:spPr>
+        <p:style>
+          <a:lnRef idx="1">
+            <a:schemeClr val="accent1"/>
+          </a:lnRef>
+          <a:fillRef idx="0">
+            <a:schemeClr val="accent1"/>
+          </a:fillRef>
+          <a:effectRef idx="0">
+            <a:schemeClr val="accent1"/>
+          </a:effectRef>
+          <a:fontRef idx="minor">
+            <a:schemeClr val="tx1"/>
+          </a:fontRef>
+        </p:style>
+      </p:cxnSp>
+      <p:sp>
+        <p:nvSpPr>
+          <p:cNvPr id="31" name="순서도: 처리 30"/>
+          <p:cNvSpPr/>
+          <p:nvPr/>
+        </p:nvSpPr>
+        <p:spPr>
+          <a:xfrm>
+            <a:off x="8729244" y="917273"/>
+            <a:ext cx="1436100" cy="561394"/>
+          </a:xfrm>
+          <a:prstGeom prst="flowChartProcess">
+            <a:avLst/>
+          </a:prstGeom>
+        </p:spPr>
+        <p:style>
+          <a:lnRef idx="2">
+            <a:schemeClr val="accent1">
+              <a:shade val="50000"/>
+            </a:schemeClr>
+          </a:lnRef>
+          <a:fillRef idx="1">
+            <a:schemeClr val="accent1"/>
+          </a:fillRef>
+          <a:effectRef idx="0">
+            <a:schemeClr val="accent1"/>
+          </a:effectRef>
+          <a:fontRef idx="minor">
+            <a:schemeClr val="lt1"/>
+          </a:fontRef>
+        </p:style>
+        <p:txBody>
+          <a:bodyPr rtlCol="0" anchor="ctr"/>
+          <a:lstStyle/>
+          <a:p>
+            <a:pPr algn="ctr"/>
+            <a:r>
+              <a:rPr lang="ko-KR" altLang="en-US" sz="1400" dirty="0" smtClean="0"/>
+              <a:t>디렉토리 </a:t>
+            </a:r>
+            <a:r>
+              <a:rPr lang="ko-KR" altLang="en-US" sz="1400" b="1" dirty="0" smtClean="0"/>
+              <a:t>생성</a:t>
+            </a:r>
+            <a:endParaRPr lang="ko-KR" altLang="en-US" sz="1400" b="1" dirty="0"/>
+          </a:p>
+        </p:txBody>
+      </p:sp>
+      <p:cxnSp>
+        <p:nvCxnSpPr>
+          <p:cNvPr id="33" name="꺾인 연결선 32"/>
+          <p:cNvCxnSpPr/>
+          <p:nvPr/>
+        </p:nvCxnSpPr>
+        <p:spPr>
+          <a:xfrm rot="5400000">
+            <a:off x="7982270" y="597947"/>
+            <a:ext cx="450308" cy="2196000"/>
+          </a:xfrm>
+          <a:prstGeom prst="bentConnector2">
+            <a:avLst/>
+          </a:prstGeom>
+          <a:ln w="38100">
+            <a:tailEnd type="triangle"/>
+          </a:ln>
+        </p:spPr>
+        <p:style>
+          <a:lnRef idx="1">
+            <a:schemeClr val="accent1"/>
+          </a:lnRef>
+          <a:fillRef idx="0">
+            <a:schemeClr val="accent1"/>
+          </a:fillRef>
+          <a:effectRef idx="0">
+            <a:schemeClr val="accent1"/>
+          </a:effectRef>
+          <a:fontRef idx="minor">
+            <a:schemeClr val="tx1"/>
+          </a:fontRef>
+        </p:style>
+      </p:cxnSp>
+      <p:sp>
+        <p:nvSpPr>
+          <p:cNvPr id="25" name="순서도: 판단 24"/>
+          <p:cNvSpPr/>
+          <p:nvPr/>
+        </p:nvSpPr>
+        <p:spPr>
+          <a:xfrm>
+            <a:off x="5812671" y="598301"/>
+            <a:ext cx="2580334" cy="1236936"/>
+          </a:xfrm>
+          <a:prstGeom prst="flowChartDecision">
+            <a:avLst/>
+          </a:prstGeom>
+        </p:spPr>
+        <p:style>
+          <a:lnRef idx="2">
+            <a:schemeClr val="accent1">
+              <a:shade val="50000"/>
+            </a:schemeClr>
+          </a:lnRef>
+          <a:fillRef idx="1">
+            <a:schemeClr val="accent1"/>
+          </a:fillRef>
+          <a:effectRef idx="0">
+            <a:schemeClr val="accent1"/>
+          </a:effectRef>
+          <a:fontRef idx="minor">
+            <a:schemeClr val="lt1"/>
+          </a:fontRef>
+        </p:style>
+        <p:txBody>
+          <a:bodyPr rtlCol="0" anchor="ctr"/>
+          <a:lstStyle/>
+          <a:p>
+            <a:pPr algn="ctr"/>
+            <a:r>
+              <a:rPr lang="ko-KR" altLang="en-US" sz="1400" dirty="0"/>
+              <a:t>원본 저장 </a:t>
+            </a:r>
+            <a:endParaRPr lang="en-US" altLang="ko-KR" sz="1400" dirty="0"/>
+          </a:p>
+          <a:p>
+            <a:pPr algn="ctr"/>
+            <a:r>
+              <a:rPr lang="ko-KR" altLang="en-US" sz="1400" dirty="0"/>
+              <a:t>디렉토리가 존재하는가</a:t>
+            </a:r>
+            <a:r>
+              <a:rPr lang="en-US" altLang="ko-KR" sz="1400" dirty="0" smtClean="0"/>
+              <a:t>?</a:t>
+            </a:r>
+            <a:endParaRPr lang="ko-KR" altLang="en-US" sz="1400" dirty="0"/>
+          </a:p>
+        </p:txBody>
+      </p:sp>
+      <p:cxnSp>
+        <p:nvCxnSpPr>
+          <p:cNvPr id="28" name="직선 화살표 연결선 27"/>
+          <p:cNvCxnSpPr/>
+          <p:nvPr/>
+        </p:nvCxnSpPr>
+        <p:spPr>
+          <a:xfrm>
+            <a:off x="7113077" y="1803589"/>
+            <a:ext cx="0" cy="468000"/>
+          </a:xfrm>
+          <a:prstGeom prst="straightConnector1">
+            <a:avLst/>
+          </a:prstGeom>
+          <a:ln w="38100">
+            <a:tailEnd type="triangle"/>
+          </a:ln>
+        </p:spPr>
+        <p:style>
+          <a:lnRef idx="1">
+            <a:schemeClr val="accent1"/>
+          </a:lnRef>
+          <a:fillRef idx="0">
+            <a:schemeClr val="accent1"/>
+          </a:fillRef>
+          <a:effectRef idx="0">
+            <a:schemeClr val="accent1"/>
+          </a:effectRef>
+          <a:fontRef idx="minor">
+            <a:schemeClr val="tx1"/>
+          </a:fontRef>
+        </p:style>
+      </p:cxnSp>
+      <p:cxnSp>
+        <p:nvCxnSpPr>
+          <p:cNvPr id="32" name="꺾인 연결선 31"/>
+          <p:cNvCxnSpPr/>
+          <p:nvPr/>
+        </p:nvCxnSpPr>
+        <p:spPr>
+          <a:xfrm rot="10800000" flipH="1">
+            <a:off x="2915077" y="1598981"/>
+            <a:ext cx="324000" cy="2736000"/>
+          </a:xfrm>
+          <a:prstGeom prst="bentConnector3">
+            <a:avLst>
+              <a:gd name="adj1" fmla="val -104335"/>
+            </a:avLst>
+          </a:prstGeom>
+          <a:ln w="38100">
+            <a:tailEnd type="triangle"/>
+          </a:ln>
+        </p:spPr>
+        <p:style>
+          <a:lnRef idx="1">
+            <a:schemeClr val="accent1"/>
+          </a:lnRef>
+          <a:fillRef idx="0">
+            <a:schemeClr val="accent1"/>
+          </a:fillRef>
+          <a:effectRef idx="0">
+            <a:schemeClr val="accent1"/>
+          </a:effectRef>
+          <a:fontRef idx="minor">
+            <a:schemeClr val="tx1"/>
+          </a:fontRef>
+        </p:style>
+      </p:cxnSp>
+      <p:cxnSp>
+        <p:nvCxnSpPr>
+          <p:cNvPr id="35" name="직선 화살표 연결선 34"/>
+          <p:cNvCxnSpPr/>
+          <p:nvPr/>
+        </p:nvCxnSpPr>
+        <p:spPr>
+          <a:xfrm rot="-5340000">
+            <a:off x="8568981" y="1030637"/>
+            <a:ext cx="0" cy="360000"/>
+          </a:xfrm>
+          <a:prstGeom prst="straightConnector1">
+            <a:avLst/>
+          </a:prstGeom>
+          <a:ln w="38100">
+            <a:tailEnd type="triangle"/>
+          </a:ln>
+        </p:spPr>
+        <p:style>
+          <a:lnRef idx="1">
+            <a:schemeClr val="accent1"/>
+          </a:lnRef>
+          <a:fillRef idx="0">
+            <a:schemeClr val="accent1"/>
+          </a:fillRef>
+          <a:effectRef idx="0">
+            <a:schemeClr val="accent1"/>
+          </a:effectRef>
+          <a:fontRef idx="minor">
+            <a:schemeClr val="tx1"/>
+          </a:fontRef>
+        </p:style>
+      </p:cxnSp>
+      <p:sp>
+        <p:nvSpPr>
+          <p:cNvPr id="36" name="순서도: 문서 35"/>
+          <p:cNvSpPr/>
+          <p:nvPr/>
+        </p:nvSpPr>
+        <p:spPr>
+          <a:xfrm>
+            <a:off x="6263753" y="5705136"/>
+            <a:ext cx="1799420" cy="757983"/>
+          </a:xfrm>
+          <a:prstGeom prst="flowChartDocument">
+            <a:avLst/>
+          </a:prstGeom>
+        </p:spPr>
+        <p:style>
+          <a:lnRef idx="2">
+            <a:schemeClr val="accent1">
+              <a:shade val="50000"/>
+            </a:schemeClr>
+          </a:lnRef>
+          <a:fillRef idx="1">
+            <a:schemeClr val="accent1"/>
+          </a:fillRef>
+          <a:effectRef idx="0">
+            <a:schemeClr val="accent1"/>
+          </a:effectRef>
+          <a:fontRef idx="minor">
+            <a:schemeClr val="lt1"/>
+          </a:fontRef>
+        </p:style>
+        <p:txBody>
+          <a:bodyPr rtlCol="0" anchor="ctr"/>
+          <a:lstStyle/>
+          <a:p>
+            <a:pPr algn="ctr"/>
+            <a:r>
+              <a:rPr lang="ko-KR" altLang="en-US" sz="1400" dirty="0" smtClean="0"/>
+              <a:t> </a:t>
+            </a:r>
+            <a:r>
+              <a:rPr lang="en-US" altLang="ko-KR" sz="1400" dirty="0" smtClean="0"/>
+              <a:t>h264, mp4 </a:t>
+            </a:r>
+            <a:r>
+              <a:rPr lang="ko-KR" altLang="en-US" sz="1400" dirty="0" smtClean="0"/>
+              <a:t>영상 저장</a:t>
+            </a:r>
+            <a:endParaRPr lang="ko-KR" altLang="en-US" dirty="0"/>
+          </a:p>
+        </p:txBody>
+      </p:sp>
+      <p:sp>
+        <p:nvSpPr>
+          <p:cNvPr id="34" name="TextBox 33"/>
+          <p:cNvSpPr txBox="1"/>
+          <p:nvPr/>
+        </p:nvSpPr>
+        <p:spPr>
+          <a:xfrm>
+            <a:off x="8144934" y="814079"/>
+            <a:ext cx="806335" cy="369332"/>
+          </a:xfrm>
+          <a:prstGeom prst="rect">
+            <a:avLst/>
+          </a:prstGeom>
+          <a:noFill/>
+        </p:spPr>
+        <p:txBody>
+          <a:bodyPr wrap="square" rtlCol="0">
+            <a:spAutoFit/>
+          </a:bodyPr>
+          <a:lstStyle/>
+          <a:p>
+            <a:r>
+              <a:rPr lang="en-US" altLang="ko-KR" b="1" dirty="0" smtClean="0"/>
+              <a:t>NO</a:t>
+            </a:r>
+            <a:endParaRPr lang="ko-KR" altLang="en-US" b="1" dirty="0"/>
+          </a:p>
+        </p:txBody>
+      </p:sp>
+      <p:sp>
+        <p:nvSpPr>
+          <p:cNvPr id="39" name="TextBox 38"/>
+          <p:cNvSpPr txBox="1"/>
+          <p:nvPr/>
+        </p:nvSpPr>
+        <p:spPr>
+          <a:xfrm>
+            <a:off x="6509641" y="1696707"/>
+            <a:ext cx="644891" cy="369332"/>
+          </a:xfrm>
+          <a:prstGeom prst="rect">
+            <a:avLst/>
+          </a:prstGeom>
+          <a:noFill/>
+        </p:spPr>
+        <p:txBody>
+          <a:bodyPr wrap="square" rtlCol="0">
+            <a:spAutoFit/>
+          </a:bodyPr>
+          <a:lstStyle/>
+          <a:p>
+            <a:r>
+              <a:rPr lang="en-US" altLang="ko-KR" b="1" dirty="0" smtClean="0"/>
+              <a:t>YES</a:t>
+            </a:r>
+            <a:endParaRPr lang="ko-KR" altLang="en-US" b="1" dirty="0"/>
+          </a:p>
+        </p:txBody>
+      </p:sp>
+      <p:sp>
+        <p:nvSpPr>
+          <p:cNvPr id="43" name="순서도: 처리 42"/>
+          <p:cNvSpPr/>
+          <p:nvPr/>
+        </p:nvSpPr>
+        <p:spPr>
+          <a:xfrm>
+            <a:off x="6254461" y="2250459"/>
+            <a:ext cx="1863206" cy="626749"/>
+          </a:xfrm>
+          <a:prstGeom prst="flowChartProcess">
+            <a:avLst/>
+          </a:prstGeom>
+        </p:spPr>
+        <p:style>
+          <a:lnRef idx="2">
+            <a:schemeClr val="accent1">
+              <a:shade val="50000"/>
+            </a:schemeClr>
+          </a:lnRef>
+          <a:fillRef idx="1">
+            <a:schemeClr val="accent1"/>
+          </a:fillRef>
+          <a:effectRef idx="0">
+            <a:schemeClr val="accent1"/>
+          </a:effectRef>
+          <a:fontRef idx="minor">
+            <a:schemeClr val="lt1"/>
+          </a:fontRef>
+        </p:style>
+        <p:txBody>
+          <a:bodyPr rtlCol="0" anchor="ctr"/>
+          <a:lstStyle/>
+          <a:p>
+            <a:pPr algn="ctr"/>
+            <a:r>
+              <a:rPr lang="en-US" altLang="ko-KR" sz="1400" dirty="0"/>
+              <a:t>String file name = </a:t>
+            </a:r>
+          </a:p>
+          <a:p>
+            <a:pPr algn="ctr"/>
+            <a:r>
+              <a:rPr lang="en-US" altLang="ko-KR" sz="1400" dirty="0"/>
+              <a:t>{ random number }</a:t>
+            </a:r>
+            <a:endParaRPr lang="ko-KR" altLang="en-US" sz="1400" dirty="0"/>
+          </a:p>
+        </p:txBody>
+      </p:sp>
+      <p:sp>
+        <p:nvSpPr>
+          <p:cNvPr id="44" name="순서도: 판단 43"/>
+          <p:cNvSpPr/>
+          <p:nvPr/>
+        </p:nvSpPr>
+        <p:spPr>
+          <a:xfrm>
+            <a:off x="2884023" y="2208897"/>
+            <a:ext cx="2580334" cy="1236936"/>
+          </a:xfrm>
+          <a:prstGeom prst="flowChartDecision">
+            <a:avLst/>
+          </a:prstGeom>
+        </p:spPr>
+        <p:style>
+          <a:lnRef idx="2">
+            <a:schemeClr val="accent1">
+              <a:shade val="50000"/>
+            </a:schemeClr>
+          </a:lnRef>
+          <a:fillRef idx="1">
+            <a:schemeClr val="accent1"/>
+          </a:fillRef>
+          <a:effectRef idx="0">
+            <a:schemeClr val="accent1"/>
+          </a:effectRef>
+          <a:fontRef idx="minor">
+            <a:schemeClr val="lt1"/>
+          </a:fontRef>
+        </p:style>
+        <p:txBody>
+          <a:bodyPr rtlCol="0" anchor="ctr"/>
+          <a:lstStyle/>
+          <a:p>
+            <a:pPr algn="ctr"/>
+            <a:r>
+              <a:rPr lang="en-US" altLang="ko-KR" sz="1400" dirty="0" smtClean="0"/>
+              <a:t>Request</a:t>
+            </a:r>
+            <a:r>
+              <a:rPr lang="ko-KR" altLang="en-US" sz="1400" dirty="0"/>
+              <a:t> </a:t>
+            </a:r>
+            <a:r>
+              <a:rPr lang="ko-KR" altLang="en-US" sz="1400" dirty="0" smtClean="0"/>
+              <a:t> </a:t>
+            </a:r>
+            <a:endParaRPr lang="en-US" altLang="ko-KR" sz="1400" dirty="0" smtClean="0"/>
+          </a:p>
+          <a:p>
+            <a:pPr algn="ctr"/>
+            <a:r>
+              <a:rPr lang="ko-KR" altLang="en-US" sz="1400" dirty="0" smtClean="0"/>
+              <a:t>데이터에 </a:t>
+            </a:r>
+            <a:endParaRPr lang="en-US" altLang="ko-KR" sz="1400" dirty="0" smtClean="0"/>
+          </a:p>
+          <a:p>
+            <a:pPr algn="ctr"/>
+            <a:r>
+              <a:rPr lang="en-US" altLang="ko-KR" sz="1400" dirty="0" smtClean="0"/>
+              <a:t>Files</a:t>
+            </a:r>
+            <a:r>
+              <a:rPr lang="ko-KR" altLang="en-US" sz="1400" dirty="0" smtClean="0"/>
+              <a:t>이 존재하는가</a:t>
+            </a:r>
+            <a:r>
+              <a:rPr lang="en-US" altLang="ko-KR" sz="1400" dirty="0" smtClean="0"/>
+              <a:t>?</a:t>
+            </a:r>
+            <a:endParaRPr lang="ko-KR" altLang="en-US" sz="1400" dirty="0"/>
+          </a:p>
+        </p:txBody>
+      </p:sp>
+      <p:sp>
+        <p:nvSpPr>
+          <p:cNvPr id="47" name="순서도: 판단 46"/>
+          <p:cNvSpPr/>
+          <p:nvPr/>
+        </p:nvSpPr>
+        <p:spPr>
+          <a:xfrm>
+            <a:off x="2895725" y="3726038"/>
+            <a:ext cx="2580334" cy="1236936"/>
+          </a:xfrm>
+          <a:prstGeom prst="flowChartDecision">
+            <a:avLst/>
+          </a:prstGeom>
+        </p:spPr>
+        <p:style>
+          <a:lnRef idx="2">
+            <a:schemeClr val="accent1">
+              <a:shade val="50000"/>
+            </a:schemeClr>
+          </a:lnRef>
+          <a:fillRef idx="1">
+            <a:schemeClr val="accent1"/>
+          </a:fillRef>
+          <a:effectRef idx="0">
+            <a:schemeClr val="accent1"/>
+          </a:effectRef>
+          <a:fontRef idx="minor">
+            <a:schemeClr val="lt1"/>
+          </a:fontRef>
+        </p:style>
+        <p:txBody>
+          <a:bodyPr rtlCol="0" anchor="ctr"/>
+          <a:lstStyle/>
+          <a:p>
+            <a:pPr algn="ctr"/>
+            <a:r>
+              <a:rPr lang="en-US" altLang="ko-KR" sz="1400" dirty="0" smtClean="0"/>
+              <a:t>Request</a:t>
+            </a:r>
+            <a:r>
+              <a:rPr lang="ko-KR" altLang="en-US" sz="1400" dirty="0" smtClean="0"/>
+              <a:t>  </a:t>
+            </a:r>
+            <a:endParaRPr lang="en-US" altLang="ko-KR" sz="1400" dirty="0"/>
+          </a:p>
+          <a:p>
+            <a:pPr algn="ctr"/>
+            <a:r>
+              <a:rPr lang="ko-KR" altLang="en-US" sz="1400" dirty="0"/>
+              <a:t>데이터에 </a:t>
+            </a:r>
+            <a:endParaRPr lang="en-US" altLang="ko-KR" sz="1400" dirty="0"/>
+          </a:p>
+          <a:p>
+            <a:pPr algn="ctr"/>
+            <a:r>
+              <a:rPr lang="en-US" altLang="ko-KR" sz="1400" dirty="0" smtClean="0"/>
+              <a:t> file name</a:t>
+            </a:r>
+            <a:r>
+              <a:rPr lang="ko-KR" altLang="en-US" sz="1400" dirty="0" smtClean="0"/>
+              <a:t>이 존재하는가</a:t>
+            </a:r>
+            <a:r>
+              <a:rPr lang="en-US" altLang="ko-KR" sz="1400" dirty="0" smtClean="0"/>
+              <a:t>?</a:t>
+            </a:r>
+            <a:endParaRPr lang="ko-KR" altLang="en-US" sz="1400" dirty="0"/>
+          </a:p>
+        </p:txBody>
+      </p:sp>
+      <p:cxnSp>
+        <p:nvCxnSpPr>
+          <p:cNvPr id="48" name="직선 화살표 연결선 47"/>
+          <p:cNvCxnSpPr/>
+          <p:nvPr/>
+        </p:nvCxnSpPr>
+        <p:spPr>
+          <a:xfrm>
+            <a:off x="4181631" y="3460586"/>
+            <a:ext cx="0" cy="288000"/>
+          </a:xfrm>
+          <a:prstGeom prst="straightConnector1">
+            <a:avLst/>
+          </a:prstGeom>
+          <a:ln w="38100">
+            <a:tailEnd type="triangle"/>
+          </a:ln>
+        </p:spPr>
+        <p:style>
+          <a:lnRef idx="1">
+            <a:schemeClr val="accent1"/>
+          </a:lnRef>
+          <a:fillRef idx="0">
+            <a:schemeClr val="accent1"/>
+          </a:fillRef>
+          <a:effectRef idx="0">
+            <a:schemeClr val="accent1"/>
+          </a:effectRef>
+          <a:fontRef idx="minor">
+            <a:schemeClr val="tx1"/>
+          </a:fontRef>
+        </p:style>
+      </p:cxnSp>
+      <p:cxnSp>
+        <p:nvCxnSpPr>
+          <p:cNvPr id="51" name="직선 화살표 연결선 50"/>
+          <p:cNvCxnSpPr/>
+          <p:nvPr/>
+        </p:nvCxnSpPr>
+        <p:spPr>
+          <a:xfrm>
+            <a:off x="4196755" y="4962974"/>
+            <a:ext cx="0" cy="288000"/>
+          </a:xfrm>
+          <a:prstGeom prst="straightConnector1">
+            <a:avLst/>
+          </a:prstGeom>
+          <a:ln w="38100">
+            <a:tailEnd type="triangle"/>
+          </a:ln>
+        </p:spPr>
+        <p:style>
+          <a:lnRef idx="1">
+            <a:schemeClr val="accent1"/>
+          </a:lnRef>
+          <a:fillRef idx="0">
+            <a:schemeClr val="accent1"/>
+          </a:fillRef>
+          <a:effectRef idx="0">
+            <a:schemeClr val="accent1"/>
+          </a:effectRef>
+          <a:fontRef idx="minor">
+            <a:schemeClr val="tx1"/>
+          </a:fontRef>
+        </p:style>
+      </p:cxnSp>
+      <p:cxnSp>
+        <p:nvCxnSpPr>
+          <p:cNvPr id="57" name="꺾인 연결선 56"/>
+          <p:cNvCxnSpPr/>
+          <p:nvPr/>
+        </p:nvCxnSpPr>
+        <p:spPr>
+          <a:xfrm rot="10800000" flipH="1">
+            <a:off x="2955059" y="1717523"/>
+            <a:ext cx="288000" cy="1116000"/>
+          </a:xfrm>
+          <a:prstGeom prst="bentConnector3">
+            <a:avLst>
+              <a:gd name="adj1" fmla="val -73877"/>
+            </a:avLst>
+          </a:prstGeom>
+          <a:ln w="38100">
+            <a:tailEnd type="triangle"/>
+          </a:ln>
+        </p:spPr>
+        <p:style>
+          <a:lnRef idx="1">
+            <a:schemeClr val="accent1"/>
+          </a:lnRef>
+          <a:fillRef idx="0">
+            <a:schemeClr val="accent1"/>
+          </a:fillRef>
+          <a:effectRef idx="0">
+            <a:schemeClr val="accent1"/>
+          </a:effectRef>
+          <a:fontRef idx="minor">
+            <a:schemeClr val="tx1"/>
+          </a:fontRef>
+        </p:style>
+      </p:cxnSp>
+      <p:sp>
+        <p:nvSpPr>
+          <p:cNvPr id="58" name="순서도: 처리 57"/>
+          <p:cNvSpPr/>
+          <p:nvPr/>
+        </p:nvSpPr>
+        <p:spPr>
+          <a:xfrm>
+            <a:off x="3236421" y="1255094"/>
+            <a:ext cx="1863206" cy="626749"/>
+          </a:xfrm>
+          <a:prstGeom prst="flowChartProcess">
+            <a:avLst/>
+          </a:prstGeom>
+        </p:spPr>
+        <p:style>
+          <a:lnRef idx="2">
+            <a:schemeClr val="accent1">
+              <a:shade val="50000"/>
+            </a:schemeClr>
+          </a:lnRef>
+          <a:fillRef idx="1">
+            <a:schemeClr val="accent1"/>
+          </a:fillRef>
+          <a:effectRef idx="0">
+            <a:schemeClr val="accent1"/>
+          </a:effectRef>
+          <a:fontRef idx="minor">
+            <a:schemeClr val="lt1"/>
+          </a:fontRef>
+        </p:style>
+        <p:txBody>
+          <a:bodyPr rtlCol="0" anchor="ctr"/>
+          <a:lstStyle/>
+          <a:p>
+            <a:pPr algn="ctr"/>
+            <a:r>
+              <a:rPr lang="ko-KR" altLang="en-US" sz="1400" dirty="0" smtClean="0"/>
+              <a:t>영상 업로드 </a:t>
+            </a:r>
+            <a:endParaRPr lang="en-US" altLang="ko-KR" sz="1400" dirty="0" smtClean="0"/>
+          </a:p>
+          <a:p>
+            <a:pPr algn="ctr"/>
+            <a:r>
+              <a:rPr lang="ko-KR" altLang="en-US" sz="1400" dirty="0" smtClean="0"/>
+              <a:t>요청 대기</a:t>
+            </a:r>
+            <a:r>
+              <a:rPr lang="en-US" altLang="ko-KR" sz="1400" dirty="0" smtClean="0"/>
+              <a:t> </a:t>
+            </a:r>
+            <a:endParaRPr lang="ko-KR" altLang="en-US" sz="1400" dirty="0"/>
+          </a:p>
+        </p:txBody>
+      </p:sp>
+      <p:cxnSp>
+        <p:nvCxnSpPr>
+          <p:cNvPr id="60" name="직선 화살표 연결선 59"/>
+          <p:cNvCxnSpPr/>
+          <p:nvPr/>
+        </p:nvCxnSpPr>
+        <p:spPr>
+          <a:xfrm>
+            <a:off x="4184632" y="916769"/>
+            <a:ext cx="0" cy="360000"/>
+          </a:xfrm>
+          <a:prstGeom prst="straightConnector1">
+            <a:avLst/>
+          </a:prstGeom>
+          <a:ln w="38100">
+            <a:tailEnd type="triangle"/>
+          </a:ln>
+        </p:spPr>
+        <p:style>
+          <a:lnRef idx="1">
+            <a:schemeClr val="accent1"/>
+          </a:lnRef>
+          <a:fillRef idx="0">
+            <a:schemeClr val="accent1"/>
+          </a:fillRef>
+          <a:effectRef idx="0">
+            <a:schemeClr val="accent1"/>
+          </a:effectRef>
+          <a:fontRef idx="minor">
+            <a:schemeClr val="tx1"/>
+          </a:fontRef>
+        </p:style>
+      </p:cxnSp>
+      <p:cxnSp>
+        <p:nvCxnSpPr>
+          <p:cNvPr id="64" name="꺾인 연결선 63"/>
+          <p:cNvCxnSpPr/>
+          <p:nvPr/>
+        </p:nvCxnSpPr>
+        <p:spPr>
+          <a:xfrm rot="10800000" flipH="1">
+            <a:off x="2948421" y="1498176"/>
+            <a:ext cx="288000" cy="4356000"/>
+          </a:xfrm>
+          <a:prstGeom prst="bentConnector3">
+            <a:avLst>
+              <a:gd name="adj1" fmla="val -204876"/>
+            </a:avLst>
+          </a:prstGeom>
+          <a:ln w="38100">
+            <a:tailEnd type="triangle"/>
+          </a:ln>
+        </p:spPr>
+        <p:style>
+          <a:lnRef idx="1">
+            <a:schemeClr val="accent1"/>
+          </a:lnRef>
+          <a:fillRef idx="0">
+            <a:schemeClr val="accent1"/>
+          </a:fillRef>
+          <a:effectRef idx="0">
+            <a:schemeClr val="accent1"/>
+          </a:effectRef>
+          <a:fontRef idx="minor">
+            <a:schemeClr val="tx1"/>
+          </a:fontRef>
+        </p:style>
+      </p:cxnSp>
+      <p:sp>
+        <p:nvSpPr>
+          <p:cNvPr id="82" name="TextBox 81"/>
+          <p:cNvSpPr txBox="1"/>
+          <p:nvPr/>
+        </p:nvSpPr>
+        <p:spPr>
+          <a:xfrm>
+            <a:off x="6554300" y="2830328"/>
+            <a:ext cx="644891" cy="369332"/>
+          </a:xfrm>
+          <a:prstGeom prst="rect">
+            <a:avLst/>
+          </a:prstGeom>
+          <a:noFill/>
+        </p:spPr>
+        <p:txBody>
+          <a:bodyPr wrap="square" rtlCol="0">
+            <a:spAutoFit/>
+          </a:bodyPr>
+          <a:lstStyle/>
+          <a:p>
+            <a:r>
+              <a:rPr lang="en-US" altLang="ko-KR" b="1" dirty="0" smtClean="0"/>
+              <a:t>YES</a:t>
+            </a:r>
+            <a:endParaRPr lang="ko-KR" altLang="en-US" b="1" dirty="0"/>
+          </a:p>
+        </p:txBody>
+      </p:sp>
+      <p:cxnSp>
+        <p:nvCxnSpPr>
+          <p:cNvPr id="83" name="꺾인 연결선 82"/>
+          <p:cNvCxnSpPr>
+            <a:stCxn id="8" idx="3"/>
+            <a:endCxn id="43" idx="3"/>
+          </p:cNvCxnSpPr>
+          <p:nvPr/>
+        </p:nvCxnSpPr>
+        <p:spPr>
+          <a:xfrm flipH="1" flipV="1">
+            <a:off x="8117667" y="2563834"/>
+            <a:ext cx="285577" cy="1268244"/>
+          </a:xfrm>
+          <a:prstGeom prst="bentConnector3">
+            <a:avLst>
+              <a:gd name="adj1" fmla="val -143420"/>
+            </a:avLst>
+          </a:prstGeom>
+          <a:ln w="38100">
+            <a:tailEnd type="triangle"/>
+          </a:ln>
+        </p:spPr>
+        <p:style>
+          <a:lnRef idx="1">
+            <a:schemeClr val="accent1"/>
+          </a:lnRef>
+          <a:fillRef idx="0">
+            <a:schemeClr val="accent1"/>
+          </a:fillRef>
+          <a:effectRef idx="0">
+            <a:schemeClr val="accent1"/>
+          </a:effectRef>
+          <a:fontRef idx="minor">
+            <a:schemeClr val="tx1"/>
+          </a:fontRef>
+        </p:style>
+      </p:cxnSp>
+      <p:sp>
+        <p:nvSpPr>
+          <p:cNvPr id="90" name="TextBox 89"/>
+          <p:cNvSpPr txBox="1"/>
+          <p:nvPr/>
+        </p:nvSpPr>
+        <p:spPr>
+          <a:xfrm>
+            <a:off x="8247644" y="3446623"/>
+            <a:ext cx="806335" cy="369332"/>
+          </a:xfrm>
+          <a:prstGeom prst="rect">
+            <a:avLst/>
+          </a:prstGeom>
+          <a:noFill/>
+        </p:spPr>
+        <p:txBody>
+          <a:bodyPr wrap="square" rtlCol="0">
+            <a:spAutoFit/>
+          </a:bodyPr>
+          <a:lstStyle/>
+          <a:p>
+            <a:r>
+              <a:rPr lang="en-US" altLang="ko-KR" b="1" smtClean="0"/>
+              <a:t>YES</a:t>
+            </a:r>
+            <a:endParaRPr lang="ko-KR" altLang="en-US" b="1" dirty="0"/>
+          </a:p>
+        </p:txBody>
+      </p:sp>
+      <p:sp>
+        <p:nvSpPr>
+          <p:cNvPr id="91" name="TextBox 90"/>
+          <p:cNvSpPr txBox="1"/>
+          <p:nvPr/>
+        </p:nvSpPr>
+        <p:spPr>
+          <a:xfrm>
+            <a:off x="6607312" y="4352386"/>
+            <a:ext cx="806335" cy="369332"/>
+          </a:xfrm>
+          <a:prstGeom prst="rect">
+            <a:avLst/>
+          </a:prstGeom>
+          <a:noFill/>
+        </p:spPr>
+        <p:txBody>
+          <a:bodyPr wrap="square" rtlCol="0">
+            <a:spAutoFit/>
+          </a:bodyPr>
+          <a:lstStyle/>
+          <a:p>
+            <a:r>
+              <a:rPr lang="en-US" altLang="ko-KR" b="1" dirty="0" smtClean="0"/>
+              <a:t>NO</a:t>
+            </a:r>
+            <a:endParaRPr lang="ko-KR" altLang="en-US" b="1" dirty="0"/>
+          </a:p>
+        </p:txBody>
+      </p:sp>
+      <p:cxnSp>
+        <p:nvCxnSpPr>
+          <p:cNvPr id="92" name="직선 화살표 연결선 91"/>
+          <p:cNvCxnSpPr/>
+          <p:nvPr/>
+        </p:nvCxnSpPr>
+        <p:spPr>
+          <a:xfrm rot="16200000">
+            <a:off x="8406943" y="5635491"/>
+            <a:ext cx="0" cy="720000"/>
+          </a:xfrm>
+          <a:prstGeom prst="straightConnector1">
+            <a:avLst/>
+          </a:prstGeom>
+          <a:ln w="38100">
+            <a:tailEnd type="triangle"/>
+          </a:ln>
+        </p:spPr>
+        <p:style>
+          <a:lnRef idx="1">
+            <a:schemeClr val="accent1"/>
+          </a:lnRef>
+          <a:fillRef idx="0">
+            <a:schemeClr val="accent1"/>
+          </a:fillRef>
+          <a:effectRef idx="0">
+            <a:schemeClr val="accent1"/>
+          </a:effectRef>
+          <a:fontRef idx="minor">
+            <a:schemeClr val="tx1"/>
+          </a:fontRef>
+        </p:style>
+      </p:cxnSp>
+      <p:sp>
+        <p:nvSpPr>
+          <p:cNvPr id="93" name="TextBox 92"/>
+          <p:cNvSpPr txBox="1"/>
+          <p:nvPr/>
+        </p:nvSpPr>
+        <p:spPr>
+          <a:xfrm>
+            <a:off x="2716686" y="2437813"/>
+            <a:ext cx="806335" cy="369332"/>
+          </a:xfrm>
+          <a:prstGeom prst="rect">
+            <a:avLst/>
+          </a:prstGeom>
+          <a:noFill/>
+        </p:spPr>
+        <p:txBody>
+          <a:bodyPr wrap="square" rtlCol="0">
+            <a:spAutoFit/>
+          </a:bodyPr>
+          <a:lstStyle/>
+          <a:p>
+            <a:r>
+              <a:rPr lang="en-US" altLang="ko-KR" b="1" dirty="0" smtClean="0"/>
+              <a:t>NO</a:t>
+            </a:r>
+            <a:endParaRPr lang="ko-KR" altLang="en-US" b="1" dirty="0"/>
+          </a:p>
+        </p:txBody>
+      </p:sp>
+      <p:sp>
+        <p:nvSpPr>
+          <p:cNvPr id="94" name="TextBox 93"/>
+          <p:cNvSpPr txBox="1"/>
+          <p:nvPr/>
+        </p:nvSpPr>
+        <p:spPr>
+          <a:xfrm>
+            <a:off x="2507418" y="5514179"/>
+            <a:ext cx="806335" cy="369332"/>
+          </a:xfrm>
+          <a:prstGeom prst="rect">
+            <a:avLst/>
+          </a:prstGeom>
+          <a:noFill/>
+        </p:spPr>
+        <p:txBody>
+          <a:bodyPr wrap="square" rtlCol="0">
+            <a:spAutoFit/>
+          </a:bodyPr>
+          <a:lstStyle/>
+          <a:p>
+            <a:r>
+              <a:rPr lang="en-US" altLang="ko-KR" b="1" dirty="0" smtClean="0"/>
+              <a:t>NO</a:t>
+            </a:r>
+            <a:endParaRPr lang="ko-KR" altLang="en-US" b="1" dirty="0"/>
+          </a:p>
+        </p:txBody>
+      </p:sp>
+      <p:sp>
+        <p:nvSpPr>
+          <p:cNvPr id="95" name="TextBox 94"/>
+          <p:cNvSpPr txBox="1"/>
+          <p:nvPr/>
+        </p:nvSpPr>
+        <p:spPr>
+          <a:xfrm>
+            <a:off x="2623272" y="3996975"/>
+            <a:ext cx="806335" cy="369332"/>
+          </a:xfrm>
+          <a:prstGeom prst="rect">
+            <a:avLst/>
+          </a:prstGeom>
+          <a:noFill/>
+        </p:spPr>
+        <p:txBody>
+          <a:bodyPr wrap="square" rtlCol="0">
+            <a:spAutoFit/>
+          </a:bodyPr>
+          <a:lstStyle/>
+          <a:p>
+            <a:r>
+              <a:rPr lang="en-US" altLang="ko-KR" b="1" dirty="0" smtClean="0"/>
+              <a:t>NO</a:t>
+            </a:r>
+            <a:endParaRPr lang="ko-KR" altLang="en-US" b="1" dirty="0"/>
+          </a:p>
+        </p:txBody>
+      </p:sp>
+      <p:sp>
+        <p:nvSpPr>
+          <p:cNvPr id="96" name="TextBox 95"/>
+          <p:cNvSpPr txBox="1"/>
+          <p:nvPr/>
+        </p:nvSpPr>
+        <p:spPr>
+          <a:xfrm>
+            <a:off x="4157639" y="3405061"/>
+            <a:ext cx="806335" cy="369332"/>
+          </a:xfrm>
+          <a:prstGeom prst="rect">
+            <a:avLst/>
+          </a:prstGeom>
+          <a:noFill/>
+        </p:spPr>
+        <p:txBody>
+          <a:bodyPr wrap="square" rtlCol="0">
+            <a:spAutoFit/>
+          </a:bodyPr>
+          <a:lstStyle/>
+          <a:p>
+            <a:r>
+              <a:rPr lang="en-US" altLang="ko-KR" b="1" dirty="0" smtClean="0"/>
+              <a:t>YES</a:t>
+            </a:r>
+            <a:endParaRPr lang="ko-KR" altLang="en-US" b="1" dirty="0"/>
+          </a:p>
+        </p:txBody>
+      </p:sp>
+      <p:sp>
+        <p:nvSpPr>
+          <p:cNvPr id="97" name="TextBox 96"/>
+          <p:cNvSpPr txBox="1"/>
+          <p:nvPr/>
+        </p:nvSpPr>
+        <p:spPr>
+          <a:xfrm>
+            <a:off x="4183193" y="4922308"/>
+            <a:ext cx="806335" cy="369332"/>
+          </a:xfrm>
+          <a:prstGeom prst="rect">
+            <a:avLst/>
+          </a:prstGeom>
+          <a:noFill/>
+        </p:spPr>
+        <p:txBody>
+          <a:bodyPr wrap="square" rtlCol="0">
+            <a:spAutoFit/>
+          </a:bodyPr>
+          <a:lstStyle/>
+          <a:p>
+            <a:r>
+              <a:rPr lang="en-US" altLang="ko-KR" b="1" dirty="0" smtClean="0"/>
+              <a:t>YES</a:t>
+            </a:r>
+            <a:endParaRPr lang="ko-KR" altLang="en-US" b="1" dirty="0"/>
+          </a:p>
+        </p:txBody>
+      </p:sp>
+      <p:sp>
+        <p:nvSpPr>
+          <p:cNvPr id="98" name="TextBox 97"/>
+          <p:cNvSpPr txBox="1"/>
+          <p:nvPr/>
+        </p:nvSpPr>
+        <p:spPr>
+          <a:xfrm>
+            <a:off x="3628772" y="6346545"/>
+            <a:ext cx="806335" cy="369332"/>
+          </a:xfrm>
+          <a:prstGeom prst="rect">
+            <a:avLst/>
+          </a:prstGeom>
+          <a:noFill/>
+        </p:spPr>
+        <p:txBody>
+          <a:bodyPr wrap="square" rtlCol="0">
+            <a:spAutoFit/>
+          </a:bodyPr>
+          <a:lstStyle/>
+          <a:p>
+            <a:r>
+              <a:rPr lang="en-US" altLang="ko-KR" b="1" dirty="0" smtClean="0"/>
+              <a:t>YES</a:t>
+            </a:r>
+            <a:endParaRPr lang="ko-KR" altLang="en-US" b="1" dirty="0"/>
+          </a:p>
+        </p:txBody>
+      </p:sp>
+      <p:sp>
+        <p:nvSpPr>
+          <p:cNvPr id="42" name="순서도: 처리 41"/>
+          <p:cNvSpPr/>
+          <p:nvPr/>
+        </p:nvSpPr>
+        <p:spPr>
+          <a:xfrm>
+            <a:off x="8758228" y="5729258"/>
+            <a:ext cx="1597891" cy="561394"/>
+          </a:xfrm>
+          <a:prstGeom prst="flowChartProcess">
+            <a:avLst/>
+          </a:prstGeom>
+        </p:spPr>
+        <p:style>
+          <a:lnRef idx="2">
+            <a:schemeClr val="accent1">
+              <a:shade val="50000"/>
+            </a:schemeClr>
+          </a:lnRef>
+          <a:fillRef idx="1">
+            <a:schemeClr val="accent1"/>
+          </a:fillRef>
+          <a:effectRef idx="0">
+            <a:schemeClr val="accent1"/>
+          </a:effectRef>
+          <a:fontRef idx="minor">
+            <a:schemeClr val="lt1"/>
+          </a:fontRef>
+        </p:style>
+        <p:txBody>
+          <a:bodyPr rtlCol="0" anchor="ctr"/>
+          <a:lstStyle/>
+          <a:p>
+            <a:pPr algn="ctr"/>
+            <a:r>
+              <a:rPr lang="ko-KR" altLang="en-US" sz="1400" dirty="0" smtClean="0"/>
+              <a:t>영상 </a:t>
+            </a:r>
+            <a:endParaRPr lang="en-US" altLang="ko-KR" sz="1400" dirty="0" smtClean="0"/>
+          </a:p>
+          <a:p>
+            <a:pPr algn="ctr"/>
+            <a:r>
+              <a:rPr lang="ko-KR" altLang="en-US" sz="1400" dirty="0" smtClean="0"/>
+              <a:t>저장 경로 전달</a:t>
+            </a:r>
+            <a:endParaRPr lang="ko-KR" altLang="en-US" sz="1400" dirty="0"/>
+          </a:p>
+        </p:txBody>
+      </p:sp>
+      <p:cxnSp>
+        <p:nvCxnSpPr>
+          <p:cNvPr id="45" name="직선 화살표 연결선 44"/>
+          <p:cNvCxnSpPr/>
+          <p:nvPr/>
+        </p:nvCxnSpPr>
+        <p:spPr>
+          <a:xfrm>
+            <a:off x="9522808" y="5371503"/>
+            <a:ext cx="0" cy="360000"/>
+          </a:xfrm>
+          <a:prstGeom prst="straightConnector1">
+            <a:avLst/>
+          </a:prstGeom>
+          <a:ln w="38100">
+            <a:headEnd type="triangle"/>
+            <a:tailEnd type="none"/>
+          </a:ln>
+        </p:spPr>
+        <p:style>
+          <a:lnRef idx="1">
+            <a:schemeClr val="accent1"/>
+          </a:lnRef>
+          <a:fillRef idx="0">
+            <a:schemeClr val="accent1"/>
+          </a:fillRef>
+          <a:effectRef idx="0">
+            <a:schemeClr val="accent1"/>
+          </a:effectRef>
+          <a:fontRef idx="minor">
+            <a:schemeClr val="tx1"/>
+          </a:fontRef>
+        </p:style>
+      </p:cxnSp>
+    </p:spTree>
+    <p:extLst>
+      <p:ext uri="{BB962C8B-B14F-4D97-AF65-F5344CB8AC3E}">
+        <p14:creationId xmlns:p14="http://schemas.microsoft.com/office/powerpoint/2010/main" val="556550433"/>
+      </p:ext>
+    </p:extLst>
+  </p:cSld>
+  <p:clrMapOvr>
+    <a:masterClrMapping/>
+  </p:clrMapOvr>
+  <p:timing>
+    <p:tnLst>
+      <p:par>
+        <p:cTn id="1" dur="indefinite" restart="never" nodeType="tmRoot"/>
+      </p:par>
+    </p:tnLst>
+  </p:timing>
+</p:sld>
+</file>
+
+<file path=ppt/slides/slide4.xml><?xml version="1.0" encoding="utf-8"?>
+<p:sld xmlns:a="http://schemas.openxmlformats.org/drawingml/2006/main" xmlns:r="http://schemas.openxmlformats.org/officeDocument/2006/relationships" xmlns:p="http://schemas.openxmlformats.org/presentationml/2006/main">
+  <p:cSld>
+    <p:spTree>
+      <p:nvGrpSpPr>
+        <p:cNvPr id="1" name=""/>
+        <p:cNvGrpSpPr/>
+        <p:nvPr/>
+      </p:nvGrpSpPr>
+      <p:grpSpPr>
+        <a:xfrm>
+          <a:off x="0" y="0"/>
+          <a:ext cx="0" cy="0"/>
+          <a:chOff x="0" y="0"/>
+          <a:chExt cx="0" cy="0"/>
+        </a:xfrm>
+      </p:grpSpPr>
+      <p:sp>
+        <p:nvSpPr>
+          <p:cNvPr id="4" name="TextBox 3"/>
+          <p:cNvSpPr txBox="1"/>
+          <p:nvPr/>
+        </p:nvSpPr>
+        <p:spPr>
+          <a:xfrm>
+            <a:off x="119021" y="90351"/>
+            <a:ext cx="2487368" cy="369332"/>
+          </a:xfrm>
+          <a:prstGeom prst="rect">
+            <a:avLst/>
+          </a:prstGeom>
+          <a:noFill/>
+        </p:spPr>
+        <p:txBody>
+          <a:bodyPr wrap="square" rtlCol="0">
+            <a:spAutoFit/>
+          </a:bodyPr>
+          <a:lstStyle/>
+          <a:p>
             <a:r>
               <a:rPr lang="en-US" altLang="ko-KR" dirty="0" smtClean="0"/>
-              <a:t>. </a:t>
+              <a:t>100. </a:t>
             </a:r>
             <a:r>
               <a:rPr lang="ko-KR" altLang="en-US" dirty="0" smtClean="0"/>
@@ -9446,6 +9285,36 @@
 </p:sld>
 </file>
 
+<file path=ppt/slides/slide5.xml><?xml version="1.0" encoding="utf-8"?>
+<p:sld xmlns:a="http://schemas.openxmlformats.org/drawingml/2006/main" xmlns:r="http://schemas.openxmlformats.org/officeDocument/2006/relationships" xmlns:p="http://schemas.openxmlformats.org/presentationml/2006/main">
+  <p:cSld>
+    <p:spTree>
+      <p:nvGrpSpPr>
+        <p:cNvPr id="1" name=""/>
+        <p:cNvGrpSpPr/>
+        <p:nvPr/>
+      </p:nvGrpSpPr>
+      <p:grpSpPr>
+        <a:xfrm>
+          <a:off x="0" y="0"/>
+          <a:ext cx="0" cy="0"/>
+          <a:chOff x="0" y="0"/>
+          <a:chExt cx="0" cy="0"/>
+        </a:xfrm>
+      </p:grpSpPr>
+    </p:spTree>
+    <p:extLst>
+      <p:ext uri="{BB962C8B-B14F-4D97-AF65-F5344CB8AC3E}">
+        <p14:creationId xmlns:p14="http://schemas.microsoft.com/office/powerpoint/2010/main" val="3471859230"/>
+      </p:ext>
+    </p:extLst>
+  </p:cSld>
+  <p:clrMapOvr>
+    <a:masterClrMapping/>
+  </p:clrMapOvr>
+</p:sld>
+</file>
+
 <file path=ppt/theme/theme1.xml><?xml version="1.0" encoding="utf-8"?>
 <a:theme xmlns:a="http://schemas.openxmlformats.org/drawingml/2006/main" name="Office 테마">
   <a:themeElements>

--- a/docs/순서도.pptx
+++ b/docs/순서도.pptx
@@ -5,14 +5,13 @@
     <p:sldMasterId id="2147483648" r:id="rId1"/>
   </p:sldMasterIdLst>
   <p:notesMasterIdLst>
-    <p:notesMasterId r:id="rId7"/>
+    <p:notesMasterId r:id="rId6"/>
   </p:notesMasterIdLst>
   <p:sldIdLst>
     <p:sldId id="256" r:id="rId2"/>
     <p:sldId id="258" r:id="rId3"/>
     <p:sldId id="259" r:id="rId4"/>
     <p:sldId id="261" r:id="rId5"/>
-    <p:sldId id="260" r:id="rId6"/>
   </p:sldIdLst>
   <p:sldSz cx="12192000" cy="6858000"/>
   <p:notesSz cx="6858000" cy="9144000"/>
@@ -217,7 +216,7 @@
           <a:p>
             <a:fld id="{FEBB53FF-EA0C-4AD8-8B3F-CE90C6A3C06E}" type="datetimeFigureOut">
               <a:rPr lang="ko-KR" altLang="en-US" smtClean="0"/>
-              <a:t>2022-07-13</a:t>
+              <a:t>2022-07-15</a:t>
             </a:fld>
             <a:endParaRPr lang="ko-KR" altLang="en-US"/>
           </a:p>
@@ -616,7 +615,7 @@
           <a:p>
             <a:fld id="{89A65DAD-E989-4FB0-8D33-7FCDDB457EB5}" type="datetimeFigureOut">
               <a:rPr lang="ko-KR" altLang="en-US" smtClean="0"/>
-              <a:t>2022-07-13</a:t>
+              <a:t>2022-07-15</a:t>
             </a:fld>
             <a:endParaRPr lang="ko-KR" altLang="en-US"/>
           </a:p>
@@ -786,7 +785,7 @@
           <a:p>
             <a:fld id="{89A65DAD-E989-4FB0-8D33-7FCDDB457EB5}" type="datetimeFigureOut">
               <a:rPr lang="ko-KR" altLang="en-US" smtClean="0"/>
-              <a:t>2022-07-13</a:t>
+              <a:t>2022-07-15</a:t>
             </a:fld>
             <a:endParaRPr lang="ko-KR" altLang="en-US"/>
           </a:p>
@@ -966,7 +965,7 @@
           <a:p>
             <a:fld id="{89A65DAD-E989-4FB0-8D33-7FCDDB457EB5}" type="datetimeFigureOut">
               <a:rPr lang="ko-KR" altLang="en-US" smtClean="0"/>
-              <a:t>2022-07-13</a:t>
+              <a:t>2022-07-15</a:t>
             </a:fld>
             <a:endParaRPr lang="ko-KR" altLang="en-US"/>
           </a:p>
@@ -1136,7 +1135,7 @@
           <a:p>
             <a:fld id="{89A65DAD-E989-4FB0-8D33-7FCDDB457EB5}" type="datetimeFigureOut">
               <a:rPr lang="ko-KR" altLang="en-US" smtClean="0"/>
-              <a:t>2022-07-13</a:t>
+              <a:t>2022-07-15</a:t>
             </a:fld>
             <a:endParaRPr lang="ko-KR" altLang="en-US"/>
           </a:p>
@@ -1382,7 +1381,7 @@
           <a:p>
             <a:fld id="{89A65DAD-E989-4FB0-8D33-7FCDDB457EB5}" type="datetimeFigureOut">
               <a:rPr lang="ko-KR" altLang="en-US" smtClean="0"/>
-              <a:t>2022-07-13</a:t>
+              <a:t>2022-07-15</a:t>
             </a:fld>
             <a:endParaRPr lang="ko-KR" altLang="en-US"/>
           </a:p>
@@ -1614,7 +1613,7 @@
           <a:p>
             <a:fld id="{89A65DAD-E989-4FB0-8D33-7FCDDB457EB5}" type="datetimeFigureOut">
               <a:rPr lang="ko-KR" altLang="en-US" smtClean="0"/>
-              <a:t>2022-07-13</a:t>
+              <a:t>2022-07-15</a:t>
             </a:fld>
             <a:endParaRPr lang="ko-KR" altLang="en-US"/>
           </a:p>
@@ -1981,7 +1980,7 @@
           <a:p>
             <a:fld id="{89A65DAD-E989-4FB0-8D33-7FCDDB457EB5}" type="datetimeFigureOut">
               <a:rPr lang="ko-KR" altLang="en-US" smtClean="0"/>
-              <a:t>2022-07-13</a:t>
+              <a:t>2022-07-15</a:t>
             </a:fld>
             <a:endParaRPr lang="ko-KR" altLang="en-US"/>
           </a:p>
@@ -2099,7 +2098,7 @@
           <a:p>
             <a:fld id="{89A65DAD-E989-4FB0-8D33-7FCDDB457EB5}" type="datetimeFigureOut">
               <a:rPr lang="ko-KR" altLang="en-US" smtClean="0"/>
-              <a:t>2022-07-13</a:t>
+              <a:t>2022-07-15</a:t>
             </a:fld>
             <a:endParaRPr lang="ko-KR" altLang="en-US"/>
           </a:p>
@@ -2194,7 +2193,7 @@
           <a:p>
             <a:fld id="{89A65DAD-E989-4FB0-8D33-7FCDDB457EB5}" type="datetimeFigureOut">
               <a:rPr lang="ko-KR" altLang="en-US" smtClean="0"/>
-              <a:t>2022-07-13</a:t>
+              <a:t>2022-07-15</a:t>
             </a:fld>
             <a:endParaRPr lang="ko-KR" altLang="en-US"/>
           </a:p>
@@ -2471,7 +2470,7 @@
           <a:p>
             <a:fld id="{89A65DAD-E989-4FB0-8D33-7FCDDB457EB5}" type="datetimeFigureOut">
               <a:rPr lang="ko-KR" altLang="en-US" smtClean="0"/>
-              <a:t>2022-07-13</a:t>
+              <a:t>2022-07-15</a:t>
             </a:fld>
             <a:endParaRPr lang="ko-KR" altLang="en-US"/>
           </a:p>
@@ -2724,7 +2723,7 @@
           <a:p>
             <a:fld id="{89A65DAD-E989-4FB0-8D33-7FCDDB457EB5}" type="datetimeFigureOut">
               <a:rPr lang="ko-KR" altLang="en-US" smtClean="0"/>
-              <a:t>2022-07-13</a:t>
+              <a:t>2022-07-15</a:t>
             </a:fld>
             <a:endParaRPr lang="ko-KR" altLang="en-US"/>
           </a:p>
@@ -2937,7 +2936,7 @@
           <a:p>
             <a:fld id="{89A65DAD-E989-4FB0-8D33-7FCDDB457EB5}" type="datetimeFigureOut">
               <a:rPr lang="ko-KR" altLang="en-US" smtClean="0"/>
-              <a:t>2022-07-13</a:t>
+              <a:t>2022-07-15</a:t>
             </a:fld>
             <a:endParaRPr lang="ko-KR" altLang="en-US"/>
           </a:p>
@@ -3933,13 +3932,7 @@
                         <a:rPr lang="en-US" altLang="ko-KR" sz="1100" dirty="0" smtClean="0">
                           <a:latin typeface="+mn-lt"/>
                         </a:rPr>
-                        <a:t>/</a:t>
-                      </a:r>
-                      <a:r>
-                        <a:rPr lang="en-US" altLang="ko-KR" sz="1100" dirty="0" smtClean="0">
-                          <a:latin typeface="+mn-lt"/>
-                        </a:rPr>
-                        <a:t>image/original/{</a:t>
+                        <a:t>/image/original/{</a:t>
                       </a:r>
                       <a:r>
                         <a:rPr lang="en-US" altLang="ko-KR" sz="1100" kern="1200" dirty="0" smtClean="0">
@@ -3975,19 +3968,7 @@
                           <a:ea typeface="+mn-ea"/>
                           <a:cs typeface="+mn-cs"/>
                         </a:rPr>
-                        <a:t>}/{</a:t>
-                      </a:r>
-                      <a:r>
-                        <a:rPr lang="en-US" altLang="ko-KR" sz="1100" kern="1200" dirty="0" smtClean="0">
-                          <a:solidFill>
-                            <a:schemeClr val="dk1"/>
-                          </a:solidFill>
-                          <a:effectLst/>
-                          <a:latin typeface="+mn-lt"/>
-                          <a:ea typeface="+mn-ea"/>
-                          <a:cs typeface="+mn-cs"/>
-                        </a:rPr>
-                        <a:t>file_name}.jpg</a:t>
+                        <a:t>}/{file_name}.jpg</a:t>
                       </a:r>
                       <a:endParaRPr lang="ko-KR" altLang="en-US" sz="1100" dirty="0" smtClean="0">
                         <a:latin typeface="+mn-lt"/>
@@ -4020,11 +4001,7 @@
                       </a:pPr>
                       <a:r>
                         <a:rPr lang="en-US" altLang="ko-KR" sz="1100" dirty="0" smtClean="0"/>
-                        <a:t>/</a:t>
-                      </a:r>
-                      <a:r>
-                        <a:rPr lang="en-US" altLang="ko-KR" sz="1100" dirty="0" smtClean="0"/>
-                        <a:t>video/original/{</a:t>
+                        <a:t>/video/original/{</a:t>
                       </a:r>
                       <a:r>
                         <a:rPr lang="en-US" altLang="ko-KR" sz="1100" kern="1200" dirty="0" smtClean="0">
@@ -4060,19 +4037,7 @@
                           <a:ea typeface="+mn-ea"/>
                           <a:cs typeface="+mn-cs"/>
                         </a:rPr>
-                        <a:t>}/{file_name</a:t>
-                      </a:r>
-                      <a:r>
-                        <a:rPr lang="en-US" altLang="ko-KR" sz="1100" kern="1200" dirty="0" smtClean="0">
-                          <a:solidFill>
-                            <a:schemeClr val="dk1"/>
-                          </a:solidFill>
-                          <a:effectLst/>
-                          <a:latin typeface="+mn-lt"/>
-                          <a:ea typeface="+mn-ea"/>
-                          <a:cs typeface="+mn-cs"/>
-                        </a:rPr>
-                        <a:t>}.mp4</a:t>
+                        <a:t>}/{file_name}.mp4</a:t>
                       </a:r>
                       <a:endParaRPr lang="ko-KR" altLang="en-US" sz="1100" dirty="0" smtClean="0"/>
                     </a:p>
@@ -4623,19 +4588,7 @@
                           <a:ea typeface="+mn-ea"/>
                           <a:cs typeface="+mn-cs"/>
                         </a:rPr>
-                        <a:t>} /{model}/0_{object}_{score}.</a:t>
-                      </a:r>
-                      <a:r>
-                        <a:rPr lang="en-US" altLang="ko-KR" sz="1100" kern="1200" dirty="0" smtClean="0">
-                          <a:solidFill>
-                            <a:schemeClr val="dk1"/>
-                          </a:solidFill>
-                          <a:effectLst/>
-                          <a:latin typeface="+mn-lt"/>
-                          <a:ea typeface="+mn-ea"/>
-                          <a:cs typeface="+mn-cs"/>
-                        </a:rPr>
-                        <a:t>jpg</a:t>
+                        <a:t>} /{model}/0_{object}_{score}.jpg</a:t>
                       </a:r>
                     </a:p>
                     <a:p>
@@ -6671,34 +6624,18 @@
           <a:lstStyle/>
           <a:p>
             <a:r>
-              <a:rPr lang="en-US" altLang="ko-KR" dirty="0">
-                <a:solidFill>
-                  <a:srgbClr val="FF0000"/>
-                </a:solidFill>
-              </a:rPr>
+              <a:rPr lang="en-US" altLang="ko-KR" dirty="0"/>
               <a:t>2</a:t>
             </a:r>
             <a:r>
-              <a:rPr lang="en-US" altLang="ko-KR" dirty="0" smtClean="0">
-                <a:solidFill>
-                  <a:srgbClr val="FF0000"/>
-                </a:solidFill>
-              </a:rPr>
+              <a:rPr lang="en-US" altLang="ko-KR" dirty="0" smtClean="0"/>
               <a:t>. </a:t>
             </a:r>
             <a:r>
-              <a:rPr lang="ko-KR" altLang="en-US" dirty="0" smtClean="0">
-                <a:solidFill>
-                  <a:srgbClr val="FF0000"/>
-                </a:solidFill>
-              </a:rPr>
+              <a:rPr lang="ko-KR" altLang="en-US" dirty="0" smtClean="0"/>
               <a:t>영상 업로드</a:t>
             </a:r>
-            <a:endParaRPr lang="ko-KR" altLang="en-US" dirty="0">
-              <a:solidFill>
-                <a:srgbClr val="FF0000"/>
-              </a:solidFill>
-            </a:endParaRPr>
+            <a:endParaRPr lang="ko-KR" altLang="en-US" dirty="0"/>
           </a:p>
         </p:txBody>
       </p:sp>
@@ -8424,14 +8361,26 @@
           <a:lstStyle/>
           <a:p>
             <a:r>
-              <a:rPr lang="en-US" altLang="ko-KR" dirty="0" smtClean="0"/>
+              <a:rPr lang="en-US" altLang="ko-KR" dirty="0" smtClean="0">
+                <a:solidFill>
+                  <a:srgbClr val="FF0000"/>
+                </a:solidFill>
+              </a:rPr>
               <a:t>100. </a:t>
             </a:r>
             <a:r>
-              <a:rPr lang="ko-KR" altLang="en-US" dirty="0" smtClean="0"/>
+              <a:rPr lang="ko-KR" altLang="en-US" dirty="0" smtClean="0">
+                <a:solidFill>
+                  <a:srgbClr val="FF0000"/>
+                </a:solidFill>
+              </a:rPr>
               <a:t>객체 검출 모델</a:t>
             </a:r>
-            <a:endParaRPr lang="ko-KR" altLang="en-US" dirty="0"/>
+            <a:endParaRPr lang="ko-KR" altLang="en-US" dirty="0">
+              <a:solidFill>
+                <a:srgbClr val="FF0000"/>
+              </a:solidFill>
+            </a:endParaRPr>
           </a:p>
         </p:txBody>
       </p:sp>
@@ -9285,36 +9234,6 @@
 </p:sld>
 </file>
 
-<file path=ppt/slides/slide5.xml><?xml version="1.0" encoding="utf-8"?>
-<p:sld xmlns:a="http://schemas.openxmlformats.org/drawingml/2006/main" xmlns:r="http://schemas.openxmlformats.org/officeDocument/2006/relationships" xmlns:p="http://schemas.openxmlformats.org/presentationml/2006/main">
-  <p:cSld>
-    <p:spTree>
-      <p:nvGrpSpPr>
-        <p:cNvPr id="1" name=""/>
-        <p:cNvGrpSpPr/>
-        <p:nvPr/>
-      </p:nvGrpSpPr>
-      <p:grpSpPr>
-        <a:xfrm>
-          <a:off x="0" y="0"/>
-          <a:ext cx="0" cy="0"/>
-          <a:chOff x="0" y="0"/>
-          <a:chExt cx="0" cy="0"/>
-        </a:xfrm>
-      </p:grpSpPr>
-    </p:spTree>
-    <p:extLst>
-      <p:ext uri="{BB962C8B-B14F-4D97-AF65-F5344CB8AC3E}">
-        <p14:creationId xmlns:p14="http://schemas.microsoft.com/office/powerpoint/2010/main" val="3471859230"/>
-      </p:ext>
-    </p:extLst>
-  </p:cSld>
-  <p:clrMapOvr>
-    <a:masterClrMapping/>
-  </p:clrMapOvr>
-</p:sld>
-</file>
-
 <file path=ppt/theme/theme1.xml><?xml version="1.0" encoding="utf-8"?>
 <a:theme xmlns:a="http://schemas.openxmlformats.org/drawingml/2006/main" name="Office 테마">
   <a:themeElements>

--- a/docs/순서도.pptx
+++ b/docs/순서도.pptx
@@ -5,13 +5,15 @@
     <p:sldMasterId id="2147483648" r:id="rId1"/>
   </p:sldMasterIdLst>
   <p:notesMasterIdLst>
-    <p:notesMasterId r:id="rId6"/>
+    <p:notesMasterId r:id="rId8"/>
   </p:notesMasterIdLst>
   <p:sldIdLst>
     <p:sldId id="256" r:id="rId2"/>
     <p:sldId id="258" r:id="rId3"/>
     <p:sldId id="259" r:id="rId4"/>
     <p:sldId id="261" r:id="rId5"/>
+    <p:sldId id="263" r:id="rId6"/>
+    <p:sldId id="262" r:id="rId7"/>
   </p:sldIdLst>
   <p:sldSz cx="12192000" cy="6858000"/>
   <p:notesSz cx="6858000" cy="9144000"/>
@@ -216,7 +218,7 @@
           <a:p>
             <a:fld id="{FEBB53FF-EA0C-4AD8-8B3F-CE90C6A3C06E}" type="datetimeFigureOut">
               <a:rPr lang="ko-KR" altLang="en-US" smtClean="0"/>
-              <a:t>2022-07-15</a:t>
+              <a:t>2022-07-17</a:t>
             </a:fld>
             <a:endParaRPr lang="ko-KR" altLang="en-US"/>
           </a:p>
@@ -615,7 +617,7 @@
           <a:p>
             <a:fld id="{89A65DAD-E989-4FB0-8D33-7FCDDB457EB5}" type="datetimeFigureOut">
               <a:rPr lang="ko-KR" altLang="en-US" smtClean="0"/>
-              <a:t>2022-07-15</a:t>
+              <a:t>2022-07-17</a:t>
             </a:fld>
             <a:endParaRPr lang="ko-KR" altLang="en-US"/>
           </a:p>
@@ -785,7 +787,7 @@
           <a:p>
             <a:fld id="{89A65DAD-E989-4FB0-8D33-7FCDDB457EB5}" type="datetimeFigureOut">
               <a:rPr lang="ko-KR" altLang="en-US" smtClean="0"/>
-              <a:t>2022-07-15</a:t>
+              <a:t>2022-07-17</a:t>
             </a:fld>
             <a:endParaRPr lang="ko-KR" altLang="en-US"/>
           </a:p>
@@ -965,7 +967,7 @@
           <a:p>
             <a:fld id="{89A65DAD-E989-4FB0-8D33-7FCDDB457EB5}" type="datetimeFigureOut">
               <a:rPr lang="ko-KR" altLang="en-US" smtClean="0"/>
-              <a:t>2022-07-15</a:t>
+              <a:t>2022-07-17</a:t>
             </a:fld>
             <a:endParaRPr lang="ko-KR" altLang="en-US"/>
           </a:p>
@@ -1135,7 +1137,7 @@
           <a:p>
             <a:fld id="{89A65DAD-E989-4FB0-8D33-7FCDDB457EB5}" type="datetimeFigureOut">
               <a:rPr lang="ko-KR" altLang="en-US" smtClean="0"/>
-              <a:t>2022-07-15</a:t>
+              <a:t>2022-07-17</a:t>
             </a:fld>
             <a:endParaRPr lang="ko-KR" altLang="en-US"/>
           </a:p>
@@ -1381,7 +1383,7 @@
           <a:p>
             <a:fld id="{89A65DAD-E989-4FB0-8D33-7FCDDB457EB5}" type="datetimeFigureOut">
               <a:rPr lang="ko-KR" altLang="en-US" smtClean="0"/>
-              <a:t>2022-07-15</a:t>
+              <a:t>2022-07-17</a:t>
             </a:fld>
             <a:endParaRPr lang="ko-KR" altLang="en-US"/>
           </a:p>
@@ -1613,7 +1615,7 @@
           <a:p>
             <a:fld id="{89A65DAD-E989-4FB0-8D33-7FCDDB457EB5}" type="datetimeFigureOut">
               <a:rPr lang="ko-KR" altLang="en-US" smtClean="0"/>
-              <a:t>2022-07-15</a:t>
+              <a:t>2022-07-17</a:t>
             </a:fld>
             <a:endParaRPr lang="ko-KR" altLang="en-US"/>
           </a:p>
@@ -1980,7 +1982,7 @@
           <a:p>
             <a:fld id="{89A65DAD-E989-4FB0-8D33-7FCDDB457EB5}" type="datetimeFigureOut">
               <a:rPr lang="ko-KR" altLang="en-US" smtClean="0"/>
-              <a:t>2022-07-15</a:t>
+              <a:t>2022-07-17</a:t>
             </a:fld>
             <a:endParaRPr lang="ko-KR" altLang="en-US"/>
           </a:p>
@@ -2098,7 +2100,7 @@
           <a:p>
             <a:fld id="{89A65DAD-E989-4FB0-8D33-7FCDDB457EB5}" type="datetimeFigureOut">
               <a:rPr lang="ko-KR" altLang="en-US" smtClean="0"/>
-              <a:t>2022-07-15</a:t>
+              <a:t>2022-07-17</a:t>
             </a:fld>
             <a:endParaRPr lang="ko-KR" altLang="en-US"/>
           </a:p>
@@ -2193,7 +2195,7 @@
           <a:p>
             <a:fld id="{89A65DAD-E989-4FB0-8D33-7FCDDB457EB5}" type="datetimeFigureOut">
               <a:rPr lang="ko-KR" altLang="en-US" smtClean="0"/>
-              <a:t>2022-07-15</a:t>
+              <a:t>2022-07-17</a:t>
             </a:fld>
             <a:endParaRPr lang="ko-KR" altLang="en-US"/>
           </a:p>
@@ -2470,7 +2472,7 @@
           <a:p>
             <a:fld id="{89A65DAD-E989-4FB0-8D33-7FCDDB457EB5}" type="datetimeFigureOut">
               <a:rPr lang="ko-KR" altLang="en-US" smtClean="0"/>
-              <a:t>2022-07-15</a:t>
+              <a:t>2022-07-17</a:t>
             </a:fld>
             <a:endParaRPr lang="ko-KR" altLang="en-US"/>
           </a:p>
@@ -2723,7 +2725,7 @@
           <a:p>
             <a:fld id="{89A65DAD-E989-4FB0-8D33-7FCDDB457EB5}" type="datetimeFigureOut">
               <a:rPr lang="ko-KR" altLang="en-US" smtClean="0"/>
-              <a:t>2022-07-15</a:t>
+              <a:t>2022-07-17</a:t>
             </a:fld>
             <a:endParaRPr lang="ko-KR" altLang="en-US"/>
           </a:p>
@@ -2936,7 +2938,7 @@
           <a:p>
             <a:fld id="{89A65DAD-E989-4FB0-8D33-7FCDDB457EB5}" type="datetimeFigureOut">
               <a:rPr lang="ko-KR" altLang="en-US" smtClean="0"/>
-              <a:t>2022-07-15</a:t>
+              <a:t>2022-07-17</a:t>
             </a:fld>
             <a:endParaRPr lang="ko-KR" altLang="en-US"/>
           </a:p>
@@ -3784,7 +3786,7 @@
           <p:nvPr>
             <p:extLst>
               <p:ext uri="{D42A27DB-BD31-4B8C-83A1-F6EECF244321}">
-                <p14:modId xmlns:p14="http://schemas.microsoft.com/office/powerpoint/2010/main" val="2549815615"/>
+                <p14:modId xmlns:p14="http://schemas.microsoft.com/office/powerpoint/2010/main" val="2078882420"/>
               </p:ext>
             </p:extLst>
           </p:nvPr>
@@ -4815,8 +4817,152 @@
                           <a:ea typeface="+mn-ea"/>
                           <a:cs typeface="+mn-cs"/>
                         </a:rPr>
-                        <a:t>_{object}_{score}.jpg</a:t>
+                        <a:t>_{object}_{score}.</a:t>
                       </a:r>
+                      <a:r>
+                        <a:rPr lang="en-US" altLang="ko-KR" sz="1100" kern="1200" dirty="0" smtClean="0">
+                          <a:solidFill>
+                            <a:schemeClr val="dk1"/>
+                          </a:solidFill>
+                          <a:effectLst/>
+                          <a:latin typeface="+mn-lt"/>
+                          <a:ea typeface="+mn-ea"/>
+                          <a:cs typeface="+mn-cs"/>
+                        </a:rPr>
+                        <a:t>jpg</a:t>
+                      </a:r>
+                    </a:p>
+                    <a:p>
+                      <a:pPr marL="0" marR="0" indent="0" algn="l" defTabSz="914400" rtl="0" eaLnBrk="1" fontAlgn="auto" latinLnBrk="1" hangingPunct="1">
+                        <a:lnSpc>
+                          <a:spcPct val="100000"/>
+                        </a:lnSpc>
+                        <a:spcBef>
+                          <a:spcPts val="0"/>
+                        </a:spcBef>
+                        <a:spcAft>
+                          <a:spcPts val="0"/>
+                        </a:spcAft>
+                        <a:buClrTx/>
+                        <a:buSzTx/>
+                        <a:buFontTx/>
+                        <a:buNone/>
+                        <a:tabLst/>
+                        <a:defRPr/>
+                      </a:pPr>
+                      <a:endParaRPr lang="en-US" altLang="ko-KR" sz="1100" kern="1200" dirty="0" smtClean="0">
+                        <a:solidFill>
+                          <a:schemeClr val="dk1"/>
+                        </a:solidFill>
+                        <a:effectLst/>
+                        <a:latin typeface="+mn-lt"/>
+                        <a:ea typeface="+mn-ea"/>
+                        <a:cs typeface="+mn-cs"/>
+                      </a:endParaRPr>
+                    </a:p>
+                    <a:p>
+                      <a:pPr marL="0" marR="0" indent="0" algn="l" defTabSz="914400" rtl="0" eaLnBrk="1" fontAlgn="auto" latinLnBrk="1" hangingPunct="1">
+                        <a:lnSpc>
+                          <a:spcPct val="100000"/>
+                        </a:lnSpc>
+                        <a:spcBef>
+                          <a:spcPts val="0"/>
+                        </a:spcBef>
+                        <a:spcAft>
+                          <a:spcPts val="0"/>
+                        </a:spcAft>
+                        <a:buClrTx/>
+                        <a:buSzTx/>
+                        <a:buFontTx/>
+                        <a:buNone/>
+                        <a:tabLst/>
+                        <a:defRPr/>
+                      </a:pPr>
+                      <a:r>
+                        <a:rPr lang="en-US" altLang="ko-KR" sz="1100" dirty="0" smtClean="0">
+                          <a:latin typeface="+mn-lt"/>
+                        </a:rPr>
+                        <a:t>/video/object-detection/{</a:t>
+                      </a:r>
+                      <a:r>
+                        <a:rPr lang="en-US" altLang="ko-KR" sz="1100" kern="1200" dirty="0" smtClean="0">
+                          <a:solidFill>
+                            <a:schemeClr val="dk1"/>
+                          </a:solidFill>
+                          <a:effectLst/>
+                          <a:latin typeface="+mn-lt"/>
+                          <a:ea typeface="+mn-ea"/>
+                          <a:cs typeface="+mn-cs"/>
+                        </a:rPr>
+                        <a:t>%</a:t>
+                      </a:r>
+                      <a:r>
+                        <a:rPr lang="en-US" altLang="ko-KR" sz="1100" kern="1200" dirty="0" err="1" smtClean="0">
+                          <a:solidFill>
+                            <a:schemeClr val="dk1"/>
+                          </a:solidFill>
+                          <a:effectLst/>
+                          <a:latin typeface="+mn-lt"/>
+                          <a:ea typeface="+mn-ea"/>
+                          <a:cs typeface="+mn-cs"/>
+                        </a:rPr>
+                        <a:t>Y%m%d</a:t>
+                      </a:r>
+                      <a:r>
+                        <a:rPr lang="en-US" altLang="ko-KR" sz="1100" kern="1200" dirty="0" smtClean="0">
+                          <a:solidFill>
+                            <a:schemeClr val="dk1"/>
+                          </a:solidFill>
+                          <a:effectLst/>
+                          <a:latin typeface="+mn-lt"/>
+                          <a:ea typeface="+mn-ea"/>
+                          <a:cs typeface="+mn-cs"/>
+                        </a:rPr>
+                        <a:t>}/{</a:t>
+                      </a:r>
+                      <a:r>
+                        <a:rPr lang="en-US" altLang="ko-KR" sz="1100" kern="1200" dirty="0" err="1" smtClean="0">
+                          <a:solidFill>
+                            <a:schemeClr val="dk1"/>
+                          </a:solidFill>
+                          <a:effectLst/>
+                          <a:latin typeface="+mn-lt"/>
+                          <a:ea typeface="+mn-ea"/>
+                          <a:cs typeface="+mn-cs"/>
+                        </a:rPr>
+                        <a:t>file_name</a:t>
+                      </a:r>
+                      <a:r>
+                        <a:rPr lang="en-US" altLang="ko-KR" sz="1100" kern="1200" dirty="0" smtClean="0">
+                          <a:solidFill>
+                            <a:schemeClr val="dk1"/>
+                          </a:solidFill>
+                          <a:effectLst/>
+                          <a:latin typeface="+mn-lt"/>
+                          <a:ea typeface="+mn-ea"/>
+                          <a:cs typeface="+mn-cs"/>
+                        </a:rPr>
+                        <a:t>} /{model}/segmentation.mp4</a:t>
+                      </a:r>
+                    </a:p>
+                    <a:p>
+                      <a:pPr marL="0" marR="0" indent="0" algn="l" defTabSz="914400" rtl="0" eaLnBrk="1" fontAlgn="auto" latinLnBrk="1" hangingPunct="1">
+                        <a:lnSpc>
+                          <a:spcPct val="100000"/>
+                        </a:lnSpc>
+                        <a:spcBef>
+                          <a:spcPts val="0"/>
+                        </a:spcBef>
+                        <a:spcAft>
+                          <a:spcPts val="0"/>
+                        </a:spcAft>
+                        <a:buClrTx/>
+                        <a:buSzTx/>
+                        <a:buFontTx/>
+                        <a:buNone/>
+                        <a:tabLst/>
+                        <a:defRPr/>
+                      </a:pPr>
                       <a:endParaRPr lang="ko-KR" altLang="en-US" sz="1100" dirty="0" smtClean="0">
                         <a:latin typeface="+mn-lt"/>
                       </a:endParaRPr>
@@ -7382,9 +7528,17 @@
               <a:rPr lang="en-US" altLang="ko-KR" sz="1400" dirty="0" smtClean="0"/>
               <a:t>h264, mp4 </a:t>
             </a:r>
+            <a:endParaRPr lang="en-US" altLang="ko-KR" sz="1400" dirty="0" smtClean="0"/>
+          </a:p>
+          <a:p>
+            <a:pPr algn="ctr"/>
             <a:r>
               <a:rPr lang="ko-KR" altLang="en-US" sz="1400" dirty="0" smtClean="0"/>
-              <a:t>영상 저장</a:t>
+              <a:t>영상 </a:t>
+            </a:r>
+            <a:r>
+              <a:rPr lang="ko-KR" altLang="en-US" sz="1400" dirty="0" smtClean="0"/>
+              <a:t>저장</a:t>
             </a:r>
             <a:endParaRPr lang="ko-KR" altLang="en-US" dirty="0"/>
           </a:p>
@@ -8322,6 +8476,563 @@
 </file>
 
 <file path=ppt/slides/slide4.xml><?xml version="1.0" encoding="utf-8"?>
+<p:sld xmlns:a="http://schemas.openxmlformats.org/drawingml/2006/main" xmlns:r="http://schemas.openxmlformats.org/officeDocument/2006/relationships" xmlns:p="http://schemas.openxmlformats.org/presentationml/2006/main">
+  <p:cSld>
+    <p:spTree>
+      <p:nvGrpSpPr>
+        <p:cNvPr id="1" name=""/>
+        <p:cNvGrpSpPr/>
+        <p:nvPr/>
+      </p:nvGrpSpPr>
+      <p:grpSpPr>
+        <a:xfrm>
+          <a:off x="0" y="0"/>
+          <a:ext cx="0" cy="0"/>
+          <a:chOff x="0" y="0"/>
+          <a:chExt cx="0" cy="0"/>
+        </a:xfrm>
+      </p:grpSpPr>
+      <p:sp>
+        <p:nvSpPr>
+          <p:cNvPr id="4" name="TextBox 3"/>
+          <p:cNvSpPr txBox="1"/>
+          <p:nvPr/>
+        </p:nvSpPr>
+        <p:spPr>
+          <a:xfrm>
+            <a:off x="119021" y="90351"/>
+            <a:ext cx="3363088" cy="369332"/>
+          </a:xfrm>
+          <a:prstGeom prst="rect">
+            <a:avLst/>
+          </a:prstGeom>
+          <a:noFill/>
+        </p:spPr>
+        <p:txBody>
+          <a:bodyPr wrap="square" rtlCol="0">
+            <a:spAutoFit/>
+          </a:bodyPr>
+          <a:lstStyle/>
+          <a:p>
+            <a:r>
+              <a:rPr lang="en-US" altLang="ko-KR" dirty="0" smtClean="0">
+                <a:solidFill>
+                  <a:srgbClr val="FF0000"/>
+                </a:solidFill>
+              </a:rPr>
+              <a:t>100. </a:t>
+            </a:r>
+            <a:r>
+              <a:rPr lang="ko-KR" altLang="en-US" dirty="0" smtClean="0">
+                <a:solidFill>
+                  <a:srgbClr val="FF0000"/>
+                </a:solidFill>
+              </a:rPr>
+              <a:t>객체 검출 </a:t>
+            </a:r>
+            <a:r>
+              <a:rPr lang="ko-KR" altLang="en-US" dirty="0" smtClean="0">
+                <a:solidFill>
+                  <a:srgbClr val="FF0000"/>
+                </a:solidFill>
+              </a:rPr>
+              <a:t>결과 </a:t>
+            </a:r>
+            <a:r>
+              <a:rPr lang="en-US" altLang="ko-KR" dirty="0" smtClean="0">
+                <a:solidFill>
+                  <a:srgbClr val="FF0000"/>
+                </a:solidFill>
+              </a:rPr>
+              <a:t>- </a:t>
+            </a:r>
+            <a:r>
+              <a:rPr lang="ko-KR" altLang="en-US" dirty="0" smtClean="0">
+                <a:solidFill>
+                  <a:srgbClr val="FF0000"/>
+                </a:solidFill>
+              </a:rPr>
+              <a:t>이미지</a:t>
+            </a:r>
+            <a:endParaRPr lang="ko-KR" altLang="en-US" dirty="0">
+              <a:solidFill>
+                <a:srgbClr val="FF0000"/>
+              </a:solidFill>
+            </a:endParaRPr>
+          </a:p>
+        </p:txBody>
+      </p:sp>
+      <p:pic>
+        <p:nvPicPr>
+          <p:cNvPr id="2" name="그림 1"/>
+          <p:cNvPicPr>
+            <a:picLocks noChangeAspect="1"/>
+          </p:cNvPicPr>
+          <p:nvPr/>
+        </p:nvPicPr>
+        <p:blipFill>
+          <a:blip r:embed="rId2">
+            <a:extLst>
+              <a:ext uri="{28A0092B-C50C-407E-A947-70E740481C1C}">
+                <a14:useLocalDpi xmlns:a14="http://schemas.microsoft.com/office/drawing/2010/main" val="0"/>
+              </a:ext>
+            </a:extLst>
+          </a:blip>
+          <a:stretch>
+            <a:fillRect/>
+          </a:stretch>
+        </p:blipFill>
+        <p:spPr>
+          <a:xfrm>
+            <a:off x="376756" y="2092483"/>
+            <a:ext cx="5143500" cy="3429000"/>
+          </a:xfrm>
+          <a:prstGeom prst="rect">
+            <a:avLst/>
+          </a:prstGeom>
+        </p:spPr>
+      </p:pic>
+      <p:pic>
+        <p:nvPicPr>
+          <p:cNvPr id="3" name="그림 2"/>
+          <p:cNvPicPr>
+            <a:picLocks noChangeAspect="1"/>
+          </p:cNvPicPr>
+          <p:nvPr/>
+        </p:nvPicPr>
+        <p:blipFill>
+          <a:blip r:embed="rId3">
+            <a:extLst>
+              <a:ext uri="{28A0092B-C50C-407E-A947-70E740481C1C}">
+                <a14:useLocalDpi xmlns:a14="http://schemas.microsoft.com/office/drawing/2010/main" val="0"/>
+              </a:ext>
+            </a:extLst>
+          </a:blip>
+          <a:stretch>
+            <a:fillRect/>
+          </a:stretch>
+        </p:blipFill>
+        <p:spPr>
+          <a:xfrm>
+            <a:off x="10542706" y="1259073"/>
+            <a:ext cx="1295400" cy="2638425"/>
+          </a:xfrm>
+          <a:prstGeom prst="rect">
+            <a:avLst/>
+          </a:prstGeom>
+          <a:ln>
+            <a:solidFill>
+              <a:schemeClr val="accent1"/>
+            </a:solidFill>
+          </a:ln>
+        </p:spPr>
+      </p:pic>
+      <p:pic>
+        <p:nvPicPr>
+          <p:cNvPr id="6" name="그림 5"/>
+          <p:cNvPicPr>
+            <a:picLocks noChangeAspect="1"/>
+          </p:cNvPicPr>
+          <p:nvPr/>
+        </p:nvPicPr>
+        <p:blipFill>
+          <a:blip r:embed="rId4">
+            <a:extLst>
+              <a:ext uri="{28A0092B-C50C-407E-A947-70E740481C1C}">
+                <a14:useLocalDpi xmlns:a14="http://schemas.microsoft.com/office/drawing/2010/main" val="0"/>
+              </a:ext>
+            </a:extLst>
+          </a:blip>
+          <a:stretch>
+            <a:fillRect/>
+          </a:stretch>
+        </p:blipFill>
+        <p:spPr>
+          <a:xfrm>
+            <a:off x="9260292" y="1259073"/>
+            <a:ext cx="1028700" cy="2486025"/>
+          </a:xfrm>
+          <a:prstGeom prst="rect">
+            <a:avLst/>
+          </a:prstGeom>
+          <a:ln>
+            <a:solidFill>
+              <a:schemeClr val="accent1"/>
+            </a:solidFill>
+          </a:ln>
+        </p:spPr>
+      </p:pic>
+      <p:pic>
+        <p:nvPicPr>
+          <p:cNvPr id="7" name="그림 6"/>
+          <p:cNvPicPr>
+            <a:picLocks noChangeAspect="1"/>
+          </p:cNvPicPr>
+          <p:nvPr/>
+        </p:nvPicPr>
+        <p:blipFill>
+          <a:blip r:embed="rId5">
+            <a:extLst>
+              <a:ext uri="{28A0092B-C50C-407E-A947-70E740481C1C}">
+                <a14:useLocalDpi xmlns:a14="http://schemas.microsoft.com/office/drawing/2010/main" val="0"/>
+              </a:ext>
+            </a:extLst>
+          </a:blip>
+          <a:stretch>
+            <a:fillRect/>
+          </a:stretch>
+        </p:blipFill>
+        <p:spPr>
+          <a:xfrm>
+            <a:off x="6639357" y="1259073"/>
+            <a:ext cx="1047750" cy="2743200"/>
+          </a:xfrm>
+          <a:prstGeom prst="rect">
+            <a:avLst/>
+          </a:prstGeom>
+          <a:ln>
+            <a:solidFill>
+              <a:schemeClr val="accent1"/>
+            </a:solidFill>
+          </a:ln>
+        </p:spPr>
+      </p:pic>
+      <p:pic>
+        <p:nvPicPr>
+          <p:cNvPr id="8" name="그림 7"/>
+          <p:cNvPicPr>
+            <a:picLocks noChangeAspect="1"/>
+          </p:cNvPicPr>
+          <p:nvPr/>
+        </p:nvPicPr>
+        <p:blipFill>
+          <a:blip r:embed="rId6">
+            <a:extLst>
+              <a:ext uri="{28A0092B-C50C-407E-A947-70E740481C1C}">
+                <a14:useLocalDpi xmlns:a14="http://schemas.microsoft.com/office/drawing/2010/main" val="0"/>
+              </a:ext>
+            </a:extLst>
+          </a:blip>
+          <a:stretch>
+            <a:fillRect/>
+          </a:stretch>
+        </p:blipFill>
+        <p:spPr>
+          <a:xfrm>
+            <a:off x="7930253" y="1259073"/>
+            <a:ext cx="1076325" cy="2362200"/>
+          </a:xfrm>
+          <a:prstGeom prst="rect">
+            <a:avLst/>
+          </a:prstGeom>
+          <a:ln>
+            <a:solidFill>
+              <a:schemeClr val="accent1"/>
+            </a:solidFill>
+          </a:ln>
+        </p:spPr>
+      </p:pic>
+      <p:pic>
+        <p:nvPicPr>
+          <p:cNvPr id="9" name="그림 8"/>
+          <p:cNvPicPr>
+            <a:picLocks noChangeAspect="1"/>
+          </p:cNvPicPr>
+          <p:nvPr/>
+        </p:nvPicPr>
+        <p:blipFill>
+          <a:blip r:embed="rId7">
+            <a:extLst>
+              <a:ext uri="{28A0092B-C50C-407E-A947-70E740481C1C}">
+                <a14:useLocalDpi xmlns:a14="http://schemas.microsoft.com/office/drawing/2010/main" val="0"/>
+              </a:ext>
+            </a:extLst>
+          </a:blip>
+          <a:stretch>
+            <a:fillRect/>
+          </a:stretch>
+        </p:blipFill>
+        <p:spPr>
+          <a:xfrm>
+            <a:off x="6724996" y="4667091"/>
+            <a:ext cx="2784850" cy="1856567"/>
+          </a:xfrm>
+          <a:prstGeom prst="rect">
+            <a:avLst/>
+          </a:prstGeom>
+          <a:ln>
+            <a:solidFill>
+              <a:schemeClr val="accent1"/>
+            </a:solidFill>
+          </a:ln>
+        </p:spPr>
+      </p:pic>
+      <p:sp>
+        <p:nvSpPr>
+          <p:cNvPr id="10" name="TextBox 9"/>
+          <p:cNvSpPr txBox="1"/>
+          <p:nvPr/>
+        </p:nvSpPr>
+        <p:spPr>
+          <a:xfrm>
+            <a:off x="6724997" y="533574"/>
+            <a:ext cx="1670857" cy="369332"/>
+          </a:xfrm>
+          <a:prstGeom prst="rect">
+            <a:avLst/>
+          </a:prstGeom>
+          <a:noFill/>
+          <a:ln>
+            <a:noFill/>
+          </a:ln>
+        </p:spPr>
+        <p:txBody>
+          <a:bodyPr wrap="square" rtlCol="0">
+            <a:spAutoFit/>
+          </a:bodyPr>
+          <a:lstStyle/>
+          <a:p>
+            <a:r>
+              <a:rPr lang="en-US" altLang="ko-KR" dirty="0" smtClean="0"/>
+              <a:t>Object Image</a:t>
+            </a:r>
+            <a:endParaRPr lang="ko-KR" altLang="en-US" dirty="0"/>
+          </a:p>
+        </p:txBody>
+      </p:sp>
+      <p:sp>
+        <p:nvSpPr>
+          <p:cNvPr id="11" name="TextBox 10"/>
+          <p:cNvSpPr txBox="1"/>
+          <p:nvPr/>
+        </p:nvSpPr>
+        <p:spPr>
+          <a:xfrm>
+            <a:off x="6724997" y="4173934"/>
+            <a:ext cx="2635134" cy="369332"/>
+          </a:xfrm>
+          <a:prstGeom prst="rect">
+            <a:avLst/>
+          </a:prstGeom>
+          <a:noFill/>
+          <a:ln>
+            <a:noFill/>
+          </a:ln>
+        </p:spPr>
+        <p:txBody>
+          <a:bodyPr wrap="square" rtlCol="0">
+            <a:spAutoFit/>
+          </a:bodyPr>
+          <a:lstStyle/>
+          <a:p>
+            <a:r>
+              <a:rPr lang="en-US" altLang="ko-KR" dirty="0" smtClean="0"/>
+              <a:t>Bounding Box Image</a:t>
+            </a:r>
+            <a:endParaRPr lang="ko-KR" altLang="en-US" dirty="0"/>
+          </a:p>
+        </p:txBody>
+      </p:sp>
+      <p:sp>
+        <p:nvSpPr>
+          <p:cNvPr id="12" name="직사각형 11"/>
+          <p:cNvSpPr/>
+          <p:nvPr/>
+        </p:nvSpPr>
+        <p:spPr>
+          <a:xfrm>
+            <a:off x="6548583" y="281709"/>
+            <a:ext cx="5403272" cy="6384175"/>
+          </a:xfrm>
+          <a:prstGeom prst="rect">
+            <a:avLst/>
+          </a:prstGeom>
+          <a:noFill/>
+          <a:ln>
+            <a:solidFill>
+              <a:schemeClr val="accent1"/>
+            </a:solidFill>
+          </a:ln>
+        </p:spPr>
+        <p:style>
+          <a:lnRef idx="2">
+            <a:schemeClr val="accent1">
+              <a:shade val="50000"/>
+            </a:schemeClr>
+          </a:lnRef>
+          <a:fillRef idx="1">
+            <a:schemeClr val="accent1"/>
+          </a:fillRef>
+          <a:effectRef idx="0">
+            <a:schemeClr val="accent1"/>
+          </a:effectRef>
+          <a:fontRef idx="minor">
+            <a:schemeClr val="lt1"/>
+          </a:fontRef>
+        </p:style>
+        <p:txBody>
+          <a:bodyPr rtlCol="0" anchor="ctr"/>
+          <a:lstStyle/>
+          <a:p>
+            <a:pPr algn="ctr"/>
+            <a:endParaRPr lang="ko-KR" altLang="en-US"/>
+          </a:p>
+        </p:txBody>
+      </p:sp>
+      <p:sp>
+        <p:nvSpPr>
+          <p:cNvPr id="14" name="오른쪽 화살표 13"/>
+          <p:cNvSpPr/>
+          <p:nvPr/>
+        </p:nvSpPr>
+        <p:spPr>
+          <a:xfrm>
+            <a:off x="5744930" y="3583461"/>
+            <a:ext cx="701963" cy="323273"/>
+          </a:xfrm>
+          <a:prstGeom prst="rightArrow">
+            <a:avLst/>
+          </a:prstGeom>
+        </p:spPr>
+        <p:style>
+          <a:lnRef idx="2">
+            <a:schemeClr val="accent1">
+              <a:shade val="50000"/>
+            </a:schemeClr>
+          </a:lnRef>
+          <a:fillRef idx="1">
+            <a:schemeClr val="accent1"/>
+          </a:fillRef>
+          <a:effectRef idx="0">
+            <a:schemeClr val="accent1"/>
+          </a:effectRef>
+          <a:fontRef idx="minor">
+            <a:schemeClr val="lt1"/>
+          </a:fontRef>
+        </p:style>
+        <p:txBody>
+          <a:bodyPr rtlCol="0" anchor="ctr"/>
+          <a:lstStyle/>
+          <a:p>
+            <a:pPr algn="ctr"/>
+            <a:endParaRPr lang="ko-KR" altLang="en-US"/>
+          </a:p>
+        </p:txBody>
+      </p:sp>
+    </p:spTree>
+    <p:extLst>
+      <p:ext uri="{BB962C8B-B14F-4D97-AF65-F5344CB8AC3E}">
+        <p14:creationId xmlns:p14="http://schemas.microsoft.com/office/powerpoint/2010/main" val="1199447302"/>
+      </p:ext>
+    </p:extLst>
+  </p:cSld>
+  <p:clrMapOvr>
+    <a:masterClrMapping/>
+  </p:clrMapOvr>
+</p:sld>
+</file>
+
+<file path=ppt/slides/slide5.xml><?xml version="1.0" encoding="utf-8"?>
+<p:sld xmlns:a="http://schemas.openxmlformats.org/drawingml/2006/main" xmlns:r="http://schemas.openxmlformats.org/officeDocument/2006/relationships" xmlns:p="http://schemas.openxmlformats.org/presentationml/2006/main">
+  <p:cSld>
+    <p:spTree>
+      <p:nvGrpSpPr>
+        <p:cNvPr id="1" name=""/>
+        <p:cNvGrpSpPr/>
+        <p:nvPr/>
+      </p:nvGrpSpPr>
+      <p:grpSpPr>
+        <a:xfrm>
+          <a:off x="0" y="0"/>
+          <a:ext cx="0" cy="0"/>
+          <a:chOff x="0" y="0"/>
+          <a:chExt cx="0" cy="0"/>
+        </a:xfrm>
+      </p:grpSpPr>
+      <p:sp>
+        <p:nvSpPr>
+          <p:cNvPr id="4" name="TextBox 3"/>
+          <p:cNvSpPr txBox="1"/>
+          <p:nvPr/>
+        </p:nvSpPr>
+        <p:spPr>
+          <a:xfrm>
+            <a:off x="119021" y="90351"/>
+            <a:ext cx="3363088" cy="369332"/>
+          </a:xfrm>
+          <a:prstGeom prst="rect">
+            <a:avLst/>
+          </a:prstGeom>
+          <a:noFill/>
+        </p:spPr>
+        <p:txBody>
+          <a:bodyPr wrap="square" rtlCol="0">
+            <a:spAutoFit/>
+          </a:bodyPr>
+          <a:lstStyle/>
+          <a:p>
+            <a:r>
+              <a:rPr lang="en-US" altLang="ko-KR" dirty="0" smtClean="0">
+                <a:solidFill>
+                  <a:srgbClr val="FF0000"/>
+                </a:solidFill>
+              </a:rPr>
+              <a:t>100. </a:t>
+            </a:r>
+            <a:r>
+              <a:rPr lang="ko-KR" altLang="en-US" dirty="0" smtClean="0">
+                <a:solidFill>
+                  <a:srgbClr val="FF0000"/>
+                </a:solidFill>
+              </a:rPr>
+              <a:t>객체 검출 </a:t>
+            </a:r>
+            <a:r>
+              <a:rPr lang="ko-KR" altLang="en-US" dirty="0" smtClean="0">
+                <a:solidFill>
+                  <a:srgbClr val="FF0000"/>
+                </a:solidFill>
+              </a:rPr>
+              <a:t>결과 </a:t>
+            </a:r>
+            <a:r>
+              <a:rPr lang="en-US" altLang="ko-KR" dirty="0" smtClean="0">
+                <a:solidFill>
+                  <a:srgbClr val="FF0000"/>
+                </a:solidFill>
+              </a:rPr>
+              <a:t>- </a:t>
+            </a:r>
+            <a:r>
+              <a:rPr lang="ko-KR" altLang="en-US" dirty="0" smtClean="0">
+                <a:solidFill>
+                  <a:srgbClr val="FF0000"/>
+                </a:solidFill>
+              </a:rPr>
+              <a:t>영상</a:t>
+            </a:r>
+            <a:endParaRPr lang="ko-KR" altLang="en-US" dirty="0">
+              <a:solidFill>
+                <a:srgbClr val="FF0000"/>
+              </a:solidFill>
+            </a:endParaRPr>
+          </a:p>
+        </p:txBody>
+      </p:sp>
+    </p:spTree>
+    <p:extLst>
+      <p:ext uri="{BB962C8B-B14F-4D97-AF65-F5344CB8AC3E}">
+        <p14:creationId xmlns:p14="http://schemas.microsoft.com/office/powerpoint/2010/main" val="3277541893"/>
+      </p:ext>
+    </p:extLst>
+  </p:cSld>
+  <p:clrMapOvr>
+    <a:masterClrMapping/>
+  </p:clrMapOvr>
+</p:sld>
+</file>
+
+<file path=ppt/slides/slide6.xml><?xml version="1.0" encoding="utf-8"?>
 <p:sld xmlns:a="http://schemas.openxmlformats.org/drawingml/2006/main" xmlns:r="http://schemas.openxmlformats.org/officeDocument/2006/relationships" xmlns:p="http://schemas.openxmlformats.org/presentationml/2006/main">
   <p:cSld>
     <p:spTree>
@@ -9224,7 +9935,7 @@
     </p:spTree>
     <p:extLst>
       <p:ext uri="{BB962C8B-B14F-4D97-AF65-F5344CB8AC3E}">
-        <p14:creationId xmlns:p14="http://schemas.microsoft.com/office/powerpoint/2010/main" val="1199447302"/>
+        <p14:creationId xmlns:p14="http://schemas.microsoft.com/office/powerpoint/2010/main" val="1342201757"/>
       </p:ext>
     </p:extLst>
   </p:cSld>

--- a/docs/순서도.pptx
+++ b/docs/순서도.pptx
@@ -218,7 +218,7 @@
           <a:p>
             <a:fld id="{FEBB53FF-EA0C-4AD8-8B3F-CE90C6A3C06E}" type="datetimeFigureOut">
               <a:rPr lang="ko-KR" altLang="en-US" smtClean="0"/>
-              <a:t>2022-07-17</a:t>
+              <a:t>2022-07-18</a:t>
             </a:fld>
             <a:endParaRPr lang="ko-KR" altLang="en-US"/>
           </a:p>
@@ -617,7 +617,7 @@
           <a:p>
             <a:fld id="{89A65DAD-E989-4FB0-8D33-7FCDDB457EB5}" type="datetimeFigureOut">
               <a:rPr lang="ko-KR" altLang="en-US" smtClean="0"/>
-              <a:t>2022-07-17</a:t>
+              <a:t>2022-07-18</a:t>
             </a:fld>
             <a:endParaRPr lang="ko-KR" altLang="en-US"/>
           </a:p>
@@ -787,7 +787,7 @@
           <a:p>
             <a:fld id="{89A65DAD-E989-4FB0-8D33-7FCDDB457EB5}" type="datetimeFigureOut">
               <a:rPr lang="ko-KR" altLang="en-US" smtClean="0"/>
-              <a:t>2022-07-17</a:t>
+              <a:t>2022-07-18</a:t>
             </a:fld>
             <a:endParaRPr lang="ko-KR" altLang="en-US"/>
           </a:p>
@@ -967,7 +967,7 @@
           <a:p>
             <a:fld id="{89A65DAD-E989-4FB0-8D33-7FCDDB457EB5}" type="datetimeFigureOut">
               <a:rPr lang="ko-KR" altLang="en-US" smtClean="0"/>
-              <a:t>2022-07-17</a:t>
+              <a:t>2022-07-18</a:t>
             </a:fld>
             <a:endParaRPr lang="ko-KR" altLang="en-US"/>
           </a:p>
@@ -1137,7 +1137,7 @@
           <a:p>
             <a:fld id="{89A65DAD-E989-4FB0-8D33-7FCDDB457EB5}" type="datetimeFigureOut">
               <a:rPr lang="ko-KR" altLang="en-US" smtClean="0"/>
-              <a:t>2022-07-17</a:t>
+              <a:t>2022-07-18</a:t>
             </a:fld>
             <a:endParaRPr lang="ko-KR" altLang="en-US"/>
           </a:p>
@@ -1383,7 +1383,7 @@
           <a:p>
             <a:fld id="{89A65DAD-E989-4FB0-8D33-7FCDDB457EB5}" type="datetimeFigureOut">
               <a:rPr lang="ko-KR" altLang="en-US" smtClean="0"/>
-              <a:t>2022-07-17</a:t>
+              <a:t>2022-07-18</a:t>
             </a:fld>
             <a:endParaRPr lang="ko-KR" altLang="en-US"/>
           </a:p>
@@ -1615,7 +1615,7 @@
           <a:p>
             <a:fld id="{89A65DAD-E989-4FB0-8D33-7FCDDB457EB5}" type="datetimeFigureOut">
               <a:rPr lang="ko-KR" altLang="en-US" smtClean="0"/>
-              <a:t>2022-07-17</a:t>
+              <a:t>2022-07-18</a:t>
             </a:fld>
             <a:endParaRPr lang="ko-KR" altLang="en-US"/>
           </a:p>
@@ -1982,7 +1982,7 @@
           <a:p>
             <a:fld id="{89A65DAD-E989-4FB0-8D33-7FCDDB457EB5}" type="datetimeFigureOut">
               <a:rPr lang="ko-KR" altLang="en-US" smtClean="0"/>
-              <a:t>2022-07-17</a:t>
+              <a:t>2022-07-18</a:t>
             </a:fld>
             <a:endParaRPr lang="ko-KR" altLang="en-US"/>
           </a:p>
@@ -2100,7 +2100,7 @@
           <a:p>
             <a:fld id="{89A65DAD-E989-4FB0-8D33-7FCDDB457EB5}" type="datetimeFigureOut">
               <a:rPr lang="ko-KR" altLang="en-US" smtClean="0"/>
-              <a:t>2022-07-17</a:t>
+              <a:t>2022-07-18</a:t>
             </a:fld>
             <a:endParaRPr lang="ko-KR" altLang="en-US"/>
           </a:p>
@@ -2195,7 +2195,7 @@
           <a:p>
             <a:fld id="{89A65DAD-E989-4FB0-8D33-7FCDDB457EB5}" type="datetimeFigureOut">
               <a:rPr lang="ko-KR" altLang="en-US" smtClean="0"/>
-              <a:t>2022-07-17</a:t>
+              <a:t>2022-07-18</a:t>
             </a:fld>
             <a:endParaRPr lang="ko-KR" altLang="en-US"/>
           </a:p>
@@ -2472,7 +2472,7 @@
           <a:p>
             <a:fld id="{89A65DAD-E989-4FB0-8D33-7FCDDB457EB5}" type="datetimeFigureOut">
               <a:rPr lang="ko-KR" altLang="en-US" smtClean="0"/>
-              <a:t>2022-07-17</a:t>
+              <a:t>2022-07-18</a:t>
             </a:fld>
             <a:endParaRPr lang="ko-KR" altLang="en-US"/>
           </a:p>
@@ -2725,7 +2725,7 @@
           <a:p>
             <a:fld id="{89A65DAD-E989-4FB0-8D33-7FCDDB457EB5}" type="datetimeFigureOut">
               <a:rPr lang="ko-KR" altLang="en-US" smtClean="0"/>
-              <a:t>2022-07-17</a:t>
+              <a:t>2022-07-18</a:t>
             </a:fld>
             <a:endParaRPr lang="ko-KR" altLang="en-US"/>
           </a:p>
@@ -2938,7 +2938,7 @@
           <a:p>
             <a:fld id="{89A65DAD-E989-4FB0-8D33-7FCDDB457EB5}" type="datetimeFigureOut">
               <a:rPr lang="ko-KR" altLang="en-US" smtClean="0"/>
-              <a:t>2022-07-17</a:t>
+              <a:t>2022-07-18</a:t>
             </a:fld>
             <a:endParaRPr lang="ko-KR" altLang="en-US"/>
           </a:p>
@@ -4817,19 +4817,7 @@
                           <a:ea typeface="+mn-ea"/>
                           <a:cs typeface="+mn-cs"/>
                         </a:rPr>
-                        <a:t>_{object}_{score}.</a:t>
-                      </a:r>
-                      <a:r>
-                        <a:rPr lang="en-US" altLang="ko-KR" sz="1100" kern="1200" dirty="0" smtClean="0">
-                          <a:solidFill>
-                            <a:schemeClr val="dk1"/>
-                          </a:solidFill>
-                          <a:effectLst/>
-                          <a:latin typeface="+mn-lt"/>
-                          <a:ea typeface="+mn-ea"/>
-                          <a:cs typeface="+mn-cs"/>
-                        </a:rPr>
-                        <a:t>jpg</a:t>
+                        <a:t>_{object}_{score}.jpg</a:t>
                       </a:r>
                     </a:p>
                     <a:p>
@@ -7528,17 +7516,12 @@
               <a:rPr lang="en-US" altLang="ko-KR" sz="1400" dirty="0" smtClean="0"/>
               <a:t>h264, mp4 </a:t>
             </a:r>
-            <a:endParaRPr lang="en-US" altLang="ko-KR" sz="1400" dirty="0" smtClean="0"/>
           </a:p>
           <a:p>
             <a:pPr algn="ctr"/>
             <a:r>
               <a:rPr lang="ko-KR" altLang="en-US" sz="1400" dirty="0" smtClean="0"/>
-              <a:t>영상 </a:t>
-            </a:r>
-            <a:r>
-              <a:rPr lang="ko-KR" altLang="en-US" sz="1400" dirty="0" smtClean="0"/>
-              <a:t>저장</a:t>
+              <a:t>영상 저장</a:t>
             </a:r>
             <a:endParaRPr lang="ko-KR" altLang="en-US" dirty="0"/>
           </a:p>
@@ -8528,15 +8511,7 @@
                   <a:srgbClr val="FF0000"/>
                 </a:solidFill>
               </a:rPr>
-              <a:t>객체 검출 </a:t>
-            </a:r>
-            <a:r>
-              <a:rPr lang="ko-KR" altLang="en-US" dirty="0" smtClean="0">
-                <a:solidFill>
-                  <a:srgbClr val="FF0000"/>
-                </a:solidFill>
-              </a:rPr>
-              <a:t>결과 </a:t>
+              <a:t>객체 검출 결과 </a:t>
             </a:r>
             <a:r>
               <a:rPr lang="en-US" altLang="ko-KR" dirty="0" smtClean="0">
@@ -8985,15 +8960,7 @@
                   <a:srgbClr val="FF0000"/>
                 </a:solidFill>
               </a:rPr>
-              <a:t>객체 검출 </a:t>
-            </a:r>
-            <a:r>
-              <a:rPr lang="ko-KR" altLang="en-US" dirty="0" smtClean="0">
-                <a:solidFill>
-                  <a:srgbClr val="FF0000"/>
-                </a:solidFill>
-              </a:rPr>
-              <a:t>결과 </a:t>
+              <a:t>객체 검출 결과 </a:t>
             </a:r>
             <a:r>
               <a:rPr lang="en-US" altLang="ko-KR" dirty="0" smtClean="0">
